--- a/candy_ppt.pptx
+++ b/candy_ppt.pptx
@@ -5,11 +5,13 @@
     <p:sldMasterId id="2147483648" r:id="rId1"/>
   </p:sldMasterIdLst>
   <p:notesMasterIdLst>
-    <p:notesMasterId r:id="rId4"/>
+    <p:notesMasterId r:id="rId6"/>
   </p:notesMasterIdLst>
   <p:sldIdLst>
     <p:sldId id="256" r:id="rId2"/>
     <p:sldId id="257" r:id="rId3"/>
+    <p:sldId id="258" r:id="rId4"/>
+    <p:sldId id="259" r:id="rId5"/>
   </p:sldIdLst>
   <p:sldSz cx="12192000" cy="6858000"/>
   <p:notesSz cx="6858000" cy="9144000"/>
@@ -198,7 +200,7 @@
           <a:p>
             <a:fld id="{AB8D54FC-33A6-44F7-9994-EEF545CC876D}" type="datetimeFigureOut">
               <a:rPr lang="en-GB" smtClean="0"/>
-              <a:t>21/07/2022</a:t>
+              <a:t>23/07/2022</a:t>
             </a:fld>
             <a:endParaRPr lang="en-GB"/>
           </a:p>
@@ -703,7 +705,7 @@
           <a:p>
             <a:fld id="{D833ACF4-696F-4EFB-9562-39FE5FA73525}" type="datetimeFigureOut">
               <a:rPr lang="en-GB" smtClean="0"/>
-              <a:t>21/07/2022</a:t>
+              <a:t>23/07/2022</a:t>
             </a:fld>
             <a:endParaRPr lang="en-GB"/>
           </a:p>
@@ -903,7 +905,7 @@
           <a:p>
             <a:fld id="{D833ACF4-696F-4EFB-9562-39FE5FA73525}" type="datetimeFigureOut">
               <a:rPr lang="en-GB" smtClean="0"/>
-              <a:t>21/07/2022</a:t>
+              <a:t>23/07/2022</a:t>
             </a:fld>
             <a:endParaRPr lang="en-GB"/>
           </a:p>
@@ -1113,7 +1115,7 @@
           <a:p>
             <a:fld id="{D833ACF4-696F-4EFB-9562-39FE5FA73525}" type="datetimeFigureOut">
               <a:rPr lang="en-GB" smtClean="0"/>
-              <a:t>21/07/2022</a:t>
+              <a:t>23/07/2022</a:t>
             </a:fld>
             <a:endParaRPr lang="en-GB"/>
           </a:p>
@@ -1313,7 +1315,7 @@
           <a:p>
             <a:fld id="{D833ACF4-696F-4EFB-9562-39FE5FA73525}" type="datetimeFigureOut">
               <a:rPr lang="en-GB" smtClean="0"/>
-              <a:t>21/07/2022</a:t>
+              <a:t>23/07/2022</a:t>
             </a:fld>
             <a:endParaRPr lang="en-GB"/>
           </a:p>
@@ -1589,7 +1591,7 @@
           <a:p>
             <a:fld id="{D833ACF4-696F-4EFB-9562-39FE5FA73525}" type="datetimeFigureOut">
               <a:rPr lang="en-GB" smtClean="0"/>
-              <a:t>21/07/2022</a:t>
+              <a:t>23/07/2022</a:t>
             </a:fld>
             <a:endParaRPr lang="en-GB"/>
           </a:p>
@@ -1857,7 +1859,7 @@
           <a:p>
             <a:fld id="{D833ACF4-696F-4EFB-9562-39FE5FA73525}" type="datetimeFigureOut">
               <a:rPr lang="en-GB" smtClean="0"/>
-              <a:t>21/07/2022</a:t>
+              <a:t>23/07/2022</a:t>
             </a:fld>
             <a:endParaRPr lang="en-GB"/>
           </a:p>
@@ -2272,7 +2274,7 @@
           <a:p>
             <a:fld id="{D833ACF4-696F-4EFB-9562-39FE5FA73525}" type="datetimeFigureOut">
               <a:rPr lang="en-GB" smtClean="0"/>
-              <a:t>21/07/2022</a:t>
+              <a:t>23/07/2022</a:t>
             </a:fld>
             <a:endParaRPr lang="en-GB"/>
           </a:p>
@@ -2414,7 +2416,7 @@
           <a:p>
             <a:fld id="{D833ACF4-696F-4EFB-9562-39FE5FA73525}" type="datetimeFigureOut">
               <a:rPr lang="en-GB" smtClean="0"/>
-              <a:t>21/07/2022</a:t>
+              <a:t>23/07/2022</a:t>
             </a:fld>
             <a:endParaRPr lang="en-GB"/>
           </a:p>
@@ -2527,7 +2529,7 @@
           <a:p>
             <a:fld id="{D833ACF4-696F-4EFB-9562-39FE5FA73525}" type="datetimeFigureOut">
               <a:rPr lang="en-GB" smtClean="0"/>
-              <a:t>21/07/2022</a:t>
+              <a:t>23/07/2022</a:t>
             </a:fld>
             <a:endParaRPr lang="en-GB"/>
           </a:p>
@@ -2840,7 +2842,7 @@
           <a:p>
             <a:fld id="{D833ACF4-696F-4EFB-9562-39FE5FA73525}" type="datetimeFigureOut">
               <a:rPr lang="en-GB" smtClean="0"/>
-              <a:t>21/07/2022</a:t>
+              <a:t>23/07/2022</a:t>
             </a:fld>
             <a:endParaRPr lang="en-GB"/>
           </a:p>
@@ -3129,7 +3131,7 @@
           <a:p>
             <a:fld id="{D833ACF4-696F-4EFB-9562-39FE5FA73525}" type="datetimeFigureOut">
               <a:rPr lang="en-GB" smtClean="0"/>
-              <a:t>21/07/2022</a:t>
+              <a:t>23/07/2022</a:t>
             </a:fld>
             <a:endParaRPr lang="en-GB"/>
           </a:p>
@@ -3372,7 +3374,7 @@
           <a:p>
             <a:fld id="{D833ACF4-696F-4EFB-9562-39FE5FA73525}" type="datetimeFigureOut">
               <a:rPr lang="en-GB" smtClean="0"/>
-              <a:t>21/07/2022</a:t>
+              <a:t>23/07/2022</a:t>
             </a:fld>
             <a:endParaRPr lang="en-GB"/>
           </a:p>
@@ -3875,26 +3877,97 @@
         </p:nvSpPr>
         <p:spPr>
           <a:xfrm>
-            <a:off x="890338" y="640080"/>
-            <a:ext cx="3734014" cy="3566160"/>
+            <a:off x="87433" y="1465990"/>
+            <a:ext cx="5136836" cy="3566160"/>
           </a:xfrm>
         </p:spPr>
         <p:txBody>
           <a:bodyPr anchor="b">
-            <a:normAutofit/>
+            <a:normAutofit fontScale="90000"/>
           </a:bodyPr>
           <a:lstStyle/>
           <a:p>
-            <a:pPr algn="l"/>
-            <a:r>
-              <a:rPr lang="en-GB" sz="2800" b="1" spc="300" dirty="0">
+            <a:r>
+              <a:rPr lang="en-GB" sz="4000" b="1" spc="300" dirty="0">
+                <a:solidFill>
+                  <a:schemeClr val="tx2"/>
+                </a:solidFill>
+                <a:latin typeface="Modern Love" panose="04090805081005020601" pitchFamily="82" charset="0"/>
+              </a:rPr>
+              <a:t>CANDY RECOMMENDATION</a:t>
+            </a:r>
+            <a:br>
+              <a:rPr lang="cs-CZ" sz="4000" b="1" spc="300" dirty="0">
                 <a:solidFill>
                   <a:schemeClr val="tx2"/>
                 </a:solidFill>
                 <a:latin typeface="Abadi" panose="020B0604020104020204" pitchFamily="34" charset="0"/>
               </a:rPr>
-              <a:t>CANDY RECOMMENDATION</a:t>
-            </a:r>
+            </a:br>
+            <a:br>
+              <a:rPr lang="cs-CZ" sz="2800" b="1" spc="300" dirty="0">
+                <a:solidFill>
+                  <a:schemeClr val="tx2"/>
+                </a:solidFill>
+                <a:latin typeface="Abadi" panose="020B0604020104020204" pitchFamily="34" charset="0"/>
+              </a:rPr>
+            </a:br>
+            <a:br>
+              <a:rPr lang="cs-CZ" sz="2800" b="1" spc="300" dirty="0">
+                <a:solidFill>
+                  <a:schemeClr val="tx2"/>
+                </a:solidFill>
+                <a:latin typeface="Abadi" panose="020B0604020104020204" pitchFamily="34" charset="0"/>
+              </a:rPr>
+            </a:br>
+            <a:br>
+              <a:rPr lang="cs-CZ" sz="2800" b="1" spc="300" dirty="0">
+                <a:solidFill>
+                  <a:schemeClr val="tx2"/>
+                </a:solidFill>
+                <a:latin typeface="Abadi" panose="020B0604020104020204" pitchFamily="34" charset="0"/>
+              </a:rPr>
+            </a:br>
+            <a:r>
+              <a:rPr lang="cs-CZ" sz="2800" b="1" spc="300" dirty="0">
+                <a:solidFill>
+                  <a:schemeClr val="tx2"/>
+                </a:solidFill>
+                <a:latin typeface="Abadi" panose="020B0604020104020204" pitchFamily="34" charset="0"/>
+              </a:rPr>
+              <a:t>Interview</a:t>
+            </a:r>
+            <a:br>
+              <a:rPr lang="cs-CZ" sz="2800" b="1" spc="300" dirty="0">
+                <a:solidFill>
+                  <a:schemeClr val="tx2"/>
+                </a:solidFill>
+                <a:latin typeface="Abadi" panose="020B0604020104020204" pitchFamily="34" charset="0"/>
+              </a:rPr>
+            </a:br>
+            <a:br>
+              <a:rPr lang="cs-CZ" sz="2800" b="1" spc="300" dirty="0">
+                <a:solidFill>
+                  <a:schemeClr val="tx2"/>
+                </a:solidFill>
+                <a:latin typeface="Abadi" panose="020B0604020104020204" pitchFamily="34" charset="0"/>
+              </a:rPr>
+            </a:br>
+            <a:r>
+              <a:rPr lang="cs-CZ" sz="2800" b="1" spc="300" dirty="0">
+                <a:solidFill>
+                  <a:schemeClr val="tx2"/>
+                </a:solidFill>
+                <a:latin typeface="Abadi" panose="020B0604020104020204" pitchFamily="34" charset="0"/>
+              </a:rPr>
+              <a:t>Anežka Lhotáková</a:t>
+            </a:r>
+            <a:endParaRPr lang="en-GB" sz="2800" b="1" spc="300" dirty="0">
+              <a:solidFill>
+                <a:schemeClr val="tx2"/>
+              </a:solidFill>
+              <a:latin typeface="Abadi" panose="020B0604020104020204" pitchFamily="34" charset="0"/>
+            </a:endParaRPr>
           </a:p>
         </p:txBody>
       </p:sp>
@@ -4376,34 +4449,420 @@
         </p:nvSpPr>
         <p:spPr/>
         <p:txBody>
+          <a:bodyPr>
+            <a:normAutofit/>
+          </a:bodyPr>
+          <a:lstStyle/>
+          <a:p>
+            <a:r>
+              <a:rPr lang="cs-CZ" sz="3600" dirty="0">
+                <a:solidFill>
+                  <a:schemeClr val="tx2"/>
+                </a:solidFill>
+                <a:latin typeface="Abadi" panose="020B0604020104020204" pitchFamily="34" charset="0"/>
+              </a:rPr>
+              <a:t>TASK SPECIFICATION</a:t>
+            </a:r>
+            <a:endParaRPr lang="en-GB" sz="3600" dirty="0">
+              <a:solidFill>
+                <a:schemeClr val="tx2"/>
+              </a:solidFill>
+              <a:latin typeface="Abadi" panose="020B0604020104020204" pitchFamily="34" charset="0"/>
+            </a:endParaRPr>
+          </a:p>
+        </p:txBody>
+      </p:sp>
+      <p:sp>
+        <p:nvSpPr>
+          <p:cNvPr id="3" name="Zástupný obsah 2">
+            <a:extLst>
+              <a:ext uri="{FF2B5EF4-FFF2-40B4-BE49-F238E27FC236}">
+                <a16:creationId xmlns:a16="http://schemas.microsoft.com/office/drawing/2014/main" id="{AA5E0C97-2475-AFDE-3644-4D322ACA427F}"/>
+              </a:ext>
+            </a:extLst>
+          </p:cNvPr>
+          <p:cNvSpPr>
+            <a:spLocks noGrp="1"/>
+          </p:cNvSpPr>
+          <p:nvPr>
+            <p:ph idx="1"/>
+          </p:nvPr>
+        </p:nvSpPr>
+        <p:spPr/>
+        <p:txBody>
           <a:bodyPr/>
           <a:lstStyle/>
           <a:p>
-            <a:endParaRPr lang="en-GB"/>
-          </a:p>
-        </p:txBody>
-      </p:sp>
-      <p:sp>
-        <p:nvSpPr>
-          <p:cNvPr id="3" name="Zástupný obsah 2">
-            <a:extLst>
-              <a:ext uri="{FF2B5EF4-FFF2-40B4-BE49-F238E27FC236}">
-                <a16:creationId xmlns:a16="http://schemas.microsoft.com/office/drawing/2014/main" id="{AA5E0C97-2475-AFDE-3644-4D322ACA427F}"/>
-              </a:ext>
-            </a:extLst>
-          </p:cNvPr>
-          <p:cNvSpPr>
-            <a:spLocks noGrp="1"/>
-          </p:cNvSpPr>
-          <p:nvPr>
-            <p:ph idx="1"/>
-          </p:nvPr>
-        </p:nvSpPr>
-        <p:spPr/>
-        <p:txBody>
-          <a:bodyPr/>
+            <a:r>
+              <a:rPr lang="en-US" sz="1800" b="1" dirty="0">
+                <a:solidFill>
+                  <a:srgbClr val="000000"/>
+                </a:solidFill>
+                <a:effectLst/>
+                <a:latin typeface="Calibri" panose="020F0502020204030204" pitchFamily="34" charset="0"/>
+                <a:ea typeface="Calibri" panose="020F0502020204030204" pitchFamily="34" charset="0"/>
+              </a:rPr>
+              <a:t>Scenario</a:t>
+            </a:r>
+            <a:endParaRPr lang="en-GB" sz="1800" dirty="0">
+              <a:solidFill>
+                <a:srgbClr val="000000"/>
+              </a:solidFill>
+              <a:effectLst/>
+              <a:latin typeface="Arial" panose="020B0604020202020204" pitchFamily="34" charset="0"/>
+              <a:ea typeface="Calibri" panose="020F0502020204030204" pitchFamily="34" charset="0"/>
+            </a:endParaRPr>
+          </a:p>
+          <a:p>
+            <a:r>
+              <a:rPr lang="en-US" sz="1800" dirty="0">
+                <a:solidFill>
+                  <a:srgbClr val="000000"/>
+                </a:solidFill>
+                <a:effectLst/>
+                <a:latin typeface="Calibri" panose="020F0502020204030204" pitchFamily="34" charset="0"/>
+                <a:ea typeface="Calibri" panose="020F0502020204030204" pitchFamily="34" charset="0"/>
+              </a:rPr>
+              <a:t>The Lidl purchasing group wants to expand our candy offering. These are store brand candies that we sell along the brand offerings. The idea is to create a brand-new product. The team is discussing various options now.</a:t>
+            </a:r>
+            <a:endParaRPr lang="en-GB" sz="1800" dirty="0">
+              <a:solidFill>
+                <a:srgbClr val="000000"/>
+              </a:solidFill>
+              <a:effectLst/>
+              <a:latin typeface="Arial" panose="020B0604020202020204" pitchFamily="34" charset="0"/>
+              <a:ea typeface="Calibri" panose="020F0502020204030204" pitchFamily="34" charset="0"/>
+            </a:endParaRPr>
+          </a:p>
+          <a:p>
+            <a:r>
+              <a:rPr lang="en-US" sz="1800" dirty="0">
+                <a:solidFill>
+                  <a:srgbClr val="000000"/>
+                </a:solidFill>
+                <a:effectLst/>
+                <a:latin typeface="Calibri" panose="020F0502020204030204" pitchFamily="34" charset="0"/>
+                <a:ea typeface="Calibri" panose="020F0502020204030204" pitchFamily="34" charset="0"/>
+              </a:rPr>
+              <a:t>Some prefer cookie-based sweets while others think that it should be gummies. The Divisional Director responsible for purchasing has decided to use a more data-driven approach. He contracted with a market research group to collect data on products in the market and their characteristics and customer sentiment.</a:t>
+            </a:r>
+            <a:endParaRPr lang="en-GB" sz="1800" dirty="0">
+              <a:solidFill>
+                <a:srgbClr val="000000"/>
+              </a:solidFill>
+              <a:effectLst/>
+              <a:latin typeface="Arial" panose="020B0604020202020204" pitchFamily="34" charset="0"/>
+              <a:ea typeface="Calibri" panose="020F0502020204030204" pitchFamily="34" charset="0"/>
+            </a:endParaRPr>
+          </a:p>
+          <a:p>
+            <a:pPr marL="0" indent="0">
+              <a:buNone/>
+            </a:pPr>
+            <a:endParaRPr lang="cs-CZ" dirty="0">
+              <a:solidFill>
+                <a:srgbClr val="222222"/>
+              </a:solidFill>
+              <a:latin typeface="Roboto" panose="02000000000000000000" pitchFamily="2" charset="0"/>
+            </a:endParaRPr>
+          </a:p>
+          <a:p>
+            <a:r>
+              <a:rPr lang="en-US" sz="1800" dirty="0">
+                <a:solidFill>
+                  <a:srgbClr val="000000"/>
+                </a:solidFill>
+                <a:effectLst/>
+                <a:latin typeface="Calibri" panose="020F0502020204030204" pitchFamily="34" charset="0"/>
+                <a:ea typeface="Calibri" panose="020F0502020204030204" pitchFamily="34" charset="0"/>
+              </a:rPr>
+              <a:t>The market research data is now available, and it is your job to find out which product characteristics drive customer sentiment and subsequently make a recommendation on a new product.</a:t>
+            </a:r>
+            <a:endParaRPr lang="en-GB" sz="1800" dirty="0">
+              <a:solidFill>
+                <a:srgbClr val="000000"/>
+              </a:solidFill>
+              <a:effectLst/>
+              <a:latin typeface="Arial" panose="020B0604020202020204" pitchFamily="34" charset="0"/>
+              <a:ea typeface="Calibri" panose="020F0502020204030204" pitchFamily="34" charset="0"/>
+            </a:endParaRPr>
+          </a:p>
+        </p:txBody>
+      </p:sp>
+      <p:sp>
+        <p:nvSpPr>
+          <p:cNvPr id="6" name="Volný tvar: obrazec 5">
+            <a:extLst>
+              <a:ext uri="{FF2B5EF4-FFF2-40B4-BE49-F238E27FC236}">
+                <a16:creationId xmlns:a16="http://schemas.microsoft.com/office/drawing/2014/main" id="{3D0EE111-7841-8926-9A8B-3ACBE9C69FDE}"/>
+              </a:ext>
+            </a:extLst>
+          </p:cNvPr>
+          <p:cNvSpPr/>
+          <p:nvPr/>
+        </p:nvSpPr>
+        <p:spPr>
+          <a:xfrm>
+            <a:off x="604684" y="1322903"/>
+            <a:ext cx="10982632" cy="36000"/>
+          </a:xfrm>
+          <a:custGeom>
+            <a:avLst/>
+            <a:gdLst>
+              <a:gd name="connsiteX0" fmla="*/ 0 w 10982632"/>
+              <a:gd name="connsiteY0" fmla="*/ 36000 h 36000"/>
+              <a:gd name="connsiteX1" fmla="*/ 482399 w 10982632"/>
+              <a:gd name="connsiteY1" fmla="*/ 34194 h 36000"/>
+              <a:gd name="connsiteX2" fmla="*/ 870998 w 10982632"/>
+              <a:gd name="connsiteY2" fmla="*/ 32739 h 36000"/>
+              <a:gd name="connsiteX3" fmla="*/ 1447196 w 10982632"/>
+              <a:gd name="connsiteY3" fmla="*/ 30582 h 36000"/>
+              <a:gd name="connsiteX4" fmla="*/ 2210994 w 10982632"/>
+              <a:gd name="connsiteY4" fmla="*/ 27722 h 36000"/>
+              <a:gd name="connsiteX5" fmla="*/ 2599593 w 10982632"/>
+              <a:gd name="connsiteY5" fmla="*/ 26268 h 36000"/>
+              <a:gd name="connsiteX6" fmla="*/ 3269591 w 10982632"/>
+              <a:gd name="connsiteY6" fmla="*/ 23759 h 36000"/>
+              <a:gd name="connsiteX7" fmla="*/ 3845789 w 10982632"/>
+              <a:gd name="connsiteY7" fmla="*/ 21602 h 36000"/>
+              <a:gd name="connsiteX8" fmla="*/ 4234388 w 10982632"/>
+              <a:gd name="connsiteY8" fmla="*/ 20147 h 36000"/>
+              <a:gd name="connsiteX9" fmla="*/ 4810587 w 10982632"/>
+              <a:gd name="connsiteY9" fmla="*/ 17990 h 36000"/>
+              <a:gd name="connsiteX10" fmla="*/ 5668184 w 10982632"/>
+              <a:gd name="connsiteY10" fmla="*/ 14779 h 36000"/>
+              <a:gd name="connsiteX11" fmla="*/ 6431982 w 10982632"/>
+              <a:gd name="connsiteY11" fmla="*/ 11920 h 36000"/>
+              <a:gd name="connsiteX12" fmla="*/ 7195780 w 10982632"/>
+              <a:gd name="connsiteY12" fmla="*/ 9060 h 36000"/>
+              <a:gd name="connsiteX13" fmla="*/ 7678179 w 10982632"/>
+              <a:gd name="connsiteY13" fmla="*/ 7254 h 36000"/>
+              <a:gd name="connsiteX14" fmla="*/ 8348177 w 10982632"/>
+              <a:gd name="connsiteY14" fmla="*/ 4746 h 36000"/>
+              <a:gd name="connsiteX15" fmla="*/ 9379974 w 10982632"/>
+              <a:gd name="connsiteY15" fmla="*/ 883 h 36000"/>
+              <a:gd name="connsiteX16" fmla="*/ 10982632 w 10982632"/>
+              <a:gd name="connsiteY16" fmla="*/ 8687 h 36000"/>
+            </a:gdLst>
+            <a:ahLst/>
+            <a:cxnLst>
+              <a:cxn ang="0">
+                <a:pos x="connsiteX0" y="connsiteY0"/>
+              </a:cxn>
+              <a:cxn ang="0">
+                <a:pos x="connsiteX1" y="connsiteY1"/>
+              </a:cxn>
+              <a:cxn ang="0">
+                <a:pos x="connsiteX2" y="connsiteY2"/>
+              </a:cxn>
+              <a:cxn ang="0">
+                <a:pos x="connsiteX3" y="connsiteY3"/>
+              </a:cxn>
+              <a:cxn ang="0">
+                <a:pos x="connsiteX4" y="connsiteY4"/>
+              </a:cxn>
+              <a:cxn ang="0">
+                <a:pos x="connsiteX5" y="connsiteY5"/>
+              </a:cxn>
+              <a:cxn ang="0">
+                <a:pos x="connsiteX6" y="connsiteY6"/>
+              </a:cxn>
+              <a:cxn ang="0">
+                <a:pos x="connsiteX7" y="connsiteY7"/>
+              </a:cxn>
+              <a:cxn ang="0">
+                <a:pos x="connsiteX8" y="connsiteY8"/>
+              </a:cxn>
+              <a:cxn ang="0">
+                <a:pos x="connsiteX9" y="connsiteY9"/>
+              </a:cxn>
+              <a:cxn ang="0">
+                <a:pos x="connsiteX10" y="connsiteY10"/>
+              </a:cxn>
+              <a:cxn ang="0">
+                <a:pos x="connsiteX11" y="connsiteY11"/>
+              </a:cxn>
+              <a:cxn ang="0">
+                <a:pos x="connsiteX12" y="connsiteY12"/>
+              </a:cxn>
+              <a:cxn ang="0">
+                <a:pos x="connsiteX13" y="connsiteY13"/>
+              </a:cxn>
+              <a:cxn ang="0">
+                <a:pos x="connsiteX14" y="connsiteY14"/>
+              </a:cxn>
+              <a:cxn ang="0">
+                <a:pos x="connsiteX15" y="connsiteY15"/>
+              </a:cxn>
+              <a:cxn ang="0">
+                <a:pos x="connsiteX16" y="connsiteY16"/>
+              </a:cxn>
+            </a:cxnLst>
+            <a:rect l="l" t="t" r="r" b="b"/>
+            <a:pathLst>
+              <a:path w="10982632" h="36000" extrusionOk="0">
+                <a:moveTo>
+                  <a:pt x="0" y="36000"/>
+                </a:moveTo>
+                <a:cubicBezTo>
+                  <a:pt x="135513" y="38412"/>
+                  <a:pt x="252646" y="22812"/>
+                  <a:pt x="482399" y="34194"/>
+                </a:cubicBezTo>
+                <a:cubicBezTo>
+                  <a:pt x="712152" y="45576"/>
+                  <a:pt x="715286" y="39715"/>
+                  <a:pt x="870998" y="32739"/>
+                </a:cubicBezTo>
+                <a:cubicBezTo>
+                  <a:pt x="1026710" y="25763"/>
+                  <a:pt x="1305283" y="47961"/>
+                  <a:pt x="1447196" y="30582"/>
+                </a:cubicBezTo>
+                <a:cubicBezTo>
+                  <a:pt x="1589109" y="13203"/>
+                  <a:pt x="2014513" y="-8378"/>
+                  <a:pt x="2210994" y="27722"/>
+                </a:cubicBezTo>
+                <a:cubicBezTo>
+                  <a:pt x="2407475" y="63822"/>
+                  <a:pt x="2521758" y="29143"/>
+                  <a:pt x="2599593" y="26268"/>
+                </a:cubicBezTo>
+                <a:cubicBezTo>
+                  <a:pt x="2677428" y="23393"/>
+                  <a:pt x="2990761" y="43291"/>
+                  <a:pt x="3269591" y="23759"/>
+                </a:cubicBezTo>
+                <a:cubicBezTo>
+                  <a:pt x="3548421" y="4228"/>
+                  <a:pt x="3558874" y="16979"/>
+                  <a:pt x="3845789" y="21602"/>
+                </a:cubicBezTo>
+                <a:cubicBezTo>
+                  <a:pt x="4132704" y="26224"/>
+                  <a:pt x="4122156" y="4132"/>
+                  <a:pt x="4234388" y="20147"/>
+                </a:cubicBezTo>
+                <a:cubicBezTo>
+                  <a:pt x="4346620" y="36162"/>
+                  <a:pt x="4535079" y="18226"/>
+                  <a:pt x="4810587" y="17990"/>
+                </a:cubicBezTo>
+                <a:cubicBezTo>
+                  <a:pt x="5086095" y="17754"/>
+                  <a:pt x="5285955" y="-23143"/>
+                  <a:pt x="5668184" y="14779"/>
+                </a:cubicBezTo>
+                <a:cubicBezTo>
+                  <a:pt x="6050413" y="52702"/>
+                  <a:pt x="6257522" y="14168"/>
+                  <a:pt x="6431982" y="11920"/>
+                </a:cubicBezTo>
+                <a:cubicBezTo>
+                  <a:pt x="6606442" y="9672"/>
+                  <a:pt x="6967859" y="4959"/>
+                  <a:pt x="7195780" y="9060"/>
+                </a:cubicBezTo>
+                <a:cubicBezTo>
+                  <a:pt x="7423701" y="13161"/>
+                  <a:pt x="7438426" y="-2995"/>
+                  <a:pt x="7678179" y="7254"/>
+                </a:cubicBezTo>
+                <a:cubicBezTo>
+                  <a:pt x="7917932" y="17503"/>
+                  <a:pt x="8110949" y="37862"/>
+                  <a:pt x="8348177" y="4746"/>
+                </a:cubicBezTo>
+                <a:cubicBezTo>
+                  <a:pt x="8585405" y="-28371"/>
+                  <a:pt x="9008437" y="-5748"/>
+                  <a:pt x="9379974" y="883"/>
+                </a:cubicBezTo>
+                <a:cubicBezTo>
+                  <a:pt x="11190356" y="-30152"/>
+                  <a:pt x="10726379" y="3159"/>
+                  <a:pt x="10982632" y="8687"/>
+                </a:cubicBezTo>
+              </a:path>
+            </a:pathLst>
+          </a:custGeom>
+          <a:noFill/>
+          <a:ln w="76200">
+            <a:solidFill>
+              <a:schemeClr val="accent2"/>
+            </a:solidFill>
+            <a:extLst>
+              <a:ext uri="{C807C97D-BFC1-408E-A445-0C87EB9F89A2}">
+                <ask:lineSketchStyleProps xmlns:ask="http://schemas.microsoft.com/office/drawing/2018/sketchyshapes" sd="3139255767">
+                  <a:custGeom>
+                    <a:avLst/>
+                    <a:gdLst>
+                      <a:gd name="connsiteX0" fmla="*/ 0 w 10982632"/>
+                      <a:gd name="connsiteY0" fmla="*/ 181433 h 181433"/>
+                      <a:gd name="connsiteX1" fmla="*/ 9379974 w 10982632"/>
+                      <a:gd name="connsiteY1" fmla="*/ 4453 h 181433"/>
+                      <a:gd name="connsiteX2" fmla="*/ 10982632 w 10982632"/>
+                      <a:gd name="connsiteY2" fmla="*/ 43782 h 181433"/>
+                    </a:gdLst>
+                    <a:ahLst/>
+                    <a:cxnLst>
+                      <a:cxn ang="0">
+                        <a:pos x="connsiteX0" y="connsiteY0"/>
+                      </a:cxn>
+                      <a:cxn ang="0">
+                        <a:pos x="connsiteX1" y="connsiteY1"/>
+                      </a:cxn>
+                      <a:cxn ang="0">
+                        <a:pos x="connsiteX2" y="connsiteY2"/>
+                      </a:cxn>
+                    </a:cxnLst>
+                    <a:rect l="l" t="t" r="r" b="b"/>
+                    <a:pathLst>
+                      <a:path w="10982632" h="181433">
+                        <a:moveTo>
+                          <a:pt x="0" y="181433"/>
+                        </a:moveTo>
+                        <a:lnTo>
+                          <a:pt x="9379974" y="4453"/>
+                        </a:lnTo>
+                        <a:cubicBezTo>
+                          <a:pt x="11210413" y="-18489"/>
+                          <a:pt x="10763045" y="55253"/>
+                          <a:pt x="10982632" y="43782"/>
+                        </a:cubicBezTo>
+                      </a:path>
+                    </a:pathLst>
+                  </a:custGeom>
+                  <ask:type>
+                    <ask:lineSketchFreehand/>
+                  </ask:type>
+                </ask:lineSketchStyleProps>
+              </a:ext>
+            </a:extLst>
+          </a:ln>
+        </p:spPr>
+        <p:style>
+          <a:lnRef idx="2">
+            <a:schemeClr val="accent1">
+              <a:shade val="50000"/>
+            </a:schemeClr>
+          </a:lnRef>
+          <a:fillRef idx="1">
+            <a:schemeClr val="accent1"/>
+          </a:fillRef>
+          <a:effectRef idx="0">
+            <a:schemeClr val="accent1"/>
+          </a:effectRef>
+          <a:fontRef idx="minor">
+            <a:schemeClr val="lt1"/>
+          </a:fontRef>
+        </p:style>
+        <p:txBody>
+          <a:bodyPr rtlCol="0" anchor="ctr"/>
           <a:lstStyle/>
           <a:p>
+            <a:pPr algn="ctr"/>
             <a:endParaRPr lang="en-GB"/>
           </a:p>
         </p:txBody>
@@ -4412,6 +4871,1015 @@
     <p:extLst>
       <p:ext uri="{BB962C8B-B14F-4D97-AF65-F5344CB8AC3E}">
         <p14:creationId xmlns:p14="http://schemas.microsoft.com/office/powerpoint/2010/main" val="2877181091"/>
+      </p:ext>
+    </p:extLst>
+  </p:cSld>
+  <p:clrMapOvr>
+    <a:masterClrMapping/>
+  </p:clrMapOvr>
+</p:sld>
+</file>
+
+<file path=ppt/slides/slide3.xml><?xml version="1.0" encoding="utf-8"?>
+<p:sld xmlns:a="http://schemas.openxmlformats.org/drawingml/2006/main" xmlns:r="http://schemas.openxmlformats.org/officeDocument/2006/relationships" xmlns:p="http://schemas.openxmlformats.org/presentationml/2006/main">
+  <p:cSld>
+    <p:spTree>
+      <p:nvGrpSpPr>
+        <p:cNvPr id="1" name=""/>
+        <p:cNvGrpSpPr/>
+        <p:nvPr/>
+      </p:nvGrpSpPr>
+      <p:grpSpPr>
+        <a:xfrm>
+          <a:off x="0" y="0"/>
+          <a:ext cx="0" cy="0"/>
+          <a:chOff x="0" y="0"/>
+          <a:chExt cx="0" cy="0"/>
+        </a:xfrm>
+      </p:grpSpPr>
+      <p:sp>
+        <p:nvSpPr>
+          <p:cNvPr id="3" name="Zástupný obsah 2">
+            <a:extLst>
+              <a:ext uri="{FF2B5EF4-FFF2-40B4-BE49-F238E27FC236}">
+                <a16:creationId xmlns:a16="http://schemas.microsoft.com/office/drawing/2014/main" id="{CB9A51D8-FC01-4BE3-6D4B-C2CFF8852BF0}"/>
+              </a:ext>
+            </a:extLst>
+          </p:cNvPr>
+          <p:cNvSpPr>
+            <a:spLocks noGrp="1"/>
+          </p:cNvSpPr>
+          <p:nvPr>
+            <p:ph idx="1"/>
+          </p:nvPr>
+        </p:nvSpPr>
+        <p:spPr/>
+        <p:txBody>
+          <a:bodyPr/>
+          <a:lstStyle/>
+          <a:p>
+            <a:r>
+              <a:rPr lang="cs-CZ" dirty="0" err="1"/>
+              <a:t>The</a:t>
+            </a:r>
+            <a:r>
+              <a:rPr lang="cs-CZ" dirty="0"/>
+              <a:t> </a:t>
+            </a:r>
+            <a:r>
+              <a:rPr lang="cs-CZ" dirty="0" err="1"/>
+              <a:t>candy</a:t>
+            </a:r>
+            <a:r>
+              <a:rPr lang="cs-CZ" dirty="0"/>
+              <a:t> </a:t>
+            </a:r>
+            <a:r>
+              <a:rPr lang="cs-CZ" dirty="0" err="1"/>
+              <a:t>characteristics</a:t>
+            </a:r>
+            <a:endParaRPr lang="cs-CZ" dirty="0"/>
+          </a:p>
+          <a:p>
+            <a:r>
+              <a:rPr lang="cs-CZ" dirty="0" err="1"/>
+              <a:t>Sugar</a:t>
+            </a:r>
+            <a:r>
+              <a:rPr lang="cs-CZ" dirty="0"/>
+              <a:t>, </a:t>
+            </a:r>
+            <a:r>
+              <a:rPr lang="cs-CZ" dirty="0" err="1"/>
+              <a:t>price</a:t>
+            </a:r>
+            <a:r>
+              <a:rPr lang="cs-CZ" dirty="0"/>
+              <a:t> and </a:t>
+            </a:r>
+            <a:r>
+              <a:rPr lang="cs-CZ" dirty="0" err="1"/>
+              <a:t>wineprcent</a:t>
+            </a:r>
+            <a:endParaRPr lang="cs-CZ" dirty="0"/>
+          </a:p>
+          <a:p>
+            <a:r>
+              <a:rPr lang="cs-CZ" dirty="0" err="1"/>
+              <a:t>Further</a:t>
+            </a:r>
+            <a:r>
+              <a:rPr lang="cs-CZ" dirty="0"/>
+              <a:t>  </a:t>
+            </a:r>
+            <a:r>
+              <a:rPr lang="cs-CZ" dirty="0" err="1"/>
+              <a:t>usuful</a:t>
+            </a:r>
+            <a:r>
+              <a:rPr lang="cs-CZ" dirty="0"/>
+              <a:t>, </a:t>
+            </a:r>
+            <a:r>
+              <a:rPr lang="cs-CZ" dirty="0" err="1"/>
+              <a:t>yet</a:t>
+            </a:r>
+            <a:r>
+              <a:rPr lang="cs-CZ" dirty="0"/>
+              <a:t> </a:t>
+            </a:r>
+            <a:r>
+              <a:rPr lang="cs-CZ" dirty="0" err="1"/>
+              <a:t>uknown</a:t>
+            </a:r>
+            <a:r>
+              <a:rPr lang="cs-CZ" dirty="0"/>
+              <a:t> </a:t>
+            </a:r>
+            <a:r>
+              <a:rPr lang="cs-CZ" dirty="0" err="1"/>
+              <a:t>informations</a:t>
+            </a:r>
+            <a:endParaRPr lang="en-GB" dirty="0"/>
+          </a:p>
+        </p:txBody>
+      </p:sp>
+      <p:sp>
+        <p:nvSpPr>
+          <p:cNvPr id="6" name="Nadpis 1">
+            <a:extLst>
+              <a:ext uri="{FF2B5EF4-FFF2-40B4-BE49-F238E27FC236}">
+                <a16:creationId xmlns:a16="http://schemas.microsoft.com/office/drawing/2014/main" id="{8B3DBB74-2264-635F-F697-A3E10B7EF795}"/>
+              </a:ext>
+            </a:extLst>
+          </p:cNvPr>
+          <p:cNvSpPr txBox="1">
+            <a:spLocks/>
+          </p:cNvSpPr>
+          <p:nvPr/>
+        </p:nvSpPr>
+        <p:spPr>
+          <a:xfrm>
+            <a:off x="838200" y="345461"/>
+            <a:ext cx="10515600" cy="1325563"/>
+          </a:xfrm>
+          <a:prstGeom prst="rect">
+            <a:avLst/>
+          </a:prstGeom>
+        </p:spPr>
+        <p:txBody>
+          <a:bodyPr vert="horz" lIns="91440" tIns="45720" rIns="91440" bIns="45720" rtlCol="0" anchor="ctr">
+            <a:normAutofit/>
+          </a:bodyPr>
+          <a:lstStyle>
+            <a:lvl1pPr algn="l" defTabSz="914400" rtl="0" eaLnBrk="1" latinLnBrk="0" hangingPunct="1">
+              <a:lnSpc>
+                <a:spcPct val="90000"/>
+              </a:lnSpc>
+              <a:spcBef>
+                <a:spcPct val="0"/>
+              </a:spcBef>
+              <a:buNone/>
+              <a:defRPr sz="4400" kern="1200">
+                <a:solidFill>
+                  <a:schemeClr val="tx1"/>
+                </a:solidFill>
+                <a:latin typeface="+mj-lt"/>
+                <a:ea typeface="+mj-ea"/>
+                <a:cs typeface="+mj-cs"/>
+              </a:defRPr>
+            </a:lvl1pPr>
+          </a:lstStyle>
+          <a:p>
+            <a:r>
+              <a:rPr lang="cs-CZ" sz="3600" dirty="0">
+                <a:solidFill>
+                  <a:schemeClr val="tx2"/>
+                </a:solidFill>
+                <a:latin typeface="Abadi" panose="020B0604020104020204" pitchFamily="34" charset="0"/>
+              </a:rPr>
+              <a:t>Management </a:t>
+            </a:r>
+            <a:r>
+              <a:rPr lang="cs-CZ" sz="3600" dirty="0" err="1">
+                <a:solidFill>
+                  <a:schemeClr val="tx2"/>
+                </a:solidFill>
+                <a:latin typeface="Abadi" panose="020B0604020104020204" pitchFamily="34" charset="0"/>
+              </a:rPr>
+              <a:t>summary</a:t>
+            </a:r>
+            <a:endParaRPr lang="en-GB" sz="3600" dirty="0">
+              <a:solidFill>
+                <a:schemeClr val="tx2"/>
+              </a:solidFill>
+              <a:latin typeface="Abadi" panose="020B0604020104020204" pitchFamily="34" charset="0"/>
+            </a:endParaRPr>
+          </a:p>
+        </p:txBody>
+      </p:sp>
+      <p:sp>
+        <p:nvSpPr>
+          <p:cNvPr id="7" name="Volný tvar: obrazec 6">
+            <a:extLst>
+              <a:ext uri="{FF2B5EF4-FFF2-40B4-BE49-F238E27FC236}">
+                <a16:creationId xmlns:a16="http://schemas.microsoft.com/office/drawing/2014/main" id="{F78BB0BC-C53D-E1CA-B632-AE8ED55CA654}"/>
+              </a:ext>
+            </a:extLst>
+          </p:cNvPr>
+          <p:cNvSpPr/>
+          <p:nvPr/>
+        </p:nvSpPr>
+        <p:spPr>
+          <a:xfrm>
+            <a:off x="604684" y="1303239"/>
+            <a:ext cx="10982632" cy="36000"/>
+          </a:xfrm>
+          <a:custGeom>
+            <a:avLst/>
+            <a:gdLst>
+              <a:gd name="connsiteX0" fmla="*/ 0 w 10982632"/>
+              <a:gd name="connsiteY0" fmla="*/ 36000 h 36000"/>
+              <a:gd name="connsiteX1" fmla="*/ 482399 w 10982632"/>
+              <a:gd name="connsiteY1" fmla="*/ 34194 h 36000"/>
+              <a:gd name="connsiteX2" fmla="*/ 870998 w 10982632"/>
+              <a:gd name="connsiteY2" fmla="*/ 32739 h 36000"/>
+              <a:gd name="connsiteX3" fmla="*/ 1447196 w 10982632"/>
+              <a:gd name="connsiteY3" fmla="*/ 30582 h 36000"/>
+              <a:gd name="connsiteX4" fmla="*/ 2210994 w 10982632"/>
+              <a:gd name="connsiteY4" fmla="*/ 27722 h 36000"/>
+              <a:gd name="connsiteX5" fmla="*/ 2599593 w 10982632"/>
+              <a:gd name="connsiteY5" fmla="*/ 26268 h 36000"/>
+              <a:gd name="connsiteX6" fmla="*/ 3269591 w 10982632"/>
+              <a:gd name="connsiteY6" fmla="*/ 23759 h 36000"/>
+              <a:gd name="connsiteX7" fmla="*/ 3845789 w 10982632"/>
+              <a:gd name="connsiteY7" fmla="*/ 21602 h 36000"/>
+              <a:gd name="connsiteX8" fmla="*/ 4234388 w 10982632"/>
+              <a:gd name="connsiteY8" fmla="*/ 20147 h 36000"/>
+              <a:gd name="connsiteX9" fmla="*/ 4810587 w 10982632"/>
+              <a:gd name="connsiteY9" fmla="*/ 17990 h 36000"/>
+              <a:gd name="connsiteX10" fmla="*/ 5668184 w 10982632"/>
+              <a:gd name="connsiteY10" fmla="*/ 14779 h 36000"/>
+              <a:gd name="connsiteX11" fmla="*/ 6431982 w 10982632"/>
+              <a:gd name="connsiteY11" fmla="*/ 11920 h 36000"/>
+              <a:gd name="connsiteX12" fmla="*/ 7195780 w 10982632"/>
+              <a:gd name="connsiteY12" fmla="*/ 9060 h 36000"/>
+              <a:gd name="connsiteX13" fmla="*/ 7678179 w 10982632"/>
+              <a:gd name="connsiteY13" fmla="*/ 7254 h 36000"/>
+              <a:gd name="connsiteX14" fmla="*/ 8348177 w 10982632"/>
+              <a:gd name="connsiteY14" fmla="*/ 4746 h 36000"/>
+              <a:gd name="connsiteX15" fmla="*/ 9379974 w 10982632"/>
+              <a:gd name="connsiteY15" fmla="*/ 883 h 36000"/>
+              <a:gd name="connsiteX16" fmla="*/ 10982632 w 10982632"/>
+              <a:gd name="connsiteY16" fmla="*/ 8687 h 36000"/>
+            </a:gdLst>
+            <a:ahLst/>
+            <a:cxnLst>
+              <a:cxn ang="0">
+                <a:pos x="connsiteX0" y="connsiteY0"/>
+              </a:cxn>
+              <a:cxn ang="0">
+                <a:pos x="connsiteX1" y="connsiteY1"/>
+              </a:cxn>
+              <a:cxn ang="0">
+                <a:pos x="connsiteX2" y="connsiteY2"/>
+              </a:cxn>
+              <a:cxn ang="0">
+                <a:pos x="connsiteX3" y="connsiteY3"/>
+              </a:cxn>
+              <a:cxn ang="0">
+                <a:pos x="connsiteX4" y="connsiteY4"/>
+              </a:cxn>
+              <a:cxn ang="0">
+                <a:pos x="connsiteX5" y="connsiteY5"/>
+              </a:cxn>
+              <a:cxn ang="0">
+                <a:pos x="connsiteX6" y="connsiteY6"/>
+              </a:cxn>
+              <a:cxn ang="0">
+                <a:pos x="connsiteX7" y="connsiteY7"/>
+              </a:cxn>
+              <a:cxn ang="0">
+                <a:pos x="connsiteX8" y="connsiteY8"/>
+              </a:cxn>
+              <a:cxn ang="0">
+                <a:pos x="connsiteX9" y="connsiteY9"/>
+              </a:cxn>
+              <a:cxn ang="0">
+                <a:pos x="connsiteX10" y="connsiteY10"/>
+              </a:cxn>
+              <a:cxn ang="0">
+                <a:pos x="connsiteX11" y="connsiteY11"/>
+              </a:cxn>
+              <a:cxn ang="0">
+                <a:pos x="connsiteX12" y="connsiteY12"/>
+              </a:cxn>
+              <a:cxn ang="0">
+                <a:pos x="connsiteX13" y="connsiteY13"/>
+              </a:cxn>
+              <a:cxn ang="0">
+                <a:pos x="connsiteX14" y="connsiteY14"/>
+              </a:cxn>
+              <a:cxn ang="0">
+                <a:pos x="connsiteX15" y="connsiteY15"/>
+              </a:cxn>
+              <a:cxn ang="0">
+                <a:pos x="connsiteX16" y="connsiteY16"/>
+              </a:cxn>
+            </a:cxnLst>
+            <a:rect l="l" t="t" r="r" b="b"/>
+            <a:pathLst>
+              <a:path w="10982632" h="36000" extrusionOk="0">
+                <a:moveTo>
+                  <a:pt x="0" y="36000"/>
+                </a:moveTo>
+                <a:cubicBezTo>
+                  <a:pt x="135513" y="38412"/>
+                  <a:pt x="252646" y="22812"/>
+                  <a:pt x="482399" y="34194"/>
+                </a:cubicBezTo>
+                <a:cubicBezTo>
+                  <a:pt x="712152" y="45576"/>
+                  <a:pt x="715286" y="39715"/>
+                  <a:pt x="870998" y="32739"/>
+                </a:cubicBezTo>
+                <a:cubicBezTo>
+                  <a:pt x="1026710" y="25763"/>
+                  <a:pt x="1305283" y="47961"/>
+                  <a:pt x="1447196" y="30582"/>
+                </a:cubicBezTo>
+                <a:cubicBezTo>
+                  <a:pt x="1589109" y="13203"/>
+                  <a:pt x="2014513" y="-8378"/>
+                  <a:pt x="2210994" y="27722"/>
+                </a:cubicBezTo>
+                <a:cubicBezTo>
+                  <a:pt x="2407475" y="63822"/>
+                  <a:pt x="2521758" y="29143"/>
+                  <a:pt x="2599593" y="26268"/>
+                </a:cubicBezTo>
+                <a:cubicBezTo>
+                  <a:pt x="2677428" y="23393"/>
+                  <a:pt x="2990761" y="43291"/>
+                  <a:pt x="3269591" y="23759"/>
+                </a:cubicBezTo>
+                <a:cubicBezTo>
+                  <a:pt x="3548421" y="4228"/>
+                  <a:pt x="3558874" y="16979"/>
+                  <a:pt x="3845789" y="21602"/>
+                </a:cubicBezTo>
+                <a:cubicBezTo>
+                  <a:pt x="4132704" y="26224"/>
+                  <a:pt x="4122156" y="4132"/>
+                  <a:pt x="4234388" y="20147"/>
+                </a:cubicBezTo>
+                <a:cubicBezTo>
+                  <a:pt x="4346620" y="36162"/>
+                  <a:pt x="4535079" y="18226"/>
+                  <a:pt x="4810587" y="17990"/>
+                </a:cubicBezTo>
+                <a:cubicBezTo>
+                  <a:pt x="5086095" y="17754"/>
+                  <a:pt x="5285955" y="-23143"/>
+                  <a:pt x="5668184" y="14779"/>
+                </a:cubicBezTo>
+                <a:cubicBezTo>
+                  <a:pt x="6050413" y="52702"/>
+                  <a:pt x="6257522" y="14168"/>
+                  <a:pt x="6431982" y="11920"/>
+                </a:cubicBezTo>
+                <a:cubicBezTo>
+                  <a:pt x="6606442" y="9672"/>
+                  <a:pt x="6967859" y="4959"/>
+                  <a:pt x="7195780" y="9060"/>
+                </a:cubicBezTo>
+                <a:cubicBezTo>
+                  <a:pt x="7423701" y="13161"/>
+                  <a:pt x="7438426" y="-2995"/>
+                  <a:pt x="7678179" y="7254"/>
+                </a:cubicBezTo>
+                <a:cubicBezTo>
+                  <a:pt x="7917932" y="17503"/>
+                  <a:pt x="8110949" y="37862"/>
+                  <a:pt x="8348177" y="4746"/>
+                </a:cubicBezTo>
+                <a:cubicBezTo>
+                  <a:pt x="8585405" y="-28371"/>
+                  <a:pt x="9008437" y="-5748"/>
+                  <a:pt x="9379974" y="883"/>
+                </a:cubicBezTo>
+                <a:cubicBezTo>
+                  <a:pt x="11190356" y="-30152"/>
+                  <a:pt x="10726379" y="3159"/>
+                  <a:pt x="10982632" y="8687"/>
+                </a:cubicBezTo>
+              </a:path>
+            </a:pathLst>
+          </a:custGeom>
+          <a:noFill/>
+          <a:ln w="76200">
+            <a:solidFill>
+              <a:schemeClr val="accent2"/>
+            </a:solidFill>
+            <a:extLst>
+              <a:ext uri="{C807C97D-BFC1-408E-A445-0C87EB9F89A2}">
+                <ask:lineSketchStyleProps xmlns:ask="http://schemas.microsoft.com/office/drawing/2018/sketchyshapes" sd="3139255767">
+                  <a:custGeom>
+                    <a:avLst/>
+                    <a:gdLst>
+                      <a:gd name="connsiteX0" fmla="*/ 0 w 10982632"/>
+                      <a:gd name="connsiteY0" fmla="*/ 181433 h 181433"/>
+                      <a:gd name="connsiteX1" fmla="*/ 9379974 w 10982632"/>
+                      <a:gd name="connsiteY1" fmla="*/ 4453 h 181433"/>
+                      <a:gd name="connsiteX2" fmla="*/ 10982632 w 10982632"/>
+                      <a:gd name="connsiteY2" fmla="*/ 43782 h 181433"/>
+                    </a:gdLst>
+                    <a:ahLst/>
+                    <a:cxnLst>
+                      <a:cxn ang="0">
+                        <a:pos x="connsiteX0" y="connsiteY0"/>
+                      </a:cxn>
+                      <a:cxn ang="0">
+                        <a:pos x="connsiteX1" y="connsiteY1"/>
+                      </a:cxn>
+                      <a:cxn ang="0">
+                        <a:pos x="connsiteX2" y="connsiteY2"/>
+                      </a:cxn>
+                    </a:cxnLst>
+                    <a:rect l="l" t="t" r="r" b="b"/>
+                    <a:pathLst>
+                      <a:path w="10982632" h="181433">
+                        <a:moveTo>
+                          <a:pt x="0" y="181433"/>
+                        </a:moveTo>
+                        <a:lnTo>
+                          <a:pt x="9379974" y="4453"/>
+                        </a:lnTo>
+                        <a:cubicBezTo>
+                          <a:pt x="11210413" y="-18489"/>
+                          <a:pt x="10763045" y="55253"/>
+                          <a:pt x="10982632" y="43782"/>
+                        </a:cubicBezTo>
+                      </a:path>
+                    </a:pathLst>
+                  </a:custGeom>
+                  <ask:type>
+                    <ask:lineSketchFreehand/>
+                  </ask:type>
+                </ask:lineSketchStyleProps>
+              </a:ext>
+            </a:extLst>
+          </a:ln>
+        </p:spPr>
+        <p:style>
+          <a:lnRef idx="2">
+            <a:schemeClr val="accent1">
+              <a:shade val="50000"/>
+            </a:schemeClr>
+          </a:lnRef>
+          <a:fillRef idx="1">
+            <a:schemeClr val="accent1"/>
+          </a:fillRef>
+          <a:effectRef idx="0">
+            <a:schemeClr val="accent1"/>
+          </a:effectRef>
+          <a:fontRef idx="minor">
+            <a:schemeClr val="lt1"/>
+          </a:fontRef>
+        </p:style>
+        <p:txBody>
+          <a:bodyPr rtlCol="0" anchor="ctr"/>
+          <a:lstStyle/>
+          <a:p>
+            <a:pPr algn="ctr"/>
+            <a:endParaRPr lang="en-GB"/>
+          </a:p>
+        </p:txBody>
+      </p:sp>
+    </p:spTree>
+    <p:extLst>
+      <p:ext uri="{BB962C8B-B14F-4D97-AF65-F5344CB8AC3E}">
+        <p14:creationId xmlns:p14="http://schemas.microsoft.com/office/powerpoint/2010/main" val="2355904673"/>
+      </p:ext>
+    </p:extLst>
+  </p:cSld>
+  <p:clrMapOvr>
+    <a:masterClrMapping/>
+  </p:clrMapOvr>
+</p:sld>
+</file>
+
+<file path=ppt/slides/slide4.xml><?xml version="1.0" encoding="utf-8"?>
+<p:sld xmlns:a="http://schemas.openxmlformats.org/drawingml/2006/main" xmlns:r="http://schemas.openxmlformats.org/officeDocument/2006/relationships" xmlns:p="http://schemas.openxmlformats.org/presentationml/2006/main">
+  <p:cSld>
+    <p:spTree>
+      <p:nvGrpSpPr>
+        <p:cNvPr id="1" name=""/>
+        <p:cNvGrpSpPr/>
+        <p:nvPr/>
+      </p:nvGrpSpPr>
+      <p:grpSpPr>
+        <a:xfrm>
+          <a:off x="0" y="0"/>
+          <a:ext cx="0" cy="0"/>
+          <a:chOff x="0" y="0"/>
+          <a:chExt cx="0" cy="0"/>
+        </a:xfrm>
+      </p:grpSpPr>
+      <p:sp>
+        <p:nvSpPr>
+          <p:cNvPr id="3" name="Zástupný obsah 2">
+            <a:extLst>
+              <a:ext uri="{FF2B5EF4-FFF2-40B4-BE49-F238E27FC236}">
+                <a16:creationId xmlns:a16="http://schemas.microsoft.com/office/drawing/2014/main" id="{3CC36778-53FD-7F85-38FE-C8EBE400AD92}"/>
+              </a:ext>
+            </a:extLst>
+          </p:cNvPr>
+          <p:cNvSpPr>
+            <a:spLocks noGrp="1"/>
+          </p:cNvSpPr>
+          <p:nvPr>
+            <p:ph idx="1"/>
+          </p:nvPr>
+        </p:nvSpPr>
+        <p:spPr/>
+        <p:txBody>
+          <a:bodyPr/>
+          <a:lstStyle/>
+          <a:p>
+            <a:r>
+              <a:rPr lang="cs-CZ" dirty="0" err="1"/>
+              <a:t>Using</a:t>
+            </a:r>
+            <a:r>
+              <a:rPr lang="cs-CZ" dirty="0"/>
+              <a:t> </a:t>
+            </a:r>
+            <a:r>
+              <a:rPr lang="cs-CZ" dirty="0" err="1"/>
+              <a:t>linear</a:t>
+            </a:r>
+            <a:r>
+              <a:rPr lang="cs-CZ" dirty="0"/>
+              <a:t> </a:t>
+            </a:r>
+            <a:r>
+              <a:rPr lang="cs-CZ" dirty="0" err="1"/>
+              <a:t>regression</a:t>
+            </a:r>
+            <a:r>
+              <a:rPr lang="cs-CZ" dirty="0"/>
+              <a:t>, a model </a:t>
+            </a:r>
+            <a:r>
+              <a:rPr lang="cs-CZ" dirty="0" err="1"/>
+              <a:t>for</a:t>
+            </a:r>
+            <a:r>
+              <a:rPr lang="cs-CZ" dirty="0"/>
+              <a:t> </a:t>
+            </a:r>
+            <a:r>
+              <a:rPr lang="cs-CZ" dirty="0" err="1"/>
+              <a:t>the</a:t>
+            </a:r>
+            <a:r>
+              <a:rPr lang="cs-CZ" dirty="0"/>
+              <a:t> </a:t>
+            </a:r>
+            <a:r>
+              <a:rPr lang="cs-CZ" dirty="0" err="1"/>
+              <a:t>ranking</a:t>
+            </a:r>
+            <a:r>
+              <a:rPr lang="cs-CZ" dirty="0"/>
+              <a:t> </a:t>
+            </a:r>
+            <a:r>
+              <a:rPr lang="cs-CZ" dirty="0" err="1"/>
+              <a:t>power</a:t>
+            </a:r>
+            <a:r>
+              <a:rPr lang="cs-CZ" dirty="0"/>
+              <a:t> </a:t>
+            </a:r>
+            <a:r>
+              <a:rPr lang="cs-CZ" dirty="0" err="1"/>
+              <a:t>of</a:t>
+            </a:r>
+            <a:r>
+              <a:rPr lang="cs-CZ" dirty="0"/>
+              <a:t> </a:t>
+            </a:r>
+            <a:r>
+              <a:rPr lang="cs-CZ" dirty="0" err="1"/>
+              <a:t>each</a:t>
+            </a:r>
+            <a:r>
+              <a:rPr lang="cs-CZ" dirty="0"/>
+              <a:t> </a:t>
+            </a:r>
+            <a:r>
+              <a:rPr lang="cs-CZ" dirty="0" err="1"/>
+              <a:t>candy</a:t>
+            </a:r>
+            <a:r>
+              <a:rPr lang="cs-CZ" dirty="0"/>
+              <a:t> </a:t>
+            </a:r>
+            <a:r>
+              <a:rPr lang="cs-CZ" dirty="0" err="1"/>
+              <a:t>product</a:t>
+            </a:r>
+            <a:r>
+              <a:rPr lang="cs-CZ" dirty="0"/>
+              <a:t> </a:t>
+            </a:r>
+            <a:r>
+              <a:rPr lang="cs-CZ" dirty="0" err="1"/>
+              <a:t>was</a:t>
+            </a:r>
+            <a:r>
+              <a:rPr lang="cs-CZ" dirty="0"/>
+              <a:t> </a:t>
+            </a:r>
+            <a:r>
+              <a:rPr lang="cs-CZ" dirty="0" err="1"/>
+              <a:t>built</a:t>
+            </a:r>
+            <a:r>
+              <a:rPr lang="cs-CZ" dirty="0"/>
+              <a:t>:</a:t>
+            </a:r>
+            <a:endParaRPr lang="en-GB" dirty="0"/>
+          </a:p>
+        </p:txBody>
+      </p:sp>
+      <p:sp>
+        <p:nvSpPr>
+          <p:cNvPr id="4" name="Nadpis 1">
+            <a:extLst>
+              <a:ext uri="{FF2B5EF4-FFF2-40B4-BE49-F238E27FC236}">
+                <a16:creationId xmlns:a16="http://schemas.microsoft.com/office/drawing/2014/main" id="{D05A75C6-AF9D-7884-00F3-88C3B3E89B54}"/>
+              </a:ext>
+            </a:extLst>
+          </p:cNvPr>
+          <p:cNvSpPr txBox="1">
+            <a:spLocks/>
+          </p:cNvSpPr>
+          <p:nvPr/>
+        </p:nvSpPr>
+        <p:spPr>
+          <a:xfrm>
+            <a:off x="838200" y="345461"/>
+            <a:ext cx="10515600" cy="1325563"/>
+          </a:xfrm>
+          <a:prstGeom prst="rect">
+            <a:avLst/>
+          </a:prstGeom>
+        </p:spPr>
+        <p:txBody>
+          <a:bodyPr vert="horz" lIns="91440" tIns="45720" rIns="91440" bIns="45720" rtlCol="0" anchor="ctr">
+            <a:normAutofit/>
+          </a:bodyPr>
+          <a:lstStyle>
+            <a:lvl1pPr algn="l" defTabSz="914400" rtl="0" eaLnBrk="1" latinLnBrk="0" hangingPunct="1">
+              <a:lnSpc>
+                <a:spcPct val="90000"/>
+              </a:lnSpc>
+              <a:spcBef>
+                <a:spcPct val="0"/>
+              </a:spcBef>
+              <a:buNone/>
+              <a:defRPr sz="4400" kern="1200">
+                <a:solidFill>
+                  <a:schemeClr val="tx1"/>
+                </a:solidFill>
+                <a:latin typeface="+mj-lt"/>
+                <a:ea typeface="+mj-ea"/>
+                <a:cs typeface="+mj-cs"/>
+              </a:defRPr>
+            </a:lvl1pPr>
+          </a:lstStyle>
+          <a:p>
+            <a:r>
+              <a:rPr lang="cs-CZ" sz="3600" dirty="0" err="1">
+                <a:solidFill>
+                  <a:schemeClr val="tx2"/>
+                </a:solidFill>
+                <a:latin typeface="Abadi" panose="020B0604020104020204" pitchFamily="34" charset="0"/>
+              </a:rPr>
+              <a:t>Procedure</a:t>
+            </a:r>
+            <a:r>
+              <a:rPr lang="cs-CZ" sz="3600" dirty="0">
+                <a:solidFill>
+                  <a:schemeClr val="tx2"/>
+                </a:solidFill>
+                <a:latin typeface="Abadi" panose="020B0604020104020204" pitchFamily="34" charset="0"/>
+              </a:rPr>
+              <a:t> and </a:t>
+            </a:r>
+            <a:r>
+              <a:rPr lang="cs-CZ" sz="3600" dirty="0" err="1">
+                <a:solidFill>
+                  <a:schemeClr val="tx2"/>
+                </a:solidFill>
+                <a:latin typeface="Abadi" panose="020B0604020104020204" pitchFamily="34" charset="0"/>
+              </a:rPr>
+              <a:t>assumption</a:t>
+            </a:r>
+            <a:endParaRPr lang="en-GB" sz="3600" dirty="0">
+              <a:solidFill>
+                <a:schemeClr val="tx2"/>
+              </a:solidFill>
+              <a:latin typeface="Abadi" panose="020B0604020104020204" pitchFamily="34" charset="0"/>
+            </a:endParaRPr>
+          </a:p>
+        </p:txBody>
+      </p:sp>
+      <p:sp>
+        <p:nvSpPr>
+          <p:cNvPr id="5" name="Volný tvar: obrazec 4">
+            <a:extLst>
+              <a:ext uri="{FF2B5EF4-FFF2-40B4-BE49-F238E27FC236}">
+                <a16:creationId xmlns:a16="http://schemas.microsoft.com/office/drawing/2014/main" id="{91C190D9-04B6-C6C6-9A7B-AE26088E27EC}"/>
+              </a:ext>
+            </a:extLst>
+          </p:cNvPr>
+          <p:cNvSpPr/>
+          <p:nvPr/>
+        </p:nvSpPr>
+        <p:spPr>
+          <a:xfrm>
+            <a:off x="604684" y="1303239"/>
+            <a:ext cx="10982632" cy="36000"/>
+          </a:xfrm>
+          <a:custGeom>
+            <a:avLst/>
+            <a:gdLst>
+              <a:gd name="connsiteX0" fmla="*/ 0 w 10982632"/>
+              <a:gd name="connsiteY0" fmla="*/ 36000 h 36000"/>
+              <a:gd name="connsiteX1" fmla="*/ 482399 w 10982632"/>
+              <a:gd name="connsiteY1" fmla="*/ 34194 h 36000"/>
+              <a:gd name="connsiteX2" fmla="*/ 870998 w 10982632"/>
+              <a:gd name="connsiteY2" fmla="*/ 32739 h 36000"/>
+              <a:gd name="connsiteX3" fmla="*/ 1447196 w 10982632"/>
+              <a:gd name="connsiteY3" fmla="*/ 30582 h 36000"/>
+              <a:gd name="connsiteX4" fmla="*/ 2210994 w 10982632"/>
+              <a:gd name="connsiteY4" fmla="*/ 27722 h 36000"/>
+              <a:gd name="connsiteX5" fmla="*/ 2599593 w 10982632"/>
+              <a:gd name="connsiteY5" fmla="*/ 26268 h 36000"/>
+              <a:gd name="connsiteX6" fmla="*/ 3269591 w 10982632"/>
+              <a:gd name="connsiteY6" fmla="*/ 23759 h 36000"/>
+              <a:gd name="connsiteX7" fmla="*/ 3845789 w 10982632"/>
+              <a:gd name="connsiteY7" fmla="*/ 21602 h 36000"/>
+              <a:gd name="connsiteX8" fmla="*/ 4234388 w 10982632"/>
+              <a:gd name="connsiteY8" fmla="*/ 20147 h 36000"/>
+              <a:gd name="connsiteX9" fmla="*/ 4810587 w 10982632"/>
+              <a:gd name="connsiteY9" fmla="*/ 17990 h 36000"/>
+              <a:gd name="connsiteX10" fmla="*/ 5668184 w 10982632"/>
+              <a:gd name="connsiteY10" fmla="*/ 14779 h 36000"/>
+              <a:gd name="connsiteX11" fmla="*/ 6431982 w 10982632"/>
+              <a:gd name="connsiteY11" fmla="*/ 11920 h 36000"/>
+              <a:gd name="connsiteX12" fmla="*/ 7195780 w 10982632"/>
+              <a:gd name="connsiteY12" fmla="*/ 9060 h 36000"/>
+              <a:gd name="connsiteX13" fmla="*/ 7678179 w 10982632"/>
+              <a:gd name="connsiteY13" fmla="*/ 7254 h 36000"/>
+              <a:gd name="connsiteX14" fmla="*/ 8348177 w 10982632"/>
+              <a:gd name="connsiteY14" fmla="*/ 4746 h 36000"/>
+              <a:gd name="connsiteX15" fmla="*/ 9379974 w 10982632"/>
+              <a:gd name="connsiteY15" fmla="*/ 883 h 36000"/>
+              <a:gd name="connsiteX16" fmla="*/ 10982632 w 10982632"/>
+              <a:gd name="connsiteY16" fmla="*/ 8687 h 36000"/>
+            </a:gdLst>
+            <a:ahLst/>
+            <a:cxnLst>
+              <a:cxn ang="0">
+                <a:pos x="connsiteX0" y="connsiteY0"/>
+              </a:cxn>
+              <a:cxn ang="0">
+                <a:pos x="connsiteX1" y="connsiteY1"/>
+              </a:cxn>
+              <a:cxn ang="0">
+                <a:pos x="connsiteX2" y="connsiteY2"/>
+              </a:cxn>
+              <a:cxn ang="0">
+                <a:pos x="connsiteX3" y="connsiteY3"/>
+              </a:cxn>
+              <a:cxn ang="0">
+                <a:pos x="connsiteX4" y="connsiteY4"/>
+              </a:cxn>
+              <a:cxn ang="0">
+                <a:pos x="connsiteX5" y="connsiteY5"/>
+              </a:cxn>
+              <a:cxn ang="0">
+                <a:pos x="connsiteX6" y="connsiteY6"/>
+              </a:cxn>
+              <a:cxn ang="0">
+                <a:pos x="connsiteX7" y="connsiteY7"/>
+              </a:cxn>
+              <a:cxn ang="0">
+                <a:pos x="connsiteX8" y="connsiteY8"/>
+              </a:cxn>
+              <a:cxn ang="0">
+                <a:pos x="connsiteX9" y="connsiteY9"/>
+              </a:cxn>
+              <a:cxn ang="0">
+                <a:pos x="connsiteX10" y="connsiteY10"/>
+              </a:cxn>
+              <a:cxn ang="0">
+                <a:pos x="connsiteX11" y="connsiteY11"/>
+              </a:cxn>
+              <a:cxn ang="0">
+                <a:pos x="connsiteX12" y="connsiteY12"/>
+              </a:cxn>
+              <a:cxn ang="0">
+                <a:pos x="connsiteX13" y="connsiteY13"/>
+              </a:cxn>
+              <a:cxn ang="0">
+                <a:pos x="connsiteX14" y="connsiteY14"/>
+              </a:cxn>
+              <a:cxn ang="0">
+                <a:pos x="connsiteX15" y="connsiteY15"/>
+              </a:cxn>
+              <a:cxn ang="0">
+                <a:pos x="connsiteX16" y="connsiteY16"/>
+              </a:cxn>
+            </a:cxnLst>
+            <a:rect l="l" t="t" r="r" b="b"/>
+            <a:pathLst>
+              <a:path w="10982632" h="36000" extrusionOk="0">
+                <a:moveTo>
+                  <a:pt x="0" y="36000"/>
+                </a:moveTo>
+                <a:cubicBezTo>
+                  <a:pt x="135513" y="38412"/>
+                  <a:pt x="252646" y="22812"/>
+                  <a:pt x="482399" y="34194"/>
+                </a:cubicBezTo>
+                <a:cubicBezTo>
+                  <a:pt x="712152" y="45576"/>
+                  <a:pt x="715286" y="39715"/>
+                  <a:pt x="870998" y="32739"/>
+                </a:cubicBezTo>
+                <a:cubicBezTo>
+                  <a:pt x="1026710" y="25763"/>
+                  <a:pt x="1305283" y="47961"/>
+                  <a:pt x="1447196" y="30582"/>
+                </a:cubicBezTo>
+                <a:cubicBezTo>
+                  <a:pt x="1589109" y="13203"/>
+                  <a:pt x="2014513" y="-8378"/>
+                  <a:pt x="2210994" y="27722"/>
+                </a:cubicBezTo>
+                <a:cubicBezTo>
+                  <a:pt x="2407475" y="63822"/>
+                  <a:pt x="2521758" y="29143"/>
+                  <a:pt x="2599593" y="26268"/>
+                </a:cubicBezTo>
+                <a:cubicBezTo>
+                  <a:pt x="2677428" y="23393"/>
+                  <a:pt x="2990761" y="43291"/>
+                  <a:pt x="3269591" y="23759"/>
+                </a:cubicBezTo>
+                <a:cubicBezTo>
+                  <a:pt x="3548421" y="4228"/>
+                  <a:pt x="3558874" y="16979"/>
+                  <a:pt x="3845789" y="21602"/>
+                </a:cubicBezTo>
+                <a:cubicBezTo>
+                  <a:pt x="4132704" y="26224"/>
+                  <a:pt x="4122156" y="4132"/>
+                  <a:pt x="4234388" y="20147"/>
+                </a:cubicBezTo>
+                <a:cubicBezTo>
+                  <a:pt x="4346620" y="36162"/>
+                  <a:pt x="4535079" y="18226"/>
+                  <a:pt x="4810587" y="17990"/>
+                </a:cubicBezTo>
+                <a:cubicBezTo>
+                  <a:pt x="5086095" y="17754"/>
+                  <a:pt x="5285955" y="-23143"/>
+                  <a:pt x="5668184" y="14779"/>
+                </a:cubicBezTo>
+                <a:cubicBezTo>
+                  <a:pt x="6050413" y="52702"/>
+                  <a:pt x="6257522" y="14168"/>
+                  <a:pt x="6431982" y="11920"/>
+                </a:cubicBezTo>
+                <a:cubicBezTo>
+                  <a:pt x="6606442" y="9672"/>
+                  <a:pt x="6967859" y="4959"/>
+                  <a:pt x="7195780" y="9060"/>
+                </a:cubicBezTo>
+                <a:cubicBezTo>
+                  <a:pt x="7423701" y="13161"/>
+                  <a:pt x="7438426" y="-2995"/>
+                  <a:pt x="7678179" y="7254"/>
+                </a:cubicBezTo>
+                <a:cubicBezTo>
+                  <a:pt x="7917932" y="17503"/>
+                  <a:pt x="8110949" y="37862"/>
+                  <a:pt x="8348177" y="4746"/>
+                </a:cubicBezTo>
+                <a:cubicBezTo>
+                  <a:pt x="8585405" y="-28371"/>
+                  <a:pt x="9008437" y="-5748"/>
+                  <a:pt x="9379974" y="883"/>
+                </a:cubicBezTo>
+                <a:cubicBezTo>
+                  <a:pt x="11190356" y="-30152"/>
+                  <a:pt x="10726379" y="3159"/>
+                  <a:pt x="10982632" y="8687"/>
+                </a:cubicBezTo>
+              </a:path>
+            </a:pathLst>
+          </a:custGeom>
+          <a:noFill/>
+          <a:ln w="76200">
+            <a:solidFill>
+              <a:schemeClr val="accent2"/>
+            </a:solidFill>
+            <a:extLst>
+              <a:ext uri="{C807C97D-BFC1-408E-A445-0C87EB9F89A2}">
+                <ask:lineSketchStyleProps xmlns:ask="http://schemas.microsoft.com/office/drawing/2018/sketchyshapes" sd="3139255767">
+                  <a:custGeom>
+                    <a:avLst/>
+                    <a:gdLst>
+                      <a:gd name="connsiteX0" fmla="*/ 0 w 10982632"/>
+                      <a:gd name="connsiteY0" fmla="*/ 181433 h 181433"/>
+                      <a:gd name="connsiteX1" fmla="*/ 9379974 w 10982632"/>
+                      <a:gd name="connsiteY1" fmla="*/ 4453 h 181433"/>
+                      <a:gd name="connsiteX2" fmla="*/ 10982632 w 10982632"/>
+                      <a:gd name="connsiteY2" fmla="*/ 43782 h 181433"/>
+                    </a:gdLst>
+                    <a:ahLst/>
+                    <a:cxnLst>
+                      <a:cxn ang="0">
+                        <a:pos x="connsiteX0" y="connsiteY0"/>
+                      </a:cxn>
+                      <a:cxn ang="0">
+                        <a:pos x="connsiteX1" y="connsiteY1"/>
+                      </a:cxn>
+                      <a:cxn ang="0">
+                        <a:pos x="connsiteX2" y="connsiteY2"/>
+                      </a:cxn>
+                    </a:cxnLst>
+                    <a:rect l="l" t="t" r="r" b="b"/>
+                    <a:pathLst>
+                      <a:path w="10982632" h="181433">
+                        <a:moveTo>
+                          <a:pt x="0" y="181433"/>
+                        </a:moveTo>
+                        <a:lnTo>
+                          <a:pt x="9379974" y="4453"/>
+                        </a:lnTo>
+                        <a:cubicBezTo>
+                          <a:pt x="11210413" y="-18489"/>
+                          <a:pt x="10763045" y="55253"/>
+                          <a:pt x="10982632" y="43782"/>
+                        </a:cubicBezTo>
+                      </a:path>
+                    </a:pathLst>
+                  </a:custGeom>
+                  <ask:type>
+                    <ask:lineSketchFreehand/>
+                  </ask:type>
+                </ask:lineSketchStyleProps>
+              </a:ext>
+            </a:extLst>
+          </a:ln>
+        </p:spPr>
+        <p:style>
+          <a:lnRef idx="2">
+            <a:schemeClr val="accent1">
+              <a:shade val="50000"/>
+            </a:schemeClr>
+          </a:lnRef>
+          <a:fillRef idx="1">
+            <a:schemeClr val="accent1"/>
+          </a:fillRef>
+          <a:effectRef idx="0">
+            <a:schemeClr val="accent1"/>
+          </a:effectRef>
+          <a:fontRef idx="minor">
+            <a:schemeClr val="lt1"/>
+          </a:fontRef>
+        </p:style>
+        <p:txBody>
+          <a:bodyPr rtlCol="0" anchor="ctr"/>
+          <a:lstStyle/>
+          <a:p>
+            <a:pPr algn="ctr"/>
+            <a:endParaRPr lang="en-GB"/>
+          </a:p>
+        </p:txBody>
+      </p:sp>
+    </p:spTree>
+    <p:extLst>
+      <p:ext uri="{BB962C8B-B14F-4D97-AF65-F5344CB8AC3E}">
+        <p14:creationId xmlns:p14="http://schemas.microsoft.com/office/powerpoint/2010/main" val="3811190085"/>
       </p:ext>
     </p:extLst>
   </p:cSld>

--- a/candy_ppt.pptx
+++ b/candy_ppt.pptx
@@ -1,17 +1,19 @@
 
 <file path=ppt/presentation.xml><?xml version="1.0" encoding="utf-8"?>
-<p:presentation xmlns:a="http://schemas.openxmlformats.org/drawingml/2006/main" xmlns:r="http://schemas.openxmlformats.org/officeDocument/2006/relationships" xmlns:p="http://schemas.openxmlformats.org/presentationml/2006/main" saveSubsetFonts="1">
+<p:presentation xmlns:a="http://schemas.openxmlformats.org/drawingml/2006/main" xmlns:r="http://schemas.openxmlformats.org/officeDocument/2006/relationships" xmlns:p="http://schemas.openxmlformats.org/presentationml/2006/main" showSpecialPlsOnTitleSld="0" saveSubsetFonts="1">
   <p:sldMasterIdLst>
     <p:sldMasterId id="2147483648" r:id="rId1"/>
   </p:sldMasterIdLst>
   <p:notesMasterIdLst>
-    <p:notesMasterId r:id="rId6"/>
+    <p:notesMasterId r:id="rId8"/>
   </p:notesMasterIdLst>
   <p:sldIdLst>
     <p:sldId id="256" r:id="rId2"/>
-    <p:sldId id="257" r:id="rId3"/>
-    <p:sldId id="258" r:id="rId4"/>
-    <p:sldId id="259" r:id="rId5"/>
+    <p:sldId id="258" r:id="rId3"/>
+    <p:sldId id="259" r:id="rId4"/>
+    <p:sldId id="260" r:id="rId5"/>
+    <p:sldId id="262" r:id="rId6"/>
+    <p:sldId id="261" r:id="rId7"/>
   </p:sldIdLst>
   <p:sldSz cx="12192000" cy="6858000"/>
   <p:notesSz cx="6858000" cy="9144000"/>
@@ -116,6 +118,4248 @@
     </p:ext>
   </p:extLst>
 </p:presentation>
+</file>
+
+<file path=ppt/diagrams/colors1.xml><?xml version="1.0" encoding="utf-8"?>
+<dgm:colorsDef xmlns:dgm="http://schemas.openxmlformats.org/drawingml/2006/diagram" xmlns:a="http://schemas.openxmlformats.org/drawingml/2006/main" uniqueId="urn:microsoft.com/office/officeart/2005/8/colors/accent1_2">
+  <dgm:title val=""/>
+  <dgm:desc val=""/>
+  <dgm:catLst>
+    <dgm:cat type="accent1" pri="11200"/>
+  </dgm:catLst>
+  <dgm:styleLbl name="node0">
+    <dgm:fillClrLst meth="repeat">
+      <a:schemeClr val="accent1"/>
+    </dgm:fillClrLst>
+    <dgm:linClrLst meth="repeat">
+      <a:schemeClr val="lt1"/>
+    </dgm:linClrLst>
+    <dgm:effectClrLst/>
+    <dgm:txLinClrLst/>
+    <dgm:txFillClrLst/>
+    <dgm:txEffectClrLst/>
+  </dgm:styleLbl>
+  <dgm:styleLbl name="alignNode1">
+    <dgm:fillClrLst meth="repeat">
+      <a:schemeClr val="accent1"/>
+    </dgm:fillClrLst>
+    <dgm:linClrLst meth="repeat">
+      <a:schemeClr val="accent1"/>
+    </dgm:linClrLst>
+    <dgm:effectClrLst/>
+    <dgm:txLinClrLst/>
+    <dgm:txFillClrLst/>
+    <dgm:txEffectClrLst/>
+  </dgm:styleLbl>
+  <dgm:styleLbl name="node1">
+    <dgm:fillClrLst meth="repeat">
+      <a:schemeClr val="accent1"/>
+    </dgm:fillClrLst>
+    <dgm:linClrLst meth="repeat">
+      <a:schemeClr val="lt1"/>
+    </dgm:linClrLst>
+    <dgm:effectClrLst/>
+    <dgm:txLinClrLst/>
+    <dgm:txFillClrLst/>
+    <dgm:txEffectClrLst/>
+  </dgm:styleLbl>
+  <dgm:styleLbl name="lnNode1">
+    <dgm:fillClrLst meth="repeat">
+      <a:schemeClr val="accent1"/>
+    </dgm:fillClrLst>
+    <dgm:linClrLst meth="repeat">
+      <a:schemeClr val="lt1"/>
+    </dgm:linClrLst>
+    <dgm:effectClrLst/>
+    <dgm:txLinClrLst/>
+    <dgm:txFillClrLst/>
+    <dgm:txEffectClrLst/>
+  </dgm:styleLbl>
+  <dgm:styleLbl name="vennNode1">
+    <dgm:fillClrLst meth="repeat">
+      <a:schemeClr val="accent1">
+        <a:alpha val="50000"/>
+      </a:schemeClr>
+    </dgm:fillClrLst>
+    <dgm:linClrLst meth="repeat">
+      <a:schemeClr val="lt1"/>
+    </dgm:linClrLst>
+    <dgm:effectClrLst/>
+    <dgm:txLinClrLst/>
+    <dgm:txFillClrLst/>
+    <dgm:txEffectClrLst/>
+  </dgm:styleLbl>
+  <dgm:styleLbl name="node2">
+    <dgm:fillClrLst meth="repeat">
+      <a:schemeClr val="accent1"/>
+    </dgm:fillClrLst>
+    <dgm:linClrLst meth="repeat">
+      <a:schemeClr val="lt1"/>
+    </dgm:linClrLst>
+    <dgm:effectClrLst/>
+    <dgm:txLinClrLst/>
+    <dgm:txFillClrLst/>
+    <dgm:txEffectClrLst/>
+  </dgm:styleLbl>
+  <dgm:styleLbl name="node3">
+    <dgm:fillClrLst meth="repeat">
+      <a:schemeClr val="accent1"/>
+    </dgm:fillClrLst>
+    <dgm:linClrLst meth="repeat">
+      <a:schemeClr val="lt1"/>
+    </dgm:linClrLst>
+    <dgm:effectClrLst/>
+    <dgm:txLinClrLst/>
+    <dgm:txFillClrLst/>
+    <dgm:txEffectClrLst/>
+  </dgm:styleLbl>
+  <dgm:styleLbl name="node4">
+    <dgm:fillClrLst meth="repeat">
+      <a:schemeClr val="accent1"/>
+    </dgm:fillClrLst>
+    <dgm:linClrLst meth="repeat">
+      <a:schemeClr val="lt1"/>
+    </dgm:linClrLst>
+    <dgm:effectClrLst/>
+    <dgm:txLinClrLst/>
+    <dgm:txFillClrLst/>
+    <dgm:txEffectClrLst/>
+  </dgm:styleLbl>
+  <dgm:styleLbl name="fgImgPlace1">
+    <dgm:fillClrLst meth="repeat">
+      <a:schemeClr val="accent1">
+        <a:tint val="50000"/>
+      </a:schemeClr>
+    </dgm:fillClrLst>
+    <dgm:linClrLst meth="repeat">
+      <a:schemeClr val="lt1"/>
+    </dgm:linClrLst>
+    <dgm:effectClrLst/>
+    <dgm:txLinClrLst/>
+    <dgm:txFillClrLst meth="repeat">
+      <a:schemeClr val="lt1"/>
+    </dgm:txFillClrLst>
+    <dgm:txEffectClrLst/>
+  </dgm:styleLbl>
+  <dgm:styleLbl name="alignImgPlace1">
+    <dgm:fillClrLst meth="repeat">
+      <a:schemeClr val="accent1">
+        <a:tint val="50000"/>
+      </a:schemeClr>
+    </dgm:fillClrLst>
+    <dgm:linClrLst meth="repeat">
+      <a:schemeClr val="lt1"/>
+    </dgm:linClrLst>
+    <dgm:effectClrLst/>
+    <dgm:txLinClrLst/>
+    <dgm:txFillClrLst meth="repeat">
+      <a:schemeClr val="lt1"/>
+    </dgm:txFillClrLst>
+    <dgm:txEffectClrLst/>
+  </dgm:styleLbl>
+  <dgm:styleLbl name="bgImgPlace1">
+    <dgm:fillClrLst meth="repeat">
+      <a:schemeClr val="accent1">
+        <a:tint val="50000"/>
+      </a:schemeClr>
+    </dgm:fillClrLst>
+    <dgm:linClrLst meth="repeat">
+      <a:schemeClr val="lt1"/>
+    </dgm:linClrLst>
+    <dgm:effectClrLst/>
+    <dgm:txLinClrLst/>
+    <dgm:txFillClrLst meth="repeat">
+      <a:schemeClr val="lt1"/>
+    </dgm:txFillClrLst>
+    <dgm:txEffectClrLst/>
+  </dgm:styleLbl>
+  <dgm:styleLbl name="sibTrans2D1">
+    <dgm:fillClrLst meth="repeat">
+      <a:schemeClr val="accent1">
+        <a:tint val="60000"/>
+      </a:schemeClr>
+    </dgm:fillClrLst>
+    <dgm:linClrLst meth="repeat">
+      <a:schemeClr val="accent1">
+        <a:tint val="60000"/>
+      </a:schemeClr>
+    </dgm:linClrLst>
+    <dgm:effectClrLst/>
+    <dgm:txLinClrLst/>
+    <dgm:txFillClrLst/>
+    <dgm:txEffectClrLst/>
+  </dgm:styleLbl>
+  <dgm:styleLbl name="fgSibTrans2D1">
+    <dgm:fillClrLst meth="repeat">
+      <a:schemeClr val="accent1">
+        <a:tint val="60000"/>
+      </a:schemeClr>
+    </dgm:fillClrLst>
+    <dgm:linClrLst meth="repeat">
+      <a:schemeClr val="accent1">
+        <a:tint val="60000"/>
+      </a:schemeClr>
+    </dgm:linClrLst>
+    <dgm:effectClrLst/>
+    <dgm:txLinClrLst/>
+    <dgm:txFillClrLst/>
+    <dgm:txEffectClrLst/>
+  </dgm:styleLbl>
+  <dgm:styleLbl name="bgSibTrans2D1">
+    <dgm:fillClrLst meth="repeat">
+      <a:schemeClr val="accent1">
+        <a:tint val="60000"/>
+      </a:schemeClr>
+    </dgm:fillClrLst>
+    <dgm:linClrLst meth="repeat">
+      <a:schemeClr val="accent1">
+        <a:tint val="60000"/>
+      </a:schemeClr>
+    </dgm:linClrLst>
+    <dgm:effectClrLst/>
+    <dgm:txLinClrLst/>
+    <dgm:txFillClrLst/>
+    <dgm:txEffectClrLst/>
+  </dgm:styleLbl>
+  <dgm:styleLbl name="sibTrans1D1">
+    <dgm:fillClrLst meth="repeat">
+      <a:schemeClr val="accent1"/>
+    </dgm:fillClrLst>
+    <dgm:linClrLst meth="repeat">
+      <a:schemeClr val="accent1"/>
+    </dgm:linClrLst>
+    <dgm:effectClrLst/>
+    <dgm:txLinClrLst/>
+    <dgm:txFillClrLst meth="repeat">
+      <a:schemeClr val="tx1"/>
+    </dgm:txFillClrLst>
+    <dgm:txEffectClrLst/>
+  </dgm:styleLbl>
+  <dgm:styleLbl name="callout">
+    <dgm:fillClrLst meth="repeat">
+      <a:schemeClr val="accent1"/>
+    </dgm:fillClrLst>
+    <dgm:linClrLst meth="repeat">
+      <a:schemeClr val="accent1">
+        <a:tint val="50000"/>
+      </a:schemeClr>
+    </dgm:linClrLst>
+    <dgm:effectClrLst/>
+    <dgm:txLinClrLst/>
+    <dgm:txFillClrLst meth="repeat">
+      <a:schemeClr val="tx1"/>
+    </dgm:txFillClrLst>
+    <dgm:txEffectClrLst/>
+  </dgm:styleLbl>
+  <dgm:styleLbl name="asst0">
+    <dgm:fillClrLst meth="repeat">
+      <a:schemeClr val="accent1"/>
+    </dgm:fillClrLst>
+    <dgm:linClrLst meth="repeat">
+      <a:schemeClr val="lt1"/>
+    </dgm:linClrLst>
+    <dgm:effectClrLst/>
+    <dgm:txLinClrLst/>
+    <dgm:txFillClrLst/>
+    <dgm:txEffectClrLst/>
+  </dgm:styleLbl>
+  <dgm:styleLbl name="asst1">
+    <dgm:fillClrLst meth="repeat">
+      <a:schemeClr val="accent1"/>
+    </dgm:fillClrLst>
+    <dgm:linClrLst meth="repeat">
+      <a:schemeClr val="lt1"/>
+    </dgm:linClrLst>
+    <dgm:effectClrLst/>
+    <dgm:txLinClrLst/>
+    <dgm:txFillClrLst/>
+    <dgm:txEffectClrLst/>
+  </dgm:styleLbl>
+  <dgm:styleLbl name="asst2">
+    <dgm:fillClrLst meth="repeat">
+      <a:schemeClr val="accent1"/>
+    </dgm:fillClrLst>
+    <dgm:linClrLst meth="repeat">
+      <a:schemeClr val="lt1"/>
+    </dgm:linClrLst>
+    <dgm:effectClrLst/>
+    <dgm:txLinClrLst/>
+    <dgm:txFillClrLst/>
+    <dgm:txEffectClrLst/>
+  </dgm:styleLbl>
+  <dgm:styleLbl name="asst3">
+    <dgm:fillClrLst meth="repeat">
+      <a:schemeClr val="accent1"/>
+    </dgm:fillClrLst>
+    <dgm:linClrLst meth="repeat">
+      <a:schemeClr val="lt1"/>
+    </dgm:linClrLst>
+    <dgm:effectClrLst/>
+    <dgm:txLinClrLst/>
+    <dgm:txFillClrLst/>
+    <dgm:txEffectClrLst/>
+  </dgm:styleLbl>
+  <dgm:styleLbl name="asst4">
+    <dgm:fillClrLst meth="repeat">
+      <a:schemeClr val="accent1"/>
+    </dgm:fillClrLst>
+    <dgm:linClrLst meth="repeat">
+      <a:schemeClr val="lt1"/>
+    </dgm:linClrLst>
+    <dgm:effectClrLst/>
+    <dgm:txLinClrLst/>
+    <dgm:txFillClrLst/>
+    <dgm:txEffectClrLst/>
+  </dgm:styleLbl>
+  <dgm:styleLbl name="parChTrans2D1">
+    <dgm:fillClrLst meth="repeat">
+      <a:schemeClr val="accent1">
+        <a:tint val="60000"/>
+      </a:schemeClr>
+    </dgm:fillClrLst>
+    <dgm:linClrLst meth="repeat">
+      <a:schemeClr val="accent1">
+        <a:tint val="60000"/>
+      </a:schemeClr>
+    </dgm:linClrLst>
+    <dgm:effectClrLst/>
+    <dgm:txLinClrLst/>
+    <dgm:txFillClrLst meth="repeat">
+      <a:schemeClr val="lt1"/>
+    </dgm:txFillClrLst>
+    <dgm:txEffectClrLst/>
+  </dgm:styleLbl>
+  <dgm:styleLbl name="parChTrans2D2">
+    <dgm:fillClrLst meth="repeat">
+      <a:schemeClr val="accent1"/>
+    </dgm:fillClrLst>
+    <dgm:linClrLst meth="repeat">
+      <a:schemeClr val="accent1"/>
+    </dgm:linClrLst>
+    <dgm:effectClrLst/>
+    <dgm:txLinClrLst/>
+    <dgm:txFillClrLst meth="repeat">
+      <a:schemeClr val="lt1"/>
+    </dgm:txFillClrLst>
+    <dgm:txEffectClrLst/>
+  </dgm:styleLbl>
+  <dgm:styleLbl name="parChTrans2D3">
+    <dgm:fillClrLst meth="repeat">
+      <a:schemeClr val="accent1"/>
+    </dgm:fillClrLst>
+    <dgm:linClrLst meth="repeat">
+      <a:schemeClr val="accent1"/>
+    </dgm:linClrLst>
+    <dgm:effectClrLst/>
+    <dgm:txLinClrLst/>
+    <dgm:txFillClrLst meth="repeat">
+      <a:schemeClr val="lt1"/>
+    </dgm:txFillClrLst>
+    <dgm:txEffectClrLst/>
+  </dgm:styleLbl>
+  <dgm:styleLbl name="parChTrans2D4">
+    <dgm:fillClrLst meth="repeat">
+      <a:schemeClr val="accent1"/>
+    </dgm:fillClrLst>
+    <dgm:linClrLst meth="repeat">
+      <a:schemeClr val="accent1"/>
+    </dgm:linClrLst>
+    <dgm:effectClrLst/>
+    <dgm:txLinClrLst/>
+    <dgm:txFillClrLst meth="repeat">
+      <a:schemeClr val="lt1"/>
+    </dgm:txFillClrLst>
+    <dgm:txEffectClrLst/>
+  </dgm:styleLbl>
+  <dgm:styleLbl name="parChTrans1D1">
+    <dgm:fillClrLst meth="repeat">
+      <a:schemeClr val="accent1"/>
+    </dgm:fillClrLst>
+    <dgm:linClrLst meth="repeat">
+      <a:schemeClr val="accent1">
+        <a:shade val="60000"/>
+      </a:schemeClr>
+    </dgm:linClrLst>
+    <dgm:effectClrLst/>
+    <dgm:txLinClrLst/>
+    <dgm:txFillClrLst meth="repeat">
+      <a:schemeClr val="tx1"/>
+    </dgm:txFillClrLst>
+    <dgm:txEffectClrLst/>
+  </dgm:styleLbl>
+  <dgm:styleLbl name="parChTrans1D2">
+    <dgm:fillClrLst meth="repeat">
+      <a:schemeClr val="accent1"/>
+    </dgm:fillClrLst>
+    <dgm:linClrLst meth="repeat">
+      <a:schemeClr val="accent1">
+        <a:shade val="60000"/>
+      </a:schemeClr>
+    </dgm:linClrLst>
+    <dgm:effectClrLst/>
+    <dgm:txLinClrLst/>
+    <dgm:txFillClrLst meth="repeat">
+      <a:schemeClr val="tx1"/>
+    </dgm:txFillClrLst>
+    <dgm:txEffectClrLst/>
+  </dgm:styleLbl>
+  <dgm:styleLbl name="parChTrans1D3">
+    <dgm:fillClrLst meth="repeat">
+      <a:schemeClr val="accent1"/>
+    </dgm:fillClrLst>
+    <dgm:linClrLst meth="repeat">
+      <a:schemeClr val="accent1">
+        <a:shade val="80000"/>
+      </a:schemeClr>
+    </dgm:linClrLst>
+    <dgm:effectClrLst/>
+    <dgm:txLinClrLst/>
+    <dgm:txFillClrLst meth="repeat">
+      <a:schemeClr val="tx1"/>
+    </dgm:txFillClrLst>
+    <dgm:txEffectClrLst/>
+  </dgm:styleLbl>
+  <dgm:styleLbl name="parChTrans1D4">
+    <dgm:fillClrLst meth="repeat">
+      <a:schemeClr val="accent1"/>
+    </dgm:fillClrLst>
+    <dgm:linClrLst meth="repeat">
+      <a:schemeClr val="accent1">
+        <a:shade val="80000"/>
+      </a:schemeClr>
+    </dgm:linClrLst>
+    <dgm:effectClrLst/>
+    <dgm:txLinClrLst/>
+    <dgm:txFillClrLst meth="repeat">
+      <a:schemeClr val="tx1"/>
+    </dgm:txFillClrLst>
+    <dgm:txEffectClrLst/>
+  </dgm:styleLbl>
+  <dgm:styleLbl name="fgAcc1">
+    <dgm:fillClrLst meth="repeat">
+      <a:schemeClr val="lt1">
+        <a:alpha val="90000"/>
+      </a:schemeClr>
+    </dgm:fillClrLst>
+    <dgm:linClrLst meth="repeat">
+      <a:schemeClr val="accent1"/>
+    </dgm:linClrLst>
+    <dgm:effectClrLst/>
+    <dgm:txLinClrLst/>
+    <dgm:txFillClrLst meth="repeat">
+      <a:schemeClr val="dk1"/>
+    </dgm:txFillClrLst>
+    <dgm:txEffectClrLst/>
+  </dgm:styleLbl>
+  <dgm:styleLbl name="conFgAcc1">
+    <dgm:fillClrLst meth="repeat">
+      <a:schemeClr val="lt1">
+        <a:alpha val="90000"/>
+      </a:schemeClr>
+    </dgm:fillClrLst>
+    <dgm:linClrLst meth="repeat">
+      <a:schemeClr val="accent1"/>
+    </dgm:linClrLst>
+    <dgm:effectClrLst/>
+    <dgm:txLinClrLst/>
+    <dgm:txFillClrLst meth="repeat">
+      <a:schemeClr val="dk1"/>
+    </dgm:txFillClrLst>
+    <dgm:txEffectClrLst/>
+  </dgm:styleLbl>
+  <dgm:styleLbl name="alignAcc1">
+    <dgm:fillClrLst meth="repeat">
+      <a:schemeClr val="lt1">
+        <a:alpha val="90000"/>
+      </a:schemeClr>
+    </dgm:fillClrLst>
+    <dgm:linClrLst meth="repeat">
+      <a:schemeClr val="accent1"/>
+    </dgm:linClrLst>
+    <dgm:effectClrLst/>
+    <dgm:txLinClrLst/>
+    <dgm:txFillClrLst meth="repeat">
+      <a:schemeClr val="dk1"/>
+    </dgm:txFillClrLst>
+    <dgm:txEffectClrLst/>
+  </dgm:styleLbl>
+  <dgm:styleLbl name="trAlignAcc1">
+    <dgm:fillClrLst meth="repeat">
+      <a:schemeClr val="lt1">
+        <a:alpha val="40000"/>
+      </a:schemeClr>
+    </dgm:fillClrLst>
+    <dgm:linClrLst meth="repeat">
+      <a:schemeClr val="accent1"/>
+    </dgm:linClrLst>
+    <dgm:effectClrLst/>
+    <dgm:txLinClrLst/>
+    <dgm:txFillClrLst meth="repeat">
+      <a:schemeClr val="dk1"/>
+    </dgm:txFillClrLst>
+    <dgm:txEffectClrLst/>
+  </dgm:styleLbl>
+  <dgm:styleLbl name="bgAcc1">
+    <dgm:fillClrLst meth="repeat">
+      <a:schemeClr val="lt1">
+        <a:alpha val="90000"/>
+      </a:schemeClr>
+    </dgm:fillClrLst>
+    <dgm:linClrLst meth="repeat">
+      <a:schemeClr val="accent1"/>
+    </dgm:linClrLst>
+    <dgm:effectClrLst/>
+    <dgm:txLinClrLst/>
+    <dgm:txFillClrLst meth="repeat">
+      <a:schemeClr val="dk1"/>
+    </dgm:txFillClrLst>
+    <dgm:txEffectClrLst/>
+  </dgm:styleLbl>
+  <dgm:styleLbl name="solidFgAcc1">
+    <dgm:fillClrLst meth="repeat">
+      <a:schemeClr val="lt1"/>
+    </dgm:fillClrLst>
+    <dgm:linClrLst meth="repeat">
+      <a:schemeClr val="accent1"/>
+    </dgm:linClrLst>
+    <dgm:effectClrLst/>
+    <dgm:txLinClrLst/>
+    <dgm:txFillClrLst meth="repeat">
+      <a:schemeClr val="dk1"/>
+    </dgm:txFillClrLst>
+    <dgm:txEffectClrLst/>
+  </dgm:styleLbl>
+  <dgm:styleLbl name="solidAlignAcc1">
+    <dgm:fillClrLst meth="repeat">
+      <a:schemeClr val="lt1"/>
+    </dgm:fillClrLst>
+    <dgm:linClrLst meth="repeat">
+      <a:schemeClr val="accent1"/>
+    </dgm:linClrLst>
+    <dgm:effectClrLst/>
+    <dgm:txLinClrLst/>
+    <dgm:txFillClrLst meth="repeat">
+      <a:schemeClr val="dk1"/>
+    </dgm:txFillClrLst>
+    <dgm:txEffectClrLst/>
+  </dgm:styleLbl>
+  <dgm:styleLbl name="solidBgAcc1">
+    <dgm:fillClrLst meth="repeat">
+      <a:schemeClr val="lt1"/>
+    </dgm:fillClrLst>
+    <dgm:linClrLst meth="repeat">
+      <a:schemeClr val="accent1"/>
+    </dgm:linClrLst>
+    <dgm:effectClrLst/>
+    <dgm:txLinClrLst/>
+    <dgm:txFillClrLst meth="repeat">
+      <a:schemeClr val="dk1"/>
+    </dgm:txFillClrLst>
+    <dgm:txEffectClrLst/>
+  </dgm:styleLbl>
+  <dgm:styleLbl name="fgAccFollowNode1">
+    <dgm:fillClrLst meth="repeat">
+      <a:schemeClr val="accent1">
+        <a:alpha val="90000"/>
+        <a:tint val="40000"/>
+      </a:schemeClr>
+    </dgm:fillClrLst>
+    <dgm:linClrLst meth="repeat">
+      <a:schemeClr val="accent1">
+        <a:alpha val="90000"/>
+        <a:tint val="40000"/>
+      </a:schemeClr>
+    </dgm:linClrLst>
+    <dgm:effectClrLst/>
+    <dgm:txLinClrLst/>
+    <dgm:txFillClrLst meth="repeat">
+      <a:schemeClr val="dk1"/>
+    </dgm:txFillClrLst>
+    <dgm:txEffectClrLst/>
+  </dgm:styleLbl>
+  <dgm:styleLbl name="alignAccFollowNode1">
+    <dgm:fillClrLst meth="repeat">
+      <a:schemeClr val="accent1">
+        <a:alpha val="90000"/>
+        <a:tint val="40000"/>
+      </a:schemeClr>
+    </dgm:fillClrLst>
+    <dgm:linClrLst meth="repeat">
+      <a:schemeClr val="accent1">
+        <a:alpha val="90000"/>
+        <a:tint val="40000"/>
+      </a:schemeClr>
+    </dgm:linClrLst>
+    <dgm:effectClrLst/>
+    <dgm:txLinClrLst/>
+    <dgm:txFillClrLst meth="repeat">
+      <a:schemeClr val="dk1"/>
+    </dgm:txFillClrLst>
+    <dgm:txEffectClrLst/>
+  </dgm:styleLbl>
+  <dgm:styleLbl name="bgAccFollowNode1">
+    <dgm:fillClrLst meth="repeat">
+      <a:schemeClr val="accent1">
+        <a:alpha val="90000"/>
+        <a:tint val="40000"/>
+      </a:schemeClr>
+    </dgm:fillClrLst>
+    <dgm:linClrLst meth="repeat">
+      <a:schemeClr val="accent1">
+        <a:alpha val="90000"/>
+        <a:tint val="40000"/>
+      </a:schemeClr>
+    </dgm:linClrLst>
+    <dgm:effectClrLst/>
+    <dgm:txLinClrLst/>
+    <dgm:txFillClrLst meth="repeat">
+      <a:schemeClr val="dk1"/>
+    </dgm:txFillClrLst>
+    <dgm:txEffectClrLst/>
+  </dgm:styleLbl>
+  <dgm:styleLbl name="fgAcc0">
+    <dgm:fillClrLst meth="repeat">
+      <a:schemeClr val="lt1">
+        <a:alpha val="90000"/>
+      </a:schemeClr>
+    </dgm:fillClrLst>
+    <dgm:linClrLst meth="repeat">
+      <a:schemeClr val="accent1"/>
+    </dgm:linClrLst>
+    <dgm:effectClrLst/>
+    <dgm:txLinClrLst/>
+    <dgm:txFillClrLst meth="repeat">
+      <a:schemeClr val="dk1"/>
+    </dgm:txFillClrLst>
+    <dgm:txEffectClrLst/>
+  </dgm:styleLbl>
+  <dgm:styleLbl name="fgAcc2">
+    <dgm:fillClrLst meth="repeat">
+      <a:schemeClr val="lt1">
+        <a:alpha val="90000"/>
+      </a:schemeClr>
+    </dgm:fillClrLst>
+    <dgm:linClrLst meth="repeat">
+      <a:schemeClr val="accent1"/>
+    </dgm:linClrLst>
+    <dgm:effectClrLst/>
+    <dgm:txLinClrLst/>
+    <dgm:txFillClrLst meth="repeat">
+      <a:schemeClr val="dk1"/>
+    </dgm:txFillClrLst>
+    <dgm:txEffectClrLst/>
+  </dgm:styleLbl>
+  <dgm:styleLbl name="fgAcc3">
+    <dgm:fillClrLst meth="repeat">
+      <a:schemeClr val="lt1">
+        <a:alpha val="90000"/>
+      </a:schemeClr>
+    </dgm:fillClrLst>
+    <dgm:linClrLst meth="repeat">
+      <a:schemeClr val="accent1"/>
+    </dgm:linClrLst>
+    <dgm:effectClrLst/>
+    <dgm:txLinClrLst/>
+    <dgm:txFillClrLst meth="repeat">
+      <a:schemeClr val="dk1"/>
+    </dgm:txFillClrLst>
+    <dgm:txEffectClrLst/>
+  </dgm:styleLbl>
+  <dgm:styleLbl name="fgAcc4">
+    <dgm:fillClrLst meth="repeat">
+      <a:schemeClr val="lt1">
+        <a:alpha val="90000"/>
+      </a:schemeClr>
+    </dgm:fillClrLst>
+    <dgm:linClrLst meth="repeat">
+      <a:schemeClr val="accent1"/>
+    </dgm:linClrLst>
+    <dgm:effectClrLst/>
+    <dgm:txLinClrLst/>
+    <dgm:txFillClrLst meth="repeat">
+      <a:schemeClr val="dk1"/>
+    </dgm:txFillClrLst>
+    <dgm:txEffectClrLst/>
+  </dgm:styleLbl>
+  <dgm:styleLbl name="bgShp">
+    <dgm:fillClrLst meth="repeat">
+      <a:schemeClr val="accent1">
+        <a:tint val="40000"/>
+      </a:schemeClr>
+    </dgm:fillClrLst>
+    <dgm:linClrLst meth="repeat">
+      <a:schemeClr val="accent1"/>
+    </dgm:linClrLst>
+    <dgm:effectClrLst/>
+    <dgm:txLinClrLst/>
+    <dgm:txFillClrLst meth="repeat">
+      <a:schemeClr val="dk1"/>
+    </dgm:txFillClrLst>
+    <dgm:txEffectClrLst/>
+  </dgm:styleLbl>
+  <dgm:styleLbl name="dkBgShp">
+    <dgm:fillClrLst meth="repeat">
+      <a:schemeClr val="accent1">
+        <a:shade val="80000"/>
+      </a:schemeClr>
+    </dgm:fillClrLst>
+    <dgm:linClrLst meth="repeat">
+      <a:schemeClr val="accent1"/>
+    </dgm:linClrLst>
+    <dgm:effectClrLst/>
+    <dgm:txLinClrLst/>
+    <dgm:txFillClrLst meth="repeat">
+      <a:schemeClr val="lt1"/>
+    </dgm:txFillClrLst>
+    <dgm:txEffectClrLst/>
+  </dgm:styleLbl>
+  <dgm:styleLbl name="trBgShp">
+    <dgm:fillClrLst meth="repeat">
+      <a:schemeClr val="accent1">
+        <a:tint val="50000"/>
+        <a:alpha val="40000"/>
+      </a:schemeClr>
+    </dgm:fillClrLst>
+    <dgm:linClrLst meth="repeat">
+      <a:schemeClr val="accent1"/>
+    </dgm:linClrLst>
+    <dgm:effectClrLst/>
+    <dgm:txLinClrLst/>
+    <dgm:txFillClrLst meth="repeat">
+      <a:schemeClr val="lt1"/>
+    </dgm:txFillClrLst>
+    <dgm:txEffectClrLst/>
+  </dgm:styleLbl>
+  <dgm:styleLbl name="fgShp">
+    <dgm:fillClrLst meth="repeat">
+      <a:schemeClr val="accent1">
+        <a:tint val="60000"/>
+      </a:schemeClr>
+    </dgm:fillClrLst>
+    <dgm:linClrLst meth="repeat">
+      <a:schemeClr val="lt1"/>
+    </dgm:linClrLst>
+    <dgm:effectClrLst/>
+    <dgm:txLinClrLst/>
+    <dgm:txFillClrLst meth="repeat">
+      <a:schemeClr val="dk1"/>
+    </dgm:txFillClrLst>
+    <dgm:txEffectClrLst/>
+  </dgm:styleLbl>
+  <dgm:styleLbl name="revTx">
+    <dgm:fillClrLst meth="repeat">
+      <a:schemeClr val="lt1">
+        <a:alpha val="0"/>
+      </a:schemeClr>
+    </dgm:fillClrLst>
+    <dgm:linClrLst meth="repeat">
+      <a:schemeClr val="dk1">
+        <a:alpha val="0"/>
+      </a:schemeClr>
+    </dgm:linClrLst>
+    <dgm:effectClrLst/>
+    <dgm:txLinClrLst/>
+    <dgm:txFillClrLst meth="repeat">
+      <a:schemeClr val="tx1"/>
+    </dgm:txFillClrLst>
+    <dgm:txEffectClrLst/>
+  </dgm:styleLbl>
+</dgm:colorsDef>
+</file>
+
+<file path=ppt/diagrams/data1.xml><?xml version="1.0" encoding="utf-8"?>
+<dgm:dataModel xmlns:dgm="http://schemas.openxmlformats.org/drawingml/2006/diagram" xmlns:a="http://schemas.openxmlformats.org/drawingml/2006/main">
+  <dgm:ptLst>
+    <dgm:pt modelId="{C0B4C5D2-FAAD-432D-AC68-072A45EE387E}" type="doc">
+      <dgm:prSet loTypeId="urn:microsoft.com/office/officeart/2005/8/layout/hProcess7" loCatId="list" qsTypeId="urn:microsoft.com/office/officeart/2005/8/quickstyle/simple1" qsCatId="simple" csTypeId="urn:microsoft.com/office/officeart/2005/8/colors/accent1_2" csCatId="accent1" phldr="1"/>
+      <dgm:spPr/>
+      <dgm:t>
+        <a:bodyPr/>
+        <a:lstStyle/>
+        <a:p>
+          <a:endParaRPr lang="en-GB"/>
+        </a:p>
+      </dgm:t>
+    </dgm:pt>
+    <dgm:pt modelId="{7E30CB08-D131-4515-8C14-5FC63B5E3762}">
+      <dgm:prSet phldrT="[Text]" custT="1"/>
+      <dgm:spPr>
+        <a:solidFill>
+          <a:srgbClr val="F9F9DF"/>
+        </a:solidFill>
+      </dgm:spPr>
+      <dgm:t>
+        <a:bodyPr/>
+        <a:lstStyle/>
+        <a:p>
+          <a:r>
+            <a:rPr lang="en-GB" sz="3200" dirty="0">
+              <a:solidFill>
+                <a:schemeClr val="tx2"/>
+              </a:solidFill>
+              <a:latin typeface="Abadi" panose="020B0604020104020204" pitchFamily="34" charset="0"/>
+            </a:rPr>
+            <a:t>PROBLEM</a:t>
+          </a:r>
+        </a:p>
+      </dgm:t>
+    </dgm:pt>
+    <dgm:pt modelId="{D402CE80-F0E5-4B54-A7A2-978DFA87127C}" type="parTrans" cxnId="{AC6EEE21-E279-4EC9-AC2F-F84ACCEB1704}">
+      <dgm:prSet/>
+      <dgm:spPr/>
+      <dgm:t>
+        <a:bodyPr/>
+        <a:lstStyle/>
+        <a:p>
+          <a:endParaRPr lang="en-GB" sz="1200">
+            <a:latin typeface="Abadi" panose="020B0604020104020204" pitchFamily="34" charset="0"/>
+          </a:endParaRPr>
+        </a:p>
+      </dgm:t>
+    </dgm:pt>
+    <dgm:pt modelId="{AA8A5A93-5555-4A5C-8884-ECF69A6069DB}" type="sibTrans" cxnId="{AC6EEE21-E279-4EC9-AC2F-F84ACCEB1704}">
+      <dgm:prSet/>
+      <dgm:spPr/>
+      <dgm:t>
+        <a:bodyPr/>
+        <a:lstStyle/>
+        <a:p>
+          <a:endParaRPr lang="en-GB" sz="1200">
+            <a:latin typeface="Abadi" panose="020B0604020104020204" pitchFamily="34" charset="0"/>
+          </a:endParaRPr>
+        </a:p>
+      </dgm:t>
+    </dgm:pt>
+    <dgm:pt modelId="{CBFD7954-C59E-4B78-8B62-F9FB36CCE1E6}">
+      <dgm:prSet phldrT="[Text]" custT="1"/>
+      <dgm:spPr>
+        <a:solidFill>
+          <a:srgbClr val="FBFBE9"/>
+        </a:solidFill>
+        <a:ln>
+          <a:solidFill>
+            <a:srgbClr val="F9F9DF"/>
+          </a:solidFill>
+        </a:ln>
+      </dgm:spPr>
+      <dgm:t>
+        <a:bodyPr/>
+        <a:lstStyle/>
+        <a:p>
+          <a:r>
+            <a:rPr lang="en-GB" sz="3200" dirty="0">
+              <a:solidFill>
+                <a:schemeClr val="tx2"/>
+              </a:solidFill>
+              <a:latin typeface="Abadi" panose="020B0604020104020204" pitchFamily="34" charset="0"/>
+            </a:rPr>
+            <a:t>SOLUTION</a:t>
+          </a:r>
+        </a:p>
+      </dgm:t>
+    </dgm:pt>
+    <dgm:pt modelId="{39815685-7B79-41CD-8394-C69FC0F0D181}" type="parTrans" cxnId="{728F3724-06E4-44E6-B034-917C572618BA}">
+      <dgm:prSet/>
+      <dgm:spPr/>
+      <dgm:t>
+        <a:bodyPr/>
+        <a:lstStyle/>
+        <a:p>
+          <a:endParaRPr lang="en-GB" sz="1200">
+            <a:latin typeface="Abadi" panose="020B0604020104020204" pitchFamily="34" charset="0"/>
+          </a:endParaRPr>
+        </a:p>
+      </dgm:t>
+    </dgm:pt>
+    <dgm:pt modelId="{89C1D431-9A5C-498F-BEB9-3C0BE7704A16}" type="sibTrans" cxnId="{728F3724-06E4-44E6-B034-917C572618BA}">
+      <dgm:prSet/>
+      <dgm:spPr/>
+      <dgm:t>
+        <a:bodyPr/>
+        <a:lstStyle/>
+        <a:p>
+          <a:endParaRPr lang="en-GB" sz="1200">
+            <a:latin typeface="Abadi" panose="020B0604020104020204" pitchFamily="34" charset="0"/>
+          </a:endParaRPr>
+        </a:p>
+      </dgm:t>
+    </dgm:pt>
+    <dgm:pt modelId="{AF857801-9194-4B56-BBBD-773C3285A883}">
+      <dgm:prSet phldrT="[Text]" custT="1"/>
+      <dgm:spPr/>
+      <dgm:t>
+        <a:bodyPr anchor="t"/>
+        <a:lstStyle/>
+        <a:p>
+          <a:pPr>
+            <a:spcBef>
+              <a:spcPts val="1200"/>
+            </a:spcBef>
+            <a:spcAft>
+              <a:spcPts val="3000"/>
+            </a:spcAft>
+          </a:pPr>
+          <a:endParaRPr lang="cs-CZ" sz="100" dirty="0">
+            <a:solidFill>
+              <a:schemeClr val="tx2"/>
+            </a:solidFill>
+            <a:latin typeface="Abadi" panose="020B0604020104020204" pitchFamily="34" charset="0"/>
+          </a:endParaRPr>
+        </a:p>
+        <a:p>
+          <a:pPr>
+            <a:spcBef>
+              <a:spcPts val="1200"/>
+            </a:spcBef>
+            <a:spcAft>
+              <a:spcPts val="3000"/>
+            </a:spcAft>
+          </a:pPr>
+          <a:r>
+            <a:rPr lang="cs-CZ" sz="1600" dirty="0">
+              <a:solidFill>
+                <a:schemeClr val="tx2"/>
+              </a:solidFill>
+              <a:latin typeface="Abadi" panose="020B0604020104020204" pitchFamily="34" charset="0"/>
+            </a:rPr>
+            <a:t>Data </a:t>
+          </a:r>
+          <a:r>
+            <a:rPr lang="cs-CZ" sz="1600" dirty="0" err="1">
+              <a:solidFill>
+                <a:schemeClr val="tx2"/>
+              </a:solidFill>
+              <a:latin typeface="Abadi" panose="020B0604020104020204" pitchFamily="34" charset="0"/>
+            </a:rPr>
+            <a:t>explanation</a:t>
+          </a:r>
+          <a:r>
+            <a:rPr lang="cs-CZ" sz="1600" dirty="0">
+              <a:solidFill>
+                <a:schemeClr val="tx2"/>
+              </a:solidFill>
+              <a:latin typeface="Abadi" panose="020B0604020104020204" pitchFamily="34" charset="0"/>
+            </a:rPr>
+            <a:t> via </a:t>
+          </a:r>
+          <a:r>
+            <a:rPr lang="cs-CZ" sz="1600" dirty="0" err="1">
+              <a:solidFill>
+                <a:schemeClr val="tx2"/>
+              </a:solidFill>
+              <a:latin typeface="Abadi" panose="020B0604020104020204" pitchFamily="34" charset="0"/>
+            </a:rPr>
+            <a:t>descriptive</a:t>
+          </a:r>
+          <a:r>
+            <a:rPr lang="cs-CZ" sz="1600" dirty="0">
+              <a:solidFill>
+                <a:schemeClr val="tx2"/>
+              </a:solidFill>
+              <a:latin typeface="Abadi" panose="020B0604020104020204" pitchFamily="34" charset="0"/>
+            </a:rPr>
+            <a:t> </a:t>
+          </a:r>
+          <a:r>
+            <a:rPr lang="cs-CZ" sz="1600" dirty="0" err="1">
+              <a:solidFill>
+                <a:schemeClr val="tx2"/>
+              </a:solidFill>
+              <a:latin typeface="Abadi" panose="020B0604020104020204" pitchFamily="34" charset="0"/>
+            </a:rPr>
+            <a:t>statistics</a:t>
+          </a:r>
+          <a:endParaRPr lang="en-GB" sz="1600" dirty="0">
+            <a:solidFill>
+              <a:schemeClr val="tx2"/>
+            </a:solidFill>
+            <a:latin typeface="Abadi" panose="020B0604020104020204" pitchFamily="34" charset="0"/>
+          </a:endParaRPr>
+        </a:p>
+      </dgm:t>
+    </dgm:pt>
+    <dgm:pt modelId="{0DBE93ED-77AB-4E03-BB90-5DF158888660}" type="parTrans" cxnId="{543AD277-BD3E-4C5D-9A09-16896803B243}">
+      <dgm:prSet/>
+      <dgm:spPr/>
+      <dgm:t>
+        <a:bodyPr/>
+        <a:lstStyle/>
+        <a:p>
+          <a:endParaRPr lang="en-GB" sz="1200">
+            <a:latin typeface="Abadi" panose="020B0604020104020204" pitchFamily="34" charset="0"/>
+          </a:endParaRPr>
+        </a:p>
+      </dgm:t>
+    </dgm:pt>
+    <dgm:pt modelId="{6CE61E70-1298-4225-899F-3D033B70CAF1}" type="sibTrans" cxnId="{543AD277-BD3E-4C5D-9A09-16896803B243}">
+      <dgm:prSet/>
+      <dgm:spPr/>
+      <dgm:t>
+        <a:bodyPr/>
+        <a:lstStyle/>
+        <a:p>
+          <a:endParaRPr lang="en-GB" sz="1200">
+            <a:latin typeface="Abadi" panose="020B0604020104020204" pitchFamily="34" charset="0"/>
+          </a:endParaRPr>
+        </a:p>
+      </dgm:t>
+    </dgm:pt>
+    <dgm:pt modelId="{517892ED-65D3-4BC6-9F9B-24B04FBBF807}">
+      <dgm:prSet phldrT="[Text]" custT="1"/>
+      <dgm:spPr>
+        <a:solidFill>
+          <a:srgbClr val="F9EBDB"/>
+        </a:solidFill>
+      </dgm:spPr>
+      <dgm:t>
+        <a:bodyPr/>
+        <a:lstStyle/>
+        <a:p>
+          <a:r>
+            <a:rPr lang="en-GB" sz="3200" dirty="0">
+              <a:solidFill>
+                <a:schemeClr val="tx2"/>
+              </a:solidFill>
+              <a:latin typeface="Abadi" panose="020B0604020104020204" pitchFamily="34" charset="0"/>
+            </a:rPr>
+            <a:t>REVIEW</a:t>
+          </a:r>
+        </a:p>
+      </dgm:t>
+    </dgm:pt>
+    <dgm:pt modelId="{FB27FF3E-58D0-4E1C-B61C-21DE8CD23AE8}" type="parTrans" cxnId="{C8766F0B-C6E4-42A2-B8A2-55CC8343A77A}">
+      <dgm:prSet/>
+      <dgm:spPr/>
+      <dgm:t>
+        <a:bodyPr/>
+        <a:lstStyle/>
+        <a:p>
+          <a:endParaRPr lang="en-GB" sz="1200">
+            <a:latin typeface="Abadi" panose="020B0604020104020204" pitchFamily="34" charset="0"/>
+          </a:endParaRPr>
+        </a:p>
+      </dgm:t>
+    </dgm:pt>
+    <dgm:pt modelId="{893AE9FA-961E-4D64-982E-8047C25157C0}" type="sibTrans" cxnId="{C8766F0B-C6E4-42A2-B8A2-55CC8343A77A}">
+      <dgm:prSet/>
+      <dgm:spPr/>
+      <dgm:t>
+        <a:bodyPr/>
+        <a:lstStyle/>
+        <a:p>
+          <a:endParaRPr lang="en-GB" sz="1200">
+            <a:latin typeface="Abadi" panose="020B0604020104020204" pitchFamily="34" charset="0"/>
+          </a:endParaRPr>
+        </a:p>
+      </dgm:t>
+    </dgm:pt>
+    <dgm:pt modelId="{4F4E25A8-4001-4CB6-A8CD-28053AA3ACFF}">
+      <dgm:prSet phldrT="[Text]" phldr="1" custT="1"/>
+      <dgm:spPr/>
+      <dgm:t>
+        <a:bodyPr/>
+        <a:lstStyle/>
+        <a:p>
+          <a:endParaRPr lang="en-GB" sz="4800">
+            <a:latin typeface="Abadi" panose="020B0604020104020204" pitchFamily="34" charset="0"/>
+          </a:endParaRPr>
+        </a:p>
+      </dgm:t>
+    </dgm:pt>
+    <dgm:pt modelId="{0F89F458-6161-4623-8621-554C32B1C7A3}" type="parTrans" cxnId="{B77D8E2A-28DC-461A-AB30-69DEF3E5145B}">
+      <dgm:prSet/>
+      <dgm:spPr/>
+      <dgm:t>
+        <a:bodyPr/>
+        <a:lstStyle/>
+        <a:p>
+          <a:endParaRPr lang="en-GB" sz="1200">
+            <a:latin typeface="Abadi" panose="020B0604020104020204" pitchFamily="34" charset="0"/>
+          </a:endParaRPr>
+        </a:p>
+      </dgm:t>
+    </dgm:pt>
+    <dgm:pt modelId="{A2B5FBD6-C9B7-4574-BFC7-CAC3D7A771EC}" type="sibTrans" cxnId="{B77D8E2A-28DC-461A-AB30-69DEF3E5145B}">
+      <dgm:prSet/>
+      <dgm:spPr/>
+      <dgm:t>
+        <a:bodyPr/>
+        <a:lstStyle/>
+        <a:p>
+          <a:endParaRPr lang="en-GB" sz="1200">
+            <a:latin typeface="Abadi" panose="020B0604020104020204" pitchFamily="34" charset="0"/>
+          </a:endParaRPr>
+        </a:p>
+      </dgm:t>
+    </dgm:pt>
+    <dgm:pt modelId="{9F2A3EF5-1B39-47BF-B40C-9482AB88FDCD}">
+      <dgm:prSet phldrT="[Text]" custT="1"/>
+      <dgm:spPr/>
+      <dgm:t>
+        <a:bodyPr anchor="t"/>
+        <a:lstStyle/>
+        <a:p>
+          <a:pPr algn="just">
+            <a:lnSpc>
+              <a:spcPct val="100000"/>
+            </a:lnSpc>
+            <a:spcBef>
+              <a:spcPts val="1200"/>
+            </a:spcBef>
+            <a:spcAft>
+              <a:spcPts val="3000"/>
+            </a:spcAft>
+          </a:pPr>
+          <a:r>
+            <a:rPr lang="en-US" sz="1600" b="0" dirty="0">
+              <a:solidFill>
+                <a:schemeClr val="tx2"/>
+              </a:solidFill>
+              <a:effectLst/>
+              <a:latin typeface="Abadi" panose="020B0604020104020204" pitchFamily="34" charset="0"/>
+              <a:ea typeface="Calibri" panose="020F0502020204030204" pitchFamily="34" charset="0"/>
+            </a:rPr>
+            <a:t>The market research data are available, and a data</a:t>
+          </a:r>
+          <a:r>
+            <a:rPr lang="cs-CZ" sz="1600" b="0" dirty="0">
+              <a:solidFill>
+                <a:schemeClr val="tx2"/>
+              </a:solidFill>
+              <a:effectLst/>
+              <a:latin typeface="Abadi" panose="020B0604020104020204" pitchFamily="34" charset="0"/>
+              <a:ea typeface="Calibri" panose="020F0502020204030204" pitchFamily="34" charset="0"/>
+            </a:rPr>
+            <a:t>-</a:t>
+          </a:r>
+          <a:r>
+            <a:rPr lang="en-US" sz="1600" b="0" dirty="0">
+              <a:solidFill>
+                <a:schemeClr val="tx2"/>
+              </a:solidFill>
+              <a:effectLst/>
+              <a:latin typeface="Abadi" panose="020B0604020104020204" pitchFamily="34" charset="0"/>
+              <a:ea typeface="Calibri" panose="020F0502020204030204" pitchFamily="34" charset="0"/>
+            </a:rPr>
+            <a:t>driven approach is required.</a:t>
+          </a:r>
+          <a:endParaRPr lang="en-GB" sz="1600" b="0" dirty="0">
+            <a:solidFill>
+              <a:schemeClr val="tx2"/>
+            </a:solidFill>
+            <a:latin typeface="Abadi" panose="020B0604020104020204" pitchFamily="34" charset="0"/>
+          </a:endParaRPr>
+        </a:p>
+      </dgm:t>
+    </dgm:pt>
+    <dgm:pt modelId="{5B478A29-9200-4637-8A7C-99C5B76B0D11}" type="parTrans" cxnId="{83E65265-FF33-4D46-9C76-BF5796A385B7}">
+      <dgm:prSet/>
+      <dgm:spPr/>
+      <dgm:t>
+        <a:bodyPr/>
+        <a:lstStyle/>
+        <a:p>
+          <a:endParaRPr lang="en-GB"/>
+        </a:p>
+      </dgm:t>
+    </dgm:pt>
+    <dgm:pt modelId="{F13B7709-0014-437D-9443-70022F81A240}" type="sibTrans" cxnId="{83E65265-FF33-4D46-9C76-BF5796A385B7}">
+      <dgm:prSet/>
+      <dgm:spPr/>
+      <dgm:t>
+        <a:bodyPr/>
+        <a:lstStyle/>
+        <a:p>
+          <a:endParaRPr lang="en-GB"/>
+        </a:p>
+      </dgm:t>
+    </dgm:pt>
+    <dgm:pt modelId="{DC13B347-5443-4AFA-B4F6-23C0EE2CD1DA}">
+      <dgm:prSet phldrT="[Text]" custT="1"/>
+      <dgm:spPr/>
+      <dgm:t>
+        <a:bodyPr anchor="t"/>
+        <a:lstStyle/>
+        <a:p>
+          <a:pPr algn="just">
+            <a:lnSpc>
+              <a:spcPct val="100000"/>
+            </a:lnSpc>
+            <a:spcBef>
+              <a:spcPts val="1200"/>
+            </a:spcBef>
+            <a:spcAft>
+              <a:spcPts val="3000"/>
+            </a:spcAft>
+          </a:pPr>
+          <a:r>
+            <a:rPr lang="en-GB" sz="1600" b="0" dirty="0">
+              <a:solidFill>
+                <a:schemeClr val="tx2"/>
+              </a:solidFill>
+              <a:latin typeface="Abadi" panose="020B0604020104020204" pitchFamily="34" charset="0"/>
+            </a:rPr>
+            <a:t>The task is to </a:t>
+          </a:r>
+          <a:r>
+            <a:rPr lang="en-GB" sz="1600" b="1" dirty="0">
+              <a:solidFill>
+                <a:schemeClr val="tx2"/>
+              </a:solidFill>
+              <a:latin typeface="Abadi" panose="020B0604020104020204" pitchFamily="34" charset="0"/>
+            </a:rPr>
+            <a:t>present a recommendation of new candy </a:t>
+          </a:r>
+          <a:r>
+            <a:rPr lang="en-GB" sz="1600" b="0" dirty="0">
+              <a:solidFill>
+                <a:schemeClr val="tx2"/>
+              </a:solidFill>
+              <a:latin typeface="Abadi" panose="020B0604020104020204" pitchFamily="34" charset="0"/>
+            </a:rPr>
+            <a:t>product, which is driven from the data </a:t>
+          </a:r>
+          <a:r>
+            <a:rPr lang="cs-CZ" sz="1600" b="0" dirty="0">
+              <a:solidFill>
+                <a:schemeClr val="tx2"/>
+              </a:solidFill>
+              <a:latin typeface="Abadi" panose="020B0604020104020204" pitchFamily="34" charset="0"/>
+            </a:rPr>
+            <a:t>as a </a:t>
+          </a:r>
+          <a:r>
+            <a:rPr lang="cs-CZ" sz="1600" b="1" dirty="0" err="1">
+              <a:solidFill>
+                <a:schemeClr val="tx2"/>
+              </a:solidFill>
+              <a:latin typeface="Abadi" panose="020B0604020104020204" pitchFamily="34" charset="0"/>
+            </a:rPr>
+            <a:t>statistical</a:t>
+          </a:r>
+          <a:r>
+            <a:rPr lang="cs-CZ" sz="1600" b="1" dirty="0">
+              <a:solidFill>
+                <a:schemeClr val="tx2"/>
+              </a:solidFill>
+              <a:latin typeface="Abadi" panose="020B0604020104020204" pitchFamily="34" charset="0"/>
+            </a:rPr>
+            <a:t> </a:t>
+          </a:r>
+          <a:r>
+            <a:rPr lang="cs-CZ" sz="1600" b="1" dirty="0" err="1">
+              <a:solidFill>
+                <a:schemeClr val="tx2"/>
+              </a:solidFill>
+              <a:latin typeface="Abadi" panose="020B0604020104020204" pitchFamily="34" charset="0"/>
+            </a:rPr>
+            <a:t>solution</a:t>
+          </a:r>
+          <a:r>
+            <a:rPr lang="cs-CZ" sz="1600" b="1" dirty="0">
+              <a:solidFill>
+                <a:schemeClr val="tx2"/>
+              </a:solidFill>
+              <a:latin typeface="Abadi" panose="020B0604020104020204" pitchFamily="34" charset="0"/>
+            </a:rPr>
+            <a:t>.</a:t>
+          </a:r>
+          <a:endParaRPr lang="en-GB" sz="1600" b="1" dirty="0">
+            <a:solidFill>
+              <a:schemeClr val="tx2"/>
+            </a:solidFill>
+            <a:latin typeface="Abadi" panose="020B0604020104020204" pitchFamily="34" charset="0"/>
+          </a:endParaRPr>
+        </a:p>
+      </dgm:t>
+    </dgm:pt>
+    <dgm:pt modelId="{A2D50FF0-4E88-4011-8AA4-88085697B050}" type="parTrans" cxnId="{45B465EF-0DB7-4E24-9DBF-AECBAFBF02BB}">
+      <dgm:prSet/>
+      <dgm:spPr/>
+      <dgm:t>
+        <a:bodyPr/>
+        <a:lstStyle/>
+        <a:p>
+          <a:endParaRPr lang="en-GB"/>
+        </a:p>
+      </dgm:t>
+    </dgm:pt>
+    <dgm:pt modelId="{8BF6887B-CC1B-4455-9DD4-C5DFDD36FBDD}" type="sibTrans" cxnId="{45B465EF-0DB7-4E24-9DBF-AECBAFBF02BB}">
+      <dgm:prSet/>
+      <dgm:spPr/>
+      <dgm:t>
+        <a:bodyPr/>
+        <a:lstStyle/>
+        <a:p>
+          <a:endParaRPr lang="en-GB"/>
+        </a:p>
+      </dgm:t>
+    </dgm:pt>
+    <dgm:pt modelId="{56412C34-0ED7-4840-86F7-F7519B493A88}">
+      <dgm:prSet phldrT="[Text]" custT="1"/>
+      <dgm:spPr/>
+      <dgm:t>
+        <a:bodyPr anchor="t"/>
+        <a:lstStyle/>
+        <a:p>
+          <a:pPr algn="l">
+            <a:lnSpc>
+              <a:spcPct val="100000"/>
+            </a:lnSpc>
+            <a:spcBef>
+              <a:spcPts val="1200"/>
+            </a:spcBef>
+            <a:spcAft>
+              <a:spcPts val="3000"/>
+            </a:spcAft>
+          </a:pPr>
+          <a:endParaRPr lang="cs-CZ" sz="100" b="0" dirty="0">
+            <a:solidFill>
+              <a:schemeClr val="tx2"/>
+            </a:solidFill>
+            <a:effectLst/>
+            <a:latin typeface="Abadi" panose="020B0604020104020204" pitchFamily="34" charset="0"/>
+            <a:ea typeface="Calibri" panose="020F0502020204030204" pitchFamily="34" charset="0"/>
+          </a:endParaRPr>
+        </a:p>
+        <a:p>
+          <a:pPr algn="l">
+            <a:lnSpc>
+              <a:spcPct val="100000"/>
+            </a:lnSpc>
+            <a:spcBef>
+              <a:spcPts val="1200"/>
+            </a:spcBef>
+            <a:spcAft>
+              <a:spcPts val="3000"/>
+            </a:spcAft>
+          </a:pPr>
+          <a:r>
+            <a:rPr lang="en-US" sz="1600" b="0" dirty="0">
+              <a:solidFill>
+                <a:schemeClr val="tx2"/>
+              </a:solidFill>
+              <a:effectLst/>
+              <a:latin typeface="Abadi" panose="020B0604020104020204" pitchFamily="34" charset="0"/>
+              <a:ea typeface="Calibri" panose="020F0502020204030204" pitchFamily="34" charset="0"/>
+            </a:rPr>
+            <a:t>The Lidl purchasing group wants to expand our candy offering. The idea is to create a brand-new product.</a:t>
+          </a:r>
+          <a:endParaRPr lang="en-GB" sz="1600" b="0" dirty="0">
+            <a:solidFill>
+              <a:schemeClr val="tx2"/>
+            </a:solidFill>
+            <a:latin typeface="Abadi" panose="020B0604020104020204" pitchFamily="34" charset="0"/>
+          </a:endParaRPr>
+        </a:p>
+      </dgm:t>
+    </dgm:pt>
+    <dgm:pt modelId="{18642BE1-A04B-4BE1-953F-2F66F0CE6516}" type="parTrans" cxnId="{387CCDFF-0DA5-4418-8673-90CC63D3C3DA}">
+      <dgm:prSet/>
+      <dgm:spPr/>
+      <dgm:t>
+        <a:bodyPr/>
+        <a:lstStyle/>
+        <a:p>
+          <a:endParaRPr lang="en-GB"/>
+        </a:p>
+      </dgm:t>
+    </dgm:pt>
+    <dgm:pt modelId="{B2D513C6-4DA1-411C-AC68-8A76691EF075}" type="sibTrans" cxnId="{387CCDFF-0DA5-4418-8673-90CC63D3C3DA}">
+      <dgm:prSet/>
+      <dgm:spPr/>
+      <dgm:t>
+        <a:bodyPr/>
+        <a:lstStyle/>
+        <a:p>
+          <a:endParaRPr lang="en-GB"/>
+        </a:p>
+      </dgm:t>
+    </dgm:pt>
+    <dgm:pt modelId="{6461308B-D481-4247-8838-B6B1FF3FE9FF}">
+      <dgm:prSet phldrT="[Text]" custT="1"/>
+      <dgm:spPr/>
+      <dgm:t>
+        <a:bodyPr anchor="t"/>
+        <a:lstStyle/>
+        <a:p>
+          <a:pPr>
+            <a:spcBef>
+              <a:spcPts val="1200"/>
+            </a:spcBef>
+            <a:spcAft>
+              <a:spcPts val="3000"/>
+            </a:spcAft>
+          </a:pPr>
+          <a:r>
+            <a:rPr lang="cs-CZ" sz="1600" dirty="0" err="1">
+              <a:solidFill>
+                <a:schemeClr val="tx2"/>
+              </a:solidFill>
+              <a:latin typeface="Abadi" panose="020B0604020104020204" pitchFamily="34" charset="0"/>
+            </a:rPr>
+            <a:t>Designed</a:t>
+          </a:r>
+          <a:r>
+            <a:rPr lang="cs-CZ" sz="1600" dirty="0">
+              <a:solidFill>
+                <a:schemeClr val="tx2"/>
+              </a:solidFill>
+              <a:latin typeface="Abadi" panose="020B0604020104020204" pitchFamily="34" charset="0"/>
+            </a:rPr>
+            <a:t> </a:t>
+          </a:r>
+          <a:r>
+            <a:rPr lang="cs-CZ" sz="1600" dirty="0" err="1">
+              <a:solidFill>
+                <a:schemeClr val="tx2"/>
+              </a:solidFill>
+              <a:latin typeface="Abadi" panose="020B0604020104020204" pitchFamily="34" charset="0"/>
+            </a:rPr>
+            <a:t>possible</a:t>
+          </a:r>
+          <a:r>
+            <a:rPr lang="cs-CZ" sz="1600" dirty="0">
+              <a:solidFill>
+                <a:schemeClr val="tx2"/>
+              </a:solidFill>
+              <a:latin typeface="Abadi" panose="020B0604020104020204" pitchFamily="34" charset="0"/>
+            </a:rPr>
+            <a:t> </a:t>
+          </a:r>
+          <a:r>
+            <a:rPr lang="cs-CZ" sz="1600" dirty="0" err="1">
+              <a:solidFill>
+                <a:schemeClr val="tx2"/>
+              </a:solidFill>
+              <a:latin typeface="Abadi" panose="020B0604020104020204" pitchFamily="34" charset="0"/>
+            </a:rPr>
+            <a:t>approaches</a:t>
+          </a:r>
+          <a:r>
+            <a:rPr lang="cs-CZ" sz="1600" dirty="0">
+              <a:solidFill>
+                <a:schemeClr val="tx2"/>
+              </a:solidFill>
+              <a:latin typeface="Abadi" panose="020B0604020104020204" pitchFamily="34" charset="0"/>
+            </a:rPr>
+            <a:t> and </a:t>
+          </a:r>
+          <a:r>
+            <a:rPr lang="cs-CZ" sz="1600" dirty="0" err="1">
+              <a:solidFill>
+                <a:schemeClr val="tx2"/>
+              </a:solidFill>
+              <a:latin typeface="Abadi" panose="020B0604020104020204" pitchFamily="34" charset="0"/>
+            </a:rPr>
+            <a:t>strategies</a:t>
+          </a:r>
+          <a:endParaRPr lang="en-GB" sz="1600" dirty="0">
+            <a:solidFill>
+              <a:schemeClr val="tx2"/>
+            </a:solidFill>
+            <a:latin typeface="Abadi" panose="020B0604020104020204" pitchFamily="34" charset="0"/>
+          </a:endParaRPr>
+        </a:p>
+      </dgm:t>
+    </dgm:pt>
+    <dgm:pt modelId="{6837FC1A-41D9-4A6F-AAF0-F88260A9A285}" type="parTrans" cxnId="{820B851B-A628-4049-AB82-5082A880CDD2}">
+      <dgm:prSet/>
+      <dgm:spPr/>
+      <dgm:t>
+        <a:bodyPr/>
+        <a:lstStyle/>
+        <a:p>
+          <a:endParaRPr lang="en-GB"/>
+        </a:p>
+      </dgm:t>
+    </dgm:pt>
+    <dgm:pt modelId="{6D5733CF-0670-4581-86CA-A15CFB9CB1BF}" type="sibTrans" cxnId="{820B851B-A628-4049-AB82-5082A880CDD2}">
+      <dgm:prSet/>
+      <dgm:spPr/>
+      <dgm:t>
+        <a:bodyPr/>
+        <a:lstStyle/>
+        <a:p>
+          <a:endParaRPr lang="en-GB"/>
+        </a:p>
+      </dgm:t>
+    </dgm:pt>
+    <dgm:pt modelId="{ACC8F211-9AE3-49B2-8F7E-76E7AE78BE4D}">
+      <dgm:prSet phldrT="[Text]" custT="1"/>
+      <dgm:spPr/>
+      <dgm:t>
+        <a:bodyPr anchor="t"/>
+        <a:lstStyle/>
+        <a:p>
+          <a:pPr>
+            <a:spcBef>
+              <a:spcPts val="1200"/>
+            </a:spcBef>
+            <a:spcAft>
+              <a:spcPts val="3000"/>
+            </a:spcAft>
+          </a:pPr>
+          <a:r>
+            <a:rPr lang="cs-CZ" sz="1600" dirty="0" err="1">
+              <a:solidFill>
+                <a:schemeClr val="tx2"/>
+              </a:solidFill>
+              <a:latin typeface="Abadi" panose="020B0604020104020204" pitchFamily="34" charset="0"/>
+            </a:rPr>
+            <a:t>Applied</a:t>
+          </a:r>
+          <a:r>
+            <a:rPr lang="cs-CZ" sz="1600" dirty="0">
+              <a:solidFill>
+                <a:schemeClr val="tx2"/>
+              </a:solidFill>
+              <a:latin typeface="Abadi" panose="020B0604020104020204" pitchFamily="34" charset="0"/>
+            </a:rPr>
+            <a:t> </a:t>
+          </a:r>
+          <a:r>
+            <a:rPr lang="cs-CZ" sz="1600" dirty="0" err="1">
+              <a:solidFill>
+                <a:schemeClr val="tx2"/>
+              </a:solidFill>
+              <a:latin typeface="Abadi" panose="020B0604020104020204" pitchFamily="34" charset="0"/>
+            </a:rPr>
+            <a:t>multiple</a:t>
+          </a:r>
+          <a:r>
+            <a:rPr lang="cs-CZ" sz="1600" dirty="0">
+              <a:solidFill>
+                <a:schemeClr val="tx2"/>
+              </a:solidFill>
+              <a:latin typeface="Abadi" panose="020B0604020104020204" pitchFamily="34" charset="0"/>
+            </a:rPr>
+            <a:t> </a:t>
+          </a:r>
+          <a:r>
+            <a:rPr lang="cs-CZ" sz="1600" dirty="0" err="1">
+              <a:solidFill>
+                <a:schemeClr val="tx2"/>
+              </a:solidFill>
+              <a:latin typeface="Abadi" panose="020B0604020104020204" pitchFamily="34" charset="0"/>
+            </a:rPr>
+            <a:t>linear</a:t>
+          </a:r>
+          <a:r>
+            <a:rPr lang="cs-CZ" sz="1600" dirty="0">
+              <a:solidFill>
+                <a:schemeClr val="tx2"/>
+              </a:solidFill>
+              <a:latin typeface="Abadi" panose="020B0604020104020204" pitchFamily="34" charset="0"/>
+            </a:rPr>
+            <a:t> </a:t>
+          </a:r>
+          <a:r>
+            <a:rPr lang="cs-CZ" sz="1600" dirty="0" err="1">
+              <a:solidFill>
+                <a:schemeClr val="tx2"/>
+              </a:solidFill>
+              <a:latin typeface="Abadi" panose="020B0604020104020204" pitchFamily="34" charset="0"/>
+            </a:rPr>
+            <a:t>regression</a:t>
+          </a:r>
+          <a:endParaRPr lang="en-GB" sz="1600" dirty="0">
+            <a:solidFill>
+              <a:schemeClr val="tx2"/>
+            </a:solidFill>
+            <a:latin typeface="Abadi" panose="020B0604020104020204" pitchFamily="34" charset="0"/>
+          </a:endParaRPr>
+        </a:p>
+      </dgm:t>
+    </dgm:pt>
+    <dgm:pt modelId="{F561E6C0-7607-45B6-8278-97743B9FF086}" type="parTrans" cxnId="{8CCCAD31-217D-4E78-A00D-B66E82CB9808}">
+      <dgm:prSet/>
+      <dgm:spPr/>
+      <dgm:t>
+        <a:bodyPr/>
+        <a:lstStyle/>
+        <a:p>
+          <a:endParaRPr lang="en-GB"/>
+        </a:p>
+      </dgm:t>
+    </dgm:pt>
+    <dgm:pt modelId="{89C826CF-E1A8-4035-A0DD-054AAEF567E0}" type="sibTrans" cxnId="{8CCCAD31-217D-4E78-A00D-B66E82CB9808}">
+      <dgm:prSet/>
+      <dgm:spPr/>
+      <dgm:t>
+        <a:bodyPr/>
+        <a:lstStyle/>
+        <a:p>
+          <a:endParaRPr lang="en-GB"/>
+        </a:p>
+      </dgm:t>
+    </dgm:pt>
+    <dgm:pt modelId="{14034DE8-67BD-4C7F-A26D-98F7E70F559A}">
+      <dgm:prSet phldrT="[Text]" custT="1"/>
+      <dgm:spPr/>
+      <dgm:t>
+        <a:bodyPr anchor="t"/>
+        <a:lstStyle/>
+        <a:p>
+          <a:pPr>
+            <a:spcBef>
+              <a:spcPts val="1200"/>
+            </a:spcBef>
+            <a:spcAft>
+              <a:spcPts val="3000"/>
+            </a:spcAft>
+          </a:pPr>
+          <a:r>
+            <a:rPr lang="cs-CZ" sz="1600" dirty="0" err="1">
+              <a:solidFill>
+                <a:schemeClr val="tx2"/>
+              </a:solidFill>
+              <a:latin typeface="Abadi" panose="020B0604020104020204" pitchFamily="34" charset="0"/>
+            </a:rPr>
+            <a:t>Proposed</a:t>
+          </a:r>
+          <a:r>
+            <a:rPr lang="cs-CZ" sz="1600" dirty="0">
+              <a:solidFill>
+                <a:schemeClr val="tx2"/>
+              </a:solidFill>
+              <a:latin typeface="Abadi" panose="020B0604020104020204" pitchFamily="34" charset="0"/>
+            </a:rPr>
+            <a:t> a </a:t>
+          </a:r>
+          <a:r>
+            <a:rPr lang="cs-CZ" sz="1600" dirty="0" err="1">
+              <a:solidFill>
+                <a:schemeClr val="tx2"/>
+              </a:solidFill>
+              <a:latin typeface="Abadi" panose="020B0604020104020204" pitchFamily="34" charset="0"/>
+            </a:rPr>
+            <a:t>solution</a:t>
+          </a:r>
+          <a:endParaRPr lang="en-GB" sz="1600" dirty="0">
+            <a:solidFill>
+              <a:schemeClr val="tx2"/>
+            </a:solidFill>
+            <a:latin typeface="Abadi" panose="020B0604020104020204" pitchFamily="34" charset="0"/>
+          </a:endParaRPr>
+        </a:p>
+      </dgm:t>
+    </dgm:pt>
+    <dgm:pt modelId="{913EC79F-EE9A-45CF-8BD3-A8E6F8DF9E2B}" type="parTrans" cxnId="{9E0E1FD8-3DBB-4545-87A2-E7C559CC2B27}">
+      <dgm:prSet/>
+      <dgm:spPr/>
+      <dgm:t>
+        <a:bodyPr/>
+        <a:lstStyle/>
+        <a:p>
+          <a:endParaRPr lang="en-GB"/>
+        </a:p>
+      </dgm:t>
+    </dgm:pt>
+    <dgm:pt modelId="{2A9B5CF9-415D-47B4-ACFA-46FA382655C0}" type="sibTrans" cxnId="{9E0E1FD8-3DBB-4545-87A2-E7C559CC2B27}">
+      <dgm:prSet/>
+      <dgm:spPr/>
+      <dgm:t>
+        <a:bodyPr/>
+        <a:lstStyle/>
+        <a:p>
+          <a:endParaRPr lang="en-GB"/>
+        </a:p>
+      </dgm:t>
+    </dgm:pt>
+    <dgm:pt modelId="{EA5748C9-A467-4E44-AF88-4704D6F0579B}" type="pres">
+      <dgm:prSet presAssocID="{C0B4C5D2-FAAD-432D-AC68-072A45EE387E}" presName="Name0" presStyleCnt="0">
+        <dgm:presLayoutVars>
+          <dgm:dir/>
+          <dgm:animLvl val="lvl"/>
+          <dgm:resizeHandles val="exact"/>
+        </dgm:presLayoutVars>
+      </dgm:prSet>
+      <dgm:spPr/>
+    </dgm:pt>
+    <dgm:pt modelId="{28AAFC4C-BB82-4D97-9F2A-CF6163808872}" type="pres">
+      <dgm:prSet presAssocID="{7E30CB08-D131-4515-8C14-5FC63B5E3762}" presName="compositeNode" presStyleCnt="0">
+        <dgm:presLayoutVars>
+          <dgm:bulletEnabled val="1"/>
+        </dgm:presLayoutVars>
+      </dgm:prSet>
+      <dgm:spPr/>
+    </dgm:pt>
+    <dgm:pt modelId="{0DC61CE7-44A9-4196-B82C-F4387D6521F5}" type="pres">
+      <dgm:prSet presAssocID="{7E30CB08-D131-4515-8C14-5FC63B5E3762}" presName="bgRect" presStyleLbl="node1" presStyleIdx="0" presStyleCnt="3" custLinFactNeighborX="-298" custLinFactNeighborY="248"/>
+      <dgm:spPr/>
+    </dgm:pt>
+    <dgm:pt modelId="{E6F156A3-98BC-47D8-8968-BD8907CFEF61}" type="pres">
+      <dgm:prSet presAssocID="{7E30CB08-D131-4515-8C14-5FC63B5E3762}" presName="parentNode" presStyleLbl="node1" presStyleIdx="0" presStyleCnt="3">
+        <dgm:presLayoutVars>
+          <dgm:chMax val="0"/>
+          <dgm:bulletEnabled val="1"/>
+        </dgm:presLayoutVars>
+      </dgm:prSet>
+      <dgm:spPr/>
+    </dgm:pt>
+    <dgm:pt modelId="{BEDB7DC2-A51E-454A-86ED-AC0D3CCEFEBB}" type="pres">
+      <dgm:prSet presAssocID="{7E30CB08-D131-4515-8C14-5FC63B5E3762}" presName="childNode" presStyleLbl="node1" presStyleIdx="0" presStyleCnt="3">
+        <dgm:presLayoutVars>
+          <dgm:bulletEnabled val="1"/>
+        </dgm:presLayoutVars>
+      </dgm:prSet>
+      <dgm:spPr/>
+    </dgm:pt>
+    <dgm:pt modelId="{984EE893-5D4E-4099-9547-71E656ADF043}" type="pres">
+      <dgm:prSet presAssocID="{AA8A5A93-5555-4A5C-8884-ECF69A6069DB}" presName="hSp" presStyleCnt="0"/>
+      <dgm:spPr/>
+    </dgm:pt>
+    <dgm:pt modelId="{6875FD49-18D9-4CBC-9988-ACC355558890}" type="pres">
+      <dgm:prSet presAssocID="{AA8A5A93-5555-4A5C-8884-ECF69A6069DB}" presName="vProcSp" presStyleCnt="0"/>
+      <dgm:spPr/>
+    </dgm:pt>
+    <dgm:pt modelId="{4315EDAB-9A59-466F-9CDE-CDD95C58CDEB}" type="pres">
+      <dgm:prSet presAssocID="{AA8A5A93-5555-4A5C-8884-ECF69A6069DB}" presName="vSp1" presStyleCnt="0"/>
+      <dgm:spPr/>
+    </dgm:pt>
+    <dgm:pt modelId="{BC6240D7-87B9-4BA7-AC14-9B695F4FF593}" type="pres">
+      <dgm:prSet presAssocID="{AA8A5A93-5555-4A5C-8884-ECF69A6069DB}" presName="simulatedConn" presStyleLbl="solidFgAcc1" presStyleIdx="0" presStyleCnt="2"/>
+      <dgm:spPr>
+        <a:ln>
+          <a:solidFill>
+            <a:schemeClr val="accent2">
+              <a:lumMod val="20000"/>
+              <a:lumOff val="80000"/>
+            </a:schemeClr>
+          </a:solidFill>
+        </a:ln>
+      </dgm:spPr>
+    </dgm:pt>
+    <dgm:pt modelId="{A6F6B900-956F-4BDC-86ED-9CDA07D11FBF}" type="pres">
+      <dgm:prSet presAssocID="{AA8A5A93-5555-4A5C-8884-ECF69A6069DB}" presName="vSp2" presStyleCnt="0"/>
+      <dgm:spPr/>
+    </dgm:pt>
+    <dgm:pt modelId="{B23BFD79-5FA9-4412-BD3D-A6C4027B425D}" type="pres">
+      <dgm:prSet presAssocID="{AA8A5A93-5555-4A5C-8884-ECF69A6069DB}" presName="sibTrans" presStyleCnt="0"/>
+      <dgm:spPr/>
+    </dgm:pt>
+    <dgm:pt modelId="{C71731E7-B5CA-4688-8F80-04CDB797EC68}" type="pres">
+      <dgm:prSet presAssocID="{CBFD7954-C59E-4B78-8B62-F9FB36CCE1E6}" presName="compositeNode" presStyleCnt="0">
+        <dgm:presLayoutVars>
+          <dgm:bulletEnabled val="1"/>
+        </dgm:presLayoutVars>
+      </dgm:prSet>
+      <dgm:spPr/>
+    </dgm:pt>
+    <dgm:pt modelId="{3272C335-4B3B-4498-B698-5DBD13DB8871}" type="pres">
+      <dgm:prSet presAssocID="{CBFD7954-C59E-4B78-8B62-F9FB36CCE1E6}" presName="bgRect" presStyleLbl="node1" presStyleIdx="1" presStyleCnt="3"/>
+      <dgm:spPr/>
+    </dgm:pt>
+    <dgm:pt modelId="{BBE3AF33-C653-44A8-B798-B65D95A12400}" type="pres">
+      <dgm:prSet presAssocID="{CBFD7954-C59E-4B78-8B62-F9FB36CCE1E6}" presName="parentNode" presStyleLbl="node1" presStyleIdx="1" presStyleCnt="3">
+        <dgm:presLayoutVars>
+          <dgm:chMax val="0"/>
+          <dgm:bulletEnabled val="1"/>
+        </dgm:presLayoutVars>
+      </dgm:prSet>
+      <dgm:spPr/>
+    </dgm:pt>
+    <dgm:pt modelId="{77F50EBF-2EDB-4E79-AD3F-D1DFC8B155C2}" type="pres">
+      <dgm:prSet presAssocID="{CBFD7954-C59E-4B78-8B62-F9FB36CCE1E6}" presName="childNode" presStyleLbl="node1" presStyleIdx="1" presStyleCnt="3">
+        <dgm:presLayoutVars>
+          <dgm:bulletEnabled val="1"/>
+        </dgm:presLayoutVars>
+      </dgm:prSet>
+      <dgm:spPr/>
+    </dgm:pt>
+    <dgm:pt modelId="{5C10E4AF-84CB-4577-B190-D292139259E0}" type="pres">
+      <dgm:prSet presAssocID="{89C1D431-9A5C-498F-BEB9-3C0BE7704A16}" presName="hSp" presStyleCnt="0"/>
+      <dgm:spPr/>
+    </dgm:pt>
+    <dgm:pt modelId="{11355E1E-6166-45F1-9548-C3BF140093A0}" type="pres">
+      <dgm:prSet presAssocID="{89C1D431-9A5C-498F-BEB9-3C0BE7704A16}" presName="vProcSp" presStyleCnt="0"/>
+      <dgm:spPr/>
+    </dgm:pt>
+    <dgm:pt modelId="{09532EB5-F0FB-4639-8B46-601D97073D5B}" type="pres">
+      <dgm:prSet presAssocID="{89C1D431-9A5C-498F-BEB9-3C0BE7704A16}" presName="vSp1" presStyleCnt="0"/>
+      <dgm:spPr/>
+    </dgm:pt>
+    <dgm:pt modelId="{6CA7FD63-06CC-41CA-B473-BA22D545EB1B}" type="pres">
+      <dgm:prSet presAssocID="{89C1D431-9A5C-498F-BEB9-3C0BE7704A16}" presName="simulatedConn" presStyleLbl="solidFgAcc1" presStyleIdx="1" presStyleCnt="2"/>
+      <dgm:spPr>
+        <a:solidFill>
+          <a:schemeClr val="bg1"/>
+        </a:solidFill>
+        <a:ln>
+          <a:solidFill>
+            <a:srgbClr val="F9EBDB"/>
+          </a:solidFill>
+        </a:ln>
+      </dgm:spPr>
+    </dgm:pt>
+    <dgm:pt modelId="{FEBE2EB3-B8F9-43F9-BD6F-D4E8D9C1D1CF}" type="pres">
+      <dgm:prSet presAssocID="{89C1D431-9A5C-498F-BEB9-3C0BE7704A16}" presName="vSp2" presStyleCnt="0"/>
+      <dgm:spPr/>
+    </dgm:pt>
+    <dgm:pt modelId="{3D5BB4C8-F83F-4E0B-AA68-7785CC4A1551}" type="pres">
+      <dgm:prSet presAssocID="{89C1D431-9A5C-498F-BEB9-3C0BE7704A16}" presName="sibTrans" presStyleCnt="0"/>
+      <dgm:spPr/>
+    </dgm:pt>
+    <dgm:pt modelId="{A774AAB5-B1FB-40CD-95C9-55FD7E97F697}" type="pres">
+      <dgm:prSet presAssocID="{517892ED-65D3-4BC6-9F9B-24B04FBBF807}" presName="compositeNode" presStyleCnt="0">
+        <dgm:presLayoutVars>
+          <dgm:bulletEnabled val="1"/>
+        </dgm:presLayoutVars>
+      </dgm:prSet>
+      <dgm:spPr/>
+    </dgm:pt>
+    <dgm:pt modelId="{EBEFF2E1-3AE4-4A9F-9BE3-79EA4CED136F}" type="pres">
+      <dgm:prSet presAssocID="{517892ED-65D3-4BC6-9F9B-24B04FBBF807}" presName="bgRect" presStyleLbl="node1" presStyleIdx="2" presStyleCnt="3"/>
+      <dgm:spPr/>
+    </dgm:pt>
+    <dgm:pt modelId="{4FF77B70-AE53-42B6-881C-37B7073A11FD}" type="pres">
+      <dgm:prSet presAssocID="{517892ED-65D3-4BC6-9F9B-24B04FBBF807}" presName="parentNode" presStyleLbl="node1" presStyleIdx="2" presStyleCnt="3">
+        <dgm:presLayoutVars>
+          <dgm:chMax val="0"/>
+          <dgm:bulletEnabled val="1"/>
+        </dgm:presLayoutVars>
+      </dgm:prSet>
+      <dgm:spPr/>
+    </dgm:pt>
+    <dgm:pt modelId="{4D223CCF-29D0-47CE-B48A-A54F1B359E6A}" type="pres">
+      <dgm:prSet presAssocID="{517892ED-65D3-4BC6-9F9B-24B04FBBF807}" presName="childNode" presStyleLbl="node1" presStyleIdx="2" presStyleCnt="3">
+        <dgm:presLayoutVars>
+          <dgm:bulletEnabled val="1"/>
+        </dgm:presLayoutVars>
+      </dgm:prSet>
+      <dgm:spPr/>
+    </dgm:pt>
+  </dgm:ptLst>
+  <dgm:cxnLst>
+    <dgm:cxn modelId="{C8766F0B-C6E4-42A2-B8A2-55CC8343A77A}" srcId="{C0B4C5D2-FAAD-432D-AC68-072A45EE387E}" destId="{517892ED-65D3-4BC6-9F9B-24B04FBBF807}" srcOrd="2" destOrd="0" parTransId="{FB27FF3E-58D0-4E1C-B61C-21DE8CD23AE8}" sibTransId="{893AE9FA-961E-4D64-982E-8047C25157C0}"/>
+    <dgm:cxn modelId="{820B851B-A628-4049-AB82-5082A880CDD2}" srcId="{CBFD7954-C59E-4B78-8B62-F9FB36CCE1E6}" destId="{6461308B-D481-4247-8838-B6B1FF3FE9FF}" srcOrd="1" destOrd="0" parTransId="{6837FC1A-41D9-4A6F-AAF0-F88260A9A285}" sibTransId="{6D5733CF-0670-4581-86CA-A15CFB9CB1BF}"/>
+    <dgm:cxn modelId="{AC6EEE21-E279-4EC9-AC2F-F84ACCEB1704}" srcId="{C0B4C5D2-FAAD-432D-AC68-072A45EE387E}" destId="{7E30CB08-D131-4515-8C14-5FC63B5E3762}" srcOrd="0" destOrd="0" parTransId="{D402CE80-F0E5-4B54-A7A2-978DFA87127C}" sibTransId="{AA8A5A93-5555-4A5C-8884-ECF69A6069DB}"/>
+    <dgm:cxn modelId="{728F3724-06E4-44E6-B034-917C572618BA}" srcId="{C0B4C5D2-FAAD-432D-AC68-072A45EE387E}" destId="{CBFD7954-C59E-4B78-8B62-F9FB36CCE1E6}" srcOrd="1" destOrd="0" parTransId="{39815685-7B79-41CD-8394-C69FC0F0D181}" sibTransId="{89C1D431-9A5C-498F-BEB9-3C0BE7704A16}"/>
+    <dgm:cxn modelId="{567E1327-7DE7-44DB-915D-F104949C5094}" type="presOf" srcId="{14034DE8-67BD-4C7F-A26D-98F7E70F559A}" destId="{77F50EBF-2EDB-4E79-AD3F-D1DFC8B155C2}" srcOrd="0" destOrd="3" presId="urn:microsoft.com/office/officeart/2005/8/layout/hProcess7"/>
+    <dgm:cxn modelId="{7714CB28-1B60-428A-8017-973DEC5B2EBA}" type="presOf" srcId="{7E30CB08-D131-4515-8C14-5FC63B5E3762}" destId="{E6F156A3-98BC-47D8-8968-BD8907CFEF61}" srcOrd="1" destOrd="0" presId="urn:microsoft.com/office/officeart/2005/8/layout/hProcess7"/>
+    <dgm:cxn modelId="{B77D8E2A-28DC-461A-AB30-69DEF3E5145B}" srcId="{517892ED-65D3-4BC6-9F9B-24B04FBBF807}" destId="{4F4E25A8-4001-4CB6-A8CD-28053AA3ACFF}" srcOrd="0" destOrd="0" parTransId="{0F89F458-6161-4623-8621-554C32B1C7A3}" sibTransId="{A2B5FBD6-C9B7-4574-BFC7-CAC3D7A771EC}"/>
+    <dgm:cxn modelId="{8CCCAD31-217D-4E78-A00D-B66E82CB9808}" srcId="{CBFD7954-C59E-4B78-8B62-F9FB36CCE1E6}" destId="{ACC8F211-9AE3-49B2-8F7E-76E7AE78BE4D}" srcOrd="2" destOrd="0" parTransId="{F561E6C0-7607-45B6-8278-97743B9FF086}" sibTransId="{89C826CF-E1A8-4035-A0DD-054AAEF567E0}"/>
+    <dgm:cxn modelId="{5E4ADE40-4EB5-4E70-A3BC-0469DB2DAE96}" type="presOf" srcId="{9F2A3EF5-1B39-47BF-B40C-9482AB88FDCD}" destId="{BEDB7DC2-A51E-454A-86ED-AC0D3CCEFEBB}" srcOrd="0" destOrd="1" presId="urn:microsoft.com/office/officeart/2005/8/layout/hProcess7"/>
+    <dgm:cxn modelId="{83E65265-FF33-4D46-9C76-BF5796A385B7}" srcId="{7E30CB08-D131-4515-8C14-5FC63B5E3762}" destId="{9F2A3EF5-1B39-47BF-B40C-9482AB88FDCD}" srcOrd="1" destOrd="0" parTransId="{5B478A29-9200-4637-8A7C-99C5B76B0D11}" sibTransId="{F13B7709-0014-437D-9443-70022F81A240}"/>
+    <dgm:cxn modelId="{7A88DA47-BE26-4A39-934E-21A455D9FC2E}" type="presOf" srcId="{C0B4C5D2-FAAD-432D-AC68-072A45EE387E}" destId="{EA5748C9-A467-4E44-AF88-4704D6F0579B}" srcOrd="0" destOrd="0" presId="urn:microsoft.com/office/officeart/2005/8/layout/hProcess7"/>
+    <dgm:cxn modelId="{10DEDB47-6345-432D-8E36-905599C776F4}" type="presOf" srcId="{CBFD7954-C59E-4B78-8B62-F9FB36CCE1E6}" destId="{BBE3AF33-C653-44A8-B798-B65D95A12400}" srcOrd="1" destOrd="0" presId="urn:microsoft.com/office/officeart/2005/8/layout/hProcess7"/>
+    <dgm:cxn modelId="{2D318B70-8828-4C1B-B7A3-CBBDA1DD8EC5}" type="presOf" srcId="{CBFD7954-C59E-4B78-8B62-F9FB36CCE1E6}" destId="{3272C335-4B3B-4498-B698-5DBD13DB8871}" srcOrd="0" destOrd="0" presId="urn:microsoft.com/office/officeart/2005/8/layout/hProcess7"/>
+    <dgm:cxn modelId="{EE30C250-9A4F-408F-AC3F-46484BD229B1}" type="presOf" srcId="{ACC8F211-9AE3-49B2-8F7E-76E7AE78BE4D}" destId="{77F50EBF-2EDB-4E79-AD3F-D1DFC8B155C2}" srcOrd="0" destOrd="2" presId="urn:microsoft.com/office/officeart/2005/8/layout/hProcess7"/>
+    <dgm:cxn modelId="{257E1771-9AB5-4688-9662-57523C01DED8}" type="presOf" srcId="{6461308B-D481-4247-8838-B6B1FF3FE9FF}" destId="{77F50EBF-2EDB-4E79-AD3F-D1DFC8B155C2}" srcOrd="0" destOrd="1" presId="urn:microsoft.com/office/officeart/2005/8/layout/hProcess7"/>
+    <dgm:cxn modelId="{7C9F3F54-241F-449F-9065-311730AEAB5E}" type="presOf" srcId="{517892ED-65D3-4BC6-9F9B-24B04FBBF807}" destId="{EBEFF2E1-3AE4-4A9F-9BE3-79EA4CED136F}" srcOrd="0" destOrd="0" presId="urn:microsoft.com/office/officeart/2005/8/layout/hProcess7"/>
+    <dgm:cxn modelId="{8249A454-04FB-45DF-95A5-34951DB1C712}" type="presOf" srcId="{517892ED-65D3-4BC6-9F9B-24B04FBBF807}" destId="{4FF77B70-AE53-42B6-881C-37B7073A11FD}" srcOrd="1" destOrd="0" presId="urn:microsoft.com/office/officeart/2005/8/layout/hProcess7"/>
+    <dgm:cxn modelId="{543AD277-BD3E-4C5D-9A09-16896803B243}" srcId="{CBFD7954-C59E-4B78-8B62-F9FB36CCE1E6}" destId="{AF857801-9194-4B56-BBBD-773C3285A883}" srcOrd="0" destOrd="0" parTransId="{0DBE93ED-77AB-4E03-BB90-5DF158888660}" sibTransId="{6CE61E70-1298-4225-899F-3D033B70CAF1}"/>
+    <dgm:cxn modelId="{A0AF4A90-1585-4C90-A34F-85785589684C}" type="presOf" srcId="{56412C34-0ED7-4840-86F7-F7519B493A88}" destId="{BEDB7DC2-A51E-454A-86ED-AC0D3CCEFEBB}" srcOrd="0" destOrd="0" presId="urn:microsoft.com/office/officeart/2005/8/layout/hProcess7"/>
+    <dgm:cxn modelId="{A567049F-1E3D-4D80-86C5-C5B8C5465299}" type="presOf" srcId="{DC13B347-5443-4AFA-B4F6-23C0EE2CD1DA}" destId="{BEDB7DC2-A51E-454A-86ED-AC0D3CCEFEBB}" srcOrd="0" destOrd="2" presId="urn:microsoft.com/office/officeart/2005/8/layout/hProcess7"/>
+    <dgm:cxn modelId="{46FE67D2-C607-4A4F-8D73-0541AF5896B9}" type="presOf" srcId="{7E30CB08-D131-4515-8C14-5FC63B5E3762}" destId="{0DC61CE7-44A9-4196-B82C-F4387D6521F5}" srcOrd="0" destOrd="0" presId="urn:microsoft.com/office/officeart/2005/8/layout/hProcess7"/>
+    <dgm:cxn modelId="{9E0E1FD8-3DBB-4545-87A2-E7C559CC2B27}" srcId="{CBFD7954-C59E-4B78-8B62-F9FB36CCE1E6}" destId="{14034DE8-67BD-4C7F-A26D-98F7E70F559A}" srcOrd="3" destOrd="0" parTransId="{913EC79F-EE9A-45CF-8BD3-A8E6F8DF9E2B}" sibTransId="{2A9B5CF9-415D-47B4-ACFA-46FA382655C0}"/>
+    <dgm:cxn modelId="{82B73AEB-A186-401B-A036-F7D0ABBFA1D5}" type="presOf" srcId="{4F4E25A8-4001-4CB6-A8CD-28053AA3ACFF}" destId="{4D223CCF-29D0-47CE-B48A-A54F1B359E6A}" srcOrd="0" destOrd="0" presId="urn:microsoft.com/office/officeart/2005/8/layout/hProcess7"/>
+    <dgm:cxn modelId="{45B465EF-0DB7-4E24-9DBF-AECBAFBF02BB}" srcId="{7E30CB08-D131-4515-8C14-5FC63B5E3762}" destId="{DC13B347-5443-4AFA-B4F6-23C0EE2CD1DA}" srcOrd="2" destOrd="0" parTransId="{A2D50FF0-4E88-4011-8AA4-88085697B050}" sibTransId="{8BF6887B-CC1B-4455-9DD4-C5DFDD36FBDD}"/>
+    <dgm:cxn modelId="{8848D9F3-25CC-477B-B82B-5E1775FF9CB1}" type="presOf" srcId="{AF857801-9194-4B56-BBBD-773C3285A883}" destId="{77F50EBF-2EDB-4E79-AD3F-D1DFC8B155C2}" srcOrd="0" destOrd="0" presId="urn:microsoft.com/office/officeart/2005/8/layout/hProcess7"/>
+    <dgm:cxn modelId="{387CCDFF-0DA5-4418-8673-90CC63D3C3DA}" srcId="{7E30CB08-D131-4515-8C14-5FC63B5E3762}" destId="{56412C34-0ED7-4840-86F7-F7519B493A88}" srcOrd="0" destOrd="0" parTransId="{18642BE1-A04B-4BE1-953F-2F66F0CE6516}" sibTransId="{B2D513C6-4DA1-411C-AC68-8A76691EF075}"/>
+    <dgm:cxn modelId="{018BB516-D5FD-4094-AD3F-26B1E487F436}" type="presParOf" srcId="{EA5748C9-A467-4E44-AF88-4704D6F0579B}" destId="{28AAFC4C-BB82-4D97-9F2A-CF6163808872}" srcOrd="0" destOrd="0" presId="urn:microsoft.com/office/officeart/2005/8/layout/hProcess7"/>
+    <dgm:cxn modelId="{6B86E803-8E26-4D07-960F-89FC493D8362}" type="presParOf" srcId="{28AAFC4C-BB82-4D97-9F2A-CF6163808872}" destId="{0DC61CE7-44A9-4196-B82C-F4387D6521F5}" srcOrd="0" destOrd="0" presId="urn:microsoft.com/office/officeart/2005/8/layout/hProcess7"/>
+    <dgm:cxn modelId="{D977E8A1-5194-4799-961D-474E9868176C}" type="presParOf" srcId="{28AAFC4C-BB82-4D97-9F2A-CF6163808872}" destId="{E6F156A3-98BC-47D8-8968-BD8907CFEF61}" srcOrd="1" destOrd="0" presId="urn:microsoft.com/office/officeart/2005/8/layout/hProcess7"/>
+    <dgm:cxn modelId="{56949FA3-645E-4E32-9703-08B83E6EBAF8}" type="presParOf" srcId="{28AAFC4C-BB82-4D97-9F2A-CF6163808872}" destId="{BEDB7DC2-A51E-454A-86ED-AC0D3CCEFEBB}" srcOrd="2" destOrd="0" presId="urn:microsoft.com/office/officeart/2005/8/layout/hProcess7"/>
+    <dgm:cxn modelId="{70A3D7DC-E980-439A-AC65-888BDF8BDA0A}" type="presParOf" srcId="{EA5748C9-A467-4E44-AF88-4704D6F0579B}" destId="{984EE893-5D4E-4099-9547-71E656ADF043}" srcOrd="1" destOrd="0" presId="urn:microsoft.com/office/officeart/2005/8/layout/hProcess7"/>
+    <dgm:cxn modelId="{AA4DDFB1-93BC-4693-99FE-AC465729D8D7}" type="presParOf" srcId="{EA5748C9-A467-4E44-AF88-4704D6F0579B}" destId="{6875FD49-18D9-4CBC-9988-ACC355558890}" srcOrd="2" destOrd="0" presId="urn:microsoft.com/office/officeart/2005/8/layout/hProcess7"/>
+    <dgm:cxn modelId="{2D07082D-D705-4586-9B36-63355E9A165A}" type="presParOf" srcId="{6875FD49-18D9-4CBC-9988-ACC355558890}" destId="{4315EDAB-9A59-466F-9CDE-CDD95C58CDEB}" srcOrd="0" destOrd="0" presId="urn:microsoft.com/office/officeart/2005/8/layout/hProcess7"/>
+    <dgm:cxn modelId="{1937C891-E25C-4E9E-A417-5B60C8DC4CA8}" type="presParOf" srcId="{6875FD49-18D9-4CBC-9988-ACC355558890}" destId="{BC6240D7-87B9-4BA7-AC14-9B695F4FF593}" srcOrd="1" destOrd="0" presId="urn:microsoft.com/office/officeart/2005/8/layout/hProcess7"/>
+    <dgm:cxn modelId="{F6A670E2-4283-4B78-8833-B3E7262F7256}" type="presParOf" srcId="{6875FD49-18D9-4CBC-9988-ACC355558890}" destId="{A6F6B900-956F-4BDC-86ED-9CDA07D11FBF}" srcOrd="2" destOrd="0" presId="urn:microsoft.com/office/officeart/2005/8/layout/hProcess7"/>
+    <dgm:cxn modelId="{226612D5-CE17-450E-81E8-767FAA35A4F8}" type="presParOf" srcId="{EA5748C9-A467-4E44-AF88-4704D6F0579B}" destId="{B23BFD79-5FA9-4412-BD3D-A6C4027B425D}" srcOrd="3" destOrd="0" presId="urn:microsoft.com/office/officeart/2005/8/layout/hProcess7"/>
+    <dgm:cxn modelId="{46C0EAB5-1B3D-46CA-A91D-B18D5056B2A8}" type="presParOf" srcId="{EA5748C9-A467-4E44-AF88-4704D6F0579B}" destId="{C71731E7-B5CA-4688-8F80-04CDB797EC68}" srcOrd="4" destOrd="0" presId="urn:microsoft.com/office/officeart/2005/8/layout/hProcess7"/>
+    <dgm:cxn modelId="{25BE52C6-9E1C-45DB-9F34-F048D66B4930}" type="presParOf" srcId="{C71731E7-B5CA-4688-8F80-04CDB797EC68}" destId="{3272C335-4B3B-4498-B698-5DBD13DB8871}" srcOrd="0" destOrd="0" presId="urn:microsoft.com/office/officeart/2005/8/layout/hProcess7"/>
+    <dgm:cxn modelId="{4FDFEB76-CA05-4AA8-8DF1-0E14A2FB618C}" type="presParOf" srcId="{C71731E7-B5CA-4688-8F80-04CDB797EC68}" destId="{BBE3AF33-C653-44A8-B798-B65D95A12400}" srcOrd="1" destOrd="0" presId="urn:microsoft.com/office/officeart/2005/8/layout/hProcess7"/>
+    <dgm:cxn modelId="{93AF9AF3-CF6E-4FED-84F7-8DE303AF6A87}" type="presParOf" srcId="{C71731E7-B5CA-4688-8F80-04CDB797EC68}" destId="{77F50EBF-2EDB-4E79-AD3F-D1DFC8B155C2}" srcOrd="2" destOrd="0" presId="urn:microsoft.com/office/officeart/2005/8/layout/hProcess7"/>
+    <dgm:cxn modelId="{B16A5A0B-3DE7-488D-A775-96BA71DF29D1}" type="presParOf" srcId="{EA5748C9-A467-4E44-AF88-4704D6F0579B}" destId="{5C10E4AF-84CB-4577-B190-D292139259E0}" srcOrd="5" destOrd="0" presId="urn:microsoft.com/office/officeart/2005/8/layout/hProcess7"/>
+    <dgm:cxn modelId="{9834EFD3-D886-472C-924A-1E7BF8F4E22C}" type="presParOf" srcId="{EA5748C9-A467-4E44-AF88-4704D6F0579B}" destId="{11355E1E-6166-45F1-9548-C3BF140093A0}" srcOrd="6" destOrd="0" presId="urn:microsoft.com/office/officeart/2005/8/layout/hProcess7"/>
+    <dgm:cxn modelId="{539F460B-2FD4-4E56-A73C-E03C1C5B0E10}" type="presParOf" srcId="{11355E1E-6166-45F1-9548-C3BF140093A0}" destId="{09532EB5-F0FB-4639-8B46-601D97073D5B}" srcOrd="0" destOrd="0" presId="urn:microsoft.com/office/officeart/2005/8/layout/hProcess7"/>
+    <dgm:cxn modelId="{53216DEE-C038-4FA2-B9C9-B21B3143CB02}" type="presParOf" srcId="{11355E1E-6166-45F1-9548-C3BF140093A0}" destId="{6CA7FD63-06CC-41CA-B473-BA22D545EB1B}" srcOrd="1" destOrd="0" presId="urn:microsoft.com/office/officeart/2005/8/layout/hProcess7"/>
+    <dgm:cxn modelId="{2BF334E6-B6C8-4D9D-8071-02E78C4CF056}" type="presParOf" srcId="{11355E1E-6166-45F1-9548-C3BF140093A0}" destId="{FEBE2EB3-B8F9-43F9-BD6F-D4E8D9C1D1CF}" srcOrd="2" destOrd="0" presId="urn:microsoft.com/office/officeart/2005/8/layout/hProcess7"/>
+    <dgm:cxn modelId="{F16190AB-842B-400D-B72D-90FBDB8EDB2B}" type="presParOf" srcId="{EA5748C9-A467-4E44-AF88-4704D6F0579B}" destId="{3D5BB4C8-F83F-4E0B-AA68-7785CC4A1551}" srcOrd="7" destOrd="0" presId="urn:microsoft.com/office/officeart/2005/8/layout/hProcess7"/>
+    <dgm:cxn modelId="{6E047934-F524-4BE4-87D8-81695F9AFA16}" type="presParOf" srcId="{EA5748C9-A467-4E44-AF88-4704D6F0579B}" destId="{A774AAB5-B1FB-40CD-95C9-55FD7E97F697}" srcOrd="8" destOrd="0" presId="urn:microsoft.com/office/officeart/2005/8/layout/hProcess7"/>
+    <dgm:cxn modelId="{AAF20033-0D9C-4BA6-93F9-D01892FAFDDF}" type="presParOf" srcId="{A774AAB5-B1FB-40CD-95C9-55FD7E97F697}" destId="{EBEFF2E1-3AE4-4A9F-9BE3-79EA4CED136F}" srcOrd="0" destOrd="0" presId="urn:microsoft.com/office/officeart/2005/8/layout/hProcess7"/>
+    <dgm:cxn modelId="{D0E1B416-A652-4E44-87DA-F4350232897C}" type="presParOf" srcId="{A774AAB5-B1FB-40CD-95C9-55FD7E97F697}" destId="{4FF77B70-AE53-42B6-881C-37B7073A11FD}" srcOrd="1" destOrd="0" presId="urn:microsoft.com/office/officeart/2005/8/layout/hProcess7"/>
+    <dgm:cxn modelId="{5BB75F1E-D712-401C-9DA1-2C1C3AED535D}" type="presParOf" srcId="{A774AAB5-B1FB-40CD-95C9-55FD7E97F697}" destId="{4D223CCF-29D0-47CE-B48A-A54F1B359E6A}" srcOrd="2" destOrd="0" presId="urn:microsoft.com/office/officeart/2005/8/layout/hProcess7"/>
+  </dgm:cxnLst>
+  <dgm:bg/>
+  <dgm:whole/>
+  <dgm:extLst>
+    <a:ext uri="http://schemas.microsoft.com/office/drawing/2008/diagram">
+      <dsp:dataModelExt xmlns:dsp="http://schemas.microsoft.com/office/drawing/2008/diagram" relId="rId10" minVer="http://schemas.openxmlformats.org/drawingml/2006/diagram"/>
+    </a:ext>
+    <a:ext uri="{C62137D5-CB1D-491B-B009-E17868A290BF}">
+      <dgm14:recolorImg xmlns:dgm14="http://schemas.microsoft.com/office/drawing/2010/diagram" val="1"/>
+    </a:ext>
+  </dgm:extLst>
+</dgm:dataModel>
+</file>
+
+<file path=ppt/diagrams/drawing1.xml><?xml version="1.0" encoding="utf-8"?>
+<dsp:drawing xmlns:dgm="http://schemas.openxmlformats.org/drawingml/2006/diagram" xmlns:dsp="http://schemas.microsoft.com/office/drawing/2008/diagram" xmlns:a="http://schemas.openxmlformats.org/drawingml/2006/main">
+  <dsp:spTree>
+    <dsp:nvGrpSpPr>
+      <dsp:cNvPr id="0" name=""/>
+      <dsp:cNvGrpSpPr/>
+    </dsp:nvGrpSpPr>
+    <dsp:grpSpPr/>
+    <dsp:sp modelId="{0DC61CE7-44A9-4196-B82C-F4387D6521F5}">
+      <dsp:nvSpPr>
+        <dsp:cNvPr id="0" name=""/>
+        <dsp:cNvSpPr/>
+      </dsp:nvSpPr>
+      <dsp:spPr>
+        <a:xfrm>
+          <a:off x="0" y="573860"/>
+          <a:ext cx="3576862" cy="4292235"/>
+        </a:xfrm>
+        <a:prstGeom prst="roundRect">
+          <a:avLst>
+            <a:gd name="adj" fmla="val 5000"/>
+          </a:avLst>
+        </a:prstGeom>
+        <a:solidFill>
+          <a:srgbClr val="F9F9DF"/>
+        </a:solidFill>
+        <a:ln w="12700" cap="flat" cmpd="sng" algn="ctr">
+          <a:solidFill>
+            <a:schemeClr val="lt1">
+              <a:hueOff val="0"/>
+              <a:satOff val="0"/>
+              <a:lumOff val="0"/>
+              <a:alphaOff val="0"/>
+            </a:schemeClr>
+          </a:solidFill>
+          <a:prstDash val="solid"/>
+          <a:miter lim="800000"/>
+        </a:ln>
+        <a:effectLst/>
+      </dsp:spPr>
+      <dsp:style>
+        <a:lnRef idx="2">
+          <a:scrgbClr r="0" g="0" b="0"/>
+        </a:lnRef>
+        <a:fillRef idx="1">
+          <a:scrgbClr r="0" g="0" b="0"/>
+        </a:fillRef>
+        <a:effectRef idx="0">
+          <a:scrgbClr r="0" g="0" b="0"/>
+        </a:effectRef>
+        <a:fontRef idx="minor">
+          <a:schemeClr val="lt1"/>
+        </a:fontRef>
+      </dsp:style>
+      <dsp:txBody>
+        <a:bodyPr spcFirstLastPara="0" vert="horz" wrap="square" lIns="0" tIns="109728" rIns="142240" bIns="0" numCol="1" spcCol="1270" anchor="t" anchorCtr="0">
+          <a:noAutofit/>
+        </a:bodyPr>
+        <a:lstStyle/>
+        <a:p>
+          <a:pPr marL="0" lvl="0" indent="0" algn="r" defTabSz="1422400">
+            <a:lnSpc>
+              <a:spcPct val="90000"/>
+            </a:lnSpc>
+            <a:spcBef>
+              <a:spcPct val="0"/>
+            </a:spcBef>
+            <a:spcAft>
+              <a:spcPct val="35000"/>
+            </a:spcAft>
+            <a:buNone/>
+          </a:pPr>
+          <a:r>
+            <a:rPr lang="en-GB" sz="3200" kern="1200" dirty="0">
+              <a:solidFill>
+                <a:schemeClr val="tx2"/>
+              </a:solidFill>
+              <a:latin typeface="Abadi" panose="020B0604020104020204" pitchFamily="34" charset="0"/>
+            </a:rPr>
+            <a:t>PROBLEM</a:t>
+          </a:r>
+        </a:p>
+      </dsp:txBody>
+      <dsp:txXfrm rot="16200000">
+        <a:off x="-1402130" y="1975990"/>
+        <a:ext cx="3519632" cy="715372"/>
+      </dsp:txXfrm>
+    </dsp:sp>
+    <dsp:sp modelId="{BEDB7DC2-A51E-454A-86ED-AC0D3CCEFEBB}">
+      <dsp:nvSpPr>
+        <dsp:cNvPr id="0" name=""/>
+        <dsp:cNvSpPr/>
+      </dsp:nvSpPr>
+      <dsp:spPr>
+        <a:xfrm>
+          <a:off x="715372" y="573860"/>
+          <a:ext cx="2664762" cy="4292235"/>
+        </a:xfrm>
+        <a:prstGeom prst="rect">
+          <a:avLst/>
+        </a:prstGeom>
+        <a:noFill/>
+        <a:ln w="12700" cap="flat" cmpd="sng" algn="ctr">
+          <a:noFill/>
+          <a:prstDash val="solid"/>
+          <a:miter lim="800000"/>
+        </a:ln>
+        <a:effectLst/>
+        <a:sp3d/>
+      </dsp:spPr>
+      <dsp:style>
+        <a:lnRef idx="2">
+          <a:scrgbClr r="0" g="0" b="0"/>
+        </a:lnRef>
+        <a:fillRef idx="1">
+          <a:scrgbClr r="0" g="0" b="0"/>
+        </a:fillRef>
+        <a:effectRef idx="0">
+          <a:scrgbClr r="0" g="0" b="0"/>
+        </a:effectRef>
+        <a:fontRef idx="minor">
+          <a:schemeClr val="lt1"/>
+        </a:fontRef>
+      </dsp:style>
+      <dsp:txBody>
+        <a:bodyPr spcFirstLastPara="0" vert="horz" wrap="square" lIns="0" tIns="3429" rIns="0" bIns="0" numCol="1" spcCol="1270" anchor="t" anchorCtr="0">
+          <a:noAutofit/>
+        </a:bodyPr>
+        <a:lstStyle/>
+        <a:p>
+          <a:pPr marL="0" lvl="0" indent="0" algn="l" defTabSz="44450">
+            <a:lnSpc>
+              <a:spcPct val="100000"/>
+            </a:lnSpc>
+            <a:spcBef>
+              <a:spcPct val="0"/>
+            </a:spcBef>
+            <a:spcAft>
+              <a:spcPts val="3000"/>
+            </a:spcAft>
+            <a:buNone/>
+          </a:pPr>
+          <a:endParaRPr lang="cs-CZ" sz="100" b="0" kern="1200" dirty="0">
+            <a:solidFill>
+              <a:schemeClr val="tx2"/>
+            </a:solidFill>
+            <a:effectLst/>
+            <a:latin typeface="Abadi" panose="020B0604020104020204" pitchFamily="34" charset="0"/>
+            <a:ea typeface="Calibri" panose="020F0502020204030204" pitchFamily="34" charset="0"/>
+          </a:endParaRPr>
+        </a:p>
+        <a:p>
+          <a:pPr marL="0" lvl="0" indent="0" algn="l" defTabSz="44450">
+            <a:lnSpc>
+              <a:spcPct val="100000"/>
+            </a:lnSpc>
+            <a:spcBef>
+              <a:spcPct val="0"/>
+            </a:spcBef>
+            <a:spcAft>
+              <a:spcPts val="3000"/>
+            </a:spcAft>
+            <a:buNone/>
+          </a:pPr>
+          <a:r>
+            <a:rPr lang="en-US" sz="1600" b="0" kern="1200" dirty="0">
+              <a:solidFill>
+                <a:schemeClr val="tx2"/>
+              </a:solidFill>
+              <a:effectLst/>
+              <a:latin typeface="Abadi" panose="020B0604020104020204" pitchFamily="34" charset="0"/>
+              <a:ea typeface="Calibri" panose="020F0502020204030204" pitchFamily="34" charset="0"/>
+            </a:rPr>
+            <a:t>The Lidl purchasing group wants to expand our candy offering. The idea is to create a brand-new product.</a:t>
+          </a:r>
+          <a:endParaRPr lang="en-GB" sz="1600" b="0" kern="1200" dirty="0">
+            <a:solidFill>
+              <a:schemeClr val="tx2"/>
+            </a:solidFill>
+            <a:latin typeface="Abadi" panose="020B0604020104020204" pitchFamily="34" charset="0"/>
+          </a:endParaRPr>
+        </a:p>
+        <a:p>
+          <a:pPr marL="0" lvl="0" indent="0" algn="just" defTabSz="711200">
+            <a:lnSpc>
+              <a:spcPct val="100000"/>
+            </a:lnSpc>
+            <a:spcBef>
+              <a:spcPct val="0"/>
+            </a:spcBef>
+            <a:spcAft>
+              <a:spcPts val="3000"/>
+            </a:spcAft>
+            <a:buNone/>
+          </a:pPr>
+          <a:r>
+            <a:rPr lang="en-US" sz="1600" b="0" kern="1200" dirty="0">
+              <a:solidFill>
+                <a:schemeClr val="tx2"/>
+              </a:solidFill>
+              <a:effectLst/>
+              <a:latin typeface="Abadi" panose="020B0604020104020204" pitchFamily="34" charset="0"/>
+              <a:ea typeface="Calibri" panose="020F0502020204030204" pitchFamily="34" charset="0"/>
+            </a:rPr>
+            <a:t>The market research data are available, and a data</a:t>
+          </a:r>
+          <a:r>
+            <a:rPr lang="cs-CZ" sz="1600" b="0" kern="1200" dirty="0">
+              <a:solidFill>
+                <a:schemeClr val="tx2"/>
+              </a:solidFill>
+              <a:effectLst/>
+              <a:latin typeface="Abadi" panose="020B0604020104020204" pitchFamily="34" charset="0"/>
+              <a:ea typeface="Calibri" panose="020F0502020204030204" pitchFamily="34" charset="0"/>
+            </a:rPr>
+            <a:t>-</a:t>
+          </a:r>
+          <a:r>
+            <a:rPr lang="en-US" sz="1600" b="0" kern="1200" dirty="0">
+              <a:solidFill>
+                <a:schemeClr val="tx2"/>
+              </a:solidFill>
+              <a:effectLst/>
+              <a:latin typeface="Abadi" panose="020B0604020104020204" pitchFamily="34" charset="0"/>
+              <a:ea typeface="Calibri" panose="020F0502020204030204" pitchFamily="34" charset="0"/>
+            </a:rPr>
+            <a:t>driven approach is required.</a:t>
+          </a:r>
+          <a:endParaRPr lang="en-GB" sz="1600" b="0" kern="1200" dirty="0">
+            <a:solidFill>
+              <a:schemeClr val="tx2"/>
+            </a:solidFill>
+            <a:latin typeface="Abadi" panose="020B0604020104020204" pitchFamily="34" charset="0"/>
+          </a:endParaRPr>
+        </a:p>
+        <a:p>
+          <a:pPr marL="0" lvl="0" indent="0" algn="just" defTabSz="711200">
+            <a:lnSpc>
+              <a:spcPct val="100000"/>
+            </a:lnSpc>
+            <a:spcBef>
+              <a:spcPct val="0"/>
+            </a:spcBef>
+            <a:spcAft>
+              <a:spcPts val="3000"/>
+            </a:spcAft>
+            <a:buNone/>
+          </a:pPr>
+          <a:r>
+            <a:rPr lang="en-GB" sz="1600" b="0" kern="1200" dirty="0">
+              <a:solidFill>
+                <a:schemeClr val="tx2"/>
+              </a:solidFill>
+              <a:latin typeface="Abadi" panose="020B0604020104020204" pitchFamily="34" charset="0"/>
+            </a:rPr>
+            <a:t>The task is to </a:t>
+          </a:r>
+          <a:r>
+            <a:rPr lang="en-GB" sz="1600" b="1" kern="1200" dirty="0">
+              <a:solidFill>
+                <a:schemeClr val="tx2"/>
+              </a:solidFill>
+              <a:latin typeface="Abadi" panose="020B0604020104020204" pitchFamily="34" charset="0"/>
+            </a:rPr>
+            <a:t>present a recommendation of new candy </a:t>
+          </a:r>
+          <a:r>
+            <a:rPr lang="en-GB" sz="1600" b="0" kern="1200" dirty="0">
+              <a:solidFill>
+                <a:schemeClr val="tx2"/>
+              </a:solidFill>
+              <a:latin typeface="Abadi" panose="020B0604020104020204" pitchFamily="34" charset="0"/>
+            </a:rPr>
+            <a:t>product, which is driven from the data </a:t>
+          </a:r>
+          <a:r>
+            <a:rPr lang="cs-CZ" sz="1600" b="0" kern="1200" dirty="0">
+              <a:solidFill>
+                <a:schemeClr val="tx2"/>
+              </a:solidFill>
+              <a:latin typeface="Abadi" panose="020B0604020104020204" pitchFamily="34" charset="0"/>
+            </a:rPr>
+            <a:t>as a </a:t>
+          </a:r>
+          <a:r>
+            <a:rPr lang="cs-CZ" sz="1600" b="1" kern="1200" dirty="0" err="1">
+              <a:solidFill>
+                <a:schemeClr val="tx2"/>
+              </a:solidFill>
+              <a:latin typeface="Abadi" panose="020B0604020104020204" pitchFamily="34" charset="0"/>
+            </a:rPr>
+            <a:t>statistical</a:t>
+          </a:r>
+          <a:r>
+            <a:rPr lang="cs-CZ" sz="1600" b="1" kern="1200" dirty="0">
+              <a:solidFill>
+                <a:schemeClr val="tx2"/>
+              </a:solidFill>
+              <a:latin typeface="Abadi" panose="020B0604020104020204" pitchFamily="34" charset="0"/>
+            </a:rPr>
+            <a:t> </a:t>
+          </a:r>
+          <a:r>
+            <a:rPr lang="cs-CZ" sz="1600" b="1" kern="1200" dirty="0" err="1">
+              <a:solidFill>
+                <a:schemeClr val="tx2"/>
+              </a:solidFill>
+              <a:latin typeface="Abadi" panose="020B0604020104020204" pitchFamily="34" charset="0"/>
+            </a:rPr>
+            <a:t>solution</a:t>
+          </a:r>
+          <a:r>
+            <a:rPr lang="cs-CZ" sz="1600" b="1" kern="1200" dirty="0">
+              <a:solidFill>
+                <a:schemeClr val="tx2"/>
+              </a:solidFill>
+              <a:latin typeface="Abadi" panose="020B0604020104020204" pitchFamily="34" charset="0"/>
+            </a:rPr>
+            <a:t>.</a:t>
+          </a:r>
+          <a:endParaRPr lang="en-GB" sz="1600" b="1" kern="1200" dirty="0">
+            <a:solidFill>
+              <a:schemeClr val="tx2"/>
+            </a:solidFill>
+            <a:latin typeface="Abadi" panose="020B0604020104020204" pitchFamily="34" charset="0"/>
+          </a:endParaRPr>
+        </a:p>
+      </dsp:txBody>
+      <dsp:txXfrm>
+        <a:off x="715372" y="573860"/>
+        <a:ext cx="2664762" cy="4292235"/>
+      </dsp:txXfrm>
+    </dsp:sp>
+    <dsp:sp modelId="{3272C335-4B3B-4498-B698-5DBD13DB8871}">
+      <dsp:nvSpPr>
+        <dsp:cNvPr id="0" name=""/>
+        <dsp:cNvSpPr/>
+      </dsp:nvSpPr>
+      <dsp:spPr>
+        <a:xfrm>
+          <a:off x="3702884" y="563215"/>
+          <a:ext cx="3576862" cy="4292235"/>
+        </a:xfrm>
+        <a:prstGeom prst="roundRect">
+          <a:avLst>
+            <a:gd name="adj" fmla="val 5000"/>
+          </a:avLst>
+        </a:prstGeom>
+        <a:solidFill>
+          <a:srgbClr val="FBFBE9"/>
+        </a:solidFill>
+        <a:ln w="12700" cap="flat" cmpd="sng" algn="ctr">
+          <a:solidFill>
+            <a:srgbClr val="F9F9DF"/>
+          </a:solidFill>
+          <a:prstDash val="solid"/>
+          <a:miter lim="800000"/>
+        </a:ln>
+        <a:effectLst/>
+      </dsp:spPr>
+      <dsp:style>
+        <a:lnRef idx="2">
+          <a:scrgbClr r="0" g="0" b="0"/>
+        </a:lnRef>
+        <a:fillRef idx="1">
+          <a:scrgbClr r="0" g="0" b="0"/>
+        </a:fillRef>
+        <a:effectRef idx="0">
+          <a:scrgbClr r="0" g="0" b="0"/>
+        </a:effectRef>
+        <a:fontRef idx="minor">
+          <a:schemeClr val="lt1"/>
+        </a:fontRef>
+      </dsp:style>
+      <dsp:txBody>
+        <a:bodyPr spcFirstLastPara="0" vert="horz" wrap="square" lIns="0" tIns="109728" rIns="142240" bIns="0" numCol="1" spcCol="1270" anchor="t" anchorCtr="0">
+          <a:noAutofit/>
+        </a:bodyPr>
+        <a:lstStyle/>
+        <a:p>
+          <a:pPr marL="0" lvl="0" indent="0" algn="r" defTabSz="1422400">
+            <a:lnSpc>
+              <a:spcPct val="90000"/>
+            </a:lnSpc>
+            <a:spcBef>
+              <a:spcPct val="0"/>
+            </a:spcBef>
+            <a:spcAft>
+              <a:spcPct val="35000"/>
+            </a:spcAft>
+            <a:buNone/>
+          </a:pPr>
+          <a:r>
+            <a:rPr lang="en-GB" sz="3200" kern="1200" dirty="0">
+              <a:solidFill>
+                <a:schemeClr val="tx2"/>
+              </a:solidFill>
+              <a:latin typeface="Abadi" panose="020B0604020104020204" pitchFamily="34" charset="0"/>
+            </a:rPr>
+            <a:t>SOLUTION</a:t>
+          </a:r>
+        </a:p>
+      </dsp:txBody>
+      <dsp:txXfrm rot="16200000">
+        <a:off x="2300753" y="1965346"/>
+        <a:ext cx="3519632" cy="715372"/>
+      </dsp:txXfrm>
+    </dsp:sp>
+    <dsp:sp modelId="{BC6240D7-87B9-4BA7-AC14-9B695F4FF593}">
+      <dsp:nvSpPr>
+        <dsp:cNvPr id="0" name=""/>
+        <dsp:cNvSpPr/>
+      </dsp:nvSpPr>
+      <dsp:spPr>
+        <a:xfrm rot="5400000">
+          <a:off x="3405417" y="3974042"/>
+          <a:ext cx="630701" cy="536529"/>
+        </a:xfrm>
+        <a:prstGeom prst="flowChartExtract">
+          <a:avLst/>
+        </a:prstGeom>
+        <a:solidFill>
+          <a:schemeClr val="lt1">
+            <a:hueOff val="0"/>
+            <a:satOff val="0"/>
+            <a:lumOff val="0"/>
+            <a:alphaOff val="0"/>
+          </a:schemeClr>
+        </a:solidFill>
+        <a:ln w="12700" cap="flat" cmpd="sng" algn="ctr">
+          <a:solidFill>
+            <a:schemeClr val="accent2">
+              <a:lumMod val="20000"/>
+              <a:lumOff val="80000"/>
+            </a:schemeClr>
+          </a:solidFill>
+          <a:prstDash val="solid"/>
+          <a:miter lim="800000"/>
+        </a:ln>
+        <a:effectLst/>
+      </dsp:spPr>
+      <dsp:style>
+        <a:lnRef idx="2">
+          <a:scrgbClr r="0" g="0" b="0"/>
+        </a:lnRef>
+        <a:fillRef idx="1">
+          <a:scrgbClr r="0" g="0" b="0"/>
+        </a:fillRef>
+        <a:effectRef idx="0">
+          <a:scrgbClr r="0" g="0" b="0"/>
+        </a:effectRef>
+        <a:fontRef idx="minor"/>
+      </dsp:style>
+    </dsp:sp>
+    <dsp:sp modelId="{77F50EBF-2EDB-4E79-AD3F-D1DFC8B155C2}">
+      <dsp:nvSpPr>
+        <dsp:cNvPr id="0" name=""/>
+        <dsp:cNvSpPr/>
+      </dsp:nvSpPr>
+      <dsp:spPr>
+        <a:xfrm>
+          <a:off x="4418256" y="563215"/>
+          <a:ext cx="2664762" cy="4292235"/>
+        </a:xfrm>
+        <a:prstGeom prst="rect">
+          <a:avLst/>
+        </a:prstGeom>
+        <a:noFill/>
+        <a:ln w="12700" cap="flat" cmpd="sng" algn="ctr">
+          <a:noFill/>
+          <a:prstDash val="solid"/>
+          <a:miter lim="800000"/>
+        </a:ln>
+        <a:effectLst/>
+        <a:sp3d/>
+      </dsp:spPr>
+      <dsp:style>
+        <a:lnRef idx="2">
+          <a:scrgbClr r="0" g="0" b="0"/>
+        </a:lnRef>
+        <a:fillRef idx="1">
+          <a:scrgbClr r="0" g="0" b="0"/>
+        </a:fillRef>
+        <a:effectRef idx="0">
+          <a:scrgbClr r="0" g="0" b="0"/>
+        </a:effectRef>
+        <a:fontRef idx="minor">
+          <a:schemeClr val="lt1"/>
+        </a:fontRef>
+      </dsp:style>
+      <dsp:txBody>
+        <a:bodyPr spcFirstLastPara="0" vert="horz" wrap="square" lIns="0" tIns="3429" rIns="0" bIns="0" numCol="1" spcCol="1270" anchor="t" anchorCtr="0">
+          <a:noAutofit/>
+        </a:bodyPr>
+        <a:lstStyle/>
+        <a:p>
+          <a:pPr marL="0" lvl="0" indent="0" algn="l" defTabSz="44450">
+            <a:lnSpc>
+              <a:spcPct val="90000"/>
+            </a:lnSpc>
+            <a:spcBef>
+              <a:spcPct val="0"/>
+            </a:spcBef>
+            <a:spcAft>
+              <a:spcPts val="3000"/>
+            </a:spcAft>
+            <a:buNone/>
+          </a:pPr>
+          <a:endParaRPr lang="cs-CZ" sz="100" kern="1200" dirty="0">
+            <a:solidFill>
+              <a:schemeClr val="tx2"/>
+            </a:solidFill>
+            <a:latin typeface="Abadi" panose="020B0604020104020204" pitchFamily="34" charset="0"/>
+          </a:endParaRPr>
+        </a:p>
+        <a:p>
+          <a:pPr marL="0" lvl="0" indent="0" algn="l" defTabSz="44450">
+            <a:lnSpc>
+              <a:spcPct val="90000"/>
+            </a:lnSpc>
+            <a:spcBef>
+              <a:spcPct val="0"/>
+            </a:spcBef>
+            <a:spcAft>
+              <a:spcPts val="3000"/>
+            </a:spcAft>
+            <a:buNone/>
+          </a:pPr>
+          <a:r>
+            <a:rPr lang="cs-CZ" sz="1600" kern="1200" dirty="0">
+              <a:solidFill>
+                <a:schemeClr val="tx2"/>
+              </a:solidFill>
+              <a:latin typeface="Abadi" panose="020B0604020104020204" pitchFamily="34" charset="0"/>
+            </a:rPr>
+            <a:t>Data </a:t>
+          </a:r>
+          <a:r>
+            <a:rPr lang="cs-CZ" sz="1600" kern="1200" dirty="0" err="1">
+              <a:solidFill>
+                <a:schemeClr val="tx2"/>
+              </a:solidFill>
+              <a:latin typeface="Abadi" panose="020B0604020104020204" pitchFamily="34" charset="0"/>
+            </a:rPr>
+            <a:t>explanation</a:t>
+          </a:r>
+          <a:r>
+            <a:rPr lang="cs-CZ" sz="1600" kern="1200" dirty="0">
+              <a:solidFill>
+                <a:schemeClr val="tx2"/>
+              </a:solidFill>
+              <a:latin typeface="Abadi" panose="020B0604020104020204" pitchFamily="34" charset="0"/>
+            </a:rPr>
+            <a:t> via </a:t>
+          </a:r>
+          <a:r>
+            <a:rPr lang="cs-CZ" sz="1600" kern="1200" dirty="0" err="1">
+              <a:solidFill>
+                <a:schemeClr val="tx2"/>
+              </a:solidFill>
+              <a:latin typeface="Abadi" panose="020B0604020104020204" pitchFamily="34" charset="0"/>
+            </a:rPr>
+            <a:t>descriptive</a:t>
+          </a:r>
+          <a:r>
+            <a:rPr lang="cs-CZ" sz="1600" kern="1200" dirty="0">
+              <a:solidFill>
+                <a:schemeClr val="tx2"/>
+              </a:solidFill>
+              <a:latin typeface="Abadi" panose="020B0604020104020204" pitchFamily="34" charset="0"/>
+            </a:rPr>
+            <a:t> </a:t>
+          </a:r>
+          <a:r>
+            <a:rPr lang="cs-CZ" sz="1600" kern="1200" dirty="0" err="1">
+              <a:solidFill>
+                <a:schemeClr val="tx2"/>
+              </a:solidFill>
+              <a:latin typeface="Abadi" panose="020B0604020104020204" pitchFamily="34" charset="0"/>
+            </a:rPr>
+            <a:t>statistics</a:t>
+          </a:r>
+          <a:endParaRPr lang="en-GB" sz="1600" kern="1200" dirty="0">
+            <a:solidFill>
+              <a:schemeClr val="tx2"/>
+            </a:solidFill>
+            <a:latin typeface="Abadi" panose="020B0604020104020204" pitchFamily="34" charset="0"/>
+          </a:endParaRPr>
+        </a:p>
+        <a:p>
+          <a:pPr marL="0" lvl="0" indent="0" algn="l" defTabSz="711200">
+            <a:lnSpc>
+              <a:spcPct val="90000"/>
+            </a:lnSpc>
+            <a:spcBef>
+              <a:spcPct val="0"/>
+            </a:spcBef>
+            <a:spcAft>
+              <a:spcPts val="3000"/>
+            </a:spcAft>
+            <a:buNone/>
+          </a:pPr>
+          <a:r>
+            <a:rPr lang="cs-CZ" sz="1600" kern="1200" dirty="0" err="1">
+              <a:solidFill>
+                <a:schemeClr val="tx2"/>
+              </a:solidFill>
+              <a:latin typeface="Abadi" panose="020B0604020104020204" pitchFamily="34" charset="0"/>
+            </a:rPr>
+            <a:t>Designed</a:t>
+          </a:r>
+          <a:r>
+            <a:rPr lang="cs-CZ" sz="1600" kern="1200" dirty="0">
+              <a:solidFill>
+                <a:schemeClr val="tx2"/>
+              </a:solidFill>
+              <a:latin typeface="Abadi" panose="020B0604020104020204" pitchFamily="34" charset="0"/>
+            </a:rPr>
+            <a:t> </a:t>
+          </a:r>
+          <a:r>
+            <a:rPr lang="cs-CZ" sz="1600" kern="1200" dirty="0" err="1">
+              <a:solidFill>
+                <a:schemeClr val="tx2"/>
+              </a:solidFill>
+              <a:latin typeface="Abadi" panose="020B0604020104020204" pitchFamily="34" charset="0"/>
+            </a:rPr>
+            <a:t>possible</a:t>
+          </a:r>
+          <a:r>
+            <a:rPr lang="cs-CZ" sz="1600" kern="1200" dirty="0">
+              <a:solidFill>
+                <a:schemeClr val="tx2"/>
+              </a:solidFill>
+              <a:latin typeface="Abadi" panose="020B0604020104020204" pitchFamily="34" charset="0"/>
+            </a:rPr>
+            <a:t> </a:t>
+          </a:r>
+          <a:r>
+            <a:rPr lang="cs-CZ" sz="1600" kern="1200" dirty="0" err="1">
+              <a:solidFill>
+                <a:schemeClr val="tx2"/>
+              </a:solidFill>
+              <a:latin typeface="Abadi" panose="020B0604020104020204" pitchFamily="34" charset="0"/>
+            </a:rPr>
+            <a:t>approaches</a:t>
+          </a:r>
+          <a:r>
+            <a:rPr lang="cs-CZ" sz="1600" kern="1200" dirty="0">
+              <a:solidFill>
+                <a:schemeClr val="tx2"/>
+              </a:solidFill>
+              <a:latin typeface="Abadi" panose="020B0604020104020204" pitchFamily="34" charset="0"/>
+            </a:rPr>
+            <a:t> and </a:t>
+          </a:r>
+          <a:r>
+            <a:rPr lang="cs-CZ" sz="1600" kern="1200" dirty="0" err="1">
+              <a:solidFill>
+                <a:schemeClr val="tx2"/>
+              </a:solidFill>
+              <a:latin typeface="Abadi" panose="020B0604020104020204" pitchFamily="34" charset="0"/>
+            </a:rPr>
+            <a:t>strategies</a:t>
+          </a:r>
+          <a:endParaRPr lang="en-GB" sz="1600" kern="1200" dirty="0">
+            <a:solidFill>
+              <a:schemeClr val="tx2"/>
+            </a:solidFill>
+            <a:latin typeface="Abadi" panose="020B0604020104020204" pitchFamily="34" charset="0"/>
+          </a:endParaRPr>
+        </a:p>
+        <a:p>
+          <a:pPr marL="0" lvl="0" indent="0" algn="l" defTabSz="711200">
+            <a:lnSpc>
+              <a:spcPct val="90000"/>
+            </a:lnSpc>
+            <a:spcBef>
+              <a:spcPct val="0"/>
+            </a:spcBef>
+            <a:spcAft>
+              <a:spcPts val="3000"/>
+            </a:spcAft>
+            <a:buNone/>
+          </a:pPr>
+          <a:r>
+            <a:rPr lang="cs-CZ" sz="1600" kern="1200" dirty="0" err="1">
+              <a:solidFill>
+                <a:schemeClr val="tx2"/>
+              </a:solidFill>
+              <a:latin typeface="Abadi" panose="020B0604020104020204" pitchFamily="34" charset="0"/>
+            </a:rPr>
+            <a:t>Applied</a:t>
+          </a:r>
+          <a:r>
+            <a:rPr lang="cs-CZ" sz="1600" kern="1200" dirty="0">
+              <a:solidFill>
+                <a:schemeClr val="tx2"/>
+              </a:solidFill>
+              <a:latin typeface="Abadi" panose="020B0604020104020204" pitchFamily="34" charset="0"/>
+            </a:rPr>
+            <a:t> </a:t>
+          </a:r>
+          <a:r>
+            <a:rPr lang="cs-CZ" sz="1600" kern="1200" dirty="0" err="1">
+              <a:solidFill>
+                <a:schemeClr val="tx2"/>
+              </a:solidFill>
+              <a:latin typeface="Abadi" panose="020B0604020104020204" pitchFamily="34" charset="0"/>
+            </a:rPr>
+            <a:t>multiple</a:t>
+          </a:r>
+          <a:r>
+            <a:rPr lang="cs-CZ" sz="1600" kern="1200" dirty="0">
+              <a:solidFill>
+                <a:schemeClr val="tx2"/>
+              </a:solidFill>
+              <a:latin typeface="Abadi" panose="020B0604020104020204" pitchFamily="34" charset="0"/>
+            </a:rPr>
+            <a:t> </a:t>
+          </a:r>
+          <a:r>
+            <a:rPr lang="cs-CZ" sz="1600" kern="1200" dirty="0" err="1">
+              <a:solidFill>
+                <a:schemeClr val="tx2"/>
+              </a:solidFill>
+              <a:latin typeface="Abadi" panose="020B0604020104020204" pitchFamily="34" charset="0"/>
+            </a:rPr>
+            <a:t>linear</a:t>
+          </a:r>
+          <a:r>
+            <a:rPr lang="cs-CZ" sz="1600" kern="1200" dirty="0">
+              <a:solidFill>
+                <a:schemeClr val="tx2"/>
+              </a:solidFill>
+              <a:latin typeface="Abadi" panose="020B0604020104020204" pitchFamily="34" charset="0"/>
+            </a:rPr>
+            <a:t> </a:t>
+          </a:r>
+          <a:r>
+            <a:rPr lang="cs-CZ" sz="1600" kern="1200" dirty="0" err="1">
+              <a:solidFill>
+                <a:schemeClr val="tx2"/>
+              </a:solidFill>
+              <a:latin typeface="Abadi" panose="020B0604020104020204" pitchFamily="34" charset="0"/>
+            </a:rPr>
+            <a:t>regression</a:t>
+          </a:r>
+          <a:endParaRPr lang="en-GB" sz="1600" kern="1200" dirty="0">
+            <a:solidFill>
+              <a:schemeClr val="tx2"/>
+            </a:solidFill>
+            <a:latin typeface="Abadi" panose="020B0604020104020204" pitchFamily="34" charset="0"/>
+          </a:endParaRPr>
+        </a:p>
+        <a:p>
+          <a:pPr marL="0" lvl="0" indent="0" algn="l" defTabSz="711200">
+            <a:lnSpc>
+              <a:spcPct val="90000"/>
+            </a:lnSpc>
+            <a:spcBef>
+              <a:spcPct val="0"/>
+            </a:spcBef>
+            <a:spcAft>
+              <a:spcPts val="3000"/>
+            </a:spcAft>
+            <a:buNone/>
+          </a:pPr>
+          <a:r>
+            <a:rPr lang="cs-CZ" sz="1600" kern="1200" dirty="0" err="1">
+              <a:solidFill>
+                <a:schemeClr val="tx2"/>
+              </a:solidFill>
+              <a:latin typeface="Abadi" panose="020B0604020104020204" pitchFamily="34" charset="0"/>
+            </a:rPr>
+            <a:t>Proposed</a:t>
+          </a:r>
+          <a:r>
+            <a:rPr lang="cs-CZ" sz="1600" kern="1200" dirty="0">
+              <a:solidFill>
+                <a:schemeClr val="tx2"/>
+              </a:solidFill>
+              <a:latin typeface="Abadi" panose="020B0604020104020204" pitchFamily="34" charset="0"/>
+            </a:rPr>
+            <a:t> a </a:t>
+          </a:r>
+          <a:r>
+            <a:rPr lang="cs-CZ" sz="1600" kern="1200" dirty="0" err="1">
+              <a:solidFill>
+                <a:schemeClr val="tx2"/>
+              </a:solidFill>
+              <a:latin typeface="Abadi" panose="020B0604020104020204" pitchFamily="34" charset="0"/>
+            </a:rPr>
+            <a:t>solution</a:t>
+          </a:r>
+          <a:endParaRPr lang="en-GB" sz="1600" kern="1200" dirty="0">
+            <a:solidFill>
+              <a:schemeClr val="tx2"/>
+            </a:solidFill>
+            <a:latin typeface="Abadi" panose="020B0604020104020204" pitchFamily="34" charset="0"/>
+          </a:endParaRPr>
+        </a:p>
+      </dsp:txBody>
+      <dsp:txXfrm>
+        <a:off x="4418256" y="563215"/>
+        <a:ext cx="2664762" cy="4292235"/>
+      </dsp:txXfrm>
+    </dsp:sp>
+    <dsp:sp modelId="{EBEFF2E1-3AE4-4A9F-9BE3-79EA4CED136F}">
+      <dsp:nvSpPr>
+        <dsp:cNvPr id="0" name=""/>
+        <dsp:cNvSpPr/>
+      </dsp:nvSpPr>
+      <dsp:spPr>
+        <a:xfrm>
+          <a:off x="7404937" y="563215"/>
+          <a:ext cx="3576862" cy="4292235"/>
+        </a:xfrm>
+        <a:prstGeom prst="roundRect">
+          <a:avLst>
+            <a:gd name="adj" fmla="val 5000"/>
+          </a:avLst>
+        </a:prstGeom>
+        <a:solidFill>
+          <a:srgbClr val="F9EBDB"/>
+        </a:solidFill>
+        <a:ln w="12700" cap="flat" cmpd="sng" algn="ctr">
+          <a:solidFill>
+            <a:schemeClr val="lt1">
+              <a:hueOff val="0"/>
+              <a:satOff val="0"/>
+              <a:lumOff val="0"/>
+              <a:alphaOff val="0"/>
+            </a:schemeClr>
+          </a:solidFill>
+          <a:prstDash val="solid"/>
+          <a:miter lim="800000"/>
+        </a:ln>
+        <a:effectLst/>
+      </dsp:spPr>
+      <dsp:style>
+        <a:lnRef idx="2">
+          <a:scrgbClr r="0" g="0" b="0"/>
+        </a:lnRef>
+        <a:fillRef idx="1">
+          <a:scrgbClr r="0" g="0" b="0"/>
+        </a:fillRef>
+        <a:effectRef idx="0">
+          <a:scrgbClr r="0" g="0" b="0"/>
+        </a:effectRef>
+        <a:fontRef idx="minor">
+          <a:schemeClr val="lt1"/>
+        </a:fontRef>
+      </dsp:style>
+      <dsp:txBody>
+        <a:bodyPr spcFirstLastPara="0" vert="horz" wrap="square" lIns="0" tIns="109728" rIns="142240" bIns="0" numCol="1" spcCol="1270" anchor="t" anchorCtr="0">
+          <a:noAutofit/>
+        </a:bodyPr>
+        <a:lstStyle/>
+        <a:p>
+          <a:pPr marL="0" lvl="0" indent="0" algn="r" defTabSz="1422400">
+            <a:lnSpc>
+              <a:spcPct val="90000"/>
+            </a:lnSpc>
+            <a:spcBef>
+              <a:spcPct val="0"/>
+            </a:spcBef>
+            <a:spcAft>
+              <a:spcPct val="35000"/>
+            </a:spcAft>
+            <a:buNone/>
+          </a:pPr>
+          <a:r>
+            <a:rPr lang="en-GB" sz="3200" kern="1200" dirty="0">
+              <a:solidFill>
+                <a:schemeClr val="tx2"/>
+              </a:solidFill>
+              <a:latin typeface="Abadi" panose="020B0604020104020204" pitchFamily="34" charset="0"/>
+            </a:rPr>
+            <a:t>REVIEW</a:t>
+          </a:r>
+        </a:p>
+      </dsp:txBody>
+      <dsp:txXfrm rot="16200000">
+        <a:off x="6002806" y="1965346"/>
+        <a:ext cx="3519632" cy="715372"/>
+      </dsp:txXfrm>
+    </dsp:sp>
+    <dsp:sp modelId="{6CA7FD63-06CC-41CA-B473-BA22D545EB1B}">
+      <dsp:nvSpPr>
+        <dsp:cNvPr id="0" name=""/>
+        <dsp:cNvSpPr/>
+      </dsp:nvSpPr>
+      <dsp:spPr>
+        <a:xfrm rot="5400000">
+          <a:off x="7107470" y="3974042"/>
+          <a:ext cx="630701" cy="536529"/>
+        </a:xfrm>
+        <a:prstGeom prst="flowChartExtract">
+          <a:avLst/>
+        </a:prstGeom>
+        <a:solidFill>
+          <a:schemeClr val="bg1"/>
+        </a:solidFill>
+        <a:ln w="12700" cap="flat" cmpd="sng" algn="ctr">
+          <a:solidFill>
+            <a:srgbClr val="F9EBDB"/>
+          </a:solidFill>
+          <a:prstDash val="solid"/>
+          <a:miter lim="800000"/>
+        </a:ln>
+        <a:effectLst/>
+      </dsp:spPr>
+      <dsp:style>
+        <a:lnRef idx="2">
+          <a:scrgbClr r="0" g="0" b="0"/>
+        </a:lnRef>
+        <a:fillRef idx="1">
+          <a:scrgbClr r="0" g="0" b="0"/>
+        </a:fillRef>
+        <a:effectRef idx="0">
+          <a:scrgbClr r="0" g="0" b="0"/>
+        </a:effectRef>
+        <a:fontRef idx="minor"/>
+      </dsp:style>
+    </dsp:sp>
+    <dsp:sp modelId="{4D223CCF-29D0-47CE-B48A-A54F1B359E6A}">
+      <dsp:nvSpPr>
+        <dsp:cNvPr id="0" name=""/>
+        <dsp:cNvSpPr/>
+      </dsp:nvSpPr>
+      <dsp:spPr>
+        <a:xfrm>
+          <a:off x="8120309" y="563215"/>
+          <a:ext cx="2664762" cy="4292235"/>
+        </a:xfrm>
+        <a:prstGeom prst="rect">
+          <a:avLst/>
+        </a:prstGeom>
+        <a:noFill/>
+        <a:ln w="12700" cap="flat" cmpd="sng" algn="ctr">
+          <a:noFill/>
+          <a:prstDash val="solid"/>
+          <a:miter lim="800000"/>
+        </a:ln>
+        <a:effectLst/>
+        <a:sp3d/>
+      </dsp:spPr>
+      <dsp:style>
+        <a:lnRef idx="2">
+          <a:scrgbClr r="0" g="0" b="0"/>
+        </a:lnRef>
+        <a:fillRef idx="1">
+          <a:scrgbClr r="0" g="0" b="0"/>
+        </a:fillRef>
+        <a:effectRef idx="0">
+          <a:scrgbClr r="0" g="0" b="0"/>
+        </a:effectRef>
+        <a:fontRef idx="minor">
+          <a:schemeClr val="lt1"/>
+        </a:fontRef>
+      </dsp:style>
+      <dsp:txBody>
+        <a:bodyPr spcFirstLastPara="0" vert="horz" wrap="square" lIns="0" tIns="164592" rIns="0" bIns="0" numCol="1" spcCol="1270" anchor="t" anchorCtr="0">
+          <a:noAutofit/>
+        </a:bodyPr>
+        <a:lstStyle/>
+        <a:p>
+          <a:pPr marL="0" lvl="0" indent="0" algn="l" defTabSz="2133600">
+            <a:lnSpc>
+              <a:spcPct val="90000"/>
+            </a:lnSpc>
+            <a:spcBef>
+              <a:spcPct val="0"/>
+            </a:spcBef>
+            <a:spcAft>
+              <a:spcPct val="35000"/>
+            </a:spcAft>
+            <a:buNone/>
+          </a:pPr>
+          <a:endParaRPr lang="en-GB" sz="4800" kern="1200">
+            <a:latin typeface="Abadi" panose="020B0604020104020204" pitchFamily="34" charset="0"/>
+          </a:endParaRPr>
+        </a:p>
+      </dsp:txBody>
+      <dsp:txXfrm>
+        <a:off x="8120309" y="563215"/>
+        <a:ext cx="2664762" cy="4292235"/>
+      </dsp:txXfrm>
+    </dsp:sp>
+  </dsp:spTree>
+</dsp:drawing>
+</file>
+
+<file path=ppt/diagrams/layout1.xml><?xml version="1.0" encoding="utf-8"?>
+<dgm:layoutDef xmlns:dgm="http://schemas.openxmlformats.org/drawingml/2006/diagram" xmlns:a="http://schemas.openxmlformats.org/drawingml/2006/main" uniqueId="urn:microsoft.com/office/officeart/2005/8/layout/hProcess7">
+  <dgm:title val=""/>
+  <dgm:desc val=""/>
+  <dgm:catLst>
+    <dgm:cat type="process" pri="21000"/>
+    <dgm:cat type="list" pri="9000"/>
+  </dgm:catLst>
+  <dgm:sampData>
+    <dgm:dataModel>
+      <dgm:ptLst>
+        <dgm:pt modelId="0" type="doc"/>
+        <dgm:pt modelId="1">
+          <dgm:prSet phldr="1"/>
+        </dgm:pt>
+        <dgm:pt modelId="11">
+          <dgm:prSet phldr="1"/>
+        </dgm:pt>
+        <dgm:pt modelId="2">
+          <dgm:prSet phldr="1"/>
+        </dgm:pt>
+        <dgm:pt modelId="21">
+          <dgm:prSet phldr="1"/>
+        </dgm:pt>
+        <dgm:pt modelId="3">
+          <dgm:prSet phldr="1"/>
+        </dgm:pt>
+        <dgm:pt modelId="31">
+          <dgm:prSet phldr="1"/>
+        </dgm:pt>
+      </dgm:ptLst>
+      <dgm:cxnLst>
+        <dgm:cxn modelId="4" srcId="0" destId="1" srcOrd="0" destOrd="0"/>
+        <dgm:cxn modelId="5" srcId="0" destId="2" srcOrd="1" destOrd="0"/>
+        <dgm:cxn modelId="6" srcId="0" destId="3" srcOrd="2" destOrd="0"/>
+        <dgm:cxn modelId="13" srcId="1" destId="11" srcOrd="0" destOrd="0"/>
+        <dgm:cxn modelId="23" srcId="2" destId="21" srcOrd="0" destOrd="0"/>
+        <dgm:cxn modelId="33" srcId="3" destId="31" srcOrd="0" destOrd="0"/>
+      </dgm:cxnLst>
+      <dgm:bg/>
+      <dgm:whole/>
+    </dgm:dataModel>
+  </dgm:sampData>
+  <dgm:styleData>
+    <dgm:dataModel>
+      <dgm:ptLst>
+        <dgm:pt modelId="0" type="doc"/>
+        <dgm:pt modelId="1"/>
+        <dgm:pt modelId="11"/>
+        <dgm:pt modelId="2"/>
+        <dgm:pt modelId="21"/>
+      </dgm:ptLst>
+      <dgm:cxnLst>
+        <dgm:cxn modelId="4" srcId="0" destId="1" srcOrd="0" destOrd="0"/>
+        <dgm:cxn modelId="5" srcId="0" destId="2" srcOrd="1" destOrd="0"/>
+        <dgm:cxn modelId="13" srcId="1" destId="11" srcOrd="0" destOrd="0"/>
+        <dgm:cxn modelId="23" srcId="2" destId="21" srcOrd="0" destOrd="0"/>
+      </dgm:cxnLst>
+      <dgm:bg/>
+      <dgm:whole/>
+    </dgm:dataModel>
+  </dgm:styleData>
+  <dgm:clrData>
+    <dgm:dataModel>
+      <dgm:ptLst>
+        <dgm:pt modelId="0" type="doc"/>
+        <dgm:pt modelId="1"/>
+        <dgm:pt modelId="11"/>
+        <dgm:pt modelId="2"/>
+        <dgm:pt modelId="21"/>
+        <dgm:pt modelId="3"/>
+        <dgm:pt modelId="31"/>
+        <dgm:pt modelId="4"/>
+        <dgm:pt modelId="41"/>
+      </dgm:ptLst>
+      <dgm:cxnLst>
+        <dgm:cxn modelId="5" srcId="0" destId="1" srcOrd="0" destOrd="0"/>
+        <dgm:cxn modelId="6" srcId="0" destId="2" srcOrd="1" destOrd="0"/>
+        <dgm:cxn modelId="7" srcId="0" destId="3" srcOrd="2" destOrd="0"/>
+        <dgm:cxn modelId="8" srcId="0" destId="4" srcOrd="3" destOrd="0"/>
+        <dgm:cxn modelId="13" srcId="1" destId="11" srcOrd="0" destOrd="0"/>
+        <dgm:cxn modelId="23" srcId="2" destId="21" srcOrd="0" destOrd="0"/>
+        <dgm:cxn modelId="33" srcId="3" destId="31" srcOrd="0" destOrd="0"/>
+        <dgm:cxn modelId="43" srcId="4" destId="41" srcOrd="0" destOrd="0"/>
+      </dgm:cxnLst>
+      <dgm:bg/>
+      <dgm:whole/>
+    </dgm:dataModel>
+  </dgm:clrData>
+  <dgm:layoutNode name="Name0">
+    <dgm:varLst>
+      <dgm:dir/>
+      <dgm:animLvl val="lvl"/>
+      <dgm:resizeHandles val="exact"/>
+    </dgm:varLst>
+    <dgm:choose name="Name1">
+      <dgm:if name="Name2" func="var" arg="dir" op="equ" val="norm">
+        <dgm:alg type="lin">
+          <dgm:param type="linDir" val="fromL"/>
+          <dgm:param type="nodeVertAlign" val="t"/>
+        </dgm:alg>
+      </dgm:if>
+      <dgm:else name="Name3">
+        <dgm:alg type="lin">
+          <dgm:param type="linDir" val="fromR"/>
+          <dgm:param type="nodeVertAlign" val="t"/>
+        </dgm:alg>
+      </dgm:else>
+    </dgm:choose>
+    <dgm:shape xmlns:r="http://schemas.openxmlformats.org/officeDocument/2006/relationships" r:blip="">
+      <dgm:adjLst/>
+    </dgm:shape>
+    <dgm:presOf/>
+    <dgm:constrLst>
+      <dgm:constr type="h" for="ch" forName="compositeNode" refType="h"/>
+      <dgm:constr type="w" for="ch" forName="compositeNode" refType="w"/>
+      <dgm:constr type="w" for="ch" forName="hSp" refType="w" refFor="ch" refForName="compositeNode" fact="-0.035"/>
+      <dgm:constr type="w" for="des" forName="simulatedConn" refType="w" refFor="ch" refForName="compositeNode" fact="0.15"/>
+      <dgm:constr type="h" for="des" forName="simulatedConn" refType="w" refFor="des" refForName="simulatedConn"/>
+      <dgm:constr type="h" for="des" forName="vSp1" refType="w" refFor="ch" refForName="compositeNode" fact="0.8"/>
+      <dgm:constr type="h" for="des" forName="vSp2" refType="w" refFor="ch" refForName="compositeNode" fact="0.07"/>
+      <dgm:constr type="w" for="ch" forName="vProcSp" refType="w" refFor="des" refForName="simulatedConn" op="equ"/>
+      <dgm:constr type="h" for="ch" forName="vProcSp" refType="h" refFor="ch" refForName="compositeNode" op="equ"/>
+      <dgm:constr type="w" for="ch" forName="sibTrans" refType="w" refFor="ch" refForName="compositeNode" fact="-0.08"/>
+      <dgm:constr type="primFontSz" for="des" forName="parentNode" op="equ"/>
+      <dgm:constr type="primFontSz" for="des" forName="childNode" op="equ"/>
+    </dgm:constrLst>
+    <dgm:ruleLst/>
+    <dgm:forEach name="Name4" axis="ch" ptType="node">
+      <dgm:layoutNode name="compositeNode">
+        <dgm:varLst>
+          <dgm:bulletEnabled val="1"/>
+        </dgm:varLst>
+        <dgm:alg type="composite"/>
+        <dgm:choose name="Name5">
+          <dgm:if name="Name6" func="var" arg="dir" op="equ" val="norm">
+            <dgm:constrLst>
+              <dgm:constr type="h" refType="w" op="lte" fact="1.2"/>
+              <dgm:constr type="w" for="ch" forName="bgRect" refType="w"/>
+              <dgm:constr type="h" for="ch" forName="bgRect" refType="h"/>
+              <dgm:constr type="t" for="ch" forName="bgRect"/>
+              <dgm:constr type="l" for="ch" forName="bgRect"/>
+              <dgm:constr type="w" for="ch" forName="parentNode" refType="w" refFor="ch" refForName="bgRect" fact="0.2"/>
+              <dgm:constr type="h" for="ch" forName="parentNode" refType="h" fact="0.82"/>
+              <dgm:constr type="t" for="ch" forName="parentNode"/>
+              <dgm:constr type="l" for="ch" forName="parentNode"/>
+              <dgm:constr type="r" for="ch" forName="childNode" refType="r" refFor="ch" refForName="bgRect" fact="0.945"/>
+              <dgm:constr type="h" for="ch" forName="childNode" refType="h" refFor="ch" refForName="bgRect" op="equ"/>
+              <dgm:constr type="t" for="ch" forName="childNode"/>
+              <dgm:constr type="l" for="ch" forName="childNode" refType="r" refFor="ch" refForName="parentNode"/>
+            </dgm:constrLst>
+          </dgm:if>
+          <dgm:else name="Name7">
+            <dgm:constrLst>
+              <dgm:constr type="h" refType="w" op="lte" fact="1.2"/>
+              <dgm:constr type="w" for="ch" forName="bgRect" refType="w"/>
+              <dgm:constr type="h" for="ch" forName="bgRect" refType="h"/>
+              <dgm:constr type="t" for="ch" forName="bgRect"/>
+              <dgm:constr type="r" for="ch" forName="bgRect" refType="w"/>
+              <dgm:constr type="w" for="ch" forName="parentNode" refType="w" refFor="ch" refForName="bgRect" fact="0.2"/>
+              <dgm:constr type="h" for="ch" forName="parentNode" refType="h" fact="0.82"/>
+              <dgm:constr type="t" for="ch" forName="parentNode"/>
+              <dgm:constr type="r" for="ch" forName="parentNode" refType="w"/>
+              <dgm:constr type="h" for="ch" forName="childNode" refType="h" refFor="ch" refForName="bgRect"/>
+              <dgm:constr type="t" for="ch" forName="childNode"/>
+              <dgm:constr type="r" for="ch" forName="childNode" refType="l" refFor="ch" refForName="parentNode"/>
+              <dgm:constr type="l" for="ch" forName="childNode" refType="w" refFor="ch" refForName="bgRect" fact="0.055"/>
+            </dgm:constrLst>
+          </dgm:else>
+        </dgm:choose>
+        <dgm:ruleLst>
+          <dgm:rule type="w" for="ch" forName="childNode" val="NaN" fact="NaN" max="30"/>
+        </dgm:ruleLst>
+        <dgm:layoutNode name="bgRect" styleLbl="node1">
+          <dgm:alg type="sp"/>
+          <dgm:shape xmlns:r="http://schemas.openxmlformats.org/officeDocument/2006/relationships" type="roundRect" r:blip="" zOrderOff="-1">
+            <dgm:adjLst>
+              <dgm:adj idx="1" val="0.05"/>
+            </dgm:adjLst>
+          </dgm:shape>
+          <dgm:presOf axis="self"/>
+          <dgm:constrLst/>
+          <dgm:ruleLst/>
+        </dgm:layoutNode>
+        <dgm:layoutNode name="parentNode" styleLbl="node1">
+          <dgm:varLst>
+            <dgm:chMax val="0"/>
+            <dgm:bulletEnabled val="1"/>
+          </dgm:varLst>
+          <dgm:presOf axis="self"/>
+          <dgm:choose name="Name8">
+            <dgm:if name="Name9" func="var" arg="dir" op="equ" val="norm">
+              <dgm:alg type="tx">
+                <dgm:param type="autoTxRot" val="grav"/>
+                <dgm:param type="txAnchorVert" val="t"/>
+                <dgm:param type="parTxLTRAlign" val="r"/>
+                <dgm:param type="parTxRTLAlign" val="r"/>
+              </dgm:alg>
+              <dgm:shape xmlns:r="http://schemas.openxmlformats.org/officeDocument/2006/relationships" rot="270" type="rect" r:blip="" hideGeom="1">
+                <dgm:adjLst/>
+              </dgm:shape>
+              <dgm:constrLst>
+                <dgm:constr type="primFontSz" val="65"/>
+                <dgm:constr type="lMarg"/>
+                <dgm:constr type="rMarg" refType="primFontSz" fact="0.35"/>
+                <dgm:constr type="tMarg" refType="primFontSz" fact="0.27"/>
+                <dgm:constr type="bMarg"/>
+              </dgm:constrLst>
+            </dgm:if>
+            <dgm:else name="Name10">
+              <dgm:alg type="tx">
+                <dgm:param type="autoTxRot" val="grav"/>
+                <dgm:param type="txAnchorVert" val="t"/>
+                <dgm:param type="parTxLTRAlign" val="l"/>
+                <dgm:param type="parTxRTLAlign" val="l"/>
+              </dgm:alg>
+              <dgm:shape xmlns:r="http://schemas.openxmlformats.org/officeDocument/2006/relationships" rot="90" type="rect" r:blip="" hideGeom="1">
+                <dgm:adjLst/>
+              </dgm:shape>
+              <dgm:constrLst>
+                <dgm:constr type="primFontSz" val="65"/>
+                <dgm:constr type="lMarg" refType="primFontSz" fact="0.35"/>
+                <dgm:constr type="rMarg"/>
+                <dgm:constr type="tMarg" refType="primFontSz" fact="0.27"/>
+                <dgm:constr type="bMarg"/>
+              </dgm:constrLst>
+            </dgm:else>
+          </dgm:choose>
+          <dgm:ruleLst>
+            <dgm:rule type="primFontSz" val="5" fact="NaN" max="NaN"/>
+          </dgm:ruleLst>
+        </dgm:layoutNode>
+        <dgm:choose name="Name11">
+          <dgm:if name="Name12" axis="ch" ptType="node" func="cnt" op="gte" val="1">
+            <dgm:layoutNode name="childNode" styleLbl="node1" moveWith="bgRect">
+              <dgm:varLst>
+                <dgm:bulletEnabled val="1"/>
+              </dgm:varLst>
+              <dgm:alg type="tx">
+                <dgm:param type="parTxLTRAlign" val="l"/>
+                <dgm:param type="parTxRTLAlign" val="r"/>
+                <dgm:param type="txAnchorVert" val="t"/>
+              </dgm:alg>
+              <dgm:shape xmlns:r="http://schemas.openxmlformats.org/officeDocument/2006/relationships" type="rect" r:blip="" hideGeom="1">
+                <dgm:adjLst/>
+              </dgm:shape>
+              <dgm:presOf axis="des" ptType="node"/>
+              <dgm:constrLst>
+                <dgm:constr type="primFontSz" val="65"/>
+                <dgm:constr type="lMarg"/>
+                <dgm:constr type="bMarg"/>
+                <dgm:constr type="tMarg" refType="primFontSz" fact="0.27"/>
+                <dgm:constr type="rMarg"/>
+              </dgm:constrLst>
+              <dgm:ruleLst>
+                <dgm:rule type="primFontSz" val="5" fact="NaN" max="NaN"/>
+              </dgm:ruleLst>
+            </dgm:layoutNode>
+          </dgm:if>
+          <dgm:else name="Name13"/>
+        </dgm:choose>
+      </dgm:layoutNode>
+      <dgm:forEach name="Name14" axis="followSib" ptType="sibTrans" cnt="1">
+        <dgm:layoutNode name="hSp">
+          <dgm:alg type="sp"/>
+          <dgm:shape xmlns:r="http://schemas.openxmlformats.org/officeDocument/2006/relationships" r:blip="">
+            <dgm:adjLst/>
+          </dgm:shape>
+          <dgm:presOf/>
+          <dgm:constrLst/>
+          <dgm:ruleLst/>
+        </dgm:layoutNode>
+        <dgm:layoutNode name="vProcSp" moveWith="bgRect">
+          <dgm:alg type="lin">
+            <dgm:param type="linDir" val="fromT"/>
+          </dgm:alg>
+          <dgm:shape xmlns:r="http://schemas.openxmlformats.org/officeDocument/2006/relationships" r:blip="">
+            <dgm:adjLst/>
+          </dgm:shape>
+          <dgm:presOf/>
+          <dgm:constrLst>
+            <dgm:constr type="w" for="ch" forName="vSp1" refType="w"/>
+            <dgm:constr type="w" for="ch" forName="simulatedConn" refType="w"/>
+            <dgm:constr type="w" for="ch" forName="vSp2" refType="w"/>
+          </dgm:constrLst>
+          <dgm:ruleLst/>
+          <dgm:layoutNode name="vSp1">
+            <dgm:alg type="sp"/>
+            <dgm:shape xmlns:r="http://schemas.openxmlformats.org/officeDocument/2006/relationships" r:blip="">
+              <dgm:adjLst/>
+            </dgm:shape>
+            <dgm:presOf/>
+            <dgm:constrLst/>
+            <dgm:ruleLst/>
+          </dgm:layoutNode>
+          <dgm:layoutNode name="simulatedConn" styleLbl="solidFgAcc1">
+            <dgm:alg type="sp"/>
+            <dgm:choose name="Name15">
+              <dgm:if name="Name16" func="var" arg="dir" op="equ" val="norm">
+                <dgm:shape xmlns:r="http://schemas.openxmlformats.org/officeDocument/2006/relationships" rot="90" type="flowChartExtract" r:blip="">
+                  <dgm:adjLst/>
+                </dgm:shape>
+              </dgm:if>
+              <dgm:else name="Name17">
+                <dgm:shape xmlns:r="http://schemas.openxmlformats.org/officeDocument/2006/relationships" rot="-90" type="flowChartExtract" r:blip="">
+                  <dgm:adjLst/>
+                </dgm:shape>
+              </dgm:else>
+            </dgm:choose>
+            <dgm:presOf/>
+            <dgm:constrLst/>
+            <dgm:ruleLst/>
+          </dgm:layoutNode>
+          <dgm:layoutNode name="vSp2">
+            <dgm:alg type="sp"/>
+            <dgm:shape xmlns:r="http://schemas.openxmlformats.org/officeDocument/2006/relationships" r:blip="">
+              <dgm:adjLst/>
+            </dgm:shape>
+            <dgm:presOf/>
+            <dgm:constrLst/>
+            <dgm:ruleLst/>
+          </dgm:layoutNode>
+        </dgm:layoutNode>
+        <dgm:layoutNode name="sibTrans">
+          <dgm:alg type="sp"/>
+          <dgm:shape xmlns:r="http://schemas.openxmlformats.org/officeDocument/2006/relationships" r:blip="">
+            <dgm:adjLst/>
+          </dgm:shape>
+          <dgm:presOf/>
+          <dgm:constrLst/>
+          <dgm:ruleLst/>
+        </dgm:layoutNode>
+      </dgm:forEach>
+    </dgm:forEach>
+  </dgm:layoutNode>
+</dgm:layoutDef>
+</file>
+
+<file path=ppt/diagrams/quickStyle1.xml><?xml version="1.0" encoding="utf-8"?>
+<dgm:styleDef xmlns:dgm="http://schemas.openxmlformats.org/drawingml/2006/diagram" xmlns:a="http://schemas.openxmlformats.org/drawingml/2006/main" uniqueId="urn:microsoft.com/office/officeart/2005/8/quickstyle/simple1">
+  <dgm:title val=""/>
+  <dgm:desc val=""/>
+  <dgm:catLst>
+    <dgm:cat type="simple" pri="10100"/>
+  </dgm:catLst>
+  <dgm:scene3d>
+    <a:camera prst="orthographicFront"/>
+    <a:lightRig rig="threePt" dir="t"/>
+  </dgm:scene3d>
+  <dgm:styleLbl name="node0">
+    <dgm:scene3d>
+      <a:camera prst="orthographicFront"/>
+      <a:lightRig rig="threePt" dir="t"/>
+    </dgm:scene3d>
+    <dgm:sp3d/>
+    <dgm:txPr/>
+    <dgm:style>
+      <a:lnRef idx="2">
+        <a:scrgbClr r="0" g="0" b="0"/>
+      </a:lnRef>
+      <a:fillRef idx="1">
+        <a:scrgbClr r="0" g="0" b="0"/>
+      </a:fillRef>
+      <a:effectRef idx="0">
+        <a:scrgbClr r="0" g="0" b="0"/>
+      </a:effectRef>
+      <a:fontRef idx="minor">
+        <a:schemeClr val="lt1"/>
+      </a:fontRef>
+    </dgm:style>
+  </dgm:styleLbl>
+  <dgm:styleLbl name="lnNode1">
+    <dgm:scene3d>
+      <a:camera prst="orthographicFront"/>
+      <a:lightRig rig="threePt" dir="t"/>
+    </dgm:scene3d>
+    <dgm:sp3d/>
+    <dgm:txPr/>
+    <dgm:style>
+      <a:lnRef idx="2">
+        <a:scrgbClr r="0" g="0" b="0"/>
+      </a:lnRef>
+      <a:fillRef idx="1">
+        <a:scrgbClr r="0" g="0" b="0"/>
+      </a:fillRef>
+      <a:effectRef idx="0">
+        <a:scrgbClr r="0" g="0" b="0"/>
+      </a:effectRef>
+      <a:fontRef idx="minor">
+        <a:schemeClr val="lt1"/>
+      </a:fontRef>
+    </dgm:style>
+  </dgm:styleLbl>
+  <dgm:styleLbl name="vennNode1">
+    <dgm:scene3d>
+      <a:camera prst="orthographicFront"/>
+      <a:lightRig rig="threePt" dir="t"/>
+    </dgm:scene3d>
+    <dgm:sp3d/>
+    <dgm:txPr/>
+    <dgm:style>
+      <a:lnRef idx="2">
+        <a:scrgbClr r="0" g="0" b="0"/>
+      </a:lnRef>
+      <a:fillRef idx="1">
+        <a:scrgbClr r="0" g="0" b="0"/>
+      </a:fillRef>
+      <a:effectRef idx="0">
+        <a:scrgbClr r="0" g="0" b="0"/>
+      </a:effectRef>
+      <a:fontRef idx="minor">
+        <a:schemeClr val="tx1"/>
+      </a:fontRef>
+    </dgm:style>
+  </dgm:styleLbl>
+  <dgm:styleLbl name="alignNode1">
+    <dgm:scene3d>
+      <a:camera prst="orthographicFront"/>
+      <a:lightRig rig="threePt" dir="t"/>
+    </dgm:scene3d>
+    <dgm:sp3d/>
+    <dgm:txPr/>
+    <dgm:style>
+      <a:lnRef idx="2">
+        <a:scrgbClr r="0" g="0" b="0"/>
+      </a:lnRef>
+      <a:fillRef idx="1">
+        <a:scrgbClr r="0" g="0" b="0"/>
+      </a:fillRef>
+      <a:effectRef idx="0">
+        <a:scrgbClr r="0" g="0" b="0"/>
+      </a:effectRef>
+      <a:fontRef idx="minor">
+        <a:schemeClr val="lt1"/>
+      </a:fontRef>
+    </dgm:style>
+  </dgm:styleLbl>
+  <dgm:styleLbl name="node1">
+    <dgm:scene3d>
+      <a:camera prst="orthographicFront"/>
+      <a:lightRig rig="threePt" dir="t"/>
+    </dgm:scene3d>
+    <dgm:sp3d/>
+    <dgm:txPr/>
+    <dgm:style>
+      <a:lnRef idx="2">
+        <a:scrgbClr r="0" g="0" b="0"/>
+      </a:lnRef>
+      <a:fillRef idx="1">
+        <a:scrgbClr r="0" g="0" b="0"/>
+      </a:fillRef>
+      <a:effectRef idx="0">
+        <a:scrgbClr r="0" g="0" b="0"/>
+      </a:effectRef>
+      <a:fontRef idx="minor">
+        <a:schemeClr val="lt1"/>
+      </a:fontRef>
+    </dgm:style>
+  </dgm:styleLbl>
+  <dgm:styleLbl name="node2">
+    <dgm:scene3d>
+      <a:camera prst="orthographicFront"/>
+      <a:lightRig rig="threePt" dir="t"/>
+    </dgm:scene3d>
+    <dgm:sp3d/>
+    <dgm:txPr/>
+    <dgm:style>
+      <a:lnRef idx="2">
+        <a:scrgbClr r="0" g="0" b="0"/>
+      </a:lnRef>
+      <a:fillRef idx="1">
+        <a:scrgbClr r="0" g="0" b="0"/>
+      </a:fillRef>
+      <a:effectRef idx="0">
+        <a:scrgbClr r="0" g="0" b="0"/>
+      </a:effectRef>
+      <a:fontRef idx="minor">
+        <a:schemeClr val="lt1"/>
+      </a:fontRef>
+    </dgm:style>
+  </dgm:styleLbl>
+  <dgm:styleLbl name="node3">
+    <dgm:scene3d>
+      <a:camera prst="orthographicFront"/>
+      <a:lightRig rig="threePt" dir="t"/>
+    </dgm:scene3d>
+    <dgm:sp3d/>
+    <dgm:txPr/>
+    <dgm:style>
+      <a:lnRef idx="2">
+        <a:scrgbClr r="0" g="0" b="0"/>
+      </a:lnRef>
+      <a:fillRef idx="1">
+        <a:scrgbClr r="0" g="0" b="0"/>
+      </a:fillRef>
+      <a:effectRef idx="0">
+        <a:scrgbClr r="0" g="0" b="0"/>
+      </a:effectRef>
+      <a:fontRef idx="minor">
+        <a:schemeClr val="lt1"/>
+      </a:fontRef>
+    </dgm:style>
+  </dgm:styleLbl>
+  <dgm:styleLbl name="node4">
+    <dgm:scene3d>
+      <a:camera prst="orthographicFront"/>
+      <a:lightRig rig="threePt" dir="t"/>
+    </dgm:scene3d>
+    <dgm:sp3d/>
+    <dgm:txPr/>
+    <dgm:style>
+      <a:lnRef idx="2">
+        <a:scrgbClr r="0" g="0" b="0"/>
+      </a:lnRef>
+      <a:fillRef idx="1">
+        <a:scrgbClr r="0" g="0" b="0"/>
+      </a:fillRef>
+      <a:effectRef idx="0">
+        <a:scrgbClr r="0" g="0" b="0"/>
+      </a:effectRef>
+      <a:fontRef idx="minor">
+        <a:schemeClr val="lt1"/>
+      </a:fontRef>
+    </dgm:style>
+  </dgm:styleLbl>
+  <dgm:styleLbl name="fgImgPlace1">
+    <dgm:scene3d>
+      <a:camera prst="orthographicFront"/>
+      <a:lightRig rig="threePt" dir="t"/>
+    </dgm:scene3d>
+    <dgm:sp3d/>
+    <dgm:txPr/>
+    <dgm:style>
+      <a:lnRef idx="2">
+        <a:scrgbClr r="0" g="0" b="0"/>
+      </a:lnRef>
+      <a:fillRef idx="1">
+        <a:scrgbClr r="0" g="0" b="0"/>
+      </a:fillRef>
+      <a:effectRef idx="0">
+        <a:scrgbClr r="0" g="0" b="0"/>
+      </a:effectRef>
+      <a:fontRef idx="minor"/>
+    </dgm:style>
+  </dgm:styleLbl>
+  <dgm:styleLbl name="alignImgPlace1">
+    <dgm:scene3d>
+      <a:camera prst="orthographicFront"/>
+      <a:lightRig rig="threePt" dir="t"/>
+    </dgm:scene3d>
+    <dgm:sp3d/>
+    <dgm:txPr/>
+    <dgm:style>
+      <a:lnRef idx="2">
+        <a:scrgbClr r="0" g="0" b="0"/>
+      </a:lnRef>
+      <a:fillRef idx="1">
+        <a:scrgbClr r="0" g="0" b="0"/>
+      </a:fillRef>
+      <a:effectRef idx="0">
+        <a:scrgbClr r="0" g="0" b="0"/>
+      </a:effectRef>
+      <a:fontRef idx="minor"/>
+    </dgm:style>
+  </dgm:styleLbl>
+  <dgm:styleLbl name="bgImgPlace1">
+    <dgm:scene3d>
+      <a:camera prst="orthographicFront"/>
+      <a:lightRig rig="threePt" dir="t"/>
+    </dgm:scene3d>
+    <dgm:sp3d/>
+    <dgm:txPr/>
+    <dgm:style>
+      <a:lnRef idx="2">
+        <a:scrgbClr r="0" g="0" b="0"/>
+      </a:lnRef>
+      <a:fillRef idx="1">
+        <a:scrgbClr r="0" g="0" b="0"/>
+      </a:fillRef>
+      <a:effectRef idx="0">
+        <a:scrgbClr r="0" g="0" b="0"/>
+      </a:effectRef>
+      <a:fontRef idx="minor"/>
+    </dgm:style>
+  </dgm:styleLbl>
+  <dgm:styleLbl name="sibTrans2D1">
+    <dgm:scene3d>
+      <a:camera prst="orthographicFront"/>
+      <a:lightRig rig="threePt" dir="t"/>
+    </dgm:scene3d>
+    <dgm:sp3d/>
+    <dgm:txPr/>
+    <dgm:style>
+      <a:lnRef idx="0">
+        <a:scrgbClr r="0" g="0" b="0"/>
+      </a:lnRef>
+      <a:fillRef idx="1">
+        <a:scrgbClr r="0" g="0" b="0"/>
+      </a:fillRef>
+      <a:effectRef idx="0">
+        <a:scrgbClr r="0" g="0" b="0"/>
+      </a:effectRef>
+      <a:fontRef idx="minor">
+        <a:schemeClr val="lt1"/>
+      </a:fontRef>
+    </dgm:style>
+  </dgm:styleLbl>
+  <dgm:styleLbl name="fgSibTrans2D1">
+    <dgm:scene3d>
+      <a:camera prst="orthographicFront"/>
+      <a:lightRig rig="threePt" dir="t"/>
+    </dgm:scene3d>
+    <dgm:sp3d/>
+    <dgm:txPr/>
+    <dgm:style>
+      <a:lnRef idx="0">
+        <a:scrgbClr r="0" g="0" b="0"/>
+      </a:lnRef>
+      <a:fillRef idx="1">
+        <a:scrgbClr r="0" g="0" b="0"/>
+      </a:fillRef>
+      <a:effectRef idx="0">
+        <a:scrgbClr r="0" g="0" b="0"/>
+      </a:effectRef>
+      <a:fontRef idx="minor">
+        <a:schemeClr val="lt1"/>
+      </a:fontRef>
+    </dgm:style>
+  </dgm:styleLbl>
+  <dgm:styleLbl name="bgSibTrans2D1">
+    <dgm:scene3d>
+      <a:camera prst="orthographicFront"/>
+      <a:lightRig rig="threePt" dir="t"/>
+    </dgm:scene3d>
+    <dgm:sp3d/>
+    <dgm:txPr/>
+    <dgm:style>
+      <a:lnRef idx="0">
+        <a:scrgbClr r="0" g="0" b="0"/>
+      </a:lnRef>
+      <a:fillRef idx="1">
+        <a:scrgbClr r="0" g="0" b="0"/>
+      </a:fillRef>
+      <a:effectRef idx="0">
+        <a:scrgbClr r="0" g="0" b="0"/>
+      </a:effectRef>
+      <a:fontRef idx="minor">
+        <a:schemeClr val="lt1"/>
+      </a:fontRef>
+    </dgm:style>
+  </dgm:styleLbl>
+  <dgm:styleLbl name="sibTrans1D1">
+    <dgm:scene3d>
+      <a:camera prst="orthographicFront"/>
+      <a:lightRig rig="threePt" dir="t"/>
+    </dgm:scene3d>
+    <dgm:sp3d/>
+    <dgm:txPr/>
+    <dgm:style>
+      <a:lnRef idx="1">
+        <a:scrgbClr r="0" g="0" b="0"/>
+      </a:lnRef>
+      <a:fillRef idx="0">
+        <a:scrgbClr r="0" g="0" b="0"/>
+      </a:fillRef>
+      <a:effectRef idx="0">
+        <a:scrgbClr r="0" g="0" b="0"/>
+      </a:effectRef>
+      <a:fontRef idx="minor"/>
+    </dgm:style>
+  </dgm:styleLbl>
+  <dgm:styleLbl name="callout">
+    <dgm:scene3d>
+      <a:camera prst="orthographicFront"/>
+      <a:lightRig rig="threePt" dir="t"/>
+    </dgm:scene3d>
+    <dgm:sp3d/>
+    <dgm:txPr/>
+    <dgm:style>
+      <a:lnRef idx="2">
+        <a:scrgbClr r="0" g="0" b="0"/>
+      </a:lnRef>
+      <a:fillRef idx="1">
+        <a:scrgbClr r="0" g="0" b="0"/>
+      </a:fillRef>
+      <a:effectRef idx="0">
+        <a:scrgbClr r="0" g="0" b="0"/>
+      </a:effectRef>
+      <a:fontRef idx="minor"/>
+    </dgm:style>
+  </dgm:styleLbl>
+  <dgm:styleLbl name="asst0">
+    <dgm:scene3d>
+      <a:camera prst="orthographicFront"/>
+      <a:lightRig rig="threePt" dir="t"/>
+    </dgm:scene3d>
+    <dgm:sp3d/>
+    <dgm:txPr/>
+    <dgm:style>
+      <a:lnRef idx="2">
+        <a:scrgbClr r="0" g="0" b="0"/>
+      </a:lnRef>
+      <a:fillRef idx="1">
+        <a:scrgbClr r="0" g="0" b="0"/>
+      </a:fillRef>
+      <a:effectRef idx="0">
+        <a:scrgbClr r="0" g="0" b="0"/>
+      </a:effectRef>
+      <a:fontRef idx="minor">
+        <a:schemeClr val="lt1"/>
+      </a:fontRef>
+    </dgm:style>
+  </dgm:styleLbl>
+  <dgm:styleLbl name="asst1">
+    <dgm:scene3d>
+      <a:camera prst="orthographicFront"/>
+      <a:lightRig rig="threePt" dir="t"/>
+    </dgm:scene3d>
+    <dgm:sp3d/>
+    <dgm:txPr/>
+    <dgm:style>
+      <a:lnRef idx="2">
+        <a:scrgbClr r="0" g="0" b="0"/>
+      </a:lnRef>
+      <a:fillRef idx="1">
+        <a:scrgbClr r="0" g="0" b="0"/>
+      </a:fillRef>
+      <a:effectRef idx="0">
+        <a:scrgbClr r="0" g="0" b="0"/>
+      </a:effectRef>
+      <a:fontRef idx="minor">
+        <a:schemeClr val="lt1"/>
+      </a:fontRef>
+    </dgm:style>
+  </dgm:styleLbl>
+  <dgm:styleLbl name="asst2">
+    <dgm:scene3d>
+      <a:camera prst="orthographicFront"/>
+      <a:lightRig rig="threePt" dir="t"/>
+    </dgm:scene3d>
+    <dgm:sp3d/>
+    <dgm:txPr/>
+    <dgm:style>
+      <a:lnRef idx="2">
+        <a:scrgbClr r="0" g="0" b="0"/>
+      </a:lnRef>
+      <a:fillRef idx="1">
+        <a:scrgbClr r="0" g="0" b="0"/>
+      </a:fillRef>
+      <a:effectRef idx="0">
+        <a:scrgbClr r="0" g="0" b="0"/>
+      </a:effectRef>
+      <a:fontRef idx="minor">
+        <a:schemeClr val="lt1"/>
+      </a:fontRef>
+    </dgm:style>
+  </dgm:styleLbl>
+  <dgm:styleLbl name="asst3">
+    <dgm:scene3d>
+      <a:camera prst="orthographicFront"/>
+      <a:lightRig rig="threePt" dir="t"/>
+    </dgm:scene3d>
+    <dgm:sp3d/>
+    <dgm:txPr/>
+    <dgm:style>
+      <a:lnRef idx="2">
+        <a:scrgbClr r="0" g="0" b="0"/>
+      </a:lnRef>
+      <a:fillRef idx="1">
+        <a:scrgbClr r="0" g="0" b="0"/>
+      </a:fillRef>
+      <a:effectRef idx="0">
+        <a:scrgbClr r="0" g="0" b="0"/>
+      </a:effectRef>
+      <a:fontRef idx="minor">
+        <a:schemeClr val="lt1"/>
+      </a:fontRef>
+    </dgm:style>
+  </dgm:styleLbl>
+  <dgm:styleLbl name="asst4">
+    <dgm:scene3d>
+      <a:camera prst="orthographicFront"/>
+      <a:lightRig rig="threePt" dir="t"/>
+    </dgm:scene3d>
+    <dgm:sp3d/>
+    <dgm:txPr/>
+    <dgm:style>
+      <a:lnRef idx="2">
+        <a:scrgbClr r="0" g="0" b="0"/>
+      </a:lnRef>
+      <a:fillRef idx="1">
+        <a:scrgbClr r="0" g="0" b="0"/>
+      </a:fillRef>
+      <a:effectRef idx="0">
+        <a:scrgbClr r="0" g="0" b="0"/>
+      </a:effectRef>
+      <a:fontRef idx="minor">
+        <a:schemeClr val="lt1"/>
+      </a:fontRef>
+    </dgm:style>
+  </dgm:styleLbl>
+  <dgm:styleLbl name="parChTrans2D1">
+    <dgm:scene3d>
+      <a:camera prst="orthographicFront"/>
+      <a:lightRig rig="threePt" dir="t"/>
+    </dgm:scene3d>
+    <dgm:sp3d/>
+    <dgm:txPr/>
+    <dgm:style>
+      <a:lnRef idx="2">
+        <a:scrgbClr r="0" g="0" b="0"/>
+      </a:lnRef>
+      <a:fillRef idx="1">
+        <a:scrgbClr r="0" g="0" b="0"/>
+      </a:fillRef>
+      <a:effectRef idx="0">
+        <a:scrgbClr r="0" g="0" b="0"/>
+      </a:effectRef>
+      <a:fontRef idx="minor">
+        <a:schemeClr val="lt1"/>
+      </a:fontRef>
+    </dgm:style>
+  </dgm:styleLbl>
+  <dgm:styleLbl name="parChTrans2D2">
+    <dgm:scene3d>
+      <a:camera prst="orthographicFront"/>
+      <a:lightRig rig="threePt" dir="t"/>
+    </dgm:scene3d>
+    <dgm:sp3d/>
+    <dgm:txPr/>
+    <dgm:style>
+      <a:lnRef idx="2">
+        <a:scrgbClr r="0" g="0" b="0"/>
+      </a:lnRef>
+      <a:fillRef idx="1">
+        <a:scrgbClr r="0" g="0" b="0"/>
+      </a:fillRef>
+      <a:effectRef idx="0">
+        <a:scrgbClr r="0" g="0" b="0"/>
+      </a:effectRef>
+      <a:fontRef idx="minor">
+        <a:schemeClr val="lt1"/>
+      </a:fontRef>
+    </dgm:style>
+  </dgm:styleLbl>
+  <dgm:styleLbl name="parChTrans2D3">
+    <dgm:scene3d>
+      <a:camera prst="orthographicFront"/>
+      <a:lightRig rig="threePt" dir="t"/>
+    </dgm:scene3d>
+    <dgm:sp3d/>
+    <dgm:txPr/>
+    <dgm:style>
+      <a:lnRef idx="2">
+        <a:scrgbClr r="0" g="0" b="0"/>
+      </a:lnRef>
+      <a:fillRef idx="1">
+        <a:scrgbClr r="0" g="0" b="0"/>
+      </a:fillRef>
+      <a:effectRef idx="0">
+        <a:scrgbClr r="0" g="0" b="0"/>
+      </a:effectRef>
+      <a:fontRef idx="minor">
+        <a:schemeClr val="lt1"/>
+      </a:fontRef>
+    </dgm:style>
+  </dgm:styleLbl>
+  <dgm:styleLbl name="parChTrans2D4">
+    <dgm:scene3d>
+      <a:camera prst="orthographicFront"/>
+      <a:lightRig rig="threePt" dir="t"/>
+    </dgm:scene3d>
+    <dgm:sp3d/>
+    <dgm:txPr/>
+    <dgm:style>
+      <a:lnRef idx="2">
+        <a:scrgbClr r="0" g="0" b="0"/>
+      </a:lnRef>
+      <a:fillRef idx="1">
+        <a:scrgbClr r="0" g="0" b="0"/>
+      </a:fillRef>
+      <a:effectRef idx="0">
+        <a:scrgbClr r="0" g="0" b="0"/>
+      </a:effectRef>
+      <a:fontRef idx="minor">
+        <a:schemeClr val="lt1"/>
+      </a:fontRef>
+    </dgm:style>
+  </dgm:styleLbl>
+  <dgm:styleLbl name="parChTrans1D1">
+    <dgm:scene3d>
+      <a:camera prst="orthographicFront"/>
+      <a:lightRig rig="threePt" dir="t"/>
+    </dgm:scene3d>
+    <dgm:sp3d/>
+    <dgm:txPr/>
+    <dgm:style>
+      <a:lnRef idx="2">
+        <a:scrgbClr r="0" g="0" b="0"/>
+      </a:lnRef>
+      <a:fillRef idx="0">
+        <a:scrgbClr r="0" g="0" b="0"/>
+      </a:fillRef>
+      <a:effectRef idx="0">
+        <a:scrgbClr r="0" g="0" b="0"/>
+      </a:effectRef>
+      <a:fontRef idx="minor"/>
+    </dgm:style>
+  </dgm:styleLbl>
+  <dgm:styleLbl name="parChTrans1D2">
+    <dgm:scene3d>
+      <a:camera prst="orthographicFront"/>
+      <a:lightRig rig="threePt" dir="t"/>
+    </dgm:scene3d>
+    <dgm:sp3d/>
+    <dgm:txPr/>
+    <dgm:style>
+      <a:lnRef idx="2">
+        <a:scrgbClr r="0" g="0" b="0"/>
+      </a:lnRef>
+      <a:fillRef idx="0">
+        <a:scrgbClr r="0" g="0" b="0"/>
+      </a:fillRef>
+      <a:effectRef idx="0">
+        <a:scrgbClr r="0" g="0" b="0"/>
+      </a:effectRef>
+      <a:fontRef idx="minor"/>
+    </dgm:style>
+  </dgm:styleLbl>
+  <dgm:styleLbl name="parChTrans1D3">
+    <dgm:scene3d>
+      <a:camera prst="orthographicFront"/>
+      <a:lightRig rig="threePt" dir="t"/>
+    </dgm:scene3d>
+    <dgm:sp3d/>
+    <dgm:txPr/>
+    <dgm:style>
+      <a:lnRef idx="2">
+        <a:scrgbClr r="0" g="0" b="0"/>
+      </a:lnRef>
+      <a:fillRef idx="0">
+        <a:scrgbClr r="0" g="0" b="0"/>
+      </a:fillRef>
+      <a:effectRef idx="0">
+        <a:scrgbClr r="0" g="0" b="0"/>
+      </a:effectRef>
+      <a:fontRef idx="minor"/>
+    </dgm:style>
+  </dgm:styleLbl>
+  <dgm:styleLbl name="parChTrans1D4">
+    <dgm:scene3d>
+      <a:camera prst="orthographicFront"/>
+      <a:lightRig rig="threePt" dir="t"/>
+    </dgm:scene3d>
+    <dgm:sp3d/>
+    <dgm:txPr/>
+    <dgm:style>
+      <a:lnRef idx="2">
+        <a:scrgbClr r="0" g="0" b="0"/>
+      </a:lnRef>
+      <a:fillRef idx="0">
+        <a:scrgbClr r="0" g="0" b="0"/>
+      </a:fillRef>
+      <a:effectRef idx="0">
+        <a:scrgbClr r="0" g="0" b="0"/>
+      </a:effectRef>
+      <a:fontRef idx="minor"/>
+    </dgm:style>
+  </dgm:styleLbl>
+  <dgm:styleLbl name="fgAcc1">
+    <dgm:scene3d>
+      <a:camera prst="orthographicFront"/>
+      <a:lightRig rig="threePt" dir="t"/>
+    </dgm:scene3d>
+    <dgm:sp3d/>
+    <dgm:txPr/>
+    <dgm:style>
+      <a:lnRef idx="2">
+        <a:scrgbClr r="0" g="0" b="0"/>
+      </a:lnRef>
+      <a:fillRef idx="1">
+        <a:scrgbClr r="0" g="0" b="0"/>
+      </a:fillRef>
+      <a:effectRef idx="0">
+        <a:scrgbClr r="0" g="0" b="0"/>
+      </a:effectRef>
+      <a:fontRef idx="minor"/>
+    </dgm:style>
+  </dgm:styleLbl>
+  <dgm:styleLbl name="conFgAcc1">
+    <dgm:scene3d>
+      <a:camera prst="orthographicFront"/>
+      <a:lightRig rig="threePt" dir="t"/>
+    </dgm:scene3d>
+    <dgm:sp3d/>
+    <dgm:txPr/>
+    <dgm:style>
+      <a:lnRef idx="2">
+        <a:scrgbClr r="0" g="0" b="0"/>
+      </a:lnRef>
+      <a:fillRef idx="1">
+        <a:scrgbClr r="0" g="0" b="0"/>
+      </a:fillRef>
+      <a:effectRef idx="0">
+        <a:scrgbClr r="0" g="0" b="0"/>
+      </a:effectRef>
+      <a:fontRef idx="minor"/>
+    </dgm:style>
+  </dgm:styleLbl>
+  <dgm:styleLbl name="alignAcc1">
+    <dgm:scene3d>
+      <a:camera prst="orthographicFront"/>
+      <a:lightRig rig="threePt" dir="t"/>
+    </dgm:scene3d>
+    <dgm:sp3d/>
+    <dgm:txPr/>
+    <dgm:style>
+      <a:lnRef idx="2">
+        <a:scrgbClr r="0" g="0" b="0"/>
+      </a:lnRef>
+      <a:fillRef idx="1">
+        <a:scrgbClr r="0" g="0" b="0"/>
+      </a:fillRef>
+      <a:effectRef idx="0">
+        <a:scrgbClr r="0" g="0" b="0"/>
+      </a:effectRef>
+      <a:fontRef idx="minor"/>
+    </dgm:style>
+  </dgm:styleLbl>
+  <dgm:styleLbl name="trAlignAcc1">
+    <dgm:scene3d>
+      <a:camera prst="orthographicFront"/>
+      <a:lightRig rig="threePt" dir="t"/>
+    </dgm:scene3d>
+    <dgm:sp3d/>
+    <dgm:txPr/>
+    <dgm:style>
+      <a:lnRef idx="1">
+        <a:scrgbClr r="0" g="0" b="0"/>
+      </a:lnRef>
+      <a:fillRef idx="1">
+        <a:scrgbClr r="0" g="0" b="0"/>
+      </a:fillRef>
+      <a:effectRef idx="0">
+        <a:scrgbClr r="0" g="0" b="0"/>
+      </a:effectRef>
+      <a:fontRef idx="minor"/>
+    </dgm:style>
+  </dgm:styleLbl>
+  <dgm:styleLbl name="bgAcc1">
+    <dgm:scene3d>
+      <a:camera prst="orthographicFront"/>
+      <a:lightRig rig="threePt" dir="t"/>
+    </dgm:scene3d>
+    <dgm:sp3d/>
+    <dgm:txPr/>
+    <dgm:style>
+      <a:lnRef idx="2">
+        <a:scrgbClr r="0" g="0" b="0"/>
+      </a:lnRef>
+      <a:fillRef idx="1">
+        <a:scrgbClr r="0" g="0" b="0"/>
+      </a:fillRef>
+      <a:effectRef idx="0">
+        <a:scrgbClr r="0" g="0" b="0"/>
+      </a:effectRef>
+      <a:fontRef idx="minor"/>
+    </dgm:style>
+  </dgm:styleLbl>
+  <dgm:styleLbl name="solidFgAcc1">
+    <dgm:scene3d>
+      <a:camera prst="orthographicFront"/>
+      <a:lightRig rig="threePt" dir="t"/>
+    </dgm:scene3d>
+    <dgm:sp3d/>
+    <dgm:txPr/>
+    <dgm:style>
+      <a:lnRef idx="2">
+        <a:scrgbClr r="0" g="0" b="0"/>
+      </a:lnRef>
+      <a:fillRef idx="1">
+        <a:scrgbClr r="0" g="0" b="0"/>
+      </a:fillRef>
+      <a:effectRef idx="0">
+        <a:scrgbClr r="0" g="0" b="0"/>
+      </a:effectRef>
+      <a:fontRef idx="minor"/>
+    </dgm:style>
+  </dgm:styleLbl>
+  <dgm:styleLbl name="solidAlignAcc1">
+    <dgm:scene3d>
+      <a:camera prst="orthographicFront"/>
+      <a:lightRig rig="threePt" dir="t"/>
+    </dgm:scene3d>
+    <dgm:sp3d/>
+    <dgm:txPr/>
+    <dgm:style>
+      <a:lnRef idx="2">
+        <a:scrgbClr r="0" g="0" b="0"/>
+      </a:lnRef>
+      <a:fillRef idx="1">
+        <a:scrgbClr r="0" g="0" b="0"/>
+      </a:fillRef>
+      <a:effectRef idx="0">
+        <a:scrgbClr r="0" g="0" b="0"/>
+      </a:effectRef>
+      <a:fontRef idx="minor"/>
+    </dgm:style>
+  </dgm:styleLbl>
+  <dgm:styleLbl name="solidBgAcc1">
+    <dgm:scene3d>
+      <a:camera prst="orthographicFront"/>
+      <a:lightRig rig="threePt" dir="t"/>
+    </dgm:scene3d>
+    <dgm:sp3d/>
+    <dgm:txPr/>
+    <dgm:style>
+      <a:lnRef idx="2">
+        <a:scrgbClr r="0" g="0" b="0"/>
+      </a:lnRef>
+      <a:fillRef idx="1">
+        <a:scrgbClr r="0" g="0" b="0"/>
+      </a:fillRef>
+      <a:effectRef idx="0">
+        <a:scrgbClr r="0" g="0" b="0"/>
+      </a:effectRef>
+      <a:fontRef idx="minor"/>
+    </dgm:style>
+  </dgm:styleLbl>
+  <dgm:styleLbl name="fgAccFollowNode1">
+    <dgm:scene3d>
+      <a:camera prst="orthographicFront"/>
+      <a:lightRig rig="threePt" dir="t"/>
+    </dgm:scene3d>
+    <dgm:sp3d/>
+    <dgm:txPr/>
+    <dgm:style>
+      <a:lnRef idx="2">
+        <a:scrgbClr r="0" g="0" b="0"/>
+      </a:lnRef>
+      <a:fillRef idx="1">
+        <a:scrgbClr r="0" g="0" b="0"/>
+      </a:fillRef>
+      <a:effectRef idx="0">
+        <a:scrgbClr r="0" g="0" b="0"/>
+      </a:effectRef>
+      <a:fontRef idx="minor"/>
+    </dgm:style>
+  </dgm:styleLbl>
+  <dgm:styleLbl name="alignAccFollowNode1">
+    <dgm:scene3d>
+      <a:camera prst="orthographicFront"/>
+      <a:lightRig rig="threePt" dir="t"/>
+    </dgm:scene3d>
+    <dgm:sp3d/>
+    <dgm:txPr/>
+    <dgm:style>
+      <a:lnRef idx="2">
+        <a:scrgbClr r="0" g="0" b="0"/>
+      </a:lnRef>
+      <a:fillRef idx="1">
+        <a:scrgbClr r="0" g="0" b="0"/>
+      </a:fillRef>
+      <a:effectRef idx="0">
+        <a:scrgbClr r="0" g="0" b="0"/>
+      </a:effectRef>
+      <a:fontRef idx="minor"/>
+    </dgm:style>
+  </dgm:styleLbl>
+  <dgm:styleLbl name="bgAccFollowNode1">
+    <dgm:scene3d>
+      <a:camera prst="orthographicFront"/>
+      <a:lightRig rig="threePt" dir="t"/>
+    </dgm:scene3d>
+    <dgm:sp3d/>
+    <dgm:txPr/>
+    <dgm:style>
+      <a:lnRef idx="2">
+        <a:scrgbClr r="0" g="0" b="0"/>
+      </a:lnRef>
+      <a:fillRef idx="1">
+        <a:scrgbClr r="0" g="0" b="0"/>
+      </a:fillRef>
+      <a:effectRef idx="0">
+        <a:scrgbClr r="0" g="0" b="0"/>
+      </a:effectRef>
+      <a:fontRef idx="minor"/>
+    </dgm:style>
+  </dgm:styleLbl>
+  <dgm:styleLbl name="fgAcc0">
+    <dgm:scene3d>
+      <a:camera prst="orthographicFront"/>
+      <a:lightRig rig="threePt" dir="t"/>
+    </dgm:scene3d>
+    <dgm:sp3d/>
+    <dgm:txPr/>
+    <dgm:style>
+      <a:lnRef idx="2">
+        <a:scrgbClr r="0" g="0" b="0"/>
+      </a:lnRef>
+      <a:fillRef idx="1">
+        <a:scrgbClr r="0" g="0" b="0"/>
+      </a:fillRef>
+      <a:effectRef idx="0">
+        <a:scrgbClr r="0" g="0" b="0"/>
+      </a:effectRef>
+      <a:fontRef idx="minor"/>
+    </dgm:style>
+  </dgm:styleLbl>
+  <dgm:styleLbl name="fgAcc2">
+    <dgm:scene3d>
+      <a:camera prst="orthographicFront"/>
+      <a:lightRig rig="threePt" dir="t"/>
+    </dgm:scene3d>
+    <dgm:sp3d/>
+    <dgm:txPr/>
+    <dgm:style>
+      <a:lnRef idx="2">
+        <a:scrgbClr r="0" g="0" b="0"/>
+      </a:lnRef>
+      <a:fillRef idx="1">
+        <a:scrgbClr r="0" g="0" b="0"/>
+      </a:fillRef>
+      <a:effectRef idx="0">
+        <a:scrgbClr r="0" g="0" b="0"/>
+      </a:effectRef>
+      <a:fontRef idx="minor"/>
+    </dgm:style>
+  </dgm:styleLbl>
+  <dgm:styleLbl name="fgAcc3">
+    <dgm:scene3d>
+      <a:camera prst="orthographicFront"/>
+      <a:lightRig rig="threePt" dir="t"/>
+    </dgm:scene3d>
+    <dgm:sp3d/>
+    <dgm:txPr/>
+    <dgm:style>
+      <a:lnRef idx="2">
+        <a:scrgbClr r="0" g="0" b="0"/>
+      </a:lnRef>
+      <a:fillRef idx="1">
+        <a:scrgbClr r="0" g="0" b="0"/>
+      </a:fillRef>
+      <a:effectRef idx="0">
+        <a:scrgbClr r="0" g="0" b="0"/>
+      </a:effectRef>
+      <a:fontRef idx="minor"/>
+    </dgm:style>
+  </dgm:styleLbl>
+  <dgm:styleLbl name="fgAcc4">
+    <dgm:scene3d>
+      <a:camera prst="orthographicFront"/>
+      <a:lightRig rig="threePt" dir="t"/>
+    </dgm:scene3d>
+    <dgm:sp3d/>
+    <dgm:txPr/>
+    <dgm:style>
+      <a:lnRef idx="2">
+        <a:scrgbClr r="0" g="0" b="0"/>
+      </a:lnRef>
+      <a:fillRef idx="1">
+        <a:scrgbClr r="0" g="0" b="0"/>
+      </a:fillRef>
+      <a:effectRef idx="0">
+        <a:scrgbClr r="0" g="0" b="0"/>
+      </a:effectRef>
+      <a:fontRef idx="minor"/>
+    </dgm:style>
+  </dgm:styleLbl>
+  <dgm:styleLbl name="bgShp">
+    <dgm:scene3d>
+      <a:camera prst="orthographicFront"/>
+      <a:lightRig rig="threePt" dir="t"/>
+    </dgm:scene3d>
+    <dgm:sp3d/>
+    <dgm:txPr/>
+    <dgm:style>
+      <a:lnRef idx="0">
+        <a:scrgbClr r="0" g="0" b="0"/>
+      </a:lnRef>
+      <a:fillRef idx="1">
+        <a:scrgbClr r="0" g="0" b="0"/>
+      </a:fillRef>
+      <a:effectRef idx="0">
+        <a:scrgbClr r="0" g="0" b="0"/>
+      </a:effectRef>
+      <a:fontRef idx="minor"/>
+    </dgm:style>
+  </dgm:styleLbl>
+  <dgm:styleLbl name="dkBgShp">
+    <dgm:scene3d>
+      <a:camera prst="orthographicFront"/>
+      <a:lightRig rig="threePt" dir="t"/>
+    </dgm:scene3d>
+    <dgm:sp3d/>
+    <dgm:txPr/>
+    <dgm:style>
+      <a:lnRef idx="0">
+        <a:scrgbClr r="0" g="0" b="0"/>
+      </a:lnRef>
+      <a:fillRef idx="1">
+        <a:scrgbClr r="0" g="0" b="0"/>
+      </a:fillRef>
+      <a:effectRef idx="0">
+        <a:scrgbClr r="0" g="0" b="0"/>
+      </a:effectRef>
+      <a:fontRef idx="minor"/>
+    </dgm:style>
+  </dgm:styleLbl>
+  <dgm:styleLbl name="trBgShp">
+    <dgm:scene3d>
+      <a:camera prst="orthographicFront"/>
+      <a:lightRig rig="threePt" dir="t"/>
+    </dgm:scene3d>
+    <dgm:sp3d/>
+    <dgm:txPr/>
+    <dgm:style>
+      <a:lnRef idx="0">
+        <a:scrgbClr r="0" g="0" b="0"/>
+      </a:lnRef>
+      <a:fillRef idx="1">
+        <a:scrgbClr r="0" g="0" b="0"/>
+      </a:fillRef>
+      <a:effectRef idx="0">
+        <a:scrgbClr r="0" g="0" b="0"/>
+      </a:effectRef>
+      <a:fontRef idx="minor"/>
+    </dgm:style>
+  </dgm:styleLbl>
+  <dgm:styleLbl name="fgShp">
+    <dgm:scene3d>
+      <a:camera prst="orthographicFront"/>
+      <a:lightRig rig="threePt" dir="t"/>
+    </dgm:scene3d>
+    <dgm:sp3d/>
+    <dgm:txPr/>
+    <dgm:style>
+      <a:lnRef idx="2">
+        <a:scrgbClr r="0" g="0" b="0"/>
+      </a:lnRef>
+      <a:fillRef idx="1">
+        <a:scrgbClr r="0" g="0" b="0"/>
+      </a:fillRef>
+      <a:effectRef idx="0">
+        <a:scrgbClr r="0" g="0" b="0"/>
+      </a:effectRef>
+      <a:fontRef idx="minor"/>
+    </dgm:style>
+  </dgm:styleLbl>
+  <dgm:styleLbl name="revTx">
+    <dgm:scene3d>
+      <a:camera prst="orthographicFront"/>
+      <a:lightRig rig="threePt" dir="t"/>
+    </dgm:scene3d>
+    <dgm:sp3d/>
+    <dgm:txPr/>
+    <dgm:style>
+      <a:lnRef idx="0">
+        <a:scrgbClr r="0" g="0" b="0"/>
+      </a:lnRef>
+      <a:fillRef idx="0">
+        <a:scrgbClr r="0" g="0" b="0"/>
+      </a:fillRef>
+      <a:effectRef idx="0">
+        <a:scrgbClr r="0" g="0" b="0"/>
+      </a:effectRef>
+      <a:fontRef idx="minor"/>
+    </dgm:style>
+  </dgm:styleLbl>
+</dgm:styleDef>
 </file>
 
 <file path=ppt/notesMasters/notesMaster1.xml><?xml version="1.0" encoding="utf-8"?>
@@ -556,6 +4800,93 @@
 </p:notes>
 </file>
 
+<file path=ppt/notesSlides/notesSlide2.xml><?xml version="1.0" encoding="utf-8"?>
+<p:notes xmlns:a="http://schemas.openxmlformats.org/drawingml/2006/main" xmlns:r="http://schemas.openxmlformats.org/officeDocument/2006/relationships" xmlns:p="http://schemas.openxmlformats.org/presentationml/2006/main">
+  <p:cSld>
+    <p:spTree>
+      <p:nvGrpSpPr>
+        <p:cNvPr id="1" name=""/>
+        <p:cNvGrpSpPr/>
+        <p:nvPr/>
+      </p:nvGrpSpPr>
+      <p:grpSpPr>
+        <a:xfrm>
+          <a:off x="0" y="0"/>
+          <a:ext cx="0" cy="0"/>
+          <a:chOff x="0" y="0"/>
+          <a:chExt cx="0" cy="0"/>
+        </a:xfrm>
+      </p:grpSpPr>
+      <p:sp>
+        <p:nvSpPr>
+          <p:cNvPr id="2" name="Zástupný symbol pro obrázek snímku 1"/>
+          <p:cNvSpPr>
+            <a:spLocks noGrp="1" noRot="1" noChangeAspect="1"/>
+          </p:cNvSpPr>
+          <p:nvPr>
+            <p:ph type="sldImg"/>
+          </p:nvPr>
+        </p:nvSpPr>
+        <p:spPr/>
+      </p:sp>
+      <p:sp>
+        <p:nvSpPr>
+          <p:cNvPr id="3" name="Zástupný symbol pro poznámky 2"/>
+          <p:cNvSpPr>
+            <a:spLocks noGrp="1"/>
+          </p:cNvSpPr>
+          <p:nvPr>
+            <p:ph type="body" idx="1"/>
+          </p:nvPr>
+        </p:nvSpPr>
+        <p:spPr/>
+        <p:txBody>
+          <a:bodyPr/>
+          <a:lstStyle/>
+          <a:p>
+            <a:r>
+              <a:rPr lang="en-GB" dirty="0"/>
+              <a:t>https://www.mordorintelligence.com/industry-reports/candy-market</a:t>
+            </a:r>
+          </a:p>
+        </p:txBody>
+      </p:sp>
+      <p:sp>
+        <p:nvSpPr>
+          <p:cNvPr id="4" name="Zástupný symbol pro číslo snímku 3"/>
+          <p:cNvSpPr>
+            <a:spLocks noGrp="1"/>
+          </p:cNvSpPr>
+          <p:nvPr>
+            <p:ph type="sldNum" sz="quarter" idx="5"/>
+          </p:nvPr>
+        </p:nvSpPr>
+        <p:spPr/>
+        <p:txBody>
+          <a:bodyPr/>
+          <a:lstStyle/>
+          <a:p>
+            <a:fld id="{3A98C10E-1641-4508-B213-7A1E2AD2A808}" type="slidenum">
+              <a:rPr lang="en-GB" smtClean="0"/>
+              <a:t>3</a:t>
+            </a:fld>
+            <a:endParaRPr lang="en-GB"/>
+          </a:p>
+        </p:txBody>
+      </p:sp>
+    </p:spTree>
+    <p:extLst>
+      <p:ext uri="{BB962C8B-B14F-4D97-AF65-F5344CB8AC3E}">
+        <p14:creationId xmlns:p14="http://schemas.microsoft.com/office/powerpoint/2010/main" val="1376843028"/>
+      </p:ext>
+    </p:extLst>
+  </p:cSld>
+  <p:clrMapOvr>
+    <a:masterClrMapping/>
+  </p:clrMapOvr>
+</p:notes>
+</file>
+
 <file path=ppt/slideLayouts/slideLayout1.xml><?xml version="1.0" encoding="utf-8"?>
 <p:sldLayout xmlns:a="http://schemas.openxmlformats.org/drawingml/2006/main" xmlns:r="http://schemas.openxmlformats.org/officeDocument/2006/relationships" xmlns:p="http://schemas.openxmlformats.org/presentationml/2006/main" type="title" preserve="1">
   <p:cSld name="Úvodní snímek">
@@ -703,11 +5034,10 @@
           <a:bodyPr/>
           <a:lstStyle/>
           <a:p>
-            <a:fld id="{D833ACF4-696F-4EFB-9562-39FE5FA73525}" type="datetimeFigureOut">
-              <a:rPr lang="en-GB" smtClean="0"/>
-              <a:t>23/07/2022</a:t>
-            </a:fld>
-            <a:endParaRPr lang="en-GB"/>
+            <a:r>
+              <a:rPr lang="en-GB"/>
+              <a:t>26/07/2022</a:t>
+            </a:r>
           </a:p>
         </p:txBody>
       </p:sp>
@@ -732,7 +5062,10 @@
           <a:bodyPr/>
           <a:lstStyle/>
           <a:p>
-            <a:endParaRPr lang="en-GB"/>
+            <a:r>
+              <a:rPr lang="en-GB"/>
+              <a:t>Anežka Lhotáková | Case study: Candy Recommendation</a:t>
+            </a:r>
           </a:p>
         </p:txBody>
       </p:sp>
@@ -903,11 +5236,10 @@
           <a:bodyPr/>
           <a:lstStyle/>
           <a:p>
-            <a:fld id="{D833ACF4-696F-4EFB-9562-39FE5FA73525}" type="datetimeFigureOut">
-              <a:rPr lang="en-GB" smtClean="0"/>
-              <a:t>23/07/2022</a:t>
-            </a:fld>
-            <a:endParaRPr lang="en-GB"/>
+            <a:r>
+              <a:rPr lang="en-GB"/>
+              <a:t>26/07/2022</a:t>
+            </a:r>
           </a:p>
         </p:txBody>
       </p:sp>
@@ -932,7 +5264,10 @@
           <a:bodyPr/>
           <a:lstStyle/>
           <a:p>
-            <a:endParaRPr lang="en-GB"/>
+            <a:r>
+              <a:rPr lang="en-GB"/>
+              <a:t>Anežka Lhotáková | Case study: Candy Recommendation</a:t>
+            </a:r>
           </a:p>
         </p:txBody>
       </p:sp>
@@ -1113,11 +5448,10 @@
           <a:bodyPr/>
           <a:lstStyle/>
           <a:p>
-            <a:fld id="{D833ACF4-696F-4EFB-9562-39FE5FA73525}" type="datetimeFigureOut">
-              <a:rPr lang="en-GB" smtClean="0"/>
-              <a:t>23/07/2022</a:t>
-            </a:fld>
-            <a:endParaRPr lang="en-GB"/>
+            <a:r>
+              <a:rPr lang="en-GB"/>
+              <a:t>26/07/2022</a:t>
+            </a:r>
           </a:p>
         </p:txBody>
       </p:sp>
@@ -1142,7 +5476,10 @@
           <a:bodyPr/>
           <a:lstStyle/>
           <a:p>
-            <a:endParaRPr lang="en-GB"/>
+            <a:r>
+              <a:rPr lang="en-GB"/>
+              <a:t>Anežka Lhotáková | Case study: Candy Recommendation</a:t>
+            </a:r>
           </a:p>
         </p:txBody>
       </p:sp>
@@ -1313,11 +5650,10 @@
           <a:bodyPr/>
           <a:lstStyle/>
           <a:p>
-            <a:fld id="{D833ACF4-696F-4EFB-9562-39FE5FA73525}" type="datetimeFigureOut">
-              <a:rPr lang="en-GB" smtClean="0"/>
-              <a:t>23/07/2022</a:t>
-            </a:fld>
-            <a:endParaRPr lang="en-GB"/>
+            <a:r>
+              <a:rPr lang="en-GB"/>
+              <a:t>26/07/2022</a:t>
+            </a:r>
           </a:p>
         </p:txBody>
       </p:sp>
@@ -1342,7 +5678,10 @@
           <a:bodyPr/>
           <a:lstStyle/>
           <a:p>
-            <a:endParaRPr lang="en-GB"/>
+            <a:r>
+              <a:rPr lang="en-GB"/>
+              <a:t>Anežka Lhotáková | Case study: Candy Recommendation</a:t>
+            </a:r>
           </a:p>
         </p:txBody>
       </p:sp>
@@ -1589,11 +5928,10 @@
           <a:bodyPr/>
           <a:lstStyle/>
           <a:p>
-            <a:fld id="{D833ACF4-696F-4EFB-9562-39FE5FA73525}" type="datetimeFigureOut">
-              <a:rPr lang="en-GB" smtClean="0"/>
-              <a:t>23/07/2022</a:t>
-            </a:fld>
-            <a:endParaRPr lang="en-GB"/>
+            <a:r>
+              <a:rPr lang="en-GB"/>
+              <a:t>26/07/2022</a:t>
+            </a:r>
           </a:p>
         </p:txBody>
       </p:sp>
@@ -1618,7 +5956,10 @@
           <a:bodyPr/>
           <a:lstStyle/>
           <a:p>
-            <a:endParaRPr lang="en-GB"/>
+            <a:r>
+              <a:rPr lang="en-GB"/>
+              <a:t>Anežka Lhotáková | Case study: Candy Recommendation</a:t>
+            </a:r>
           </a:p>
         </p:txBody>
       </p:sp>
@@ -1857,11 +6198,10 @@
           <a:bodyPr/>
           <a:lstStyle/>
           <a:p>
-            <a:fld id="{D833ACF4-696F-4EFB-9562-39FE5FA73525}" type="datetimeFigureOut">
-              <a:rPr lang="en-GB" smtClean="0"/>
-              <a:t>23/07/2022</a:t>
-            </a:fld>
-            <a:endParaRPr lang="en-GB"/>
+            <a:r>
+              <a:rPr lang="en-GB"/>
+              <a:t>26/07/2022</a:t>
+            </a:r>
           </a:p>
         </p:txBody>
       </p:sp>
@@ -1886,7 +6226,10 @@
           <a:bodyPr/>
           <a:lstStyle/>
           <a:p>
-            <a:endParaRPr lang="en-GB"/>
+            <a:r>
+              <a:rPr lang="en-GB"/>
+              <a:t>Anežka Lhotáková | Case study: Candy Recommendation</a:t>
+            </a:r>
           </a:p>
         </p:txBody>
       </p:sp>
@@ -2272,11 +6615,10 @@
           <a:bodyPr/>
           <a:lstStyle/>
           <a:p>
-            <a:fld id="{D833ACF4-696F-4EFB-9562-39FE5FA73525}" type="datetimeFigureOut">
-              <a:rPr lang="en-GB" smtClean="0"/>
-              <a:t>23/07/2022</a:t>
-            </a:fld>
-            <a:endParaRPr lang="en-GB"/>
+            <a:r>
+              <a:rPr lang="en-GB"/>
+              <a:t>26/07/2022</a:t>
+            </a:r>
           </a:p>
         </p:txBody>
       </p:sp>
@@ -2301,7 +6643,10 @@
           <a:bodyPr/>
           <a:lstStyle/>
           <a:p>
-            <a:endParaRPr lang="en-GB"/>
+            <a:r>
+              <a:rPr lang="en-GB"/>
+              <a:t>Anežka Lhotáková | Case study: Candy Recommendation</a:t>
+            </a:r>
           </a:p>
         </p:txBody>
       </p:sp>
@@ -2414,11 +6759,10 @@
           <a:bodyPr/>
           <a:lstStyle/>
           <a:p>
-            <a:fld id="{D833ACF4-696F-4EFB-9562-39FE5FA73525}" type="datetimeFigureOut">
-              <a:rPr lang="en-GB" smtClean="0"/>
-              <a:t>23/07/2022</a:t>
-            </a:fld>
-            <a:endParaRPr lang="en-GB"/>
+            <a:r>
+              <a:rPr lang="en-GB"/>
+              <a:t>26/07/2022</a:t>
+            </a:r>
           </a:p>
         </p:txBody>
       </p:sp>
@@ -2443,7 +6787,10 @@
           <a:bodyPr/>
           <a:lstStyle/>
           <a:p>
-            <a:endParaRPr lang="en-GB"/>
+            <a:r>
+              <a:rPr lang="en-GB"/>
+              <a:t>Anežka Lhotáková | Case study: Candy Recommendation</a:t>
+            </a:r>
           </a:p>
         </p:txBody>
       </p:sp>
@@ -2527,11 +6874,10 @@
           <a:bodyPr/>
           <a:lstStyle/>
           <a:p>
-            <a:fld id="{D833ACF4-696F-4EFB-9562-39FE5FA73525}" type="datetimeFigureOut">
-              <a:rPr lang="en-GB" smtClean="0"/>
-              <a:t>23/07/2022</a:t>
-            </a:fld>
-            <a:endParaRPr lang="en-GB"/>
+            <a:r>
+              <a:rPr lang="en-GB"/>
+              <a:t>26/07/2022</a:t>
+            </a:r>
           </a:p>
         </p:txBody>
       </p:sp>
@@ -2556,7 +6902,10 @@
           <a:bodyPr/>
           <a:lstStyle/>
           <a:p>
-            <a:endParaRPr lang="en-GB"/>
+            <a:r>
+              <a:rPr lang="en-GB"/>
+              <a:t>Anežka Lhotáková | Case study: Candy Recommendation</a:t>
+            </a:r>
           </a:p>
         </p:txBody>
       </p:sp>
@@ -2840,11 +7189,10 @@
           <a:bodyPr/>
           <a:lstStyle/>
           <a:p>
-            <a:fld id="{D833ACF4-696F-4EFB-9562-39FE5FA73525}" type="datetimeFigureOut">
-              <a:rPr lang="en-GB" smtClean="0"/>
-              <a:t>23/07/2022</a:t>
-            </a:fld>
-            <a:endParaRPr lang="en-GB"/>
+            <a:r>
+              <a:rPr lang="en-GB"/>
+              <a:t>26/07/2022</a:t>
+            </a:r>
           </a:p>
         </p:txBody>
       </p:sp>
@@ -2869,7 +7217,10 @@
           <a:bodyPr/>
           <a:lstStyle/>
           <a:p>
-            <a:endParaRPr lang="en-GB"/>
+            <a:r>
+              <a:rPr lang="en-GB"/>
+              <a:t>Anežka Lhotáková | Case study: Candy Recommendation</a:t>
+            </a:r>
           </a:p>
         </p:txBody>
       </p:sp>
@@ -3129,11 +7480,10 @@
           <a:bodyPr/>
           <a:lstStyle/>
           <a:p>
-            <a:fld id="{D833ACF4-696F-4EFB-9562-39FE5FA73525}" type="datetimeFigureOut">
-              <a:rPr lang="en-GB" smtClean="0"/>
-              <a:t>23/07/2022</a:t>
-            </a:fld>
-            <a:endParaRPr lang="en-GB"/>
+            <a:r>
+              <a:rPr lang="en-GB"/>
+              <a:t>26/07/2022</a:t>
+            </a:r>
           </a:p>
         </p:txBody>
       </p:sp>
@@ -3158,7 +7508,10 @@
           <a:bodyPr/>
           <a:lstStyle/>
           <a:p>
-            <a:endParaRPr lang="en-GB"/>
+            <a:r>
+              <a:rPr lang="en-GB"/>
+              <a:t>Anežka Lhotáková | Case study: Candy Recommendation</a:t>
+            </a:r>
           </a:p>
         </p:txBody>
       </p:sp>
@@ -3372,11 +7725,10 @@
             </a:lvl1pPr>
           </a:lstStyle>
           <a:p>
-            <a:fld id="{D833ACF4-696F-4EFB-9562-39FE5FA73525}" type="datetimeFigureOut">
-              <a:rPr lang="en-GB" smtClean="0"/>
-              <a:t>23/07/2022</a:t>
-            </a:fld>
-            <a:endParaRPr lang="en-GB"/>
+            <a:r>
+              <a:rPr lang="en-GB"/>
+              <a:t>26/07/2022</a:t>
+            </a:r>
           </a:p>
         </p:txBody>
       </p:sp>
@@ -3419,7 +7771,10 @@
             </a:lvl1pPr>
           </a:lstStyle>
           <a:p>
-            <a:endParaRPr lang="en-GB"/>
+            <a:r>
+              <a:rPr lang="en-GB"/>
+              <a:t>Anežka Lhotáková | Case study: Candy Recommendation</a:t>
+            </a:r>
           </a:p>
         </p:txBody>
       </p:sp>
@@ -3491,6 +7846,7 @@
     <p:sldLayoutId id="2147483658" r:id="rId10"/>
     <p:sldLayoutId id="2147483659" r:id="rId11"/>
   </p:sldLayoutIdLst>
+  <p:hf hdr="0"/>
   <p:txStyles>
     <p:titleStyle>
       <a:lvl1pPr algn="l" defTabSz="914400" rtl="0" eaLnBrk="1" latinLnBrk="0" hangingPunct="1">
@@ -3883,19 +8239,10 @@
         </p:spPr>
         <p:txBody>
           <a:bodyPr anchor="b">
-            <a:normAutofit fontScale="90000"/>
+            <a:normAutofit/>
           </a:bodyPr>
           <a:lstStyle/>
           <a:p>
-            <a:r>
-              <a:rPr lang="en-GB" sz="4000" b="1" spc="300" dirty="0">
-                <a:solidFill>
-                  <a:schemeClr val="tx2"/>
-                </a:solidFill>
-                <a:latin typeface="Modern Love" panose="04090805081005020601" pitchFamily="82" charset="0"/>
-              </a:rPr>
-              <a:t>CANDY RECOMMENDATION</a:t>
-            </a:r>
             <a:br>
               <a:rPr lang="cs-CZ" sz="4000" b="1" spc="300" dirty="0">
                 <a:solidFill>
@@ -3929,13 +8276,13 @@
               </a:rPr>
             </a:br>
             <a:r>
-              <a:rPr lang="cs-CZ" sz="2800" b="1" spc="300" dirty="0">
+              <a:rPr lang="cs-CZ" sz="2000" b="1" spc="300" dirty="0">
                 <a:solidFill>
                   <a:schemeClr val="tx2"/>
                 </a:solidFill>
                 <a:latin typeface="Abadi" panose="020B0604020104020204" pitchFamily="34" charset="0"/>
               </a:rPr>
-              <a:t>Interview</a:t>
+              <a:t>CANDY RECOMMENDATION</a:t>
             </a:r>
             <a:br>
               <a:rPr lang="cs-CZ" sz="2800" b="1" spc="300" dirty="0">
@@ -3953,15 +8300,6 @@
                 <a:latin typeface="Abadi" panose="020B0604020104020204" pitchFamily="34" charset="0"/>
               </a:rPr>
             </a:br>
-            <a:r>
-              <a:rPr lang="cs-CZ" sz="2800" b="1" spc="300" dirty="0">
-                <a:solidFill>
-                  <a:schemeClr val="tx2"/>
-                </a:solidFill>
-                <a:latin typeface="Abadi" panose="020B0604020104020204" pitchFamily="34" charset="0"/>
-              </a:rPr>
-              <a:t>Anežka Lhotáková</a:t>
-            </a:r>
             <a:endParaRPr lang="en-GB" sz="2800" b="1" spc="300" dirty="0">
               <a:solidFill>
                 <a:schemeClr val="tx2"/>
@@ -4433,168 +8771,10 @@
       </p:grpSpPr>
       <p:sp>
         <p:nvSpPr>
-          <p:cNvPr id="2" name="Nadpis 1">
+          <p:cNvPr id="7" name="Volný tvar: obrazec 6">
             <a:extLst>
               <a:ext uri="{FF2B5EF4-FFF2-40B4-BE49-F238E27FC236}">
-                <a16:creationId xmlns:a16="http://schemas.microsoft.com/office/drawing/2014/main" id="{71987548-6425-F439-E6A7-28A47D742B8C}"/>
-              </a:ext>
-            </a:extLst>
-          </p:cNvPr>
-          <p:cNvSpPr>
-            <a:spLocks noGrp="1"/>
-          </p:cNvSpPr>
-          <p:nvPr>
-            <p:ph type="title"/>
-          </p:nvPr>
-        </p:nvSpPr>
-        <p:spPr/>
-        <p:txBody>
-          <a:bodyPr>
-            <a:normAutofit/>
-          </a:bodyPr>
-          <a:lstStyle/>
-          <a:p>
-            <a:r>
-              <a:rPr lang="cs-CZ" sz="3600" dirty="0">
-                <a:solidFill>
-                  <a:schemeClr val="tx2"/>
-                </a:solidFill>
-                <a:latin typeface="Abadi" panose="020B0604020104020204" pitchFamily="34" charset="0"/>
-              </a:rPr>
-              <a:t>TASK SPECIFICATION</a:t>
-            </a:r>
-            <a:endParaRPr lang="en-GB" sz="3600" dirty="0">
-              <a:solidFill>
-                <a:schemeClr val="tx2"/>
-              </a:solidFill>
-              <a:latin typeface="Abadi" panose="020B0604020104020204" pitchFamily="34" charset="0"/>
-            </a:endParaRPr>
-          </a:p>
-        </p:txBody>
-      </p:sp>
-      <p:sp>
-        <p:nvSpPr>
-          <p:cNvPr id="3" name="Zástupný obsah 2">
-            <a:extLst>
-              <a:ext uri="{FF2B5EF4-FFF2-40B4-BE49-F238E27FC236}">
-                <a16:creationId xmlns:a16="http://schemas.microsoft.com/office/drawing/2014/main" id="{AA5E0C97-2475-AFDE-3644-4D322ACA427F}"/>
-              </a:ext>
-            </a:extLst>
-          </p:cNvPr>
-          <p:cNvSpPr>
-            <a:spLocks noGrp="1"/>
-          </p:cNvSpPr>
-          <p:nvPr>
-            <p:ph idx="1"/>
-          </p:nvPr>
-        </p:nvSpPr>
-        <p:spPr/>
-        <p:txBody>
-          <a:bodyPr/>
-          <a:lstStyle/>
-          <a:p>
-            <a:r>
-              <a:rPr lang="en-US" sz="1800" b="1" dirty="0">
-                <a:solidFill>
-                  <a:srgbClr val="000000"/>
-                </a:solidFill>
-                <a:effectLst/>
-                <a:latin typeface="Calibri" panose="020F0502020204030204" pitchFamily="34" charset="0"/>
-                <a:ea typeface="Calibri" panose="020F0502020204030204" pitchFamily="34" charset="0"/>
-              </a:rPr>
-              <a:t>Scenario</a:t>
-            </a:r>
-            <a:endParaRPr lang="en-GB" sz="1800" dirty="0">
-              <a:solidFill>
-                <a:srgbClr val="000000"/>
-              </a:solidFill>
-              <a:effectLst/>
-              <a:latin typeface="Arial" panose="020B0604020202020204" pitchFamily="34" charset="0"/>
-              <a:ea typeface="Calibri" panose="020F0502020204030204" pitchFamily="34" charset="0"/>
-            </a:endParaRPr>
-          </a:p>
-          <a:p>
-            <a:r>
-              <a:rPr lang="en-US" sz="1800" dirty="0">
-                <a:solidFill>
-                  <a:srgbClr val="000000"/>
-                </a:solidFill>
-                <a:effectLst/>
-                <a:latin typeface="Calibri" panose="020F0502020204030204" pitchFamily="34" charset="0"/>
-                <a:ea typeface="Calibri" panose="020F0502020204030204" pitchFamily="34" charset="0"/>
-              </a:rPr>
-              <a:t>The Lidl purchasing group wants to expand our candy offering. These are store brand candies that we sell along the brand offerings. The idea is to create a brand-new product. The team is discussing various options now.</a:t>
-            </a:r>
-            <a:endParaRPr lang="en-GB" sz="1800" dirty="0">
-              <a:solidFill>
-                <a:srgbClr val="000000"/>
-              </a:solidFill>
-              <a:effectLst/>
-              <a:latin typeface="Arial" panose="020B0604020202020204" pitchFamily="34" charset="0"/>
-              <a:ea typeface="Calibri" panose="020F0502020204030204" pitchFamily="34" charset="0"/>
-            </a:endParaRPr>
-          </a:p>
-          <a:p>
-            <a:r>
-              <a:rPr lang="en-US" sz="1800" dirty="0">
-                <a:solidFill>
-                  <a:srgbClr val="000000"/>
-                </a:solidFill>
-                <a:effectLst/>
-                <a:latin typeface="Calibri" panose="020F0502020204030204" pitchFamily="34" charset="0"/>
-                <a:ea typeface="Calibri" panose="020F0502020204030204" pitchFamily="34" charset="0"/>
-              </a:rPr>
-              <a:t>Some prefer cookie-based sweets while others think that it should be gummies. The Divisional Director responsible for purchasing has decided to use a more data-driven approach. He contracted with a market research group to collect data on products in the market and their characteristics and customer sentiment.</a:t>
-            </a:r>
-            <a:endParaRPr lang="en-GB" sz="1800" dirty="0">
-              <a:solidFill>
-                <a:srgbClr val="000000"/>
-              </a:solidFill>
-              <a:effectLst/>
-              <a:latin typeface="Arial" panose="020B0604020202020204" pitchFamily="34" charset="0"/>
-              <a:ea typeface="Calibri" panose="020F0502020204030204" pitchFamily="34" charset="0"/>
-            </a:endParaRPr>
-          </a:p>
-          <a:p>
-            <a:pPr marL="0" indent="0">
-              <a:buNone/>
-            </a:pPr>
-            <a:endParaRPr lang="cs-CZ" dirty="0">
-              <a:solidFill>
-                <a:srgbClr val="222222"/>
-              </a:solidFill>
-              <a:latin typeface="Roboto" panose="02000000000000000000" pitchFamily="2" charset="0"/>
-            </a:endParaRPr>
-          </a:p>
-          <a:p>
-            <a:r>
-              <a:rPr lang="en-US" sz="1800" dirty="0">
-                <a:solidFill>
-                  <a:srgbClr val="000000"/>
-                </a:solidFill>
-                <a:effectLst/>
-                <a:latin typeface="Calibri" panose="020F0502020204030204" pitchFamily="34" charset="0"/>
-                <a:ea typeface="Calibri" panose="020F0502020204030204" pitchFamily="34" charset="0"/>
-              </a:rPr>
-              <a:t>The market research data is now available, and it is your job to find out which product characteristics drive customer sentiment and subsequently make a recommendation on a new product.</a:t>
-            </a:r>
-            <a:endParaRPr lang="en-GB" sz="1800" dirty="0">
-              <a:solidFill>
-                <a:srgbClr val="000000"/>
-              </a:solidFill>
-              <a:effectLst/>
-              <a:latin typeface="Arial" panose="020B0604020202020204" pitchFamily="34" charset="0"/>
-              <a:ea typeface="Calibri" panose="020F0502020204030204" pitchFamily="34" charset="0"/>
-            </a:endParaRPr>
-          </a:p>
-        </p:txBody>
-      </p:sp>
-      <p:sp>
-        <p:nvSpPr>
-          <p:cNvPr id="6" name="Volný tvar: obrazec 5">
-            <a:extLst>
-              <a:ext uri="{FF2B5EF4-FFF2-40B4-BE49-F238E27FC236}">
-                <a16:creationId xmlns:a16="http://schemas.microsoft.com/office/drawing/2014/main" id="{3D0EE111-7841-8926-9A8B-3ACBE9C69FDE}"/>
+                <a16:creationId xmlns:a16="http://schemas.microsoft.com/office/drawing/2014/main" id="{F78BB0BC-C53D-E1CA-B632-AE8ED55CA654}"/>
               </a:ext>
             </a:extLst>
           </p:cNvPr>
@@ -4603,7 +8783,7 @@
         </p:nvSpPr>
         <p:spPr>
           <a:xfrm>
-            <a:off x="604684" y="1322903"/>
+            <a:off x="604684" y="1303239"/>
             <a:ext cx="10982632" cy="36000"/>
           </a:xfrm>
           <a:custGeom>
@@ -4867,10 +9047,273 @@
           </a:p>
         </p:txBody>
       </p:sp>
+      <p:sp>
+        <p:nvSpPr>
+          <p:cNvPr id="5" name="Nadpis 1">
+            <a:extLst>
+              <a:ext uri="{FF2B5EF4-FFF2-40B4-BE49-F238E27FC236}">
+                <a16:creationId xmlns:a16="http://schemas.microsoft.com/office/drawing/2014/main" id="{5220087A-10DC-BCD4-FF07-3BD84AD28BA3}"/>
+              </a:ext>
+            </a:extLst>
+          </p:cNvPr>
+          <p:cNvSpPr>
+            <a:spLocks noGrp="1"/>
+          </p:cNvSpPr>
+          <p:nvPr>
+            <p:ph type="title"/>
+          </p:nvPr>
+        </p:nvSpPr>
+        <p:spPr>
+          <a:xfrm>
+            <a:off x="838200" y="368553"/>
+            <a:ext cx="10515600" cy="1325563"/>
+          </a:xfrm>
+        </p:spPr>
+        <p:txBody>
+          <a:bodyPr>
+            <a:normAutofit/>
+          </a:bodyPr>
+          <a:lstStyle/>
+          <a:p>
+            <a:r>
+              <a:rPr lang="cs-CZ" sz="3600" b="1" spc="300" dirty="0">
+                <a:solidFill>
+                  <a:schemeClr val="tx2"/>
+                </a:solidFill>
+                <a:latin typeface="Abadi" panose="020B0604020104020204" pitchFamily="34" charset="0"/>
+              </a:rPr>
+              <a:t>MANAGEMENT SUMMARY</a:t>
+            </a:r>
+            <a:endParaRPr lang="en-GB" sz="3600" b="1" spc="300" dirty="0">
+              <a:solidFill>
+                <a:schemeClr val="tx2"/>
+              </a:solidFill>
+              <a:latin typeface="Abadi" panose="020B0604020104020204" pitchFamily="34" charset="0"/>
+            </a:endParaRPr>
+          </a:p>
+        </p:txBody>
+      </p:sp>
+      <p:pic>
+        <p:nvPicPr>
+          <p:cNvPr id="8" name="Obrázek 7">
+            <a:extLst>
+              <a:ext uri="{FF2B5EF4-FFF2-40B4-BE49-F238E27FC236}">
+                <a16:creationId xmlns:a16="http://schemas.microsoft.com/office/drawing/2014/main" id="{8FE30E51-027D-4C27-9FC6-E0E20DDD9FD1}"/>
+              </a:ext>
+            </a:extLst>
+          </p:cNvPr>
+          <p:cNvPicPr>
+            <a:picLocks noChangeAspect="1"/>
+          </p:cNvPicPr>
+          <p:nvPr/>
+        </p:nvPicPr>
+        <p:blipFill>
+          <a:blip r:embed="rId2">
+            <a:extLst>
+              <a:ext uri="{BEBA8EAE-BF5A-486C-A8C5-ECC9F3942E4B}">
+                <a14:imgProps xmlns:a14="http://schemas.microsoft.com/office/drawing/2010/main">
+                  <a14:imgLayer r:embed="rId3">
+                    <a14:imgEffect>
+                      <a14:backgroundRemoval t="10000" b="90000" l="10000" r="90000">
+                        <a14:foregroundMark x1="52147" y1="52439" x2="52147" y2="52439"/>
+                        <a14:foregroundMark x1="57055" y1="39634" x2="57055" y2="39634"/>
+                        <a14:foregroundMark x1="22086" y1="18902" x2="22086" y2="18902"/>
+                        <a14:backgroundMark x1="2454" y1="38415" x2="2454" y2="38415"/>
+                        <a14:backgroundMark x1="80368" y1="18293" x2="80368" y2="18293"/>
+                      </a14:backgroundRemoval>
+                    </a14:imgEffect>
+                  </a14:imgLayer>
+                </a14:imgProps>
+              </a:ext>
+            </a:extLst>
+          </a:blip>
+          <a:stretch>
+            <a:fillRect/>
+          </a:stretch>
+        </p:blipFill>
+        <p:spPr>
+          <a:xfrm>
+            <a:off x="10593090" y="0"/>
+            <a:ext cx="1317481" cy="1325563"/>
+          </a:xfrm>
+          <a:prstGeom prst="rect">
+            <a:avLst/>
+          </a:prstGeom>
+          <a:effectLst>
+            <a:outerShdw blurRad="50800" dist="38100" dir="2700000" algn="tl" rotWithShape="0">
+              <a:prstClr val="black">
+                <a:alpha val="40000"/>
+              </a:prstClr>
+            </a:outerShdw>
+          </a:effectLst>
+        </p:spPr>
+      </p:pic>
+      <p:pic>
+        <p:nvPicPr>
+          <p:cNvPr id="9" name="Obrázek 8">
+            <a:extLst>
+              <a:ext uri="{FF2B5EF4-FFF2-40B4-BE49-F238E27FC236}">
+                <a16:creationId xmlns:a16="http://schemas.microsoft.com/office/drawing/2014/main" id="{26FD94FF-F7D2-F98F-5C40-94959024EAAE}"/>
+              </a:ext>
+            </a:extLst>
+          </p:cNvPr>
+          <p:cNvPicPr>
+            <a:picLocks noChangeAspect="1"/>
+          </p:cNvPicPr>
+          <p:nvPr/>
+        </p:nvPicPr>
+        <p:blipFill>
+          <a:blip r:embed="rId4">
+            <a:extLst>
+              <a:ext uri="{BEBA8EAE-BF5A-486C-A8C5-ECC9F3942E4B}">
+                <a14:imgProps xmlns:a14="http://schemas.microsoft.com/office/drawing/2010/main">
+                  <a14:imgLayer r:embed="rId5">
+                    <a14:imgEffect>
+                      <a14:backgroundRemoval t="10000" b="90000" l="10000" r="90000"/>
+                    </a14:imgEffect>
+                  </a14:imgLayer>
+                </a14:imgProps>
+              </a:ext>
+            </a:extLst>
+          </a:blip>
+          <a:stretch>
+            <a:fillRect/>
+          </a:stretch>
+        </p:blipFill>
+        <p:spPr>
+          <a:xfrm rot="18557044">
+            <a:off x="9949804" y="296739"/>
+            <a:ext cx="1457528" cy="1457528"/>
+          </a:xfrm>
+          <a:prstGeom prst="rect">
+            <a:avLst/>
+          </a:prstGeom>
+          <a:effectLst>
+            <a:outerShdw blurRad="50800" dist="38100" dir="2700000" algn="tl" rotWithShape="0">
+              <a:prstClr val="black">
+                <a:alpha val="40000"/>
+              </a:prstClr>
+            </a:outerShdw>
+          </a:effectLst>
+        </p:spPr>
+      </p:pic>
+      <p:sp>
+        <p:nvSpPr>
+          <p:cNvPr id="22" name="Zástupný symbol pro zápatí 21">
+            <a:extLst>
+              <a:ext uri="{FF2B5EF4-FFF2-40B4-BE49-F238E27FC236}">
+                <a16:creationId xmlns:a16="http://schemas.microsoft.com/office/drawing/2014/main" id="{EC5CF122-B4FA-9183-6C0F-817E697B07DE}"/>
+              </a:ext>
+            </a:extLst>
+          </p:cNvPr>
+          <p:cNvSpPr>
+            <a:spLocks noGrp="1"/>
+          </p:cNvSpPr>
+          <p:nvPr>
+            <p:ph type="ftr" sz="quarter" idx="11"/>
+          </p:nvPr>
+        </p:nvSpPr>
+        <p:spPr/>
+        <p:txBody>
+          <a:bodyPr/>
+          <a:lstStyle/>
+          <a:p>
+            <a:r>
+              <a:rPr lang="en-GB"/>
+              <a:t>Anežka Lhotáková | Case study: Candy Recommendation</a:t>
+            </a:r>
+          </a:p>
+        </p:txBody>
+      </p:sp>
+      <p:sp>
+        <p:nvSpPr>
+          <p:cNvPr id="23" name="Zástupný symbol pro číslo snímku 22">
+            <a:extLst>
+              <a:ext uri="{FF2B5EF4-FFF2-40B4-BE49-F238E27FC236}">
+                <a16:creationId xmlns:a16="http://schemas.microsoft.com/office/drawing/2014/main" id="{9615EB81-C053-8A4F-C45E-6175BD81A608}"/>
+              </a:ext>
+            </a:extLst>
+          </p:cNvPr>
+          <p:cNvSpPr>
+            <a:spLocks noGrp="1"/>
+          </p:cNvSpPr>
+          <p:nvPr>
+            <p:ph type="sldNum" sz="quarter" idx="12"/>
+          </p:nvPr>
+        </p:nvSpPr>
+        <p:spPr/>
+        <p:txBody>
+          <a:bodyPr/>
+          <a:lstStyle/>
+          <a:p>
+            <a:fld id="{1C02EF61-8107-4C87-8A3F-865CEEEC0DE4}" type="slidenum">
+              <a:rPr lang="en-GB" smtClean="0"/>
+              <a:t>2</a:t>
+            </a:fld>
+            <a:endParaRPr lang="en-GB"/>
+          </a:p>
+        </p:txBody>
+      </p:sp>
+      <p:sp>
+        <p:nvSpPr>
+          <p:cNvPr id="24" name="Zástupný symbol pro datum 23">
+            <a:extLst>
+              <a:ext uri="{FF2B5EF4-FFF2-40B4-BE49-F238E27FC236}">
+                <a16:creationId xmlns:a16="http://schemas.microsoft.com/office/drawing/2014/main" id="{D03774DA-07D7-92E9-DF2A-C8303FC5145D}"/>
+              </a:ext>
+            </a:extLst>
+          </p:cNvPr>
+          <p:cNvSpPr>
+            <a:spLocks noGrp="1"/>
+          </p:cNvSpPr>
+          <p:nvPr>
+            <p:ph type="dt" sz="half" idx="10"/>
+          </p:nvPr>
+        </p:nvSpPr>
+        <p:spPr/>
+        <p:txBody>
+          <a:bodyPr/>
+          <a:lstStyle/>
+          <a:p>
+            <a:r>
+              <a:rPr lang="en-GB"/>
+              <a:t>26/07/2022</a:t>
+            </a:r>
+          </a:p>
+        </p:txBody>
+      </p:sp>
+      <p:graphicFrame>
+        <p:nvGraphicFramePr>
+          <p:cNvPr id="39" name="Diagram 38">
+            <a:extLst>
+              <a:ext uri="{FF2B5EF4-FFF2-40B4-BE49-F238E27FC236}">
+                <a16:creationId xmlns:a16="http://schemas.microsoft.com/office/drawing/2014/main" id="{A755BD52-F1AA-0994-BF57-B19E89C7259C}"/>
+              </a:ext>
+            </a:extLst>
+          </p:cNvPr>
+          <p:cNvGraphicFramePr/>
+          <p:nvPr>
+            <p:extLst>
+              <p:ext uri="{D42A27DB-BD31-4B8C-83A1-F6EECF244321}">
+                <p14:modId xmlns:p14="http://schemas.microsoft.com/office/powerpoint/2010/main" val="2369847735"/>
+              </p:ext>
+            </p:extLst>
+          </p:nvPr>
+        </p:nvGraphicFramePr>
+        <p:xfrm>
+          <a:off x="570741" y="1120245"/>
+          <a:ext cx="10982631" cy="5418667"/>
+        </p:xfrm>
+        <a:graphic>
+          <a:graphicData uri="http://schemas.openxmlformats.org/drawingml/2006/diagram">
+            <dgm:relIds xmlns:dgm="http://schemas.openxmlformats.org/drawingml/2006/diagram" xmlns:r="http://schemas.openxmlformats.org/officeDocument/2006/relationships" r:dm="rId6" r:lo="rId7" r:qs="rId8" r:cs="rId9"/>
+          </a:graphicData>
+        </a:graphic>
+      </p:graphicFrame>
     </p:spTree>
     <p:extLst>
       <p:ext uri="{BB962C8B-B14F-4D97-AF65-F5344CB8AC3E}">
-        <p14:creationId xmlns:p14="http://schemas.microsoft.com/office/powerpoint/2010/main" val="2877181091"/>
+        <p14:creationId xmlns:p14="http://schemas.microsoft.com/office/powerpoint/2010/main" val="2355904673"/>
       </p:ext>
     </p:extLst>
   </p:cSld>
@@ -4899,10 +9342,288 @@
       </p:grpSpPr>
       <p:sp>
         <p:nvSpPr>
-          <p:cNvPr id="3" name="Zástupný obsah 2">
+          <p:cNvPr id="5" name="Volný tvar: obrazec 4">
             <a:extLst>
               <a:ext uri="{FF2B5EF4-FFF2-40B4-BE49-F238E27FC236}">
-                <a16:creationId xmlns:a16="http://schemas.microsoft.com/office/drawing/2014/main" id="{CB9A51D8-FC01-4BE3-6D4B-C2CFF8852BF0}"/>
+                <a16:creationId xmlns:a16="http://schemas.microsoft.com/office/drawing/2014/main" id="{91C190D9-04B6-C6C6-9A7B-AE26088E27EC}"/>
+              </a:ext>
+            </a:extLst>
+          </p:cNvPr>
+          <p:cNvSpPr/>
+          <p:nvPr/>
+        </p:nvSpPr>
+        <p:spPr>
+          <a:xfrm>
+            <a:off x="604684" y="1303239"/>
+            <a:ext cx="10982632" cy="36000"/>
+          </a:xfrm>
+          <a:custGeom>
+            <a:avLst/>
+            <a:gdLst>
+              <a:gd name="connsiteX0" fmla="*/ 0 w 10982632"/>
+              <a:gd name="connsiteY0" fmla="*/ 36000 h 36000"/>
+              <a:gd name="connsiteX1" fmla="*/ 482399 w 10982632"/>
+              <a:gd name="connsiteY1" fmla="*/ 34194 h 36000"/>
+              <a:gd name="connsiteX2" fmla="*/ 870998 w 10982632"/>
+              <a:gd name="connsiteY2" fmla="*/ 32739 h 36000"/>
+              <a:gd name="connsiteX3" fmla="*/ 1447196 w 10982632"/>
+              <a:gd name="connsiteY3" fmla="*/ 30582 h 36000"/>
+              <a:gd name="connsiteX4" fmla="*/ 2210994 w 10982632"/>
+              <a:gd name="connsiteY4" fmla="*/ 27722 h 36000"/>
+              <a:gd name="connsiteX5" fmla="*/ 2599593 w 10982632"/>
+              <a:gd name="connsiteY5" fmla="*/ 26268 h 36000"/>
+              <a:gd name="connsiteX6" fmla="*/ 3269591 w 10982632"/>
+              <a:gd name="connsiteY6" fmla="*/ 23759 h 36000"/>
+              <a:gd name="connsiteX7" fmla="*/ 3845789 w 10982632"/>
+              <a:gd name="connsiteY7" fmla="*/ 21602 h 36000"/>
+              <a:gd name="connsiteX8" fmla="*/ 4234388 w 10982632"/>
+              <a:gd name="connsiteY8" fmla="*/ 20147 h 36000"/>
+              <a:gd name="connsiteX9" fmla="*/ 4810587 w 10982632"/>
+              <a:gd name="connsiteY9" fmla="*/ 17990 h 36000"/>
+              <a:gd name="connsiteX10" fmla="*/ 5668184 w 10982632"/>
+              <a:gd name="connsiteY10" fmla="*/ 14779 h 36000"/>
+              <a:gd name="connsiteX11" fmla="*/ 6431982 w 10982632"/>
+              <a:gd name="connsiteY11" fmla="*/ 11920 h 36000"/>
+              <a:gd name="connsiteX12" fmla="*/ 7195780 w 10982632"/>
+              <a:gd name="connsiteY12" fmla="*/ 9060 h 36000"/>
+              <a:gd name="connsiteX13" fmla="*/ 7678179 w 10982632"/>
+              <a:gd name="connsiteY13" fmla="*/ 7254 h 36000"/>
+              <a:gd name="connsiteX14" fmla="*/ 8348177 w 10982632"/>
+              <a:gd name="connsiteY14" fmla="*/ 4746 h 36000"/>
+              <a:gd name="connsiteX15" fmla="*/ 9379974 w 10982632"/>
+              <a:gd name="connsiteY15" fmla="*/ 883 h 36000"/>
+              <a:gd name="connsiteX16" fmla="*/ 10982632 w 10982632"/>
+              <a:gd name="connsiteY16" fmla="*/ 8687 h 36000"/>
+            </a:gdLst>
+            <a:ahLst/>
+            <a:cxnLst>
+              <a:cxn ang="0">
+                <a:pos x="connsiteX0" y="connsiteY0"/>
+              </a:cxn>
+              <a:cxn ang="0">
+                <a:pos x="connsiteX1" y="connsiteY1"/>
+              </a:cxn>
+              <a:cxn ang="0">
+                <a:pos x="connsiteX2" y="connsiteY2"/>
+              </a:cxn>
+              <a:cxn ang="0">
+                <a:pos x="connsiteX3" y="connsiteY3"/>
+              </a:cxn>
+              <a:cxn ang="0">
+                <a:pos x="connsiteX4" y="connsiteY4"/>
+              </a:cxn>
+              <a:cxn ang="0">
+                <a:pos x="connsiteX5" y="connsiteY5"/>
+              </a:cxn>
+              <a:cxn ang="0">
+                <a:pos x="connsiteX6" y="connsiteY6"/>
+              </a:cxn>
+              <a:cxn ang="0">
+                <a:pos x="connsiteX7" y="connsiteY7"/>
+              </a:cxn>
+              <a:cxn ang="0">
+                <a:pos x="connsiteX8" y="connsiteY8"/>
+              </a:cxn>
+              <a:cxn ang="0">
+                <a:pos x="connsiteX9" y="connsiteY9"/>
+              </a:cxn>
+              <a:cxn ang="0">
+                <a:pos x="connsiteX10" y="connsiteY10"/>
+              </a:cxn>
+              <a:cxn ang="0">
+                <a:pos x="connsiteX11" y="connsiteY11"/>
+              </a:cxn>
+              <a:cxn ang="0">
+                <a:pos x="connsiteX12" y="connsiteY12"/>
+              </a:cxn>
+              <a:cxn ang="0">
+                <a:pos x="connsiteX13" y="connsiteY13"/>
+              </a:cxn>
+              <a:cxn ang="0">
+                <a:pos x="connsiteX14" y="connsiteY14"/>
+              </a:cxn>
+              <a:cxn ang="0">
+                <a:pos x="connsiteX15" y="connsiteY15"/>
+              </a:cxn>
+              <a:cxn ang="0">
+                <a:pos x="connsiteX16" y="connsiteY16"/>
+              </a:cxn>
+            </a:cxnLst>
+            <a:rect l="l" t="t" r="r" b="b"/>
+            <a:pathLst>
+              <a:path w="10982632" h="36000" extrusionOk="0">
+                <a:moveTo>
+                  <a:pt x="0" y="36000"/>
+                </a:moveTo>
+                <a:cubicBezTo>
+                  <a:pt x="135513" y="38412"/>
+                  <a:pt x="252646" y="22812"/>
+                  <a:pt x="482399" y="34194"/>
+                </a:cubicBezTo>
+                <a:cubicBezTo>
+                  <a:pt x="712152" y="45576"/>
+                  <a:pt x="715286" y="39715"/>
+                  <a:pt x="870998" y="32739"/>
+                </a:cubicBezTo>
+                <a:cubicBezTo>
+                  <a:pt x="1026710" y="25763"/>
+                  <a:pt x="1305283" y="47961"/>
+                  <a:pt x="1447196" y="30582"/>
+                </a:cubicBezTo>
+                <a:cubicBezTo>
+                  <a:pt x="1589109" y="13203"/>
+                  <a:pt x="2014513" y="-8378"/>
+                  <a:pt x="2210994" y="27722"/>
+                </a:cubicBezTo>
+                <a:cubicBezTo>
+                  <a:pt x="2407475" y="63822"/>
+                  <a:pt x="2521758" y="29143"/>
+                  <a:pt x="2599593" y="26268"/>
+                </a:cubicBezTo>
+                <a:cubicBezTo>
+                  <a:pt x="2677428" y="23393"/>
+                  <a:pt x="2990761" y="43291"/>
+                  <a:pt x="3269591" y="23759"/>
+                </a:cubicBezTo>
+                <a:cubicBezTo>
+                  <a:pt x="3548421" y="4228"/>
+                  <a:pt x="3558874" y="16979"/>
+                  <a:pt x="3845789" y="21602"/>
+                </a:cubicBezTo>
+                <a:cubicBezTo>
+                  <a:pt x="4132704" y="26224"/>
+                  <a:pt x="4122156" y="4132"/>
+                  <a:pt x="4234388" y="20147"/>
+                </a:cubicBezTo>
+                <a:cubicBezTo>
+                  <a:pt x="4346620" y="36162"/>
+                  <a:pt x="4535079" y="18226"/>
+                  <a:pt x="4810587" y="17990"/>
+                </a:cubicBezTo>
+                <a:cubicBezTo>
+                  <a:pt x="5086095" y="17754"/>
+                  <a:pt x="5285955" y="-23143"/>
+                  <a:pt x="5668184" y="14779"/>
+                </a:cubicBezTo>
+                <a:cubicBezTo>
+                  <a:pt x="6050413" y="52702"/>
+                  <a:pt x="6257522" y="14168"/>
+                  <a:pt x="6431982" y="11920"/>
+                </a:cubicBezTo>
+                <a:cubicBezTo>
+                  <a:pt x="6606442" y="9672"/>
+                  <a:pt x="6967859" y="4959"/>
+                  <a:pt x="7195780" y="9060"/>
+                </a:cubicBezTo>
+                <a:cubicBezTo>
+                  <a:pt x="7423701" y="13161"/>
+                  <a:pt x="7438426" y="-2995"/>
+                  <a:pt x="7678179" y="7254"/>
+                </a:cubicBezTo>
+                <a:cubicBezTo>
+                  <a:pt x="7917932" y="17503"/>
+                  <a:pt x="8110949" y="37862"/>
+                  <a:pt x="8348177" y="4746"/>
+                </a:cubicBezTo>
+                <a:cubicBezTo>
+                  <a:pt x="8585405" y="-28371"/>
+                  <a:pt x="9008437" y="-5748"/>
+                  <a:pt x="9379974" y="883"/>
+                </a:cubicBezTo>
+                <a:cubicBezTo>
+                  <a:pt x="11190356" y="-30152"/>
+                  <a:pt x="10726379" y="3159"/>
+                  <a:pt x="10982632" y="8687"/>
+                </a:cubicBezTo>
+              </a:path>
+            </a:pathLst>
+          </a:custGeom>
+          <a:noFill/>
+          <a:ln w="76200">
+            <a:solidFill>
+              <a:schemeClr val="accent2"/>
+            </a:solidFill>
+            <a:extLst>
+              <a:ext uri="{C807C97D-BFC1-408E-A445-0C87EB9F89A2}">
+                <ask:lineSketchStyleProps xmlns:ask="http://schemas.microsoft.com/office/drawing/2018/sketchyshapes" sd="3139255767">
+                  <a:custGeom>
+                    <a:avLst/>
+                    <a:gdLst>
+                      <a:gd name="connsiteX0" fmla="*/ 0 w 10982632"/>
+                      <a:gd name="connsiteY0" fmla="*/ 181433 h 181433"/>
+                      <a:gd name="connsiteX1" fmla="*/ 9379974 w 10982632"/>
+                      <a:gd name="connsiteY1" fmla="*/ 4453 h 181433"/>
+                      <a:gd name="connsiteX2" fmla="*/ 10982632 w 10982632"/>
+                      <a:gd name="connsiteY2" fmla="*/ 43782 h 181433"/>
+                    </a:gdLst>
+                    <a:ahLst/>
+                    <a:cxnLst>
+                      <a:cxn ang="0">
+                        <a:pos x="connsiteX0" y="connsiteY0"/>
+                      </a:cxn>
+                      <a:cxn ang="0">
+                        <a:pos x="connsiteX1" y="connsiteY1"/>
+                      </a:cxn>
+                      <a:cxn ang="0">
+                        <a:pos x="connsiteX2" y="connsiteY2"/>
+                      </a:cxn>
+                    </a:cxnLst>
+                    <a:rect l="l" t="t" r="r" b="b"/>
+                    <a:pathLst>
+                      <a:path w="10982632" h="181433">
+                        <a:moveTo>
+                          <a:pt x="0" y="181433"/>
+                        </a:moveTo>
+                        <a:lnTo>
+                          <a:pt x="9379974" y="4453"/>
+                        </a:lnTo>
+                        <a:cubicBezTo>
+                          <a:pt x="11210413" y="-18489"/>
+                          <a:pt x="10763045" y="55253"/>
+                          <a:pt x="10982632" y="43782"/>
+                        </a:cubicBezTo>
+                      </a:path>
+                    </a:pathLst>
+                  </a:custGeom>
+                  <ask:type>
+                    <ask:lineSketchFreehand/>
+                  </ask:type>
+                </ask:lineSketchStyleProps>
+              </a:ext>
+            </a:extLst>
+          </a:ln>
+        </p:spPr>
+        <p:style>
+          <a:lnRef idx="2">
+            <a:schemeClr val="accent1">
+              <a:shade val="50000"/>
+            </a:schemeClr>
+          </a:lnRef>
+          <a:fillRef idx="1">
+            <a:schemeClr val="accent1"/>
+          </a:fillRef>
+          <a:effectRef idx="0">
+            <a:schemeClr val="accent1"/>
+          </a:effectRef>
+          <a:fontRef idx="minor">
+            <a:schemeClr val="lt1"/>
+          </a:fontRef>
+        </p:style>
+        <p:txBody>
+          <a:bodyPr rtlCol="0" anchor="ctr"/>
+          <a:lstStyle/>
+          <a:p>
+            <a:pPr algn="ctr"/>
+            <a:endParaRPr lang="en-GB"/>
+          </a:p>
+        </p:txBody>
+      </p:sp>
+      <p:sp>
+        <p:nvSpPr>
+          <p:cNvPr id="6" name="Nadpis 1">
+            <a:extLst>
+              <a:ext uri="{FF2B5EF4-FFF2-40B4-BE49-F238E27FC236}">
+                <a16:creationId xmlns:a16="http://schemas.microsoft.com/office/drawing/2014/main" id="{444E4041-5BD8-90E3-F0BE-DF7CB570764C}"/>
               </a:ext>
             </a:extLst>
           </p:cNvPr>
@@ -4910,7 +9631,342 @@
             <a:spLocks noGrp="1"/>
           </p:cNvSpPr>
           <p:nvPr>
-            <p:ph idx="1"/>
+            <p:ph type="title"/>
+          </p:nvPr>
+        </p:nvSpPr>
+        <p:spPr>
+          <a:xfrm>
+            <a:off x="838200" y="368553"/>
+            <a:ext cx="10515600" cy="1325563"/>
+          </a:xfrm>
+        </p:spPr>
+        <p:txBody>
+          <a:bodyPr>
+            <a:normAutofit/>
+          </a:bodyPr>
+          <a:lstStyle/>
+          <a:p>
+            <a:r>
+              <a:rPr lang="cs-CZ" sz="3600" b="1" spc="300" dirty="0">
+                <a:solidFill>
+                  <a:schemeClr val="tx2"/>
+                </a:solidFill>
+                <a:latin typeface="Abadi" panose="020B0604020104020204" pitchFamily="34" charset="0"/>
+              </a:rPr>
+              <a:t>PROCEDURE &amp; ASSUMPTIONS</a:t>
+            </a:r>
+            <a:endParaRPr lang="en-GB" sz="3600" b="1" spc="300" dirty="0">
+              <a:solidFill>
+                <a:schemeClr val="tx2"/>
+              </a:solidFill>
+              <a:latin typeface="Abadi" panose="020B0604020104020204" pitchFamily="34" charset="0"/>
+            </a:endParaRPr>
+          </a:p>
+        </p:txBody>
+      </p:sp>
+      <p:grpSp>
+        <p:nvGrpSpPr>
+          <p:cNvPr id="10" name="Skupina 9">
+            <a:extLst>
+              <a:ext uri="{FF2B5EF4-FFF2-40B4-BE49-F238E27FC236}">
+                <a16:creationId xmlns:a16="http://schemas.microsoft.com/office/drawing/2014/main" id="{4043125D-6B87-085A-56F9-E38BDB456FED}"/>
+              </a:ext>
+            </a:extLst>
+          </p:cNvPr>
+          <p:cNvGrpSpPr/>
+          <p:nvPr/>
+        </p:nvGrpSpPr>
+        <p:grpSpPr>
+          <a:xfrm>
+            <a:off x="454742" y="1615178"/>
+            <a:ext cx="11282516" cy="4716000"/>
+            <a:chOff x="501444" y="1615458"/>
+            <a:chExt cx="11282516" cy="5011484"/>
+          </a:xfrm>
+        </p:grpSpPr>
+        <p:sp>
+          <p:nvSpPr>
+            <p:cNvPr id="8" name="Obdélník: se zakulacenými rohy 7">
+              <a:extLst>
+                <a:ext uri="{FF2B5EF4-FFF2-40B4-BE49-F238E27FC236}">
+                  <a16:creationId xmlns:a16="http://schemas.microsoft.com/office/drawing/2014/main" id="{D3539E20-3F2F-6B6E-BF79-53A934D8140E}"/>
+                </a:ext>
+              </a:extLst>
+            </p:cNvPr>
+            <p:cNvSpPr/>
+            <p:nvPr/>
+          </p:nvSpPr>
+          <p:spPr>
+            <a:xfrm>
+              <a:off x="501444" y="1615458"/>
+              <a:ext cx="5594555" cy="5011484"/>
+            </a:xfrm>
+            <a:prstGeom prst="roundRect">
+              <a:avLst>
+                <a:gd name="adj" fmla="val 7250"/>
+              </a:avLst>
+            </a:prstGeom>
+            <a:solidFill>
+              <a:srgbClr val="FBFBE9"/>
+            </a:solidFill>
+            <a:ln>
+              <a:noFill/>
+            </a:ln>
+          </p:spPr>
+          <p:style>
+            <a:lnRef idx="2">
+              <a:schemeClr val="accent1">
+                <a:shade val="50000"/>
+              </a:schemeClr>
+            </a:lnRef>
+            <a:fillRef idx="1">
+              <a:schemeClr val="accent1"/>
+            </a:fillRef>
+            <a:effectRef idx="0">
+              <a:schemeClr val="accent1"/>
+            </a:effectRef>
+            <a:fontRef idx="minor">
+              <a:schemeClr val="lt1"/>
+            </a:fontRef>
+          </p:style>
+          <p:txBody>
+            <a:bodyPr rtlCol="0" anchor="ctr"/>
+            <a:lstStyle/>
+            <a:p>
+              <a:pPr algn="ctr"/>
+              <a:endParaRPr lang="en-GB" dirty="0"/>
+            </a:p>
+          </p:txBody>
+        </p:sp>
+        <p:sp>
+          <p:nvSpPr>
+            <p:cNvPr id="9" name="Obdélník: se zakulacenými rohy 8">
+              <a:extLst>
+                <a:ext uri="{FF2B5EF4-FFF2-40B4-BE49-F238E27FC236}">
+                  <a16:creationId xmlns:a16="http://schemas.microsoft.com/office/drawing/2014/main" id="{FDE78EEE-6A80-2B72-BDED-A95569BD6315}"/>
+                </a:ext>
+              </a:extLst>
+            </p:cNvPr>
+            <p:cNvSpPr/>
+            <p:nvPr/>
+          </p:nvSpPr>
+          <p:spPr>
+            <a:xfrm>
+              <a:off x="6189405" y="1615458"/>
+              <a:ext cx="5594555" cy="5011484"/>
+            </a:xfrm>
+            <a:prstGeom prst="roundRect">
+              <a:avLst>
+                <a:gd name="adj" fmla="val 7250"/>
+              </a:avLst>
+            </a:prstGeom>
+            <a:solidFill>
+              <a:srgbClr val="F9F9DF"/>
+            </a:solidFill>
+            <a:ln>
+              <a:noFill/>
+            </a:ln>
+          </p:spPr>
+          <p:style>
+            <a:lnRef idx="2">
+              <a:schemeClr val="accent1">
+                <a:shade val="50000"/>
+              </a:schemeClr>
+            </a:lnRef>
+            <a:fillRef idx="1">
+              <a:schemeClr val="accent1"/>
+            </a:fillRef>
+            <a:effectRef idx="0">
+              <a:schemeClr val="accent1"/>
+            </a:effectRef>
+            <a:fontRef idx="minor">
+              <a:schemeClr val="lt1"/>
+            </a:fontRef>
+          </p:style>
+          <p:txBody>
+            <a:bodyPr rtlCol="0" anchor="ctr"/>
+            <a:lstStyle/>
+            <a:p>
+              <a:pPr algn="ctr"/>
+              <a:endParaRPr lang="en-GB" dirty="0"/>
+            </a:p>
+          </p:txBody>
+        </p:sp>
+      </p:grpSp>
+      <p:sp>
+        <p:nvSpPr>
+          <p:cNvPr id="11" name="Kosoúhelník 10">
+            <a:extLst>
+              <a:ext uri="{FF2B5EF4-FFF2-40B4-BE49-F238E27FC236}">
+                <a16:creationId xmlns:a16="http://schemas.microsoft.com/office/drawing/2014/main" id="{8D8531B3-5B7B-DC6B-D885-978EBBFF9F92}"/>
+              </a:ext>
+            </a:extLst>
+          </p:cNvPr>
+          <p:cNvSpPr/>
+          <p:nvPr/>
+        </p:nvSpPr>
+        <p:spPr>
+          <a:xfrm>
+            <a:off x="1818967" y="1484671"/>
+            <a:ext cx="8229600" cy="5373329"/>
+          </a:xfrm>
+          <a:prstGeom prst="parallelogram">
+            <a:avLst>
+              <a:gd name="adj" fmla="val 101853"/>
+            </a:avLst>
+          </a:prstGeom>
+          <a:solidFill>
+            <a:srgbClr val="FFFFFF">
+              <a:alpha val="30980"/>
+            </a:srgbClr>
+          </a:solidFill>
+          <a:ln>
+            <a:noFill/>
+          </a:ln>
+        </p:spPr>
+        <p:style>
+          <a:lnRef idx="2">
+            <a:schemeClr val="accent1">
+              <a:shade val="50000"/>
+            </a:schemeClr>
+          </a:lnRef>
+          <a:fillRef idx="1">
+            <a:schemeClr val="accent1"/>
+          </a:fillRef>
+          <a:effectRef idx="0">
+            <a:schemeClr val="accent1"/>
+          </a:effectRef>
+          <a:fontRef idx="minor">
+            <a:schemeClr val="lt1"/>
+          </a:fontRef>
+        </p:style>
+        <p:txBody>
+          <a:bodyPr rtlCol="0" anchor="ctr"/>
+          <a:lstStyle/>
+          <a:p>
+            <a:pPr algn="ctr"/>
+            <a:endParaRPr lang="en-GB"/>
+          </a:p>
+        </p:txBody>
+      </p:sp>
+      <p:pic>
+        <p:nvPicPr>
+          <p:cNvPr id="13" name="Obrázek 12">
+            <a:extLst>
+              <a:ext uri="{FF2B5EF4-FFF2-40B4-BE49-F238E27FC236}">
+                <a16:creationId xmlns:a16="http://schemas.microsoft.com/office/drawing/2014/main" id="{4DB4EA39-18B1-BE3B-AB03-437F44F37FB4}"/>
+              </a:ext>
+            </a:extLst>
+          </p:cNvPr>
+          <p:cNvPicPr>
+            <a:picLocks noChangeAspect="1"/>
+          </p:cNvPicPr>
+          <p:nvPr/>
+        </p:nvPicPr>
+        <p:blipFill>
+          <a:blip r:embed="rId3">
+            <a:extLst>
+              <a:ext uri="{BEBA8EAE-BF5A-486C-A8C5-ECC9F3942E4B}">
+                <a14:imgProps xmlns:a14="http://schemas.microsoft.com/office/drawing/2010/main">
+                  <a14:imgLayer r:embed="rId4">
+                    <a14:imgEffect>
+                      <a14:backgroundRemoval t="10000" b="90000" l="10000" r="90000">
+                        <a14:foregroundMark x1="52147" y1="52439" x2="52147" y2="52439"/>
+                        <a14:foregroundMark x1="57055" y1="39634" x2="57055" y2="39634"/>
+                        <a14:foregroundMark x1="22086" y1="18902" x2="22086" y2="18902"/>
+                        <a14:backgroundMark x1="2454" y1="38415" x2="2454" y2="38415"/>
+                        <a14:backgroundMark x1="80368" y1="18293" x2="80368" y2="18293"/>
+                      </a14:backgroundRemoval>
+                    </a14:imgEffect>
+                  </a14:imgLayer>
+                </a14:imgProps>
+              </a:ext>
+            </a:extLst>
+          </a:blip>
+          <a:stretch>
+            <a:fillRect/>
+          </a:stretch>
+        </p:blipFill>
+        <p:spPr>
+          <a:xfrm>
+            <a:off x="10593090" y="0"/>
+            <a:ext cx="1317481" cy="1325563"/>
+          </a:xfrm>
+          <a:prstGeom prst="rect">
+            <a:avLst/>
+          </a:prstGeom>
+          <a:effectLst>
+            <a:outerShdw blurRad="50800" dist="38100" dir="2700000" algn="tl" rotWithShape="0">
+              <a:prstClr val="black">
+                <a:alpha val="40000"/>
+              </a:prstClr>
+            </a:outerShdw>
+          </a:effectLst>
+        </p:spPr>
+      </p:pic>
+      <p:pic>
+        <p:nvPicPr>
+          <p:cNvPr id="14" name="Obrázek 13">
+            <a:extLst>
+              <a:ext uri="{FF2B5EF4-FFF2-40B4-BE49-F238E27FC236}">
+                <a16:creationId xmlns:a16="http://schemas.microsoft.com/office/drawing/2014/main" id="{6E2A0424-9DB4-CFF1-EEB6-0937AF45E814}"/>
+              </a:ext>
+            </a:extLst>
+          </p:cNvPr>
+          <p:cNvPicPr>
+            <a:picLocks noChangeAspect="1"/>
+          </p:cNvPicPr>
+          <p:nvPr/>
+        </p:nvPicPr>
+        <p:blipFill>
+          <a:blip r:embed="rId5">
+            <a:extLst>
+              <a:ext uri="{BEBA8EAE-BF5A-486C-A8C5-ECC9F3942E4B}">
+                <a14:imgProps xmlns:a14="http://schemas.microsoft.com/office/drawing/2010/main">
+                  <a14:imgLayer r:embed="rId6">
+                    <a14:imgEffect>
+                      <a14:backgroundRemoval t="10000" b="90000" l="10000" r="90000"/>
+                    </a14:imgEffect>
+                  </a14:imgLayer>
+                </a14:imgProps>
+              </a:ext>
+            </a:extLst>
+          </a:blip>
+          <a:stretch>
+            <a:fillRect/>
+          </a:stretch>
+        </p:blipFill>
+        <p:spPr>
+          <a:xfrm rot="18557044">
+            <a:off x="9949804" y="296739"/>
+            <a:ext cx="1457528" cy="1457528"/>
+          </a:xfrm>
+          <a:prstGeom prst="rect">
+            <a:avLst/>
+          </a:prstGeom>
+          <a:effectLst>
+            <a:outerShdw blurRad="50800" dist="38100" dir="2700000" algn="tl" rotWithShape="0">
+              <a:prstClr val="black">
+                <a:alpha val="40000"/>
+              </a:prstClr>
+            </a:outerShdw>
+          </a:effectLst>
+        </p:spPr>
+      </p:pic>
+      <p:sp>
+        <p:nvSpPr>
+          <p:cNvPr id="15" name="Zástupný symbol pro zápatí 14">
+            <a:extLst>
+              <a:ext uri="{FF2B5EF4-FFF2-40B4-BE49-F238E27FC236}">
+                <a16:creationId xmlns:a16="http://schemas.microsoft.com/office/drawing/2014/main" id="{8AC955F1-CA66-68EB-DC80-23A84F327C23}"/>
+              </a:ext>
+            </a:extLst>
+          </p:cNvPr>
+          <p:cNvSpPr>
+            <a:spLocks noGrp="1"/>
+          </p:cNvSpPr>
+          <p:nvPr>
+            <p:ph type="ftr" sz="quarter" idx="11"/>
           </p:nvPr>
         </p:nvSpPr>
         <p:spPr/>
@@ -4919,165 +9975,891 @@
           <a:lstStyle/>
           <a:p>
             <a:r>
-              <a:rPr lang="cs-CZ" dirty="0" err="1"/>
-              <a:t>The</a:t>
+              <a:rPr lang="en-GB"/>
+              <a:t>Anežka Lhotáková | Case study: Candy Recommendation</a:t>
             </a:r>
-            <a:r>
-              <a:rPr lang="cs-CZ" dirty="0"/>
-              <a:t> </a:t>
-            </a:r>
-            <a:r>
-              <a:rPr lang="cs-CZ" dirty="0" err="1"/>
-              <a:t>candy</a:t>
-            </a:r>
-            <a:r>
-              <a:rPr lang="cs-CZ" dirty="0"/>
-              <a:t> </a:t>
-            </a:r>
-            <a:r>
-              <a:rPr lang="cs-CZ" dirty="0" err="1"/>
-              <a:t>characteristics</a:t>
-            </a:r>
-            <a:endParaRPr lang="cs-CZ" dirty="0"/>
-          </a:p>
-          <a:p>
-            <a:r>
-              <a:rPr lang="cs-CZ" dirty="0" err="1"/>
-              <a:t>Sugar</a:t>
-            </a:r>
-            <a:r>
-              <a:rPr lang="cs-CZ" dirty="0"/>
-              <a:t>, </a:t>
-            </a:r>
-            <a:r>
-              <a:rPr lang="cs-CZ" dirty="0" err="1"/>
-              <a:t>price</a:t>
-            </a:r>
-            <a:r>
-              <a:rPr lang="cs-CZ" dirty="0"/>
-              <a:t> and </a:t>
-            </a:r>
-            <a:r>
-              <a:rPr lang="cs-CZ" dirty="0" err="1"/>
-              <a:t>wineprcent</a:t>
-            </a:r>
-            <a:endParaRPr lang="cs-CZ" dirty="0"/>
-          </a:p>
-          <a:p>
-            <a:r>
-              <a:rPr lang="cs-CZ" dirty="0" err="1"/>
-              <a:t>Further</a:t>
-            </a:r>
-            <a:r>
-              <a:rPr lang="cs-CZ" dirty="0"/>
-              <a:t>  </a:t>
-            </a:r>
-            <a:r>
-              <a:rPr lang="cs-CZ" dirty="0" err="1"/>
-              <a:t>usuful</a:t>
-            </a:r>
-            <a:r>
-              <a:rPr lang="cs-CZ" dirty="0"/>
-              <a:t>, </a:t>
-            </a:r>
-            <a:r>
-              <a:rPr lang="cs-CZ" dirty="0" err="1"/>
-              <a:t>yet</a:t>
-            </a:r>
-            <a:r>
-              <a:rPr lang="cs-CZ" dirty="0"/>
-              <a:t> </a:t>
-            </a:r>
-            <a:r>
-              <a:rPr lang="cs-CZ" dirty="0" err="1"/>
-              <a:t>uknown</a:t>
-            </a:r>
-            <a:r>
-              <a:rPr lang="cs-CZ" dirty="0"/>
-              <a:t> </a:t>
-            </a:r>
-            <a:r>
-              <a:rPr lang="cs-CZ" dirty="0" err="1"/>
-              <a:t>informations</a:t>
-            </a:r>
-            <a:endParaRPr lang="en-GB" dirty="0"/>
           </a:p>
         </p:txBody>
       </p:sp>
       <p:sp>
         <p:nvSpPr>
-          <p:cNvPr id="6" name="Nadpis 1">
+          <p:cNvPr id="16" name="Zástupný symbol pro číslo snímku 15">
             <a:extLst>
               <a:ext uri="{FF2B5EF4-FFF2-40B4-BE49-F238E27FC236}">
-                <a16:creationId xmlns:a16="http://schemas.microsoft.com/office/drawing/2014/main" id="{8B3DBB74-2264-635F-F697-A3E10B7EF795}"/>
+                <a16:creationId xmlns:a16="http://schemas.microsoft.com/office/drawing/2014/main" id="{50DA91BA-BD9A-3FB2-BAD4-9E6726426216}"/>
               </a:ext>
             </a:extLst>
           </p:cNvPr>
-          <p:cNvSpPr txBox="1">
-            <a:spLocks/>
+          <p:cNvSpPr>
+            <a:spLocks noGrp="1"/>
           </p:cNvSpPr>
+          <p:nvPr>
+            <p:ph type="sldNum" sz="quarter" idx="12"/>
+          </p:nvPr>
+        </p:nvSpPr>
+        <p:spPr/>
+        <p:txBody>
+          <a:bodyPr/>
+          <a:lstStyle/>
+          <a:p>
+            <a:fld id="{1C02EF61-8107-4C87-8A3F-865CEEEC0DE4}" type="slidenum">
+              <a:rPr lang="en-GB" smtClean="0"/>
+              <a:t>3</a:t>
+            </a:fld>
+            <a:endParaRPr lang="en-GB"/>
+          </a:p>
+        </p:txBody>
+      </p:sp>
+      <p:sp>
+        <p:nvSpPr>
+          <p:cNvPr id="17" name="Zástupný symbol pro datum 16">
+            <a:extLst>
+              <a:ext uri="{FF2B5EF4-FFF2-40B4-BE49-F238E27FC236}">
+                <a16:creationId xmlns:a16="http://schemas.microsoft.com/office/drawing/2014/main" id="{45F54F3E-067B-6DEC-15AD-C51A4084EA3C}"/>
+              </a:ext>
+            </a:extLst>
+          </p:cNvPr>
+          <p:cNvSpPr>
+            <a:spLocks noGrp="1"/>
+          </p:cNvSpPr>
+          <p:nvPr>
+            <p:ph type="dt" sz="half" idx="10"/>
+          </p:nvPr>
+        </p:nvSpPr>
+        <p:spPr/>
+        <p:txBody>
+          <a:bodyPr/>
+          <a:lstStyle/>
+          <a:p>
+            <a:r>
+              <a:rPr lang="en-GB"/>
+              <a:t>26/07/2022</a:t>
+            </a:r>
+          </a:p>
+        </p:txBody>
+      </p:sp>
+      <mc:AlternateContent xmlns:mc="http://schemas.openxmlformats.org/markup-compatibility/2006">
+        <mc:Choice xmlns:a14="http://schemas.microsoft.com/office/drawing/2010/main" Requires="a14">
+          <p:sp>
+            <p:nvSpPr>
+              <p:cNvPr id="18" name="TextovéPole 17">
+                <a:extLst>
+                  <a:ext uri="{FF2B5EF4-FFF2-40B4-BE49-F238E27FC236}">
+                    <a16:creationId xmlns:a16="http://schemas.microsoft.com/office/drawing/2014/main" id="{CF4017E7-430D-D06B-45EA-9939A2FDD7C2}"/>
+                  </a:ext>
+                </a:extLst>
+              </p:cNvPr>
+              <p:cNvSpPr txBox="1"/>
+              <p:nvPr/>
+            </p:nvSpPr>
+            <p:spPr>
+              <a:xfrm>
+                <a:off x="604684" y="1868129"/>
+                <a:ext cx="5220000" cy="3693319"/>
+              </a:xfrm>
+              <a:prstGeom prst="rect">
+                <a:avLst/>
+              </a:prstGeom>
+              <a:noFill/>
+            </p:spPr>
+            <p:txBody>
+              <a:bodyPr wrap="square" rtlCol="0">
+                <a:spAutoFit/>
+              </a:bodyPr>
+              <a:lstStyle/>
+              <a:p>
+                <a:pPr algn="ctr"/>
+                <a:r>
+                  <a:rPr lang="cs-CZ" b="1" dirty="0">
+                    <a:solidFill>
+                      <a:schemeClr val="tx2"/>
+                    </a:solidFill>
+                  </a:rPr>
+                  <a:t>MULTIPLE LINEAR REGRESSION</a:t>
+                </a:r>
+                <a:endParaRPr lang="en-GB" b="1" dirty="0">
+                  <a:solidFill>
+                    <a:schemeClr val="tx2"/>
+                  </a:solidFill>
+                </a:endParaRPr>
+              </a:p>
+              <a:p>
+                <a:pPr algn="ctr"/>
+                <a:endParaRPr lang="en-GB" b="1" dirty="0">
+                  <a:solidFill>
+                    <a:schemeClr val="tx2"/>
+                  </a:solidFill>
+                </a:endParaRPr>
+              </a:p>
+              <a:p>
+                <a:r>
+                  <a:rPr lang="en-GB" dirty="0">
+                    <a:solidFill>
+                      <a:schemeClr val="tx2"/>
+                    </a:solidFill>
+                  </a:rPr>
+                  <a:t>is a statistical technique that uses </a:t>
+                </a:r>
+                <a:r>
+                  <a:rPr lang="en-GB" b="1" dirty="0">
+                    <a:solidFill>
+                      <a:schemeClr val="tx2"/>
+                    </a:solidFill>
+                  </a:rPr>
+                  <a:t>several</a:t>
+                </a:r>
+                <a:r>
+                  <a:rPr lang="en-GB" dirty="0">
+                    <a:solidFill>
+                      <a:schemeClr val="tx2"/>
+                    </a:solidFill>
+                  </a:rPr>
+                  <a:t> </a:t>
+                </a:r>
+                <a:r>
+                  <a:rPr lang="en-GB" b="1" dirty="0">
+                    <a:solidFill>
+                      <a:schemeClr val="tx2"/>
+                    </a:solidFill>
+                  </a:rPr>
+                  <a:t>explanatory variables</a:t>
+                </a:r>
+                <a:r>
+                  <a:rPr lang="en-GB" dirty="0">
+                    <a:solidFill>
+                      <a:schemeClr val="tx2"/>
+                    </a:solidFill>
+                  </a:rPr>
+                  <a:t> to predict the outcome of a response variable.</a:t>
+                </a:r>
+              </a:p>
+              <a:p>
+                <a:endParaRPr lang="en-GB" dirty="0">
+                  <a:solidFill>
+                    <a:schemeClr val="tx2"/>
+                  </a:solidFill>
+                </a:endParaRPr>
+              </a:p>
+              <a:p>
+                <a14:m>
+                  <m:oMathPara xmlns:m="http://schemas.openxmlformats.org/officeDocument/2006/math">
+                    <m:oMathParaPr>
+                      <m:jc m:val="centerGroup"/>
+                    </m:oMathParaPr>
+                    <m:oMath xmlns:m="http://schemas.openxmlformats.org/officeDocument/2006/math">
+                      <m:sSub>
+                        <m:sSubPr>
+                          <m:ctrlPr>
+                            <a:rPr lang="en-GB" b="0" i="1" smtClean="0">
+                              <a:solidFill>
+                                <a:schemeClr val="tx2"/>
+                              </a:solidFill>
+                              <a:latin typeface="Cambria Math" panose="02040503050406030204" pitchFamily="18" charset="0"/>
+                            </a:rPr>
+                          </m:ctrlPr>
+                        </m:sSubPr>
+                        <m:e>
+                          <m:r>
+                            <a:rPr lang="en-GB" b="0" i="1" smtClean="0">
+                              <a:solidFill>
+                                <a:schemeClr val="tx2"/>
+                              </a:solidFill>
+                              <a:latin typeface="Cambria Math" panose="02040503050406030204" pitchFamily="18" charset="0"/>
+                            </a:rPr>
+                            <m:t>𝑦</m:t>
+                          </m:r>
+                        </m:e>
+                        <m:sub>
+                          <m:r>
+                            <a:rPr lang="en-GB" b="0" i="1" smtClean="0">
+                              <a:solidFill>
+                                <a:schemeClr val="tx2"/>
+                              </a:solidFill>
+                              <a:latin typeface="Cambria Math" panose="02040503050406030204" pitchFamily="18" charset="0"/>
+                            </a:rPr>
+                            <m:t>𝑖</m:t>
+                          </m:r>
+                        </m:sub>
+                      </m:sSub>
+                      <m:r>
+                        <a:rPr lang="en-GB" b="0" i="1" smtClean="0">
+                          <a:solidFill>
+                            <a:schemeClr val="tx2"/>
+                          </a:solidFill>
+                          <a:latin typeface="Cambria Math" panose="02040503050406030204" pitchFamily="18" charset="0"/>
+                        </a:rPr>
+                        <m:t>=</m:t>
+                      </m:r>
+                      <m:sSub>
+                        <m:sSubPr>
+                          <m:ctrlPr>
+                            <a:rPr lang="en-GB" b="0" i="1" smtClean="0">
+                              <a:solidFill>
+                                <a:schemeClr val="tx2"/>
+                              </a:solidFill>
+                              <a:latin typeface="Cambria Math" panose="02040503050406030204" pitchFamily="18" charset="0"/>
+                            </a:rPr>
+                          </m:ctrlPr>
+                        </m:sSubPr>
+                        <m:e>
+                          <m:r>
+                            <a:rPr lang="en-GB" b="0" i="1" smtClean="0">
+                              <a:solidFill>
+                                <a:schemeClr val="tx2"/>
+                              </a:solidFill>
+                              <a:latin typeface="Cambria Math" panose="02040503050406030204" pitchFamily="18" charset="0"/>
+                            </a:rPr>
+                            <m:t>𝛽</m:t>
+                          </m:r>
+                        </m:e>
+                        <m:sub>
+                          <m:r>
+                            <a:rPr lang="en-GB" b="0" i="1" smtClean="0">
+                              <a:solidFill>
+                                <a:schemeClr val="tx2"/>
+                              </a:solidFill>
+                              <a:latin typeface="Cambria Math" panose="02040503050406030204" pitchFamily="18" charset="0"/>
+                            </a:rPr>
+                            <m:t>0</m:t>
+                          </m:r>
+                        </m:sub>
+                      </m:sSub>
+                      <m:r>
+                        <a:rPr lang="en-GB" b="0" i="1" smtClean="0">
+                          <a:solidFill>
+                            <a:schemeClr val="tx2"/>
+                          </a:solidFill>
+                          <a:latin typeface="Cambria Math" panose="02040503050406030204" pitchFamily="18" charset="0"/>
+                        </a:rPr>
+                        <m:t>+</m:t>
+                      </m:r>
+                      <m:sSub>
+                        <m:sSubPr>
+                          <m:ctrlPr>
+                            <a:rPr lang="en-GB" b="0" i="1" smtClean="0">
+                              <a:solidFill>
+                                <a:schemeClr val="tx2"/>
+                              </a:solidFill>
+                              <a:latin typeface="Cambria Math" panose="02040503050406030204" pitchFamily="18" charset="0"/>
+                            </a:rPr>
+                          </m:ctrlPr>
+                        </m:sSubPr>
+                        <m:e>
+                          <m:r>
+                            <a:rPr lang="en-GB" b="0" i="1" smtClean="0">
+                              <a:solidFill>
+                                <a:schemeClr val="tx2"/>
+                              </a:solidFill>
+                              <a:latin typeface="Cambria Math" panose="02040503050406030204" pitchFamily="18" charset="0"/>
+                            </a:rPr>
+                            <m:t>𝛽</m:t>
+                          </m:r>
+                        </m:e>
+                        <m:sub>
+                          <m:r>
+                            <a:rPr lang="en-GB" b="0" i="1" smtClean="0">
+                              <a:solidFill>
+                                <a:schemeClr val="tx2"/>
+                              </a:solidFill>
+                              <a:latin typeface="Cambria Math" panose="02040503050406030204" pitchFamily="18" charset="0"/>
+                            </a:rPr>
+                            <m:t>1</m:t>
+                          </m:r>
+                        </m:sub>
+                      </m:sSub>
+                      <m:sSub>
+                        <m:sSubPr>
+                          <m:ctrlPr>
+                            <a:rPr lang="en-GB" b="0" i="1" smtClean="0">
+                              <a:solidFill>
+                                <a:schemeClr val="tx2"/>
+                              </a:solidFill>
+                              <a:latin typeface="Cambria Math" panose="02040503050406030204" pitchFamily="18" charset="0"/>
+                            </a:rPr>
+                          </m:ctrlPr>
+                        </m:sSubPr>
+                        <m:e>
+                          <m:r>
+                            <a:rPr lang="en-GB" b="0" i="1" smtClean="0">
+                              <a:solidFill>
+                                <a:schemeClr val="tx2"/>
+                              </a:solidFill>
+                              <a:latin typeface="Cambria Math" panose="02040503050406030204" pitchFamily="18" charset="0"/>
+                            </a:rPr>
+                            <m:t>𝑥</m:t>
+                          </m:r>
+                        </m:e>
+                        <m:sub>
+                          <m:r>
+                            <a:rPr lang="en-GB" b="0" i="1" smtClean="0">
+                              <a:solidFill>
+                                <a:schemeClr val="tx2"/>
+                              </a:solidFill>
+                              <a:latin typeface="Cambria Math" panose="02040503050406030204" pitchFamily="18" charset="0"/>
+                            </a:rPr>
+                            <m:t>𝑖</m:t>
+                          </m:r>
+                          <m:r>
+                            <a:rPr lang="en-GB" b="0" i="1" smtClean="0">
+                              <a:solidFill>
+                                <a:schemeClr val="tx2"/>
+                              </a:solidFill>
+                              <a:latin typeface="Cambria Math" panose="02040503050406030204" pitchFamily="18" charset="0"/>
+                            </a:rPr>
+                            <m:t>1</m:t>
+                          </m:r>
+                        </m:sub>
+                      </m:sSub>
+                      <m:r>
+                        <a:rPr lang="en-GB" b="0" i="1" smtClean="0">
+                          <a:solidFill>
+                            <a:schemeClr val="tx2"/>
+                          </a:solidFill>
+                          <a:latin typeface="Cambria Math" panose="02040503050406030204" pitchFamily="18" charset="0"/>
+                        </a:rPr>
+                        <m:t>+</m:t>
+                      </m:r>
+                      <m:sSub>
+                        <m:sSubPr>
+                          <m:ctrlPr>
+                            <a:rPr lang="en-GB" i="1">
+                              <a:solidFill>
+                                <a:schemeClr val="tx2"/>
+                              </a:solidFill>
+                              <a:latin typeface="Cambria Math" panose="02040503050406030204" pitchFamily="18" charset="0"/>
+                            </a:rPr>
+                          </m:ctrlPr>
+                        </m:sSubPr>
+                        <m:e>
+                          <m:r>
+                            <a:rPr lang="en-GB" i="1">
+                              <a:solidFill>
+                                <a:schemeClr val="tx2"/>
+                              </a:solidFill>
+                              <a:latin typeface="Cambria Math" panose="02040503050406030204" pitchFamily="18" charset="0"/>
+                            </a:rPr>
+                            <m:t>𝛽</m:t>
+                          </m:r>
+                        </m:e>
+                        <m:sub>
+                          <m:r>
+                            <a:rPr lang="en-GB" b="0" i="1" smtClean="0">
+                              <a:solidFill>
+                                <a:schemeClr val="tx2"/>
+                              </a:solidFill>
+                              <a:latin typeface="Cambria Math" panose="02040503050406030204" pitchFamily="18" charset="0"/>
+                            </a:rPr>
+                            <m:t>2</m:t>
+                          </m:r>
+                        </m:sub>
+                      </m:sSub>
+                      <m:sSub>
+                        <m:sSubPr>
+                          <m:ctrlPr>
+                            <a:rPr lang="en-GB" i="1">
+                              <a:solidFill>
+                                <a:schemeClr val="tx2"/>
+                              </a:solidFill>
+                              <a:latin typeface="Cambria Math" panose="02040503050406030204" pitchFamily="18" charset="0"/>
+                            </a:rPr>
+                          </m:ctrlPr>
+                        </m:sSubPr>
+                        <m:e>
+                          <m:r>
+                            <a:rPr lang="en-GB" i="1">
+                              <a:solidFill>
+                                <a:schemeClr val="tx2"/>
+                              </a:solidFill>
+                              <a:latin typeface="Cambria Math" panose="02040503050406030204" pitchFamily="18" charset="0"/>
+                            </a:rPr>
+                            <m:t>𝑥</m:t>
+                          </m:r>
+                        </m:e>
+                        <m:sub>
+                          <m:r>
+                            <a:rPr lang="en-GB" i="1">
+                              <a:solidFill>
+                                <a:schemeClr val="tx2"/>
+                              </a:solidFill>
+                              <a:latin typeface="Cambria Math" panose="02040503050406030204" pitchFamily="18" charset="0"/>
+                            </a:rPr>
+                            <m:t>𝑖</m:t>
+                          </m:r>
+                          <m:r>
+                            <a:rPr lang="en-GB" b="0" i="1" smtClean="0">
+                              <a:solidFill>
+                                <a:schemeClr val="tx2"/>
+                              </a:solidFill>
+                              <a:latin typeface="Cambria Math" panose="02040503050406030204" pitchFamily="18" charset="0"/>
+                            </a:rPr>
+                            <m:t>2</m:t>
+                          </m:r>
+                        </m:sub>
+                      </m:sSub>
+                      <m:r>
+                        <a:rPr lang="en-GB" b="0" i="1" smtClean="0">
+                          <a:solidFill>
+                            <a:schemeClr val="tx2"/>
+                          </a:solidFill>
+                          <a:latin typeface="Cambria Math" panose="02040503050406030204" pitchFamily="18" charset="0"/>
+                        </a:rPr>
+                        <m:t>+ …+</m:t>
+                      </m:r>
+                      <m:sSub>
+                        <m:sSubPr>
+                          <m:ctrlPr>
+                            <a:rPr lang="en-GB" i="1">
+                              <a:solidFill>
+                                <a:schemeClr val="tx2"/>
+                              </a:solidFill>
+                              <a:latin typeface="Cambria Math" panose="02040503050406030204" pitchFamily="18" charset="0"/>
+                            </a:rPr>
+                          </m:ctrlPr>
+                        </m:sSubPr>
+                        <m:e>
+                          <m:r>
+                            <a:rPr lang="en-GB" i="1">
+                              <a:solidFill>
+                                <a:schemeClr val="tx2"/>
+                              </a:solidFill>
+                              <a:latin typeface="Cambria Math" panose="02040503050406030204" pitchFamily="18" charset="0"/>
+                            </a:rPr>
+                            <m:t>𝛽</m:t>
+                          </m:r>
+                        </m:e>
+                        <m:sub>
+                          <m:r>
+                            <a:rPr lang="en-GB" b="0" i="1" smtClean="0">
+                              <a:solidFill>
+                                <a:schemeClr val="tx2"/>
+                              </a:solidFill>
+                              <a:latin typeface="Cambria Math" panose="02040503050406030204" pitchFamily="18" charset="0"/>
+                            </a:rPr>
+                            <m:t>𝑛</m:t>
+                          </m:r>
+                        </m:sub>
+                      </m:sSub>
+                      <m:sSub>
+                        <m:sSubPr>
+                          <m:ctrlPr>
+                            <a:rPr lang="en-GB" i="1">
+                              <a:solidFill>
+                                <a:schemeClr val="tx2"/>
+                              </a:solidFill>
+                              <a:latin typeface="Cambria Math" panose="02040503050406030204" pitchFamily="18" charset="0"/>
+                            </a:rPr>
+                          </m:ctrlPr>
+                        </m:sSubPr>
+                        <m:e>
+                          <m:r>
+                            <a:rPr lang="en-GB" i="1">
+                              <a:solidFill>
+                                <a:schemeClr val="tx2"/>
+                              </a:solidFill>
+                              <a:latin typeface="Cambria Math" panose="02040503050406030204" pitchFamily="18" charset="0"/>
+                            </a:rPr>
+                            <m:t>𝑥</m:t>
+                          </m:r>
+                        </m:e>
+                        <m:sub>
+                          <m:r>
+                            <a:rPr lang="en-GB" i="1">
+                              <a:solidFill>
+                                <a:schemeClr val="tx2"/>
+                              </a:solidFill>
+                              <a:latin typeface="Cambria Math" panose="02040503050406030204" pitchFamily="18" charset="0"/>
+                            </a:rPr>
+                            <m:t>𝑖</m:t>
+                          </m:r>
+                          <m:r>
+                            <a:rPr lang="en-GB" b="0" i="1" smtClean="0">
+                              <a:solidFill>
+                                <a:schemeClr val="tx2"/>
+                              </a:solidFill>
+                              <a:latin typeface="Cambria Math" panose="02040503050406030204" pitchFamily="18" charset="0"/>
+                            </a:rPr>
+                            <m:t>𝑛</m:t>
+                          </m:r>
+                        </m:sub>
+                      </m:sSub>
+                      <m:r>
+                        <a:rPr lang="en-GB" b="0" i="1" smtClean="0">
+                          <a:solidFill>
+                            <a:schemeClr val="tx2"/>
+                          </a:solidFill>
+                          <a:latin typeface="Cambria Math" panose="02040503050406030204" pitchFamily="18" charset="0"/>
+                        </a:rPr>
+                        <m:t>+</m:t>
+                      </m:r>
+                      <m:r>
+                        <a:rPr lang="en-GB" b="0" i="1" smtClean="0">
+                          <a:solidFill>
+                            <a:schemeClr val="tx2"/>
+                          </a:solidFill>
+                          <a:latin typeface="Cambria Math" panose="02040503050406030204" pitchFamily="18" charset="0"/>
+                        </a:rPr>
+                        <m:t>𝜖</m:t>
+                      </m:r>
+                    </m:oMath>
+                  </m:oMathPara>
+                </a14:m>
+                <a:endParaRPr lang="en-GB" b="0" dirty="0">
+                  <a:solidFill>
+                    <a:schemeClr val="tx2"/>
+                  </a:solidFill>
+                </a:endParaRPr>
+              </a:p>
+              <a:p>
+                <a:endParaRPr lang="en-GB" dirty="0">
+                  <a:solidFill>
+                    <a:schemeClr val="tx2"/>
+                  </a:solidFill>
+                </a:endParaRPr>
+              </a:p>
+              <a:p>
+                <a:r>
+                  <a:rPr lang="en-GB" dirty="0">
+                    <a:solidFill>
+                      <a:schemeClr val="tx2"/>
+                    </a:solidFill>
+                  </a:rPr>
+                  <a:t>The model performance is evaluated based on </a:t>
+                </a:r>
+                <a:r>
+                  <a:rPr lang="en-GB" b="1" dirty="0">
+                    <a:solidFill>
+                      <a:schemeClr val="tx2"/>
+                    </a:solidFill>
+                  </a:rPr>
+                  <a:t>AIC and R</a:t>
+                </a:r>
+                <a:r>
+                  <a:rPr lang="en-GB" b="1" baseline="30000" dirty="0">
+                    <a:solidFill>
+                      <a:schemeClr val="tx2"/>
+                    </a:solidFill>
+                  </a:rPr>
+                  <a:t>2</a:t>
+                </a:r>
+                <a:r>
+                  <a:rPr lang="en-GB" b="1" dirty="0">
+                    <a:solidFill>
+                      <a:schemeClr val="tx2"/>
+                    </a:solidFill>
+                  </a:rPr>
+                  <a:t> statistics</a:t>
+                </a:r>
+                <a:r>
+                  <a:rPr lang="en-GB" dirty="0">
+                    <a:solidFill>
+                      <a:schemeClr val="tx2"/>
+                    </a:solidFill>
+                  </a:rPr>
+                  <a:t>. Also </a:t>
+                </a:r>
+                <a:r>
+                  <a:rPr lang="en-GB" b="1" dirty="0">
+                    <a:solidFill>
+                      <a:schemeClr val="tx2"/>
+                    </a:solidFill>
+                  </a:rPr>
+                  <a:t>mean squared error </a:t>
+                </a:r>
+                <a:r>
+                  <a:rPr lang="en-GB" dirty="0">
+                    <a:solidFill>
+                      <a:schemeClr val="tx2"/>
+                    </a:solidFill>
+                  </a:rPr>
+                  <a:t>is observed.</a:t>
+                </a:r>
+                <a:endParaRPr lang="cs-CZ" dirty="0">
+                  <a:solidFill>
+                    <a:schemeClr val="tx2"/>
+                  </a:solidFill>
+                </a:endParaRPr>
+              </a:p>
+              <a:p>
+                <a:pPr algn="ctr"/>
+                <a:endParaRPr lang="cs-CZ" b="1" dirty="0">
+                  <a:solidFill>
+                    <a:schemeClr val="tx2"/>
+                  </a:solidFill>
+                </a:endParaRPr>
+              </a:p>
+              <a:p>
+                <a:pPr algn="ctr"/>
+                <a:endParaRPr lang="en-GB" b="1" dirty="0">
+                  <a:solidFill>
+                    <a:schemeClr val="tx2"/>
+                  </a:solidFill>
+                </a:endParaRPr>
+              </a:p>
+            </p:txBody>
+          </p:sp>
+        </mc:Choice>
+        <mc:Fallback>
+          <p:sp>
+            <p:nvSpPr>
+              <p:cNvPr id="18" name="TextovéPole 17">
+                <a:extLst>
+                  <a:ext uri="{FF2B5EF4-FFF2-40B4-BE49-F238E27FC236}">
+                    <a16:creationId xmlns:a16="http://schemas.microsoft.com/office/drawing/2014/main" id="{CF4017E7-430D-D06B-45EA-9939A2FDD7C2}"/>
+                  </a:ext>
+                </a:extLst>
+              </p:cNvPr>
+              <p:cNvSpPr txBox="1">
+                <a:spLocks noRot="1" noChangeAspect="1" noMove="1" noResize="1" noEditPoints="1" noAdjustHandles="1" noChangeArrowheads="1" noChangeShapeType="1" noTextEdit="1"/>
+              </p:cNvSpPr>
+              <p:nvPr/>
+            </p:nvSpPr>
+            <p:spPr>
+              <a:xfrm>
+                <a:off x="604684" y="1868129"/>
+                <a:ext cx="5220000" cy="3693319"/>
+              </a:xfrm>
+              <a:prstGeom prst="rect">
+                <a:avLst/>
+              </a:prstGeom>
+              <a:blipFill>
+                <a:blip r:embed="rId7"/>
+                <a:stretch>
+                  <a:fillRect l="-935" t="-825" r="-1519"/>
+                </a:stretch>
+              </a:blipFill>
+            </p:spPr>
+            <p:txBody>
+              <a:bodyPr/>
+              <a:lstStyle/>
+              <a:p>
+                <a:r>
+                  <a:rPr lang="en-GB">
+                    <a:noFill/>
+                  </a:rPr>
+                  <a:t> </a:t>
+                </a:r>
+              </a:p>
+            </p:txBody>
+          </p:sp>
+        </mc:Fallback>
+      </mc:AlternateContent>
+      <p:sp>
+        <p:nvSpPr>
+          <p:cNvPr id="19" name="TextovéPole 18">
+            <a:extLst>
+              <a:ext uri="{FF2B5EF4-FFF2-40B4-BE49-F238E27FC236}">
+                <a16:creationId xmlns:a16="http://schemas.microsoft.com/office/drawing/2014/main" id="{8A276EF3-820E-A3F2-DDAB-792A0DFE2CE2}"/>
+              </a:ext>
+            </a:extLst>
+          </p:cNvPr>
+          <p:cNvSpPr txBox="1"/>
           <p:nvPr/>
         </p:nvSpPr>
         <p:spPr>
           <a:xfrm>
-            <a:off x="838200" y="345461"/>
-            <a:ext cx="10515600" cy="1325563"/>
+            <a:off x="6346722" y="1755002"/>
+            <a:ext cx="5186516" cy="4154984"/>
           </a:xfrm>
           <a:prstGeom prst="rect">
             <a:avLst/>
           </a:prstGeom>
+          <a:noFill/>
         </p:spPr>
         <p:txBody>
-          <a:bodyPr vert="horz" lIns="91440" tIns="45720" rIns="91440" bIns="45720" rtlCol="0" anchor="ctr">
-            <a:normAutofit/>
+          <a:bodyPr wrap="square" rtlCol="0">
+            <a:spAutoFit/>
           </a:bodyPr>
-          <a:lstStyle>
-            <a:lvl1pPr algn="l" defTabSz="914400" rtl="0" eaLnBrk="1" latinLnBrk="0" hangingPunct="1">
-              <a:lnSpc>
-                <a:spcPct val="90000"/>
-              </a:lnSpc>
-              <a:spcBef>
-                <a:spcPct val="0"/>
-              </a:spcBef>
-              <a:buNone/>
-              <a:defRPr sz="4400" kern="1200">
-                <a:solidFill>
-                  <a:schemeClr val="tx1"/>
-                </a:solidFill>
-                <a:latin typeface="+mj-lt"/>
-                <a:ea typeface="+mj-ea"/>
-                <a:cs typeface="+mj-cs"/>
-              </a:defRPr>
-            </a:lvl1pPr>
-          </a:lstStyle>
-          <a:p>
+          <a:lstStyle/>
+          <a:p>
+            <a:pPr algn="ctr"/>
             <a:r>
-              <a:rPr lang="cs-CZ" sz="3600" dirty="0">
+              <a:rPr lang="cs-CZ" b="1" dirty="0">
                 <a:solidFill>
                   <a:schemeClr val="tx2"/>
                 </a:solidFill>
-                <a:latin typeface="Abadi" panose="020B0604020104020204" pitchFamily="34" charset="0"/>
               </a:rPr>
-              <a:t>Management </a:t>
+              <a:t>ASSUMPTIONS</a:t>
             </a:r>
+          </a:p>
+          <a:p>
+            <a:pPr algn="ctr"/>
+            <a:endParaRPr lang="cs-CZ" b="1" dirty="0">
+              <a:solidFill>
+                <a:schemeClr val="tx2"/>
+              </a:solidFill>
+            </a:endParaRPr>
+          </a:p>
+          <a:p>
+            <a:pPr marL="285750" indent="-285750" algn="just">
+              <a:spcAft>
+                <a:spcPts val="1200"/>
+              </a:spcAft>
+              <a:buFont typeface="Arial" panose="020B0604020202020204" pitchFamily="34" charset="0"/>
+              <a:buChar char="•"/>
+            </a:pPr>
             <a:r>
-              <a:rPr lang="cs-CZ" sz="3600" dirty="0" err="1">
+              <a:rPr lang="en-GB" dirty="0">
                 <a:solidFill>
                   <a:schemeClr val="tx2"/>
                 </a:solidFill>
-                <a:latin typeface="Abadi" panose="020B0604020104020204" pitchFamily="34" charset="0"/>
               </a:rPr>
-              <a:t>summary</a:t>
+              <a:t>It is more crucial to correctly describe the behaviour for the </a:t>
             </a:r>
-            <a:endParaRPr lang="en-GB" sz="3600" dirty="0">
+            <a:r>
+              <a:rPr lang="en-GB" b="1" dirty="0">
+                <a:solidFill>
+                  <a:schemeClr val="tx2"/>
+                </a:solidFill>
+              </a:rPr>
+              <a:t>more popular candies </a:t>
+            </a:r>
+            <a:r>
+              <a:rPr lang="en-GB" dirty="0">
+                <a:solidFill>
+                  <a:schemeClr val="tx2"/>
+                </a:solidFill>
+              </a:rPr>
+              <a:t>than for the less liked.  </a:t>
+            </a:r>
+          </a:p>
+          <a:p>
+            <a:pPr marL="285750" indent="-285750" algn="just">
+              <a:spcAft>
+                <a:spcPts val="1200"/>
+              </a:spcAft>
+              <a:buFont typeface="Arial" panose="020B0604020202020204" pitchFamily="34" charset="0"/>
+              <a:buChar char="•"/>
+            </a:pPr>
+            <a:r>
+              <a:rPr lang="en-GB" dirty="0">
+                <a:solidFill>
+                  <a:schemeClr val="tx2"/>
+                </a:solidFill>
+              </a:rPr>
+              <a:t>Recommendation should consider </a:t>
+            </a:r>
+            <a:r>
+              <a:rPr lang="en-GB" b="1" dirty="0">
+                <a:solidFill>
+                  <a:schemeClr val="tx2"/>
+                </a:solidFill>
+              </a:rPr>
+              <a:t>trends</a:t>
+            </a:r>
+            <a:r>
+              <a:rPr lang="en-GB" dirty="0">
+                <a:solidFill>
+                  <a:schemeClr val="tx2"/>
+                </a:solidFill>
+              </a:rPr>
+              <a:t> published in the candy market </a:t>
+            </a:r>
+            <a:r>
+              <a:rPr lang="en-GB" dirty="0">
+                <a:solidFill>
+                  <a:schemeClr val="tx2"/>
+                </a:solidFill>
+                <a:hlinkClick r:id="rId8"/>
+              </a:rPr>
+              <a:t>research</a:t>
+            </a:r>
+            <a:r>
+              <a:rPr lang="en-GB" dirty="0">
+                <a:solidFill>
+                  <a:schemeClr val="tx2"/>
+                </a:solidFill>
+              </a:rPr>
+              <a:t>.</a:t>
+            </a:r>
+          </a:p>
+          <a:p>
+            <a:pPr marL="285750" indent="-285750" algn="just">
+              <a:spcAft>
+                <a:spcPts val="1200"/>
+              </a:spcAft>
+              <a:buFont typeface="Arial" panose="020B0604020202020204" pitchFamily="34" charset="0"/>
+              <a:buChar char="•"/>
+            </a:pPr>
+            <a:r>
+              <a:rPr lang="en-GB" dirty="0">
+                <a:solidFill>
+                  <a:schemeClr val="tx2"/>
+                </a:solidFill>
+              </a:rPr>
+              <a:t>Lets assume the </a:t>
+            </a:r>
+            <a:r>
+              <a:rPr lang="en-GB" b="1" dirty="0">
+                <a:solidFill>
+                  <a:schemeClr val="tx2"/>
+                </a:solidFill>
+              </a:rPr>
+              <a:t>quality of each ingredient in the characteristics is equal</a:t>
+            </a:r>
+            <a:r>
+              <a:rPr lang="en-GB" dirty="0">
+                <a:solidFill>
+                  <a:schemeClr val="tx2"/>
+                </a:solidFill>
+              </a:rPr>
+              <a:t>. In other words, the difference in product’s prices does not come from different qualities of chocolate, nougat, etc.</a:t>
+            </a:r>
+          </a:p>
+          <a:p>
+            <a:r>
+              <a:rPr lang="en-GB" b="1" dirty="0">
+                <a:solidFill>
+                  <a:schemeClr val="tx2"/>
+                </a:solidFill>
+              </a:rPr>
+              <a:t> </a:t>
+            </a:r>
+            <a:endParaRPr lang="cs-CZ" b="1" dirty="0">
               <a:solidFill>
                 <a:schemeClr val="tx2"/>
               </a:solidFill>
-              <a:latin typeface="Abadi" panose="020B0604020104020204" pitchFamily="34" charset="0"/>
+            </a:endParaRPr>
+          </a:p>
+          <a:p>
+            <a:pPr algn="ctr"/>
+            <a:endParaRPr lang="en-GB" b="1" dirty="0">
+              <a:solidFill>
+                <a:schemeClr val="tx2"/>
+              </a:solidFill>
             </a:endParaRPr>
           </a:p>
         </p:txBody>
       </p:sp>
+    </p:spTree>
+    <p:extLst>
+      <p:ext uri="{BB962C8B-B14F-4D97-AF65-F5344CB8AC3E}">
+        <p14:creationId xmlns:p14="http://schemas.microsoft.com/office/powerpoint/2010/main" val="3811190085"/>
+      </p:ext>
+    </p:extLst>
+  </p:cSld>
+  <p:clrMapOvr>
+    <a:masterClrMapping/>
+  </p:clrMapOvr>
+</p:sld>
+</file>
+
+<file path=ppt/slides/slide4.xml><?xml version="1.0" encoding="utf-8"?>
+<p:sld xmlns:a="http://schemas.openxmlformats.org/drawingml/2006/main" xmlns:r="http://schemas.openxmlformats.org/officeDocument/2006/relationships" xmlns:p="http://schemas.openxmlformats.org/presentationml/2006/main">
+  <p:cSld>
+    <p:spTree>
+      <p:nvGrpSpPr>
+        <p:cNvPr id="1" name=""/>
+        <p:cNvGrpSpPr/>
+        <p:nvPr/>
+      </p:nvGrpSpPr>
+      <p:grpSpPr>
+        <a:xfrm>
+          <a:off x="0" y="0"/>
+          <a:ext cx="0" cy="0"/>
+          <a:chOff x="0" y="0"/>
+          <a:chExt cx="0" cy="0"/>
+        </a:xfrm>
+      </p:grpSpPr>
       <p:sp>
         <p:nvSpPr>
           <p:cNvPr id="7" name="Volný tvar: obrazec 6">
@@ -5356,10 +11138,745 @@
           </a:p>
         </p:txBody>
       </p:sp>
+      <p:sp>
+        <p:nvSpPr>
+          <p:cNvPr id="5" name="Nadpis 1">
+            <a:extLst>
+              <a:ext uri="{FF2B5EF4-FFF2-40B4-BE49-F238E27FC236}">
+                <a16:creationId xmlns:a16="http://schemas.microsoft.com/office/drawing/2014/main" id="{5220087A-10DC-BCD4-FF07-3BD84AD28BA3}"/>
+              </a:ext>
+            </a:extLst>
+          </p:cNvPr>
+          <p:cNvSpPr>
+            <a:spLocks noGrp="1"/>
+          </p:cNvSpPr>
+          <p:nvPr>
+            <p:ph type="title"/>
+          </p:nvPr>
+        </p:nvSpPr>
+        <p:spPr>
+          <a:xfrm>
+            <a:off x="838200" y="348888"/>
+            <a:ext cx="10515600" cy="1325563"/>
+          </a:xfrm>
+        </p:spPr>
+        <p:txBody>
+          <a:bodyPr>
+            <a:normAutofit/>
+          </a:bodyPr>
+          <a:lstStyle/>
+          <a:p>
+            <a:r>
+              <a:rPr lang="en-GB" sz="3600" b="1" spc="300" dirty="0">
+                <a:solidFill>
+                  <a:schemeClr val="tx2"/>
+                </a:solidFill>
+                <a:latin typeface="Abadi" panose="020B0604020104020204" pitchFamily="34" charset="0"/>
+              </a:rPr>
+              <a:t>DATA HIGHLIGHTS</a:t>
+            </a:r>
+          </a:p>
+        </p:txBody>
+      </p:sp>
+      <p:pic>
+        <p:nvPicPr>
+          <p:cNvPr id="8" name="Obrázek 7">
+            <a:extLst>
+              <a:ext uri="{FF2B5EF4-FFF2-40B4-BE49-F238E27FC236}">
+                <a16:creationId xmlns:a16="http://schemas.microsoft.com/office/drawing/2014/main" id="{8FE30E51-027D-4C27-9FC6-E0E20DDD9FD1}"/>
+              </a:ext>
+            </a:extLst>
+          </p:cNvPr>
+          <p:cNvPicPr>
+            <a:picLocks noChangeAspect="1"/>
+          </p:cNvPicPr>
+          <p:nvPr/>
+        </p:nvPicPr>
+        <p:blipFill>
+          <a:blip r:embed="rId2">
+            <a:extLst>
+              <a:ext uri="{BEBA8EAE-BF5A-486C-A8C5-ECC9F3942E4B}">
+                <a14:imgProps xmlns:a14="http://schemas.microsoft.com/office/drawing/2010/main">
+                  <a14:imgLayer r:embed="rId3">
+                    <a14:imgEffect>
+                      <a14:backgroundRemoval t="10000" b="90000" l="10000" r="90000">
+                        <a14:foregroundMark x1="52147" y1="52439" x2="52147" y2="52439"/>
+                        <a14:foregroundMark x1="57055" y1="39634" x2="57055" y2="39634"/>
+                        <a14:foregroundMark x1="22086" y1="18902" x2="22086" y2="18902"/>
+                        <a14:backgroundMark x1="2454" y1="38415" x2="2454" y2="38415"/>
+                        <a14:backgroundMark x1="80368" y1="18293" x2="80368" y2="18293"/>
+                      </a14:backgroundRemoval>
+                    </a14:imgEffect>
+                  </a14:imgLayer>
+                </a14:imgProps>
+              </a:ext>
+            </a:extLst>
+          </a:blip>
+          <a:stretch>
+            <a:fillRect/>
+          </a:stretch>
+        </p:blipFill>
+        <p:spPr>
+          <a:xfrm>
+            <a:off x="10593090" y="0"/>
+            <a:ext cx="1317481" cy="1325563"/>
+          </a:xfrm>
+          <a:prstGeom prst="rect">
+            <a:avLst/>
+          </a:prstGeom>
+          <a:effectLst>
+            <a:outerShdw blurRad="50800" dist="38100" dir="2700000" algn="tl" rotWithShape="0">
+              <a:prstClr val="black">
+                <a:alpha val="40000"/>
+              </a:prstClr>
+            </a:outerShdw>
+          </a:effectLst>
+        </p:spPr>
+      </p:pic>
+      <p:pic>
+        <p:nvPicPr>
+          <p:cNvPr id="9" name="Obrázek 8">
+            <a:extLst>
+              <a:ext uri="{FF2B5EF4-FFF2-40B4-BE49-F238E27FC236}">
+                <a16:creationId xmlns:a16="http://schemas.microsoft.com/office/drawing/2014/main" id="{26FD94FF-F7D2-F98F-5C40-94959024EAAE}"/>
+              </a:ext>
+            </a:extLst>
+          </p:cNvPr>
+          <p:cNvPicPr>
+            <a:picLocks noChangeAspect="1"/>
+          </p:cNvPicPr>
+          <p:nvPr/>
+        </p:nvPicPr>
+        <p:blipFill>
+          <a:blip r:embed="rId4">
+            <a:extLst>
+              <a:ext uri="{BEBA8EAE-BF5A-486C-A8C5-ECC9F3942E4B}">
+                <a14:imgProps xmlns:a14="http://schemas.microsoft.com/office/drawing/2010/main">
+                  <a14:imgLayer r:embed="rId5">
+                    <a14:imgEffect>
+                      <a14:backgroundRemoval t="10000" b="90000" l="10000" r="90000"/>
+                    </a14:imgEffect>
+                  </a14:imgLayer>
+                </a14:imgProps>
+              </a:ext>
+            </a:extLst>
+          </a:blip>
+          <a:stretch>
+            <a:fillRect/>
+          </a:stretch>
+        </p:blipFill>
+        <p:spPr>
+          <a:xfrm rot="18557044">
+            <a:off x="9949804" y="296739"/>
+            <a:ext cx="1457528" cy="1457528"/>
+          </a:xfrm>
+          <a:prstGeom prst="rect">
+            <a:avLst/>
+          </a:prstGeom>
+          <a:effectLst>
+            <a:outerShdw blurRad="50800" dist="38100" dir="2700000" algn="tl" rotWithShape="0">
+              <a:prstClr val="black">
+                <a:alpha val="40000"/>
+              </a:prstClr>
+            </a:outerShdw>
+          </a:effectLst>
+        </p:spPr>
+      </p:pic>
+      <p:grpSp>
+        <p:nvGrpSpPr>
+          <p:cNvPr id="13" name="Skupina 12">
+            <a:extLst>
+              <a:ext uri="{FF2B5EF4-FFF2-40B4-BE49-F238E27FC236}">
+                <a16:creationId xmlns:a16="http://schemas.microsoft.com/office/drawing/2014/main" id="{AF67EFDA-FDE7-47E2-DD13-5D5EE0BAB143}"/>
+              </a:ext>
+            </a:extLst>
+          </p:cNvPr>
+          <p:cNvGrpSpPr/>
+          <p:nvPr/>
+        </p:nvGrpSpPr>
+        <p:grpSpPr>
+          <a:xfrm>
+            <a:off x="0" y="1592826"/>
+            <a:ext cx="11250645" cy="1368000"/>
+            <a:chOff x="0" y="1759973"/>
+            <a:chExt cx="11250645" cy="1368000"/>
+          </a:xfrm>
+          <a:solidFill>
+            <a:srgbClr val="FBFBE9"/>
+          </a:solidFill>
+        </p:grpSpPr>
+        <p:sp>
+          <p:nvSpPr>
+            <p:cNvPr id="11" name="Vývojový diagram: postup 10">
+              <a:extLst>
+                <a:ext uri="{FF2B5EF4-FFF2-40B4-BE49-F238E27FC236}">
+                  <a16:creationId xmlns:a16="http://schemas.microsoft.com/office/drawing/2014/main" id="{84D898A0-A1E3-F330-9DA5-061EDAA78172}"/>
+                </a:ext>
+              </a:extLst>
+            </p:cNvPr>
+            <p:cNvSpPr/>
+            <p:nvPr/>
+          </p:nvSpPr>
+          <p:spPr>
+            <a:xfrm>
+              <a:off x="0" y="1759973"/>
+              <a:ext cx="10593090" cy="1368000"/>
+            </a:xfrm>
+            <a:prstGeom prst="flowChartProcess">
+              <a:avLst/>
+            </a:prstGeom>
+            <a:grpFill/>
+            <a:ln>
+              <a:noFill/>
+            </a:ln>
+          </p:spPr>
+          <p:style>
+            <a:lnRef idx="2">
+              <a:schemeClr val="accent1">
+                <a:shade val="50000"/>
+              </a:schemeClr>
+            </a:lnRef>
+            <a:fillRef idx="1">
+              <a:schemeClr val="accent1"/>
+            </a:fillRef>
+            <a:effectRef idx="0">
+              <a:schemeClr val="accent1"/>
+            </a:effectRef>
+            <a:fontRef idx="minor">
+              <a:schemeClr val="lt1"/>
+            </a:fontRef>
+          </p:style>
+          <p:txBody>
+            <a:bodyPr rtlCol="0" anchor="ctr"/>
+            <a:lstStyle/>
+            <a:p>
+              <a:pPr algn="ctr"/>
+              <a:endParaRPr lang="en-GB"/>
+            </a:p>
+          </p:txBody>
+        </p:sp>
+        <p:sp>
+          <p:nvSpPr>
+            <p:cNvPr id="12" name="Ovál 11">
+              <a:extLst>
+                <a:ext uri="{FF2B5EF4-FFF2-40B4-BE49-F238E27FC236}">
+                  <a16:creationId xmlns:a16="http://schemas.microsoft.com/office/drawing/2014/main" id="{A8C79F74-9773-4507-6669-D665D85227B3}"/>
+                </a:ext>
+              </a:extLst>
+            </p:cNvPr>
+            <p:cNvSpPr/>
+            <p:nvPr/>
+          </p:nvSpPr>
+          <p:spPr>
+            <a:xfrm>
+              <a:off x="9935535" y="1759973"/>
+              <a:ext cx="1315110" cy="1368000"/>
+            </a:xfrm>
+            <a:prstGeom prst="ellipse">
+              <a:avLst/>
+            </a:prstGeom>
+            <a:grpFill/>
+            <a:ln>
+              <a:noFill/>
+            </a:ln>
+          </p:spPr>
+          <p:style>
+            <a:lnRef idx="2">
+              <a:schemeClr val="accent1">
+                <a:shade val="50000"/>
+              </a:schemeClr>
+            </a:lnRef>
+            <a:fillRef idx="1">
+              <a:schemeClr val="accent1"/>
+            </a:fillRef>
+            <a:effectRef idx="0">
+              <a:schemeClr val="accent1"/>
+            </a:effectRef>
+            <a:fontRef idx="minor">
+              <a:schemeClr val="lt1"/>
+            </a:fontRef>
+          </p:style>
+          <p:txBody>
+            <a:bodyPr rtlCol="0" anchor="ctr"/>
+            <a:lstStyle/>
+            <a:p>
+              <a:pPr algn="ctr"/>
+              <a:endParaRPr lang="en-GB"/>
+            </a:p>
+          </p:txBody>
+        </p:sp>
+      </p:grpSp>
+      <p:sp>
+        <p:nvSpPr>
+          <p:cNvPr id="21" name="Kosoúhelník 20">
+            <a:extLst>
+              <a:ext uri="{FF2B5EF4-FFF2-40B4-BE49-F238E27FC236}">
+                <a16:creationId xmlns:a16="http://schemas.microsoft.com/office/drawing/2014/main" id="{9F5851AC-927F-AA45-FE6A-CC5839B98074}"/>
+              </a:ext>
+            </a:extLst>
+          </p:cNvPr>
+          <p:cNvSpPr/>
+          <p:nvPr/>
+        </p:nvSpPr>
+        <p:spPr>
+          <a:xfrm flipH="1">
+            <a:off x="487928" y="1484671"/>
+            <a:ext cx="8229600" cy="5373329"/>
+          </a:xfrm>
+          <a:prstGeom prst="parallelogram">
+            <a:avLst>
+              <a:gd name="adj" fmla="val 101853"/>
+            </a:avLst>
+          </a:prstGeom>
+          <a:solidFill>
+            <a:srgbClr val="FFFFFF">
+              <a:alpha val="30980"/>
+            </a:srgbClr>
+          </a:solidFill>
+          <a:ln>
+            <a:noFill/>
+          </a:ln>
+        </p:spPr>
+        <p:style>
+          <a:lnRef idx="2">
+            <a:schemeClr val="accent1">
+              <a:shade val="50000"/>
+            </a:schemeClr>
+          </a:lnRef>
+          <a:fillRef idx="1">
+            <a:schemeClr val="accent1"/>
+          </a:fillRef>
+          <a:effectRef idx="0">
+            <a:schemeClr val="accent1"/>
+          </a:effectRef>
+          <a:fontRef idx="minor">
+            <a:schemeClr val="lt1"/>
+          </a:fontRef>
+        </p:style>
+        <p:txBody>
+          <a:bodyPr rtlCol="0" anchor="ctr"/>
+          <a:lstStyle/>
+          <a:p>
+            <a:pPr algn="ctr"/>
+            <a:endParaRPr lang="en-GB"/>
+          </a:p>
+        </p:txBody>
+      </p:sp>
+      <p:sp>
+        <p:nvSpPr>
+          <p:cNvPr id="23" name="Zástupný symbol pro číslo snímku 22">
+            <a:extLst>
+              <a:ext uri="{FF2B5EF4-FFF2-40B4-BE49-F238E27FC236}">
+                <a16:creationId xmlns:a16="http://schemas.microsoft.com/office/drawing/2014/main" id="{9615EB81-C053-8A4F-C45E-6175BD81A608}"/>
+              </a:ext>
+            </a:extLst>
+          </p:cNvPr>
+          <p:cNvSpPr>
+            <a:spLocks noGrp="1"/>
+          </p:cNvSpPr>
+          <p:nvPr>
+            <p:ph type="sldNum" sz="quarter" idx="12"/>
+          </p:nvPr>
+        </p:nvSpPr>
+        <p:spPr/>
+        <p:txBody>
+          <a:bodyPr/>
+          <a:lstStyle/>
+          <a:p>
+            <a:fld id="{1C02EF61-8107-4C87-8A3F-865CEEEC0DE4}" type="slidenum">
+              <a:rPr lang="en-GB" smtClean="0"/>
+              <a:t>4</a:t>
+            </a:fld>
+            <a:endParaRPr lang="en-GB"/>
+          </a:p>
+        </p:txBody>
+      </p:sp>
+      <p:sp>
+        <p:nvSpPr>
+          <p:cNvPr id="24" name="Zástupný symbol pro datum 23">
+            <a:extLst>
+              <a:ext uri="{FF2B5EF4-FFF2-40B4-BE49-F238E27FC236}">
+                <a16:creationId xmlns:a16="http://schemas.microsoft.com/office/drawing/2014/main" id="{D03774DA-07D7-92E9-DF2A-C8303FC5145D}"/>
+              </a:ext>
+            </a:extLst>
+          </p:cNvPr>
+          <p:cNvSpPr>
+            <a:spLocks noGrp="1"/>
+          </p:cNvSpPr>
+          <p:nvPr>
+            <p:ph type="dt" sz="half" idx="10"/>
+          </p:nvPr>
+        </p:nvSpPr>
+        <p:spPr/>
+        <p:txBody>
+          <a:bodyPr/>
+          <a:lstStyle/>
+          <a:p>
+            <a:r>
+              <a:rPr lang="en-GB"/>
+              <a:t>26/07/2022</a:t>
+            </a:r>
+          </a:p>
+        </p:txBody>
+      </p:sp>
+      <p:sp>
+        <p:nvSpPr>
+          <p:cNvPr id="34" name="TextovéPole 33">
+            <a:extLst>
+              <a:ext uri="{FF2B5EF4-FFF2-40B4-BE49-F238E27FC236}">
+                <a16:creationId xmlns:a16="http://schemas.microsoft.com/office/drawing/2014/main" id="{B386F557-D4E6-8FF6-301F-D9A816F9DF15}"/>
+              </a:ext>
+            </a:extLst>
+          </p:cNvPr>
+          <p:cNvSpPr txBox="1"/>
+          <p:nvPr/>
+        </p:nvSpPr>
+        <p:spPr>
+          <a:xfrm>
+            <a:off x="186813" y="1856305"/>
+            <a:ext cx="10333703" cy="880369"/>
+          </a:xfrm>
+          <a:prstGeom prst="rect">
+            <a:avLst/>
+          </a:prstGeom>
+          <a:noFill/>
+        </p:spPr>
+        <p:txBody>
+          <a:bodyPr wrap="square" rtlCol="0">
+            <a:spAutoFit/>
+          </a:bodyPr>
+          <a:lstStyle/>
+          <a:p>
+            <a:pPr>
+              <a:lnSpc>
+                <a:spcPct val="150000"/>
+              </a:lnSpc>
+            </a:pPr>
+            <a:r>
+              <a:rPr lang="en-GB" dirty="0">
+                <a:solidFill>
+                  <a:schemeClr val="tx2"/>
+                </a:solidFill>
+              </a:rPr>
+              <a:t>The </a:t>
+            </a:r>
+            <a:r>
+              <a:rPr lang="en-GB" b="1" dirty="0">
+                <a:solidFill>
+                  <a:schemeClr val="tx2"/>
+                </a:solidFill>
+              </a:rPr>
+              <a:t>DATA</a:t>
+            </a:r>
+            <a:r>
+              <a:rPr lang="en-GB" dirty="0">
+                <a:solidFill>
+                  <a:schemeClr val="tx2"/>
+                </a:solidFill>
+              </a:rPr>
+              <a:t> consist of 85 observations, which include </a:t>
+            </a:r>
+            <a:r>
+              <a:rPr lang="en-GB" b="1" dirty="0">
+                <a:solidFill>
+                  <a:schemeClr val="tx2"/>
+                </a:solidFill>
+              </a:rPr>
+              <a:t>attributes for each candy along with its ranking</a:t>
+            </a:r>
+            <a:r>
+              <a:rPr lang="en-GB" dirty="0">
+                <a:solidFill>
+                  <a:schemeClr val="tx2"/>
+                </a:solidFill>
+              </a:rPr>
+              <a:t>. </a:t>
+            </a:r>
+          </a:p>
+          <a:p>
+            <a:pPr>
+              <a:lnSpc>
+                <a:spcPct val="150000"/>
+              </a:lnSpc>
+            </a:pPr>
+            <a:r>
+              <a:rPr lang="en-GB" dirty="0">
+                <a:solidFill>
+                  <a:schemeClr val="tx2"/>
+                </a:solidFill>
+              </a:rPr>
+              <a:t>Data are available </a:t>
+            </a:r>
+            <a:r>
+              <a:rPr lang="en-GB" dirty="0">
+                <a:solidFill>
+                  <a:schemeClr val="tx2"/>
+                </a:solidFill>
+                <a:hlinkClick r:id="rId6"/>
+              </a:rPr>
+              <a:t>here</a:t>
+            </a:r>
+            <a:r>
+              <a:rPr lang="en-GB" dirty="0">
+                <a:solidFill>
+                  <a:schemeClr val="tx2"/>
+                </a:solidFill>
+              </a:rPr>
+              <a:t>. In the following table, TOP10 observations with their attributes are listed:</a:t>
+            </a:r>
+          </a:p>
+        </p:txBody>
+      </p:sp>
+      <p:pic>
+        <p:nvPicPr>
+          <p:cNvPr id="10" name="Obrázek 9">
+            <a:extLst>
+              <a:ext uri="{FF2B5EF4-FFF2-40B4-BE49-F238E27FC236}">
+                <a16:creationId xmlns:a16="http://schemas.microsoft.com/office/drawing/2014/main" id="{4AF47E48-F082-6F21-62EA-D44A87E8078B}"/>
+              </a:ext>
+            </a:extLst>
+          </p:cNvPr>
+          <p:cNvPicPr>
+            <a:picLocks noChangeAspect="1"/>
+          </p:cNvPicPr>
+          <p:nvPr/>
+        </p:nvPicPr>
+        <p:blipFill>
+          <a:blip r:embed="rId7"/>
+          <a:stretch>
+            <a:fillRect/>
+          </a:stretch>
+        </p:blipFill>
+        <p:spPr>
+          <a:xfrm>
+            <a:off x="0" y="3081196"/>
+            <a:ext cx="12192000" cy="3068678"/>
+          </a:xfrm>
+          <a:prstGeom prst="rect">
+            <a:avLst/>
+          </a:prstGeom>
+        </p:spPr>
+      </p:pic>
+      <p:sp>
+        <p:nvSpPr>
+          <p:cNvPr id="20" name="Obdélník: se zakulacenými rohy 19">
+            <a:extLst>
+              <a:ext uri="{FF2B5EF4-FFF2-40B4-BE49-F238E27FC236}">
+                <a16:creationId xmlns:a16="http://schemas.microsoft.com/office/drawing/2014/main" id="{AE6FB02C-C631-5362-1CD1-15F2995AF66B}"/>
+              </a:ext>
+            </a:extLst>
+          </p:cNvPr>
+          <p:cNvSpPr/>
+          <p:nvPr/>
+        </p:nvSpPr>
+        <p:spPr>
+          <a:xfrm>
+            <a:off x="2320413" y="3012372"/>
+            <a:ext cx="1474839" cy="3201775"/>
+          </a:xfrm>
+          <a:prstGeom prst="roundRect">
+            <a:avLst/>
+          </a:prstGeom>
+          <a:noFill/>
+          <a:ln w="28575">
+            <a:solidFill>
+              <a:srgbClr val="C00000"/>
+            </a:solidFill>
+          </a:ln>
+        </p:spPr>
+        <p:style>
+          <a:lnRef idx="2">
+            <a:schemeClr val="accent1">
+              <a:shade val="50000"/>
+            </a:schemeClr>
+          </a:lnRef>
+          <a:fillRef idx="1">
+            <a:schemeClr val="accent1"/>
+          </a:fillRef>
+          <a:effectRef idx="0">
+            <a:schemeClr val="accent1"/>
+          </a:effectRef>
+          <a:fontRef idx="minor">
+            <a:schemeClr val="lt1"/>
+          </a:fontRef>
+        </p:style>
+        <p:txBody>
+          <a:bodyPr rtlCol="0" anchor="ctr"/>
+          <a:lstStyle/>
+          <a:p>
+            <a:pPr algn="ctr"/>
+            <a:endParaRPr lang="en-GB"/>
+          </a:p>
+        </p:txBody>
+      </p:sp>
+      <p:sp>
+        <p:nvSpPr>
+          <p:cNvPr id="25" name="TextovéPole 24">
+            <a:extLst>
+              <a:ext uri="{FF2B5EF4-FFF2-40B4-BE49-F238E27FC236}">
+                <a16:creationId xmlns:a16="http://schemas.microsoft.com/office/drawing/2014/main" id="{A652B6E2-A10C-1FAB-77FE-336A7B3826B9}"/>
+              </a:ext>
+            </a:extLst>
+          </p:cNvPr>
+          <p:cNvSpPr txBox="1"/>
+          <p:nvPr/>
+        </p:nvSpPr>
+        <p:spPr>
+          <a:xfrm>
+            <a:off x="2238684" y="6295306"/>
+            <a:ext cx="2382477" cy="430887"/>
+          </a:xfrm>
+          <a:prstGeom prst="rect">
+            <a:avLst/>
+          </a:prstGeom>
+          <a:noFill/>
+        </p:spPr>
+        <p:txBody>
+          <a:bodyPr wrap="square" rtlCol="0">
+            <a:spAutoFit/>
+          </a:bodyPr>
+          <a:lstStyle/>
+          <a:p>
+            <a:r>
+              <a:rPr lang="en-GB" sz="1100" dirty="0">
+                <a:solidFill>
+                  <a:srgbClr val="FF0000"/>
+                </a:solidFill>
+              </a:rPr>
+              <a:t>All of them have attribute chocolate, none of them have attribute fruity.</a:t>
+            </a:r>
+          </a:p>
+        </p:txBody>
+      </p:sp>
+      <p:sp>
+        <p:nvSpPr>
+          <p:cNvPr id="28" name="Obdélník: se zakulacenými rohy 27">
+            <a:extLst>
+              <a:ext uri="{FF2B5EF4-FFF2-40B4-BE49-F238E27FC236}">
+                <a16:creationId xmlns:a16="http://schemas.microsoft.com/office/drawing/2014/main" id="{EABF99FD-5A1E-895B-DD1F-C435F3E300D9}"/>
+              </a:ext>
+            </a:extLst>
+          </p:cNvPr>
+          <p:cNvSpPr/>
+          <p:nvPr/>
+        </p:nvSpPr>
+        <p:spPr>
+          <a:xfrm>
+            <a:off x="9198115" y="3022277"/>
+            <a:ext cx="2155685" cy="3201775"/>
+          </a:xfrm>
+          <a:prstGeom prst="roundRect">
+            <a:avLst>
+              <a:gd name="adj" fmla="val 11194"/>
+            </a:avLst>
+          </a:prstGeom>
+          <a:noFill/>
+          <a:ln w="28575">
+            <a:solidFill>
+              <a:srgbClr val="7030A0"/>
+            </a:solidFill>
+          </a:ln>
+        </p:spPr>
+        <p:style>
+          <a:lnRef idx="2">
+            <a:schemeClr val="accent1">
+              <a:shade val="50000"/>
+            </a:schemeClr>
+          </a:lnRef>
+          <a:fillRef idx="1">
+            <a:schemeClr val="accent1"/>
+          </a:fillRef>
+          <a:effectRef idx="0">
+            <a:schemeClr val="accent1"/>
+          </a:effectRef>
+          <a:fontRef idx="minor">
+            <a:schemeClr val="lt1"/>
+          </a:fontRef>
+        </p:style>
+        <p:txBody>
+          <a:bodyPr rtlCol="0" anchor="ctr"/>
+          <a:lstStyle/>
+          <a:p>
+            <a:pPr algn="ctr"/>
+            <a:endParaRPr lang="en-GB"/>
+          </a:p>
+        </p:txBody>
+      </p:sp>
+      <p:sp>
+        <p:nvSpPr>
+          <p:cNvPr id="29" name="TextovéPole 28">
+            <a:extLst>
+              <a:ext uri="{FF2B5EF4-FFF2-40B4-BE49-F238E27FC236}">
+                <a16:creationId xmlns:a16="http://schemas.microsoft.com/office/drawing/2014/main" id="{54345359-1F75-8670-795D-AA4B782FBF47}"/>
+              </a:ext>
+            </a:extLst>
+          </p:cNvPr>
+          <p:cNvSpPr txBox="1"/>
+          <p:nvPr/>
+        </p:nvSpPr>
+        <p:spPr>
+          <a:xfrm>
+            <a:off x="7836625" y="6282843"/>
+            <a:ext cx="2929086" cy="430887"/>
+          </a:xfrm>
+          <a:prstGeom prst="rect">
+            <a:avLst/>
+          </a:prstGeom>
+          <a:noFill/>
+        </p:spPr>
+        <p:txBody>
+          <a:bodyPr wrap="square" rtlCol="0">
+            <a:spAutoFit/>
+          </a:bodyPr>
+          <a:lstStyle/>
+          <a:p>
+            <a:r>
+              <a:rPr lang="en-GB" sz="1100" dirty="0">
+                <a:solidFill>
+                  <a:srgbClr val="7030A0"/>
+                </a:solidFill>
+              </a:rPr>
+              <a:t>Average value of </a:t>
+            </a:r>
+            <a:r>
+              <a:rPr lang="en-GB" sz="1100" dirty="0" err="1">
+                <a:solidFill>
+                  <a:srgbClr val="7030A0"/>
+                </a:solidFill>
+              </a:rPr>
+              <a:t>sugarpercent</a:t>
+            </a:r>
+            <a:r>
+              <a:rPr lang="en-GB" sz="1100" dirty="0">
+                <a:solidFill>
+                  <a:srgbClr val="7030A0"/>
+                </a:solidFill>
+              </a:rPr>
+              <a:t> in TOP10 is 0.50, for </a:t>
+            </a:r>
+            <a:r>
+              <a:rPr lang="en-GB" sz="1100" dirty="0" err="1">
+                <a:solidFill>
+                  <a:srgbClr val="7030A0"/>
+                </a:solidFill>
+              </a:rPr>
+              <a:t>pricepercent</a:t>
+            </a:r>
+            <a:r>
+              <a:rPr lang="en-GB" sz="1100" dirty="0">
+                <a:solidFill>
+                  <a:srgbClr val="7030A0"/>
+                </a:solidFill>
+              </a:rPr>
+              <a:t> it is 0.60.</a:t>
+            </a:r>
+          </a:p>
+        </p:txBody>
+      </p:sp>
     </p:spTree>
     <p:extLst>
       <p:ext uri="{BB962C8B-B14F-4D97-AF65-F5344CB8AC3E}">
-        <p14:creationId xmlns:p14="http://schemas.microsoft.com/office/powerpoint/2010/main" val="2355904673"/>
+        <p14:creationId xmlns:p14="http://schemas.microsoft.com/office/powerpoint/2010/main" val="3486431233"/>
       </p:ext>
     </p:extLst>
   </p:cSld>
@@ -5369,7 +11886,7 @@
 </p:sld>
 </file>
 
-<file path=ppt/slides/slide4.xml><?xml version="1.0" encoding="utf-8"?>
+<file path=ppt/slides/slide5.xml><?xml version="1.0" encoding="utf-8"?>
 <p:sld xmlns:a="http://schemas.openxmlformats.org/drawingml/2006/main" xmlns:r="http://schemas.openxmlformats.org/officeDocument/2006/relationships" xmlns:p="http://schemas.openxmlformats.org/presentationml/2006/main">
   <p:cSld>
     <p:spTree>
@@ -5388,222 +11905,10 @@
       </p:grpSpPr>
       <p:sp>
         <p:nvSpPr>
-          <p:cNvPr id="3" name="Zástupný obsah 2">
+          <p:cNvPr id="7" name="Volný tvar: obrazec 6">
             <a:extLst>
               <a:ext uri="{FF2B5EF4-FFF2-40B4-BE49-F238E27FC236}">
-                <a16:creationId xmlns:a16="http://schemas.microsoft.com/office/drawing/2014/main" id="{3CC36778-53FD-7F85-38FE-C8EBE400AD92}"/>
-              </a:ext>
-            </a:extLst>
-          </p:cNvPr>
-          <p:cNvSpPr>
-            <a:spLocks noGrp="1"/>
-          </p:cNvSpPr>
-          <p:nvPr>
-            <p:ph idx="1"/>
-          </p:nvPr>
-        </p:nvSpPr>
-        <p:spPr/>
-        <p:txBody>
-          <a:bodyPr/>
-          <a:lstStyle/>
-          <a:p>
-            <a:r>
-              <a:rPr lang="cs-CZ" dirty="0" err="1"/>
-              <a:t>Using</a:t>
-            </a:r>
-            <a:r>
-              <a:rPr lang="cs-CZ" dirty="0"/>
-              <a:t> </a:t>
-            </a:r>
-            <a:r>
-              <a:rPr lang="cs-CZ" dirty="0" err="1"/>
-              <a:t>linear</a:t>
-            </a:r>
-            <a:r>
-              <a:rPr lang="cs-CZ" dirty="0"/>
-              <a:t> </a:t>
-            </a:r>
-            <a:r>
-              <a:rPr lang="cs-CZ" dirty="0" err="1"/>
-              <a:t>regression</a:t>
-            </a:r>
-            <a:r>
-              <a:rPr lang="cs-CZ" dirty="0"/>
-              <a:t>, a model </a:t>
-            </a:r>
-            <a:r>
-              <a:rPr lang="cs-CZ" dirty="0" err="1"/>
-              <a:t>for</a:t>
-            </a:r>
-            <a:r>
-              <a:rPr lang="cs-CZ" dirty="0"/>
-              <a:t> </a:t>
-            </a:r>
-            <a:r>
-              <a:rPr lang="cs-CZ" dirty="0" err="1"/>
-              <a:t>the</a:t>
-            </a:r>
-            <a:r>
-              <a:rPr lang="cs-CZ" dirty="0"/>
-              <a:t> </a:t>
-            </a:r>
-            <a:r>
-              <a:rPr lang="cs-CZ" dirty="0" err="1"/>
-              <a:t>ranking</a:t>
-            </a:r>
-            <a:r>
-              <a:rPr lang="cs-CZ" dirty="0"/>
-              <a:t> </a:t>
-            </a:r>
-            <a:r>
-              <a:rPr lang="cs-CZ" dirty="0" err="1"/>
-              <a:t>power</a:t>
-            </a:r>
-            <a:r>
-              <a:rPr lang="cs-CZ" dirty="0"/>
-              <a:t> </a:t>
-            </a:r>
-            <a:r>
-              <a:rPr lang="cs-CZ" dirty="0" err="1"/>
-              <a:t>of</a:t>
-            </a:r>
-            <a:r>
-              <a:rPr lang="cs-CZ" dirty="0"/>
-              <a:t> </a:t>
-            </a:r>
-            <a:r>
-              <a:rPr lang="cs-CZ" dirty="0" err="1"/>
-              <a:t>each</a:t>
-            </a:r>
-            <a:r>
-              <a:rPr lang="cs-CZ" dirty="0"/>
-              <a:t> </a:t>
-            </a:r>
-            <a:r>
-              <a:rPr lang="cs-CZ" dirty="0" err="1"/>
-              <a:t>candy</a:t>
-            </a:r>
-            <a:r>
-              <a:rPr lang="cs-CZ" dirty="0"/>
-              <a:t> </a:t>
-            </a:r>
-            <a:r>
-              <a:rPr lang="cs-CZ" dirty="0" err="1"/>
-              <a:t>product</a:t>
-            </a:r>
-            <a:r>
-              <a:rPr lang="cs-CZ" dirty="0"/>
-              <a:t> </a:t>
-            </a:r>
-            <a:r>
-              <a:rPr lang="cs-CZ" dirty="0" err="1"/>
-              <a:t>was</a:t>
-            </a:r>
-            <a:r>
-              <a:rPr lang="cs-CZ" dirty="0"/>
-              <a:t> </a:t>
-            </a:r>
-            <a:r>
-              <a:rPr lang="cs-CZ" dirty="0" err="1"/>
-              <a:t>built</a:t>
-            </a:r>
-            <a:r>
-              <a:rPr lang="cs-CZ" dirty="0"/>
-              <a:t>:</a:t>
-            </a:r>
-            <a:endParaRPr lang="en-GB" dirty="0"/>
-          </a:p>
-        </p:txBody>
-      </p:sp>
-      <p:sp>
-        <p:nvSpPr>
-          <p:cNvPr id="4" name="Nadpis 1">
-            <a:extLst>
-              <a:ext uri="{FF2B5EF4-FFF2-40B4-BE49-F238E27FC236}">
-                <a16:creationId xmlns:a16="http://schemas.microsoft.com/office/drawing/2014/main" id="{D05A75C6-AF9D-7884-00F3-88C3B3E89B54}"/>
-              </a:ext>
-            </a:extLst>
-          </p:cNvPr>
-          <p:cNvSpPr txBox="1">
-            <a:spLocks/>
-          </p:cNvSpPr>
-          <p:nvPr/>
-        </p:nvSpPr>
-        <p:spPr>
-          <a:xfrm>
-            <a:off x="838200" y="345461"/>
-            <a:ext cx="10515600" cy="1325563"/>
-          </a:xfrm>
-          <a:prstGeom prst="rect">
-            <a:avLst/>
-          </a:prstGeom>
-        </p:spPr>
-        <p:txBody>
-          <a:bodyPr vert="horz" lIns="91440" tIns="45720" rIns="91440" bIns="45720" rtlCol="0" anchor="ctr">
-            <a:normAutofit/>
-          </a:bodyPr>
-          <a:lstStyle>
-            <a:lvl1pPr algn="l" defTabSz="914400" rtl="0" eaLnBrk="1" latinLnBrk="0" hangingPunct="1">
-              <a:lnSpc>
-                <a:spcPct val="90000"/>
-              </a:lnSpc>
-              <a:spcBef>
-                <a:spcPct val="0"/>
-              </a:spcBef>
-              <a:buNone/>
-              <a:defRPr sz="4400" kern="1200">
-                <a:solidFill>
-                  <a:schemeClr val="tx1"/>
-                </a:solidFill>
-                <a:latin typeface="+mj-lt"/>
-                <a:ea typeface="+mj-ea"/>
-                <a:cs typeface="+mj-cs"/>
-              </a:defRPr>
-            </a:lvl1pPr>
-          </a:lstStyle>
-          <a:p>
-            <a:r>
-              <a:rPr lang="cs-CZ" sz="3600" dirty="0" err="1">
-                <a:solidFill>
-                  <a:schemeClr val="tx2"/>
-                </a:solidFill>
-                <a:latin typeface="Abadi" panose="020B0604020104020204" pitchFamily="34" charset="0"/>
-              </a:rPr>
-              <a:t>Procedure</a:t>
-            </a:r>
-            <a:r>
-              <a:rPr lang="cs-CZ" sz="3600" dirty="0">
-                <a:solidFill>
-                  <a:schemeClr val="tx2"/>
-                </a:solidFill>
-                <a:latin typeface="Abadi" panose="020B0604020104020204" pitchFamily="34" charset="0"/>
-              </a:rPr>
-              <a:t> and </a:t>
-            </a:r>
-            <a:r>
-              <a:rPr lang="cs-CZ" sz="3600" dirty="0" err="1">
-                <a:solidFill>
-                  <a:schemeClr val="tx2"/>
-                </a:solidFill>
-                <a:latin typeface="Abadi" panose="020B0604020104020204" pitchFamily="34" charset="0"/>
-              </a:rPr>
-              <a:t>assumption</a:t>
-            </a:r>
-            <a:endParaRPr lang="en-GB" sz="3600" dirty="0">
-              <a:solidFill>
-                <a:schemeClr val="tx2"/>
-              </a:solidFill>
-              <a:latin typeface="Abadi" panose="020B0604020104020204" pitchFamily="34" charset="0"/>
-            </a:endParaRPr>
-          </a:p>
-        </p:txBody>
-      </p:sp>
-      <p:sp>
-        <p:nvSpPr>
-          <p:cNvPr id="5" name="Volný tvar: obrazec 4">
-            <a:extLst>
-              <a:ext uri="{FF2B5EF4-FFF2-40B4-BE49-F238E27FC236}">
-                <a16:creationId xmlns:a16="http://schemas.microsoft.com/office/drawing/2014/main" id="{91C190D9-04B6-C6C6-9A7B-AE26088E27EC}"/>
+                <a16:creationId xmlns:a16="http://schemas.microsoft.com/office/drawing/2014/main" id="{F78BB0BC-C53D-E1CA-B632-AE8ED55CA654}"/>
               </a:ext>
             </a:extLst>
           </p:cNvPr>
@@ -5876,10 +12181,958 @@
           </a:p>
         </p:txBody>
       </p:sp>
+      <p:sp>
+        <p:nvSpPr>
+          <p:cNvPr id="5" name="Nadpis 1">
+            <a:extLst>
+              <a:ext uri="{FF2B5EF4-FFF2-40B4-BE49-F238E27FC236}">
+                <a16:creationId xmlns:a16="http://schemas.microsoft.com/office/drawing/2014/main" id="{5220087A-10DC-BCD4-FF07-3BD84AD28BA3}"/>
+              </a:ext>
+            </a:extLst>
+          </p:cNvPr>
+          <p:cNvSpPr>
+            <a:spLocks noGrp="1"/>
+          </p:cNvSpPr>
+          <p:nvPr>
+            <p:ph type="title"/>
+          </p:nvPr>
+        </p:nvSpPr>
+        <p:spPr>
+          <a:xfrm>
+            <a:off x="838200" y="348888"/>
+            <a:ext cx="10515600" cy="1325563"/>
+          </a:xfrm>
+        </p:spPr>
+        <p:txBody>
+          <a:bodyPr>
+            <a:normAutofit/>
+          </a:bodyPr>
+          <a:lstStyle/>
+          <a:p>
+            <a:r>
+              <a:rPr lang="en-GB" sz="3600" b="1" spc="300" dirty="0">
+                <a:solidFill>
+                  <a:schemeClr val="tx2"/>
+                </a:solidFill>
+                <a:latin typeface="Abadi" panose="020B0604020104020204" pitchFamily="34" charset="0"/>
+              </a:rPr>
+              <a:t>MODEL</a:t>
+            </a:r>
+          </a:p>
+        </p:txBody>
+      </p:sp>
+      <p:pic>
+        <p:nvPicPr>
+          <p:cNvPr id="8" name="Obrázek 7">
+            <a:extLst>
+              <a:ext uri="{FF2B5EF4-FFF2-40B4-BE49-F238E27FC236}">
+                <a16:creationId xmlns:a16="http://schemas.microsoft.com/office/drawing/2014/main" id="{8FE30E51-027D-4C27-9FC6-E0E20DDD9FD1}"/>
+              </a:ext>
+            </a:extLst>
+          </p:cNvPr>
+          <p:cNvPicPr>
+            <a:picLocks noChangeAspect="1"/>
+          </p:cNvPicPr>
+          <p:nvPr/>
+        </p:nvPicPr>
+        <p:blipFill>
+          <a:blip r:embed="rId2">
+            <a:extLst>
+              <a:ext uri="{BEBA8EAE-BF5A-486C-A8C5-ECC9F3942E4B}">
+                <a14:imgProps xmlns:a14="http://schemas.microsoft.com/office/drawing/2010/main">
+                  <a14:imgLayer r:embed="rId3">
+                    <a14:imgEffect>
+                      <a14:backgroundRemoval t="10000" b="90000" l="10000" r="90000">
+                        <a14:foregroundMark x1="52147" y1="52439" x2="52147" y2="52439"/>
+                        <a14:foregroundMark x1="57055" y1="39634" x2="57055" y2="39634"/>
+                        <a14:foregroundMark x1="22086" y1="18902" x2="22086" y2="18902"/>
+                        <a14:backgroundMark x1="2454" y1="38415" x2="2454" y2="38415"/>
+                        <a14:backgroundMark x1="80368" y1="18293" x2="80368" y2="18293"/>
+                      </a14:backgroundRemoval>
+                    </a14:imgEffect>
+                  </a14:imgLayer>
+                </a14:imgProps>
+              </a:ext>
+            </a:extLst>
+          </a:blip>
+          <a:stretch>
+            <a:fillRect/>
+          </a:stretch>
+        </p:blipFill>
+        <p:spPr>
+          <a:xfrm>
+            <a:off x="10593090" y="0"/>
+            <a:ext cx="1317481" cy="1325563"/>
+          </a:xfrm>
+          <a:prstGeom prst="rect">
+            <a:avLst/>
+          </a:prstGeom>
+          <a:effectLst>
+            <a:outerShdw blurRad="50800" dist="38100" dir="2700000" algn="tl" rotWithShape="0">
+              <a:prstClr val="black">
+                <a:alpha val="40000"/>
+              </a:prstClr>
+            </a:outerShdw>
+          </a:effectLst>
+        </p:spPr>
+      </p:pic>
+      <p:pic>
+        <p:nvPicPr>
+          <p:cNvPr id="9" name="Obrázek 8">
+            <a:extLst>
+              <a:ext uri="{FF2B5EF4-FFF2-40B4-BE49-F238E27FC236}">
+                <a16:creationId xmlns:a16="http://schemas.microsoft.com/office/drawing/2014/main" id="{26FD94FF-F7D2-F98F-5C40-94959024EAAE}"/>
+              </a:ext>
+            </a:extLst>
+          </p:cNvPr>
+          <p:cNvPicPr>
+            <a:picLocks noChangeAspect="1"/>
+          </p:cNvPicPr>
+          <p:nvPr/>
+        </p:nvPicPr>
+        <p:blipFill>
+          <a:blip r:embed="rId4">
+            <a:extLst>
+              <a:ext uri="{BEBA8EAE-BF5A-486C-A8C5-ECC9F3942E4B}">
+                <a14:imgProps xmlns:a14="http://schemas.microsoft.com/office/drawing/2010/main">
+                  <a14:imgLayer r:embed="rId5">
+                    <a14:imgEffect>
+                      <a14:backgroundRemoval t="10000" b="90000" l="10000" r="90000"/>
+                    </a14:imgEffect>
+                  </a14:imgLayer>
+                </a14:imgProps>
+              </a:ext>
+            </a:extLst>
+          </a:blip>
+          <a:stretch>
+            <a:fillRect/>
+          </a:stretch>
+        </p:blipFill>
+        <p:spPr>
+          <a:xfrm rot="18557044">
+            <a:off x="9949804" y="296739"/>
+            <a:ext cx="1457528" cy="1457528"/>
+          </a:xfrm>
+          <a:prstGeom prst="rect">
+            <a:avLst/>
+          </a:prstGeom>
+          <a:effectLst>
+            <a:outerShdw blurRad="50800" dist="38100" dir="2700000" algn="tl" rotWithShape="0">
+              <a:prstClr val="black">
+                <a:alpha val="40000"/>
+              </a:prstClr>
+            </a:outerShdw>
+          </a:effectLst>
+        </p:spPr>
+      </p:pic>
+      <p:sp>
+        <p:nvSpPr>
+          <p:cNvPr id="21" name="Kosoúhelník 20">
+            <a:extLst>
+              <a:ext uri="{FF2B5EF4-FFF2-40B4-BE49-F238E27FC236}">
+                <a16:creationId xmlns:a16="http://schemas.microsoft.com/office/drawing/2014/main" id="{9F5851AC-927F-AA45-FE6A-CC5839B98074}"/>
+              </a:ext>
+            </a:extLst>
+          </p:cNvPr>
+          <p:cNvSpPr/>
+          <p:nvPr/>
+        </p:nvSpPr>
+        <p:spPr>
+          <a:xfrm flipH="1">
+            <a:off x="487928" y="1484671"/>
+            <a:ext cx="8229600" cy="5373329"/>
+          </a:xfrm>
+          <a:prstGeom prst="parallelogram">
+            <a:avLst>
+              <a:gd name="adj" fmla="val 101853"/>
+            </a:avLst>
+          </a:prstGeom>
+          <a:solidFill>
+            <a:srgbClr val="FFFFFF">
+              <a:alpha val="30980"/>
+            </a:srgbClr>
+          </a:solidFill>
+          <a:ln>
+            <a:noFill/>
+          </a:ln>
+        </p:spPr>
+        <p:style>
+          <a:lnRef idx="2">
+            <a:schemeClr val="accent1">
+              <a:shade val="50000"/>
+            </a:schemeClr>
+          </a:lnRef>
+          <a:fillRef idx="1">
+            <a:schemeClr val="accent1"/>
+          </a:fillRef>
+          <a:effectRef idx="0">
+            <a:schemeClr val="accent1"/>
+          </a:effectRef>
+          <a:fontRef idx="minor">
+            <a:schemeClr val="lt1"/>
+          </a:fontRef>
+        </p:style>
+        <p:txBody>
+          <a:bodyPr rtlCol="0" anchor="ctr"/>
+          <a:lstStyle/>
+          <a:p>
+            <a:pPr algn="ctr"/>
+            <a:endParaRPr lang="en-GB"/>
+          </a:p>
+        </p:txBody>
+      </p:sp>
+      <p:sp>
+        <p:nvSpPr>
+          <p:cNvPr id="23" name="Zástupný symbol pro číslo snímku 22">
+            <a:extLst>
+              <a:ext uri="{FF2B5EF4-FFF2-40B4-BE49-F238E27FC236}">
+                <a16:creationId xmlns:a16="http://schemas.microsoft.com/office/drawing/2014/main" id="{9615EB81-C053-8A4F-C45E-6175BD81A608}"/>
+              </a:ext>
+            </a:extLst>
+          </p:cNvPr>
+          <p:cNvSpPr>
+            <a:spLocks noGrp="1"/>
+          </p:cNvSpPr>
+          <p:nvPr>
+            <p:ph type="sldNum" sz="quarter" idx="12"/>
+          </p:nvPr>
+        </p:nvSpPr>
+        <p:spPr/>
+        <p:txBody>
+          <a:bodyPr/>
+          <a:lstStyle/>
+          <a:p>
+            <a:fld id="{1C02EF61-8107-4C87-8A3F-865CEEEC0DE4}" type="slidenum">
+              <a:rPr lang="en-GB" smtClean="0"/>
+              <a:t>5</a:t>
+            </a:fld>
+            <a:endParaRPr lang="en-GB"/>
+          </a:p>
+        </p:txBody>
+      </p:sp>
+      <p:sp>
+        <p:nvSpPr>
+          <p:cNvPr id="24" name="Zástupný symbol pro datum 23">
+            <a:extLst>
+              <a:ext uri="{FF2B5EF4-FFF2-40B4-BE49-F238E27FC236}">
+                <a16:creationId xmlns:a16="http://schemas.microsoft.com/office/drawing/2014/main" id="{D03774DA-07D7-92E9-DF2A-C8303FC5145D}"/>
+              </a:ext>
+            </a:extLst>
+          </p:cNvPr>
+          <p:cNvSpPr>
+            <a:spLocks noGrp="1"/>
+          </p:cNvSpPr>
+          <p:nvPr>
+            <p:ph type="dt" sz="half" idx="10"/>
+          </p:nvPr>
+        </p:nvSpPr>
+        <p:spPr/>
+        <p:txBody>
+          <a:bodyPr/>
+          <a:lstStyle/>
+          <a:p>
+            <a:r>
+              <a:rPr lang="en-GB"/>
+              <a:t>26/07/2022</a:t>
+            </a:r>
+          </a:p>
+        </p:txBody>
+      </p:sp>
+      <p:sp>
+        <p:nvSpPr>
+          <p:cNvPr id="18" name="Zástupný symbol pro zápatí 14">
+            <a:extLst>
+              <a:ext uri="{FF2B5EF4-FFF2-40B4-BE49-F238E27FC236}">
+                <a16:creationId xmlns:a16="http://schemas.microsoft.com/office/drawing/2014/main" id="{E6E7EDD0-8F30-247E-3991-AF9F6EBC7859}"/>
+              </a:ext>
+            </a:extLst>
+          </p:cNvPr>
+          <p:cNvSpPr>
+            <a:spLocks noGrp="1"/>
+          </p:cNvSpPr>
+          <p:nvPr>
+            <p:ph type="ftr" sz="quarter" idx="11"/>
+          </p:nvPr>
+        </p:nvSpPr>
+        <p:spPr>
+          <a:xfrm>
+            <a:off x="4038600" y="6356350"/>
+            <a:ext cx="4114800" cy="365125"/>
+          </a:xfrm>
+        </p:spPr>
+        <p:txBody>
+          <a:bodyPr/>
+          <a:lstStyle/>
+          <a:p>
+            <a:r>
+              <a:rPr lang="en-GB"/>
+              <a:t>Anežka Lhotáková | Case study: Candy Recommendation</a:t>
+            </a:r>
+          </a:p>
+        </p:txBody>
+      </p:sp>
+      <p:pic>
+        <p:nvPicPr>
+          <p:cNvPr id="3" name="Obrázek 2">
+            <a:extLst>
+              <a:ext uri="{FF2B5EF4-FFF2-40B4-BE49-F238E27FC236}">
+                <a16:creationId xmlns:a16="http://schemas.microsoft.com/office/drawing/2014/main" id="{84BD1D0C-2618-82C7-8BDA-B20CFA31B387}"/>
+              </a:ext>
+            </a:extLst>
+          </p:cNvPr>
+          <p:cNvPicPr>
+            <a:picLocks noChangeAspect="1"/>
+          </p:cNvPicPr>
+          <p:nvPr/>
+        </p:nvPicPr>
+        <p:blipFill>
+          <a:blip r:embed="rId6"/>
+          <a:stretch>
+            <a:fillRect/>
+          </a:stretch>
+        </p:blipFill>
+        <p:spPr>
+          <a:xfrm>
+            <a:off x="293646" y="1484671"/>
+            <a:ext cx="5805214" cy="4896632"/>
+          </a:xfrm>
+          <a:prstGeom prst="rect">
+            <a:avLst/>
+          </a:prstGeom>
+        </p:spPr>
+      </p:pic>
+      <p:pic>
+        <p:nvPicPr>
+          <p:cNvPr id="6" name="Obrázek 5">
+            <a:extLst>
+              <a:ext uri="{FF2B5EF4-FFF2-40B4-BE49-F238E27FC236}">
+                <a16:creationId xmlns:a16="http://schemas.microsoft.com/office/drawing/2014/main" id="{AC65DF06-C44C-54BB-DCE3-AF9186B38380}"/>
+              </a:ext>
+            </a:extLst>
+          </p:cNvPr>
+          <p:cNvPicPr>
+            <a:picLocks noChangeAspect="1"/>
+          </p:cNvPicPr>
+          <p:nvPr/>
+        </p:nvPicPr>
+        <p:blipFill>
+          <a:blip r:embed="rId7"/>
+          <a:stretch>
+            <a:fillRect/>
+          </a:stretch>
+        </p:blipFill>
+        <p:spPr>
+          <a:xfrm>
+            <a:off x="6458370" y="2241994"/>
+            <a:ext cx="4906880" cy="3312767"/>
+          </a:xfrm>
+          <a:prstGeom prst="rect">
+            <a:avLst/>
+          </a:prstGeom>
+        </p:spPr>
+      </p:pic>
     </p:spTree>
     <p:extLst>
       <p:ext uri="{BB962C8B-B14F-4D97-AF65-F5344CB8AC3E}">
-        <p14:creationId xmlns:p14="http://schemas.microsoft.com/office/powerpoint/2010/main" val="3811190085"/>
+        <p14:creationId xmlns:p14="http://schemas.microsoft.com/office/powerpoint/2010/main" val="1271315630"/>
+      </p:ext>
+    </p:extLst>
+  </p:cSld>
+  <p:clrMapOvr>
+    <a:masterClrMapping/>
+  </p:clrMapOvr>
+</p:sld>
+</file>
+
+<file path=ppt/slides/slide6.xml><?xml version="1.0" encoding="utf-8"?>
+<p:sld xmlns:a="http://schemas.openxmlformats.org/drawingml/2006/main" xmlns:r="http://schemas.openxmlformats.org/officeDocument/2006/relationships" xmlns:p="http://schemas.openxmlformats.org/presentationml/2006/main">
+  <p:cSld>
+    <p:spTree>
+      <p:nvGrpSpPr>
+        <p:cNvPr id="1" name=""/>
+        <p:cNvGrpSpPr/>
+        <p:nvPr/>
+      </p:nvGrpSpPr>
+      <p:grpSpPr>
+        <a:xfrm>
+          <a:off x="0" y="0"/>
+          <a:ext cx="0" cy="0"/>
+          <a:chOff x="0" y="0"/>
+          <a:chExt cx="0" cy="0"/>
+        </a:xfrm>
+      </p:grpSpPr>
+      <p:sp>
+        <p:nvSpPr>
+          <p:cNvPr id="7" name="Volný tvar: obrazec 6">
+            <a:extLst>
+              <a:ext uri="{FF2B5EF4-FFF2-40B4-BE49-F238E27FC236}">
+                <a16:creationId xmlns:a16="http://schemas.microsoft.com/office/drawing/2014/main" id="{F78BB0BC-C53D-E1CA-B632-AE8ED55CA654}"/>
+              </a:ext>
+            </a:extLst>
+          </p:cNvPr>
+          <p:cNvSpPr/>
+          <p:nvPr/>
+        </p:nvSpPr>
+        <p:spPr>
+          <a:xfrm>
+            <a:off x="604684" y="1303239"/>
+            <a:ext cx="10982632" cy="36000"/>
+          </a:xfrm>
+          <a:custGeom>
+            <a:avLst/>
+            <a:gdLst>
+              <a:gd name="connsiteX0" fmla="*/ 0 w 10982632"/>
+              <a:gd name="connsiteY0" fmla="*/ 36000 h 36000"/>
+              <a:gd name="connsiteX1" fmla="*/ 482399 w 10982632"/>
+              <a:gd name="connsiteY1" fmla="*/ 34194 h 36000"/>
+              <a:gd name="connsiteX2" fmla="*/ 870998 w 10982632"/>
+              <a:gd name="connsiteY2" fmla="*/ 32739 h 36000"/>
+              <a:gd name="connsiteX3" fmla="*/ 1447196 w 10982632"/>
+              <a:gd name="connsiteY3" fmla="*/ 30582 h 36000"/>
+              <a:gd name="connsiteX4" fmla="*/ 2210994 w 10982632"/>
+              <a:gd name="connsiteY4" fmla="*/ 27722 h 36000"/>
+              <a:gd name="connsiteX5" fmla="*/ 2599593 w 10982632"/>
+              <a:gd name="connsiteY5" fmla="*/ 26268 h 36000"/>
+              <a:gd name="connsiteX6" fmla="*/ 3269591 w 10982632"/>
+              <a:gd name="connsiteY6" fmla="*/ 23759 h 36000"/>
+              <a:gd name="connsiteX7" fmla="*/ 3845789 w 10982632"/>
+              <a:gd name="connsiteY7" fmla="*/ 21602 h 36000"/>
+              <a:gd name="connsiteX8" fmla="*/ 4234388 w 10982632"/>
+              <a:gd name="connsiteY8" fmla="*/ 20147 h 36000"/>
+              <a:gd name="connsiteX9" fmla="*/ 4810587 w 10982632"/>
+              <a:gd name="connsiteY9" fmla="*/ 17990 h 36000"/>
+              <a:gd name="connsiteX10" fmla="*/ 5668184 w 10982632"/>
+              <a:gd name="connsiteY10" fmla="*/ 14779 h 36000"/>
+              <a:gd name="connsiteX11" fmla="*/ 6431982 w 10982632"/>
+              <a:gd name="connsiteY11" fmla="*/ 11920 h 36000"/>
+              <a:gd name="connsiteX12" fmla="*/ 7195780 w 10982632"/>
+              <a:gd name="connsiteY12" fmla="*/ 9060 h 36000"/>
+              <a:gd name="connsiteX13" fmla="*/ 7678179 w 10982632"/>
+              <a:gd name="connsiteY13" fmla="*/ 7254 h 36000"/>
+              <a:gd name="connsiteX14" fmla="*/ 8348177 w 10982632"/>
+              <a:gd name="connsiteY14" fmla="*/ 4746 h 36000"/>
+              <a:gd name="connsiteX15" fmla="*/ 9379974 w 10982632"/>
+              <a:gd name="connsiteY15" fmla="*/ 883 h 36000"/>
+              <a:gd name="connsiteX16" fmla="*/ 10982632 w 10982632"/>
+              <a:gd name="connsiteY16" fmla="*/ 8687 h 36000"/>
+            </a:gdLst>
+            <a:ahLst/>
+            <a:cxnLst>
+              <a:cxn ang="0">
+                <a:pos x="connsiteX0" y="connsiteY0"/>
+              </a:cxn>
+              <a:cxn ang="0">
+                <a:pos x="connsiteX1" y="connsiteY1"/>
+              </a:cxn>
+              <a:cxn ang="0">
+                <a:pos x="connsiteX2" y="connsiteY2"/>
+              </a:cxn>
+              <a:cxn ang="0">
+                <a:pos x="connsiteX3" y="connsiteY3"/>
+              </a:cxn>
+              <a:cxn ang="0">
+                <a:pos x="connsiteX4" y="connsiteY4"/>
+              </a:cxn>
+              <a:cxn ang="0">
+                <a:pos x="connsiteX5" y="connsiteY5"/>
+              </a:cxn>
+              <a:cxn ang="0">
+                <a:pos x="connsiteX6" y="connsiteY6"/>
+              </a:cxn>
+              <a:cxn ang="0">
+                <a:pos x="connsiteX7" y="connsiteY7"/>
+              </a:cxn>
+              <a:cxn ang="0">
+                <a:pos x="connsiteX8" y="connsiteY8"/>
+              </a:cxn>
+              <a:cxn ang="0">
+                <a:pos x="connsiteX9" y="connsiteY9"/>
+              </a:cxn>
+              <a:cxn ang="0">
+                <a:pos x="connsiteX10" y="connsiteY10"/>
+              </a:cxn>
+              <a:cxn ang="0">
+                <a:pos x="connsiteX11" y="connsiteY11"/>
+              </a:cxn>
+              <a:cxn ang="0">
+                <a:pos x="connsiteX12" y="connsiteY12"/>
+              </a:cxn>
+              <a:cxn ang="0">
+                <a:pos x="connsiteX13" y="connsiteY13"/>
+              </a:cxn>
+              <a:cxn ang="0">
+                <a:pos x="connsiteX14" y="connsiteY14"/>
+              </a:cxn>
+              <a:cxn ang="0">
+                <a:pos x="connsiteX15" y="connsiteY15"/>
+              </a:cxn>
+              <a:cxn ang="0">
+                <a:pos x="connsiteX16" y="connsiteY16"/>
+              </a:cxn>
+            </a:cxnLst>
+            <a:rect l="l" t="t" r="r" b="b"/>
+            <a:pathLst>
+              <a:path w="10982632" h="36000" extrusionOk="0">
+                <a:moveTo>
+                  <a:pt x="0" y="36000"/>
+                </a:moveTo>
+                <a:cubicBezTo>
+                  <a:pt x="135513" y="38412"/>
+                  <a:pt x="252646" y="22812"/>
+                  <a:pt x="482399" y="34194"/>
+                </a:cubicBezTo>
+                <a:cubicBezTo>
+                  <a:pt x="712152" y="45576"/>
+                  <a:pt x="715286" y="39715"/>
+                  <a:pt x="870998" y="32739"/>
+                </a:cubicBezTo>
+                <a:cubicBezTo>
+                  <a:pt x="1026710" y="25763"/>
+                  <a:pt x="1305283" y="47961"/>
+                  <a:pt x="1447196" y="30582"/>
+                </a:cubicBezTo>
+                <a:cubicBezTo>
+                  <a:pt x="1589109" y="13203"/>
+                  <a:pt x="2014513" y="-8378"/>
+                  <a:pt x="2210994" y="27722"/>
+                </a:cubicBezTo>
+                <a:cubicBezTo>
+                  <a:pt x="2407475" y="63822"/>
+                  <a:pt x="2521758" y="29143"/>
+                  <a:pt x="2599593" y="26268"/>
+                </a:cubicBezTo>
+                <a:cubicBezTo>
+                  <a:pt x="2677428" y="23393"/>
+                  <a:pt x="2990761" y="43291"/>
+                  <a:pt x="3269591" y="23759"/>
+                </a:cubicBezTo>
+                <a:cubicBezTo>
+                  <a:pt x="3548421" y="4228"/>
+                  <a:pt x="3558874" y="16979"/>
+                  <a:pt x="3845789" y="21602"/>
+                </a:cubicBezTo>
+                <a:cubicBezTo>
+                  <a:pt x="4132704" y="26224"/>
+                  <a:pt x="4122156" y="4132"/>
+                  <a:pt x="4234388" y="20147"/>
+                </a:cubicBezTo>
+                <a:cubicBezTo>
+                  <a:pt x="4346620" y="36162"/>
+                  <a:pt x="4535079" y="18226"/>
+                  <a:pt x="4810587" y="17990"/>
+                </a:cubicBezTo>
+                <a:cubicBezTo>
+                  <a:pt x="5086095" y="17754"/>
+                  <a:pt x="5285955" y="-23143"/>
+                  <a:pt x="5668184" y="14779"/>
+                </a:cubicBezTo>
+                <a:cubicBezTo>
+                  <a:pt x="6050413" y="52702"/>
+                  <a:pt x="6257522" y="14168"/>
+                  <a:pt x="6431982" y="11920"/>
+                </a:cubicBezTo>
+                <a:cubicBezTo>
+                  <a:pt x="6606442" y="9672"/>
+                  <a:pt x="6967859" y="4959"/>
+                  <a:pt x="7195780" y="9060"/>
+                </a:cubicBezTo>
+                <a:cubicBezTo>
+                  <a:pt x="7423701" y="13161"/>
+                  <a:pt x="7438426" y="-2995"/>
+                  <a:pt x="7678179" y="7254"/>
+                </a:cubicBezTo>
+                <a:cubicBezTo>
+                  <a:pt x="7917932" y="17503"/>
+                  <a:pt x="8110949" y="37862"/>
+                  <a:pt x="8348177" y="4746"/>
+                </a:cubicBezTo>
+                <a:cubicBezTo>
+                  <a:pt x="8585405" y="-28371"/>
+                  <a:pt x="9008437" y="-5748"/>
+                  <a:pt x="9379974" y="883"/>
+                </a:cubicBezTo>
+                <a:cubicBezTo>
+                  <a:pt x="11190356" y="-30152"/>
+                  <a:pt x="10726379" y="3159"/>
+                  <a:pt x="10982632" y="8687"/>
+                </a:cubicBezTo>
+              </a:path>
+            </a:pathLst>
+          </a:custGeom>
+          <a:noFill/>
+          <a:ln w="76200">
+            <a:solidFill>
+              <a:schemeClr val="accent2"/>
+            </a:solidFill>
+            <a:extLst>
+              <a:ext uri="{C807C97D-BFC1-408E-A445-0C87EB9F89A2}">
+                <ask:lineSketchStyleProps xmlns:ask="http://schemas.microsoft.com/office/drawing/2018/sketchyshapes" sd="3139255767">
+                  <a:custGeom>
+                    <a:avLst/>
+                    <a:gdLst>
+                      <a:gd name="connsiteX0" fmla="*/ 0 w 10982632"/>
+                      <a:gd name="connsiteY0" fmla="*/ 181433 h 181433"/>
+                      <a:gd name="connsiteX1" fmla="*/ 9379974 w 10982632"/>
+                      <a:gd name="connsiteY1" fmla="*/ 4453 h 181433"/>
+                      <a:gd name="connsiteX2" fmla="*/ 10982632 w 10982632"/>
+                      <a:gd name="connsiteY2" fmla="*/ 43782 h 181433"/>
+                    </a:gdLst>
+                    <a:ahLst/>
+                    <a:cxnLst>
+                      <a:cxn ang="0">
+                        <a:pos x="connsiteX0" y="connsiteY0"/>
+                      </a:cxn>
+                      <a:cxn ang="0">
+                        <a:pos x="connsiteX1" y="connsiteY1"/>
+                      </a:cxn>
+                      <a:cxn ang="0">
+                        <a:pos x="connsiteX2" y="connsiteY2"/>
+                      </a:cxn>
+                    </a:cxnLst>
+                    <a:rect l="l" t="t" r="r" b="b"/>
+                    <a:pathLst>
+                      <a:path w="10982632" h="181433">
+                        <a:moveTo>
+                          <a:pt x="0" y="181433"/>
+                        </a:moveTo>
+                        <a:lnTo>
+                          <a:pt x="9379974" y="4453"/>
+                        </a:lnTo>
+                        <a:cubicBezTo>
+                          <a:pt x="11210413" y="-18489"/>
+                          <a:pt x="10763045" y="55253"/>
+                          <a:pt x="10982632" y="43782"/>
+                        </a:cubicBezTo>
+                      </a:path>
+                    </a:pathLst>
+                  </a:custGeom>
+                  <ask:type>
+                    <ask:lineSketchFreehand/>
+                  </ask:type>
+                </ask:lineSketchStyleProps>
+              </a:ext>
+            </a:extLst>
+          </a:ln>
+        </p:spPr>
+        <p:style>
+          <a:lnRef idx="2">
+            <a:schemeClr val="accent1">
+              <a:shade val="50000"/>
+            </a:schemeClr>
+          </a:lnRef>
+          <a:fillRef idx="1">
+            <a:schemeClr val="accent1"/>
+          </a:fillRef>
+          <a:effectRef idx="0">
+            <a:schemeClr val="accent1"/>
+          </a:effectRef>
+          <a:fontRef idx="minor">
+            <a:schemeClr val="lt1"/>
+          </a:fontRef>
+        </p:style>
+        <p:txBody>
+          <a:bodyPr rtlCol="0" anchor="ctr"/>
+          <a:lstStyle/>
+          <a:p>
+            <a:pPr algn="ctr"/>
+            <a:endParaRPr lang="en-GB"/>
+          </a:p>
+        </p:txBody>
+      </p:sp>
+      <p:sp>
+        <p:nvSpPr>
+          <p:cNvPr id="5" name="Nadpis 1">
+            <a:extLst>
+              <a:ext uri="{FF2B5EF4-FFF2-40B4-BE49-F238E27FC236}">
+                <a16:creationId xmlns:a16="http://schemas.microsoft.com/office/drawing/2014/main" id="{5220087A-10DC-BCD4-FF07-3BD84AD28BA3}"/>
+              </a:ext>
+            </a:extLst>
+          </p:cNvPr>
+          <p:cNvSpPr>
+            <a:spLocks noGrp="1"/>
+          </p:cNvSpPr>
+          <p:nvPr>
+            <p:ph type="title"/>
+          </p:nvPr>
+        </p:nvSpPr>
+        <p:spPr>
+          <a:xfrm>
+            <a:off x="838200" y="348888"/>
+            <a:ext cx="10515600" cy="1325563"/>
+          </a:xfrm>
+        </p:spPr>
+        <p:txBody>
+          <a:bodyPr>
+            <a:normAutofit/>
+          </a:bodyPr>
+          <a:lstStyle/>
+          <a:p>
+            <a:r>
+              <a:rPr lang="en-GB" sz="3600" b="1" spc="300" dirty="0">
+                <a:solidFill>
+                  <a:schemeClr val="tx2"/>
+                </a:solidFill>
+                <a:latin typeface="Abadi" panose="020B0604020104020204" pitchFamily="34" charset="0"/>
+              </a:rPr>
+              <a:t>MODEL</a:t>
+            </a:r>
+          </a:p>
+        </p:txBody>
+      </p:sp>
+      <p:pic>
+        <p:nvPicPr>
+          <p:cNvPr id="8" name="Obrázek 7">
+            <a:extLst>
+              <a:ext uri="{FF2B5EF4-FFF2-40B4-BE49-F238E27FC236}">
+                <a16:creationId xmlns:a16="http://schemas.microsoft.com/office/drawing/2014/main" id="{8FE30E51-027D-4C27-9FC6-E0E20DDD9FD1}"/>
+              </a:ext>
+            </a:extLst>
+          </p:cNvPr>
+          <p:cNvPicPr>
+            <a:picLocks noChangeAspect="1"/>
+          </p:cNvPicPr>
+          <p:nvPr/>
+        </p:nvPicPr>
+        <p:blipFill>
+          <a:blip r:embed="rId2">
+            <a:extLst>
+              <a:ext uri="{BEBA8EAE-BF5A-486C-A8C5-ECC9F3942E4B}">
+                <a14:imgProps xmlns:a14="http://schemas.microsoft.com/office/drawing/2010/main">
+                  <a14:imgLayer r:embed="rId3">
+                    <a14:imgEffect>
+                      <a14:backgroundRemoval t="10000" b="90000" l="10000" r="90000">
+                        <a14:foregroundMark x1="52147" y1="52439" x2="52147" y2="52439"/>
+                        <a14:foregroundMark x1="57055" y1="39634" x2="57055" y2="39634"/>
+                        <a14:foregroundMark x1="22086" y1="18902" x2="22086" y2="18902"/>
+                        <a14:backgroundMark x1="2454" y1="38415" x2="2454" y2="38415"/>
+                        <a14:backgroundMark x1="80368" y1="18293" x2="80368" y2="18293"/>
+                      </a14:backgroundRemoval>
+                    </a14:imgEffect>
+                  </a14:imgLayer>
+                </a14:imgProps>
+              </a:ext>
+            </a:extLst>
+          </a:blip>
+          <a:stretch>
+            <a:fillRect/>
+          </a:stretch>
+        </p:blipFill>
+        <p:spPr>
+          <a:xfrm>
+            <a:off x="10593090" y="0"/>
+            <a:ext cx="1317481" cy="1325563"/>
+          </a:xfrm>
+          <a:prstGeom prst="rect">
+            <a:avLst/>
+          </a:prstGeom>
+          <a:effectLst>
+            <a:outerShdw blurRad="50800" dist="38100" dir="2700000" algn="tl" rotWithShape="0">
+              <a:prstClr val="black">
+                <a:alpha val="40000"/>
+              </a:prstClr>
+            </a:outerShdw>
+          </a:effectLst>
+        </p:spPr>
+      </p:pic>
+      <p:pic>
+        <p:nvPicPr>
+          <p:cNvPr id="9" name="Obrázek 8">
+            <a:extLst>
+              <a:ext uri="{FF2B5EF4-FFF2-40B4-BE49-F238E27FC236}">
+                <a16:creationId xmlns:a16="http://schemas.microsoft.com/office/drawing/2014/main" id="{26FD94FF-F7D2-F98F-5C40-94959024EAAE}"/>
+              </a:ext>
+            </a:extLst>
+          </p:cNvPr>
+          <p:cNvPicPr>
+            <a:picLocks noChangeAspect="1"/>
+          </p:cNvPicPr>
+          <p:nvPr/>
+        </p:nvPicPr>
+        <p:blipFill>
+          <a:blip r:embed="rId4">
+            <a:extLst>
+              <a:ext uri="{BEBA8EAE-BF5A-486C-A8C5-ECC9F3942E4B}">
+                <a14:imgProps xmlns:a14="http://schemas.microsoft.com/office/drawing/2010/main">
+                  <a14:imgLayer r:embed="rId5">
+                    <a14:imgEffect>
+                      <a14:backgroundRemoval t="10000" b="90000" l="10000" r="90000"/>
+                    </a14:imgEffect>
+                  </a14:imgLayer>
+                </a14:imgProps>
+              </a:ext>
+            </a:extLst>
+          </a:blip>
+          <a:stretch>
+            <a:fillRect/>
+          </a:stretch>
+        </p:blipFill>
+        <p:spPr>
+          <a:xfrm rot="18557044">
+            <a:off x="9949804" y="296739"/>
+            <a:ext cx="1457528" cy="1457528"/>
+          </a:xfrm>
+          <a:prstGeom prst="rect">
+            <a:avLst/>
+          </a:prstGeom>
+          <a:effectLst>
+            <a:outerShdw blurRad="50800" dist="38100" dir="2700000" algn="tl" rotWithShape="0">
+              <a:prstClr val="black">
+                <a:alpha val="40000"/>
+              </a:prstClr>
+            </a:outerShdw>
+          </a:effectLst>
+        </p:spPr>
+      </p:pic>
+      <p:sp>
+        <p:nvSpPr>
+          <p:cNvPr id="21" name="Kosoúhelník 20">
+            <a:extLst>
+              <a:ext uri="{FF2B5EF4-FFF2-40B4-BE49-F238E27FC236}">
+                <a16:creationId xmlns:a16="http://schemas.microsoft.com/office/drawing/2014/main" id="{9F5851AC-927F-AA45-FE6A-CC5839B98074}"/>
+              </a:ext>
+            </a:extLst>
+          </p:cNvPr>
+          <p:cNvSpPr/>
+          <p:nvPr/>
+        </p:nvSpPr>
+        <p:spPr>
+          <a:xfrm flipH="1">
+            <a:off x="487928" y="1484671"/>
+            <a:ext cx="8229600" cy="5373329"/>
+          </a:xfrm>
+          <a:prstGeom prst="parallelogram">
+            <a:avLst>
+              <a:gd name="adj" fmla="val 101853"/>
+            </a:avLst>
+          </a:prstGeom>
+          <a:solidFill>
+            <a:srgbClr val="FFFFFF">
+              <a:alpha val="30980"/>
+            </a:srgbClr>
+          </a:solidFill>
+          <a:ln>
+            <a:noFill/>
+          </a:ln>
+        </p:spPr>
+        <p:style>
+          <a:lnRef idx="2">
+            <a:schemeClr val="accent1">
+              <a:shade val="50000"/>
+            </a:schemeClr>
+          </a:lnRef>
+          <a:fillRef idx="1">
+            <a:schemeClr val="accent1"/>
+          </a:fillRef>
+          <a:effectRef idx="0">
+            <a:schemeClr val="accent1"/>
+          </a:effectRef>
+          <a:fontRef idx="minor">
+            <a:schemeClr val="lt1"/>
+          </a:fontRef>
+        </p:style>
+        <p:txBody>
+          <a:bodyPr rtlCol="0" anchor="ctr"/>
+          <a:lstStyle/>
+          <a:p>
+            <a:pPr algn="ctr"/>
+            <a:endParaRPr lang="en-GB"/>
+          </a:p>
+        </p:txBody>
+      </p:sp>
+      <p:sp>
+        <p:nvSpPr>
+          <p:cNvPr id="23" name="Zástupný symbol pro číslo snímku 22">
+            <a:extLst>
+              <a:ext uri="{FF2B5EF4-FFF2-40B4-BE49-F238E27FC236}">
+                <a16:creationId xmlns:a16="http://schemas.microsoft.com/office/drawing/2014/main" id="{9615EB81-C053-8A4F-C45E-6175BD81A608}"/>
+              </a:ext>
+            </a:extLst>
+          </p:cNvPr>
+          <p:cNvSpPr>
+            <a:spLocks noGrp="1"/>
+          </p:cNvSpPr>
+          <p:nvPr>
+            <p:ph type="sldNum" sz="quarter" idx="12"/>
+          </p:nvPr>
+        </p:nvSpPr>
+        <p:spPr/>
+        <p:txBody>
+          <a:bodyPr/>
+          <a:lstStyle/>
+          <a:p>
+            <a:fld id="{1C02EF61-8107-4C87-8A3F-865CEEEC0DE4}" type="slidenum">
+              <a:rPr lang="en-GB" smtClean="0"/>
+              <a:t>6</a:t>
+            </a:fld>
+            <a:endParaRPr lang="en-GB"/>
+          </a:p>
+        </p:txBody>
+      </p:sp>
+      <p:sp>
+        <p:nvSpPr>
+          <p:cNvPr id="24" name="Zástupný symbol pro datum 23">
+            <a:extLst>
+              <a:ext uri="{FF2B5EF4-FFF2-40B4-BE49-F238E27FC236}">
+                <a16:creationId xmlns:a16="http://schemas.microsoft.com/office/drawing/2014/main" id="{D03774DA-07D7-92E9-DF2A-C8303FC5145D}"/>
+              </a:ext>
+            </a:extLst>
+          </p:cNvPr>
+          <p:cNvSpPr>
+            <a:spLocks noGrp="1"/>
+          </p:cNvSpPr>
+          <p:nvPr>
+            <p:ph type="dt" sz="half" idx="10"/>
+          </p:nvPr>
+        </p:nvSpPr>
+        <p:spPr/>
+        <p:txBody>
+          <a:bodyPr/>
+          <a:lstStyle/>
+          <a:p>
+            <a:r>
+              <a:rPr lang="en-GB"/>
+              <a:t>26/07/2022</a:t>
+            </a:r>
+          </a:p>
+        </p:txBody>
+      </p:sp>
+      <p:sp>
+        <p:nvSpPr>
+          <p:cNvPr id="18" name="Zástupný symbol pro zápatí 14">
+            <a:extLst>
+              <a:ext uri="{FF2B5EF4-FFF2-40B4-BE49-F238E27FC236}">
+                <a16:creationId xmlns:a16="http://schemas.microsoft.com/office/drawing/2014/main" id="{E6E7EDD0-8F30-247E-3991-AF9F6EBC7859}"/>
+              </a:ext>
+            </a:extLst>
+          </p:cNvPr>
+          <p:cNvSpPr>
+            <a:spLocks noGrp="1"/>
+          </p:cNvSpPr>
+          <p:nvPr>
+            <p:ph type="ftr" sz="quarter" idx="11"/>
+          </p:nvPr>
+        </p:nvSpPr>
+        <p:spPr>
+          <a:xfrm>
+            <a:off x="4038600" y="6356350"/>
+            <a:ext cx="4114800" cy="365125"/>
+          </a:xfrm>
+        </p:spPr>
+        <p:txBody>
+          <a:bodyPr/>
+          <a:lstStyle/>
+          <a:p>
+            <a:r>
+              <a:rPr lang="en-GB"/>
+              <a:t>Anežka Lhotáková | Case study: Candy Recommendation</a:t>
+            </a:r>
+          </a:p>
+        </p:txBody>
+      </p:sp>
+    </p:spTree>
+    <p:extLst>
+      <p:ext uri="{BB962C8B-B14F-4D97-AF65-F5344CB8AC3E}">
+        <p14:creationId xmlns:p14="http://schemas.microsoft.com/office/powerpoint/2010/main" val="3666667939"/>
       </p:ext>
     </p:extLst>
   </p:cSld>
